--- a/Chapter4.Memory Hirearchy.pptx
+++ b/Chapter4.Memory Hirearchy.pptx
@@ -273,7 +273,7 @@
           <a:p>
             <a:fld id="{966D5B4E-BF3E-3B45-A4BA-D6C3B92870D7}" type="datetimeFigureOut">
               <a:rPr lang="en-US" smtClean="0"/>
-              <a:t>6/12/2023</a:t>
+              <a:t>6/15/2023</a:t>
             </a:fld>
             <a:endParaRPr lang="en-US" dirty="0"/>
           </a:p>
@@ -450,7 +450,7 @@
           <a:p>
             <a:fld id="{F5A8621B-8C8E-49BA-8772-41D0FE75A082}" type="datetimeFigureOut">
               <a:rPr lang="en-US" smtClean="0"/>
-              <a:t>6/12/2023</a:t>
+              <a:t>6/15/2023</a:t>
             </a:fld>
             <a:endParaRPr lang="en-US" dirty="0"/>
           </a:p>
@@ -11795,12 +11795,12 @@
         </p:spPr>
         <p:txBody>
           <a:bodyPr>
-            <a:normAutofit fontScale="85000" lnSpcReduction="10000"/>
+            <a:normAutofit/>
           </a:bodyPr>
           <a:lstStyle/>
           <a:p>
             <a:r>
-              <a:rPr lang="en-US" sz="1800" b="0" i="0" u="none" strike="noStrike" baseline="0" dirty="0">
+              <a:rPr lang="en-US" sz="1600" b="0" i="0" u="none" strike="noStrike" baseline="0" dirty="0">
                 <a:solidFill>
                   <a:srgbClr val="2A1A00"/>
                 </a:solidFill>
@@ -11809,7 +11809,7 @@
               <a:t>•</a:t>
             </a:r>
             <a:r>
-              <a:rPr lang="en-US" sz="1800" b="0" i="0" u="none" strike="noStrike" baseline="0" dirty="0">
+              <a:rPr lang="en-US" sz="1600" b="0" i="0" u="none" strike="noStrike" baseline="0" dirty="0">
                 <a:solidFill>
                   <a:srgbClr val="585858"/>
                 </a:solidFill>
@@ -11820,7 +11820,7 @@
           </a:p>
           <a:p>
             <a:r>
-              <a:rPr lang="en-US" sz="1800" b="0" i="0" u="none" strike="noStrike" baseline="0" dirty="0">
+              <a:rPr lang="en-US" sz="1600" b="0" i="0" u="none" strike="noStrike" baseline="0" dirty="0">
                 <a:solidFill>
                   <a:srgbClr val="2A1A00"/>
                 </a:solidFill>
@@ -11829,7 +11829,7 @@
               <a:t>•</a:t>
             </a:r>
             <a:r>
-              <a:rPr lang="en-US" sz="1800" b="0" i="0" u="none" strike="noStrike" baseline="0" dirty="0">
+              <a:rPr lang="en-US" sz="1600" b="0" i="0" u="none" strike="noStrike" baseline="0" dirty="0">
                 <a:solidFill>
                   <a:srgbClr val="585858"/>
                 </a:solidFill>
@@ -11840,7 +11840,7 @@
           </a:p>
           <a:p>
             <a:r>
-              <a:rPr lang="en-US" sz="1800" b="0" i="0" u="none" strike="noStrike" baseline="0" dirty="0">
+              <a:rPr lang="en-US" sz="1600" b="0" i="0" u="none" strike="noStrike" baseline="0" dirty="0">
                 <a:solidFill>
                   <a:srgbClr val="2A1A00"/>
                 </a:solidFill>
@@ -11849,7 +11849,7 @@
               <a:t>•</a:t>
             </a:r>
             <a:r>
-              <a:rPr lang="en-US" sz="1800" b="0" i="0" u="none" strike="noStrike" baseline="0" dirty="0">
+              <a:rPr lang="en-US" sz="1600" b="0" i="0" u="none" strike="noStrike" baseline="0" dirty="0">
                 <a:solidFill>
                   <a:srgbClr val="585858"/>
                 </a:solidFill>
@@ -11858,7 +11858,7 @@
               <a:t>2</a:t>
             </a:r>
             <a:r>
-              <a:rPr lang="fa-IR" sz="1800" b="0" i="0" u="none" strike="noStrike" baseline="0" dirty="0">
+              <a:rPr lang="fa-IR" sz="1600" b="0" i="0" u="none" strike="noStrike" baseline="0" dirty="0">
                 <a:solidFill>
                   <a:srgbClr val="585858"/>
                 </a:solidFill>
@@ -11867,7 +11867,7 @@
               <a:t>^</a:t>
             </a:r>
             <a:r>
-              <a:rPr lang="en-US" sz="1800" b="0" i="0" u="none" strike="noStrike" baseline="0" dirty="0">
+              <a:rPr lang="en-US" sz="1600" b="0" i="0" u="none" strike="noStrike" baseline="0" dirty="0">
                 <a:solidFill>
                   <a:srgbClr val="585858"/>
                 </a:solidFill>
@@ -11876,7 +11876,7 @@
               <a:t>14 x (32+(32-14-2)+1)=2</a:t>
             </a:r>
             <a:r>
-              <a:rPr lang="fa-IR" sz="1800" b="0" i="0" u="none" strike="noStrike" baseline="0" dirty="0">
+              <a:rPr lang="fa-IR" sz="1600" b="0" i="0" u="none" strike="noStrike" baseline="0" dirty="0">
                 <a:solidFill>
                   <a:srgbClr val="585858"/>
                 </a:solidFill>
@@ -11885,7 +11885,7 @@
               <a:t>^</a:t>
             </a:r>
             <a:r>
-              <a:rPr lang="en-US" sz="1800" b="0" i="0" u="none" strike="noStrike" baseline="0" dirty="0">
+              <a:rPr lang="en-US" sz="1600" b="0" i="0" u="none" strike="noStrike" baseline="0" dirty="0">
                 <a:solidFill>
                   <a:srgbClr val="585858"/>
                 </a:solidFill>
@@ -11894,7 +11894,7 @@
               <a:t>14x49=2</a:t>
             </a:r>
             <a:r>
-              <a:rPr lang="fa-IR" sz="1800" b="0" i="0" u="none" strike="noStrike" baseline="0" dirty="0">
+              <a:rPr lang="fa-IR" sz="1600" b="0" i="0" u="none" strike="noStrike" baseline="0" dirty="0">
                 <a:solidFill>
                   <a:srgbClr val="585858"/>
                 </a:solidFill>
@@ -11903,7 +11903,7 @@
               <a:t>^</a:t>
             </a:r>
             <a:r>
-              <a:rPr lang="en-US" sz="1800" b="0" i="0" u="none" strike="noStrike" baseline="0" dirty="0">
+              <a:rPr lang="en-US" sz="1600" b="0" i="0" u="none" strike="noStrike" baseline="0" dirty="0">
                 <a:solidFill>
                   <a:srgbClr val="585858"/>
                 </a:solidFill>
@@ -12033,7 +12033,7 @@
         </p:nvSpPr>
         <p:spPr>
           <a:xfrm>
-            <a:off x="4446036" y="1689826"/>
+            <a:off x="4422710" y="1689826"/>
             <a:ext cx="4572000" cy="3046988"/>
           </a:xfrm>
           <a:prstGeom prst="rect">
@@ -26119,15 +26119,6 @@
 </file>
 
 <file path=customXml/item1.xml><?xml version="1.0" encoding="utf-8"?>
-<?mso-contentType ?>
-<FormTemplates xmlns="http://schemas.microsoft.com/sharepoint/v3/contenttype/forms">
-  <Display>DocumentLibraryForm</Display>
-  <Edit>DocumentLibraryForm</Edit>
-  <New>DocumentLibraryForm</New>
-</FormTemplates>
-</file>
-
-<file path=customXml/item2.xml><?xml version="1.0" encoding="utf-8"?>
 <p:properties xmlns:p="http://schemas.microsoft.com/office/2006/metadata/properties" xmlns:xsi="http://www.w3.org/2001/XMLSchema-instance" xmlns:pc="http://schemas.microsoft.com/office/infopath/2007/PartnerControls">
   <documentManagement>
     <Status xmlns="71af3243-3dd4-4a8d-8c0d-dd76da1f02a5">Not started</Status>
@@ -26136,7 +26127,7 @@
 </p:properties>
 </file>
 
-<file path=customXml/item3.xml><?xml version="1.0" encoding="utf-8"?>
+<file path=customXml/item2.xml><?xml version="1.0" encoding="utf-8"?>
 <ct:contentTypeSchema xmlns:ct="http://schemas.microsoft.com/office/2006/metadata/contentType" xmlns:ma="http://schemas.microsoft.com/office/2006/metadata/properties/metaAttributes" ct:_="" ma:_="" ma:contentTypeName="Document" ma:contentTypeID="0x01010079F111ED35F8CC479449609E8A0923A6" ma:contentTypeVersion="12" ma:contentTypeDescription="Create a new document." ma:contentTypeScope="" ma:versionID="426e97fa315356fffbdcd9876fe988c2">
   <xsd:schema xmlns:xsd="http://www.w3.org/2001/XMLSchema" xmlns:xs="http://www.w3.org/2001/XMLSchema" xmlns:p="http://schemas.microsoft.com/office/2006/metadata/properties" xmlns:ns2="71af3243-3dd4-4a8d-8c0d-dd76da1f02a5" xmlns:ns3="16c05727-aa75-4e4a-9b5f-8a80a1165891" targetNamespace="http://schemas.microsoft.com/office/2006/metadata/properties" ma:root="true" ma:fieldsID="14b8f0def80e6d70ce3def20c90759ae" ns2:_="" ns3:_="">
     <xsd:import namespace="71af3243-3dd4-4a8d-8c0d-dd76da1f02a5"/>
@@ -26357,15 +26348,16 @@
 </ct:contentTypeSchema>
 </file>
 
-<file path=customXml/itemProps1.xml><?xml version="1.0" encoding="utf-8"?>
-<ds:datastoreItem xmlns:ds="http://schemas.openxmlformats.org/officeDocument/2006/customXml" ds:itemID="{1B7E2D32-4FDD-4266-880C-17595B801432}">
-  <ds:schemaRefs>
-    <ds:schemaRef ds:uri="http://schemas.microsoft.com/sharepoint/v3/contenttype/forms"/>
-  </ds:schemaRefs>
-</ds:datastoreItem>
+<file path=customXml/item3.xml><?xml version="1.0" encoding="utf-8"?>
+<?mso-contentType ?>
+<FormTemplates xmlns="http://schemas.microsoft.com/sharepoint/v3/contenttype/forms">
+  <Display>DocumentLibraryForm</Display>
+  <Edit>DocumentLibraryForm</Edit>
+  <New>DocumentLibraryForm</New>
+</FormTemplates>
 </file>
 
-<file path=customXml/itemProps2.xml><?xml version="1.0" encoding="utf-8"?>
+<file path=customXml/itemProps1.xml><?xml version="1.0" encoding="utf-8"?>
 <ds:datastoreItem xmlns:ds="http://schemas.openxmlformats.org/officeDocument/2006/customXml" ds:itemID="{E3D9F223-918A-45AF-9B53-56AB9E5E2182}">
   <ds:schemaRefs>
     <ds:schemaRef ds:uri="http://schemas.microsoft.com/office/2006/metadata/properties"/>
@@ -26375,7 +26367,7 @@
 </ds:datastoreItem>
 </file>
 
-<file path=customXml/itemProps3.xml><?xml version="1.0" encoding="utf-8"?>
+<file path=customXml/itemProps2.xml><?xml version="1.0" encoding="utf-8"?>
 <ds:datastoreItem xmlns:ds="http://schemas.openxmlformats.org/officeDocument/2006/customXml" ds:itemID="{55BB9993-D5F9-46FA-B2E5-80E3632E9820}">
   <ds:schemaRefs>
     <ds:schemaRef ds:uri="http://schemas.microsoft.com/office/2006/metadata/contentType"/>
@@ -26392,4 +26384,12 @@
     <ds:schemaRef ds:uri="http://schemas.microsoft.com/internal/obd"/>
   </ds:schemaRefs>
 </ds:datastoreItem>
+</file>
+
+<file path=customXml/itemProps3.xml><?xml version="1.0" encoding="utf-8"?>
+<ds:datastoreItem xmlns:ds="http://schemas.openxmlformats.org/officeDocument/2006/customXml" ds:itemID="{1B7E2D32-4FDD-4266-880C-17595B801432}">
+  <ds:schemaRefs>
+    <ds:schemaRef ds:uri="http://schemas.microsoft.com/sharepoint/v3/contenttype/forms"/>
+  </ds:schemaRefs>
+</ds:datastoreItem>
 </file>
--- a/Chapter4.Memory Hirearchy.pptx
+++ b/Chapter4.Memory Hirearchy.pptx
@@ -273,7 +273,7 @@
           <a:p>
             <a:fld id="{966D5B4E-BF3E-3B45-A4BA-D6C3B92870D7}" type="datetimeFigureOut">
               <a:rPr lang="en-US" smtClean="0"/>
-              <a:t>6/15/2023</a:t>
+              <a:t>6/17/2023</a:t>
             </a:fld>
             <a:endParaRPr lang="en-US" dirty="0"/>
           </a:p>
@@ -450,7 +450,7 @@
           <a:p>
             <a:fld id="{F5A8621B-8C8E-49BA-8772-41D0FE75A082}" type="datetimeFigureOut">
               <a:rPr lang="en-US" smtClean="0"/>
-              <a:t>6/15/2023</a:t>
+              <a:t>6/17/2023</a:t>
             </a:fld>
             <a:endParaRPr lang="en-US" dirty="0"/>
           </a:p>
@@ -9440,7 +9440,7 @@
         </p:nvSpPr>
         <p:spPr>
           <a:xfrm>
-            <a:off x="4665307" y="1097322"/>
+            <a:off x="4711962" y="846167"/>
             <a:ext cx="4156787" cy="3416320"/>
           </a:xfrm>
           <a:prstGeom prst="rect">
@@ -9456,15 +9456,18 @@
           <a:p>
             <a:pPr algn="r" rtl="1"/>
             <a:r>
-              <a:rPr lang="en-US" b="0" i="0" dirty="0">
+              <a:rPr lang="fa-IR" b="0" i="0" dirty="0">
                 <a:solidFill>
                   <a:srgbClr val="3C4043"/>
                 </a:solidFill>
                 <a:effectLst/>
                 <a:latin typeface="Roboto" panose="02000000000000000000" pitchFamily="2" charset="0"/>
               </a:rPr>
-              <a:t>•</a:t>
-            </a:r>
+              <a:t>•طرح آدرس دهی در حافظه پنهان مستقیم:</a:t>
+            </a:r>
+          </a:p>
+          <a:p>
+            <a:pPr algn="r" rtl="1"/>
             <a:r>
               <a:rPr lang="fa-IR" b="0" i="0" dirty="0">
                 <a:solidFill>
@@ -9473,58 +9476,64 @@
                 <a:effectLst/>
                 <a:latin typeface="Roboto" panose="02000000000000000000" pitchFamily="2" charset="0"/>
               </a:rPr>
-              <a:t>طرح آدرس دهی در حافظه پنهان مستقیم: -آدرس بلوک کش = آدرس بلوک حافظه اندازه مود کش (یکتا) -اگر اندازه کش = 2 متر، آدرس کش = </a:t>
-            </a:r>
-            <a:r>
-              <a:rPr lang="en-US" b="0" i="0" dirty="0">
+              <a:t>-آدرس بلوک کش = آدرس بلوک حافظه اندازه مود کش (یکتا)</a:t>
+            </a:r>
+          </a:p>
+          <a:p>
+            <a:pPr algn="r" rtl="1"/>
+            <a:r>
+              <a:rPr lang="fa-IR" b="0" i="0" dirty="0">
                 <a:solidFill>
                   <a:srgbClr val="3C4043"/>
                 </a:solidFill>
                 <a:effectLst/>
                 <a:latin typeface="Roboto" panose="02000000000000000000" pitchFamily="2" charset="0"/>
               </a:rPr>
-              <a:t>m </a:t>
-            </a:r>
-            <a:r>
-              <a:rPr lang="fa-IR" b="0" i="0" dirty="0">
+              <a:t>-اگر اندازه کش = 2 متر، آدرس کش = </a:t>
+            </a:r>
+            <a:r>
+              <a:rPr lang="en-US" b="0" i="0" dirty="0">
                 <a:solidFill>
                   <a:srgbClr val="3C4043"/>
                 </a:solidFill>
                 <a:effectLst/>
                 <a:latin typeface="Roboto" panose="02000000000000000000" pitchFamily="2" charset="0"/>
               </a:rPr>
-              <a:t>بیت کمتر از آدرس حافظه </a:t>
-            </a:r>
-            <a:r>
-              <a:rPr lang="en-US" b="0" i="0" dirty="0">
+              <a:t>m </a:t>
+            </a:r>
+            <a:r>
+              <a:rPr lang="fa-IR" b="0" i="0" dirty="0">
                 <a:solidFill>
                   <a:srgbClr val="3C4043"/>
                 </a:solidFill>
                 <a:effectLst/>
                 <a:latin typeface="Roboto" panose="02000000000000000000" pitchFamily="2" charset="0"/>
               </a:rPr>
-              <a:t>n </a:t>
-            </a:r>
-            <a:r>
-              <a:rPr lang="fa-IR" b="0" i="0" dirty="0">
+              <a:t>بیت کمتر از آدرس حافظه </a:t>
+            </a:r>
+            <a:r>
+              <a:rPr lang="en-US" b="0" i="0" dirty="0">
                 <a:solidFill>
                   <a:srgbClr val="3C4043"/>
                 </a:solidFill>
                 <a:effectLst/>
                 <a:latin typeface="Roboto" panose="02000000000000000000" pitchFamily="2" charset="0"/>
               </a:rPr>
-              <a:t>بیتی - </a:t>
-            </a:r>
-            <a:r>
-              <a:rPr lang="en-US" b="0" i="0" dirty="0">
+              <a:t>n </a:t>
+            </a:r>
+            <a:r>
+              <a:rPr lang="fa-IR" b="0" i="0" dirty="0">
                 <a:solidFill>
                   <a:srgbClr val="3C4043"/>
                 </a:solidFill>
                 <a:effectLst/>
                 <a:latin typeface="Roboto" panose="02000000000000000000" pitchFamily="2" charset="0"/>
               </a:rPr>
-              <a:t>n-m </a:t>
-            </a:r>
+              <a:t>بیتی</a:t>
+            </a:r>
+          </a:p>
+          <a:p>
+            <a:pPr algn="r" rtl="1"/>
             <a:r>
               <a:rPr lang="fa-IR" b="0" i="0" dirty="0">
                 <a:solidFill>
@@ -9533,47 +9542,67 @@
                 <a:effectLst/>
                 <a:latin typeface="Roboto" panose="02000000000000000000" pitchFamily="2" charset="0"/>
               </a:rPr>
-              <a:t>بیت های بالای باقی مانده به عنوان بیت های برچسب در هر بلوک کش نگهداری می شوند -همچنین به یک بیت معتبر برای شناسایی ورودی معتبر نیاز دارید -در اینجا اندازه کش 8 (23) =&gt; 3 بیت برای شاخص است </a:t>
-            </a:r>
-            <a:endParaRPr lang="en-US" b="0" i="0" dirty="0">
-              <a:solidFill>
-                <a:srgbClr val="3C4043"/>
-              </a:solidFill>
-              <a:effectLst/>
-              <a:latin typeface="Roboto" panose="02000000000000000000" pitchFamily="2" charset="0"/>
-            </a:endParaRPr>
-          </a:p>
-          <a:p>
-            <a:pPr algn="r" rtl="1"/>
-            <a:r>
-              <a:rPr lang="fa-IR" b="0" i="0" dirty="0">
+              <a:t>- </a:t>
+            </a:r>
+            <a:r>
+              <a:rPr lang="en-US" b="0" i="0" dirty="0">
                 <a:solidFill>
                   <a:srgbClr val="3C4043"/>
                 </a:solidFill>
                 <a:effectLst/>
                 <a:latin typeface="Roboto" panose="02000000000000000000" pitchFamily="2" charset="0"/>
               </a:rPr>
-              <a:t>-2 بیت برای برچسب</a:t>
-            </a:r>
-          </a:p>
-          <a:p>
-            <a:pPr algn="r" rtl="1"/>
-            <a:br>
+              <a:t>n-m </a:t>
+            </a:r>
+            <a:r>
               <a:rPr lang="fa-IR" b="0" i="0" dirty="0">
                 <a:solidFill>
-                  <a:srgbClr val="5F6368"/>
+                  <a:srgbClr val="3C4043"/>
                 </a:solidFill>
                 <a:effectLst/>
                 <a:latin typeface="Roboto" panose="02000000000000000000" pitchFamily="2" charset="0"/>
               </a:rPr>
-            </a:br>
-            <a:endParaRPr lang="fa-IR" b="0" i="0" dirty="0">
-              <a:solidFill>
-                <a:srgbClr val="3C4043"/>
-              </a:solidFill>
-              <a:effectLst/>
-              <a:latin typeface="Roboto" panose="02000000000000000000" pitchFamily="2" charset="0"/>
-            </a:endParaRPr>
+              <a:t>بیت های بالای باقی مانده به عنوان بیت های برچسب در هر بلوک کش نگهداری می شوند</a:t>
+            </a:r>
+          </a:p>
+          <a:p>
+            <a:pPr algn="r" rtl="1"/>
+            <a:r>
+              <a:rPr lang="fa-IR" b="0" i="0" dirty="0">
+                <a:solidFill>
+                  <a:srgbClr val="3C4043"/>
+                </a:solidFill>
+                <a:effectLst/>
+                <a:latin typeface="Roboto" panose="02000000000000000000" pitchFamily="2" charset="0"/>
+              </a:rPr>
+              <a:t>-همچنین به یک بیت معتبر برای شناسایی ورودی معتبر نیاز دارید</a:t>
+            </a:r>
+          </a:p>
+          <a:p>
+            <a:pPr algn="r" rtl="1"/>
+            <a:r>
+              <a:rPr lang="fa-IR" b="0" i="0" dirty="0">
+                <a:solidFill>
+                  <a:srgbClr val="3C4043"/>
+                </a:solidFill>
+                <a:effectLst/>
+                <a:latin typeface="Roboto" panose="02000000000000000000" pitchFamily="2" charset="0"/>
+              </a:rPr>
+              <a:t>-در اینجا اندازه کش 8 (23) =&gt; 3 بیت برای شاخص است</a:t>
+            </a:r>
+          </a:p>
+          <a:p>
+            <a:pPr algn="r" rtl="1"/>
+            <a:r>
+              <a:rPr lang="fa-IR" b="0" i="0" dirty="0">
+                <a:solidFill>
+                  <a:srgbClr val="3C4043"/>
+                </a:solidFill>
+                <a:effectLst/>
+                <a:latin typeface="Roboto" panose="02000000000000000000" pitchFamily="2" charset="0"/>
+              </a:rPr>
+              <a:t>-2 بیت برای برچسب</a:t>
+            </a:r>
           </a:p>
         </p:txBody>
       </p:sp>
@@ -9683,7 +9712,7 @@
         <p:spPr>
           <a:xfrm>
             <a:off x="65313" y="846167"/>
-            <a:ext cx="4366727" cy="3416320"/>
+            <a:ext cx="4366727" cy="3139321"/>
           </a:xfrm>
           <a:prstGeom prst="rect">
             <a:avLst/>
@@ -9695,15 +9724,6 @@
             <a:spAutoFit/>
           </a:bodyPr>
           <a:lstStyle/>
-          <a:p>
-            <a:pPr algn="l"/>
-            <a:endParaRPr lang="en-US" sz="1800" b="0" i="0" u="none" strike="noStrike" baseline="0" dirty="0">
-              <a:solidFill>
-                <a:srgbClr val="000000"/>
-              </a:solidFill>
-              <a:latin typeface="Arial" panose="020B0604020202020204" pitchFamily="34" charset="0"/>
-            </a:endParaRPr>
-          </a:p>
           <a:p>
             <a:r>
               <a:rPr lang="en-US" sz="1800" b="0" i="0" u="none" strike="noStrike" baseline="0" dirty="0">
@@ -11282,8 +11302,8 @@
         </p:nvSpPr>
         <p:spPr>
           <a:xfrm>
-            <a:off x="4665307" y="1097322"/>
-            <a:ext cx="4156787" cy="1477328"/>
+            <a:off x="4595328" y="843677"/>
+            <a:ext cx="4483359" cy="2585323"/>
           </a:xfrm>
           <a:prstGeom prst="rect">
             <a:avLst/>
@@ -11305,37 +11325,43 @@
                 <a:effectLst/>
                 <a:latin typeface="Roboto" panose="02000000000000000000" pitchFamily="2" charset="0"/>
               </a:rPr>
-              <a:t>32 بیت آدرس بایت• 2 بیت کم اهمیت آدرس کلمه هستند• حافظه پنهان به اندازه 2</a:t>
-            </a:r>
-            <a:r>
-              <a:rPr lang="en-US" b="0" i="0" dirty="0" err="1">
+              <a:t>32 بیت آدرس بایت</a:t>
+            </a:r>
+          </a:p>
+          <a:p>
+            <a:pPr algn="r" rtl="1"/>
+            <a:r>
+              <a:rPr lang="fa-IR" b="0" i="0" dirty="0">
                 <a:solidFill>
                   <a:srgbClr val="3C4043"/>
                 </a:solidFill>
                 <a:effectLst/>
                 <a:latin typeface="Roboto" panose="02000000000000000000" pitchFamily="2" charset="0"/>
               </a:rPr>
-              <a:t>nword</a:t>
-            </a:r>
-            <a:r>
-              <a:rPr lang="en-US" b="0" i="0" dirty="0">
+              <a:t>• 2 بیت کم اهمیت آدرس کلمه هستند</a:t>
+            </a:r>
+          </a:p>
+          <a:p>
+            <a:pPr algn="r" rtl="1"/>
+            <a:r>
+              <a:rPr lang="fa-IR" b="0" i="0" dirty="0">
                 <a:solidFill>
                   <a:srgbClr val="3C4043"/>
                 </a:solidFill>
                 <a:effectLst/>
                 <a:latin typeface="Roboto" panose="02000000000000000000" pitchFamily="2" charset="0"/>
               </a:rPr>
-              <a:t> </a:t>
-            </a:r>
-            <a:r>
-              <a:rPr lang="fa-IR" b="0" i="0" dirty="0">
+              <a:t>• حافظه پنهان به اندازه 2</a:t>
+            </a:r>
+            <a:r>
+              <a:rPr lang="en-US" b="0" i="0" dirty="0" err="1">
                 <a:solidFill>
                   <a:srgbClr val="3C4043"/>
                 </a:solidFill>
                 <a:effectLst/>
                 <a:latin typeface="Roboto" panose="02000000000000000000" pitchFamily="2" charset="0"/>
               </a:rPr>
-              <a:t>با بلوک های یک کلمه (4 بایت) نیاز دارد</a:t>
+              <a:t>nword</a:t>
             </a:r>
             <a:r>
               <a:rPr lang="en-US" b="0" i="0" dirty="0">
@@ -11345,7 +11371,7 @@
                 <a:effectLst/>
                 <a:latin typeface="Roboto" panose="02000000000000000000" pitchFamily="2" charset="0"/>
               </a:rPr>
-              <a:t>n </a:t>
+              <a:t> </a:t>
             </a:r>
             <a:r>
               <a:rPr lang="fa-IR" b="0" i="0" dirty="0">
@@ -11355,8 +11381,11 @@
                 <a:effectLst/>
                 <a:latin typeface="Roboto" panose="02000000000000000000" pitchFamily="2" charset="0"/>
               </a:rPr>
-              <a:t>بیت شاخصیک فیلد برچسب به اندازه 32-(</a:t>
-            </a:r>
+              <a:t>با بلوک های یک کلمه (4 بایت) نیاز دارد</a:t>
+            </a:r>
+          </a:p>
+          <a:p>
+            <a:pPr algn="r" rtl="1"/>
             <a:r>
               <a:rPr lang="en-US" b="0" i="0" dirty="0">
                 <a:solidFill>
@@ -11365,7 +11394,7 @@
                 <a:effectLst/>
                 <a:latin typeface="Roboto" panose="02000000000000000000" pitchFamily="2" charset="0"/>
               </a:rPr>
-              <a:t>n+2) </a:t>
+              <a:t>n </a:t>
             </a:r>
             <a:r>
               <a:rPr lang="fa-IR" b="0" i="0" dirty="0">
@@ -11375,17 +11404,20 @@
                 <a:effectLst/>
                 <a:latin typeface="Roboto" panose="02000000000000000000" pitchFamily="2" charset="0"/>
               </a:rPr>
-              <a:t>بیت1 بیت برای معتبر  تعداد بیت ها در حافظه نهان</a:t>
-            </a:r>
-            <a:r>
-              <a:rPr lang="en-US" b="0" i="0" dirty="0">
+              <a:t>بیت شاخص</a:t>
+            </a:r>
+          </a:p>
+          <a:p>
+            <a:pPr algn="r" rtl="1"/>
+            <a:r>
+              <a:rPr lang="fa-IR" b="0" i="0" dirty="0">
                 <a:solidFill>
                   <a:srgbClr val="3C4043"/>
                 </a:solidFill>
                 <a:effectLst/>
                 <a:latin typeface="Roboto" panose="02000000000000000000" pitchFamily="2" charset="0"/>
               </a:rPr>
-              <a:t>look aside </a:t>
+              <a:t>یک فیلد برچسب به اندازه 32-(</a:t>
             </a:r>
             <a:r>
               <a:rPr lang="en-US" b="0" i="0" dirty="0">
@@ -11394,19 +11426,67 @@
                 </a:solidFill>
                 <a:effectLst/>
                 <a:latin typeface="Roboto" panose="02000000000000000000" pitchFamily="2" charset="0"/>
-                <a:sym typeface="Wingdings" panose="05000000000000000000" pitchFamily="2" charset="2"/>
-              </a:rPr>
-              <a:t></a:t>
-            </a:r>
-            <a:r>
-              <a:rPr lang="en-US" b="0" i="0" dirty="0">
+              </a:rPr>
+              <a:t>n+2) </a:t>
+            </a:r>
+            <a:r>
+              <a:rPr lang="fa-IR" b="0" i="0" dirty="0">
                 <a:solidFill>
                   <a:srgbClr val="3C4043"/>
                 </a:solidFill>
                 <a:effectLst/>
                 <a:latin typeface="Roboto" panose="02000000000000000000" pitchFamily="2" charset="0"/>
               </a:rPr>
-              <a:t>:</a:t>
+              <a:t>بیت</a:t>
+            </a:r>
+          </a:p>
+          <a:p>
+            <a:pPr algn="r" rtl="1"/>
+            <a:r>
+              <a:rPr lang="fa-IR" b="0" i="0" dirty="0">
+                <a:solidFill>
+                  <a:srgbClr val="3C4043"/>
+                </a:solidFill>
+                <a:effectLst/>
+                <a:latin typeface="Roboto" panose="02000000000000000000" pitchFamily="2" charset="0"/>
+              </a:rPr>
+              <a:t>1 بیت برای معتبر</a:t>
+            </a:r>
+          </a:p>
+          <a:p>
+            <a:pPr algn="r" rtl="1"/>
+            <a:r>
+              <a:rPr lang="fa-IR" b="0" i="0" dirty="0">
+                <a:solidFill>
+                  <a:srgbClr val="3C4043"/>
+                </a:solidFill>
+                <a:effectLst/>
+                <a:latin typeface="Roboto" panose="02000000000000000000" pitchFamily="2" charset="0"/>
+              </a:rPr>
+              <a:t>  تعداد بیت ها در حافظه نهان =</a:t>
+            </a:r>
+          </a:p>
+          <a:p>
+            <a:pPr algn="r" rtl="1"/>
+            <a:r>
+              <a:rPr lang="fa-IR" b="0" i="0" dirty="0">
+                <a:solidFill>
+                  <a:srgbClr val="3C4043"/>
+                </a:solidFill>
+                <a:effectLst/>
+                <a:latin typeface="Roboto" panose="02000000000000000000" pitchFamily="2" charset="0"/>
+              </a:rPr>
+              <a:t>2</a:t>
+            </a:r>
+            <a:r>
+              <a:rPr lang="en-US" b="0" i="0" dirty="0">
+                <a:solidFill>
+                  <a:srgbClr val="3C4043"/>
+                </a:solidFill>
+                <a:effectLst/>
+                <a:latin typeface="Roboto" panose="02000000000000000000" pitchFamily="2" charset="0"/>
+              </a:rPr>
+              <a:t>n x (32+(32-n-2)+1)=2nx (63-n)</a:t>
             </a:r>
             <a:endParaRPr lang="fa-IR" b="0" i="0" dirty="0">
               <a:solidFill>
@@ -12115,8 +12195,8 @@
         </p:nvSpPr>
         <p:spPr>
           <a:xfrm>
-            <a:off x="4665307" y="1097322"/>
-            <a:ext cx="4156787" cy="4801314"/>
+            <a:off x="4688633" y="846167"/>
+            <a:ext cx="4455367" cy="4247317"/>
           </a:xfrm>
           <a:prstGeom prst="rect">
             <a:avLst/>
@@ -12138,7 +12218,7 @@
                 <a:effectLst/>
                 <a:latin typeface="Roboto" panose="02000000000000000000" pitchFamily="2" charset="0"/>
               </a:rPr>
-              <a:t>• کش خواندن ضربه: هیچ اقدام مورد نیاز است• حافظه پنهان دستورالعمل از دست رفته:</a:t>
+              <a:t>• کش خواندن ضربه: هیچ اقدام مورد نیاز است</a:t>
             </a:r>
           </a:p>
           <a:p>
@@ -12151,51 +12231,51 @@
                 <a:effectLst/>
                 <a:latin typeface="Roboto" panose="02000000000000000000" pitchFamily="2" charset="0"/>
               </a:rPr>
-              <a:t>1.ارسال مقدار اصلی </a:t>
-            </a:r>
-            <a:r>
-              <a:rPr lang="en-US" b="0" i="0" dirty="0">
+              <a:t>• حافظه پنهان دستورالعمل از دست رفته:</a:t>
+            </a:r>
+          </a:p>
+          <a:p>
+            <a:pPr algn="r" rtl="1"/>
+            <a:r>
+              <a:rPr lang="fa-IR" b="0" i="0" dirty="0">
                 <a:solidFill>
                   <a:srgbClr val="3C4043"/>
                 </a:solidFill>
                 <a:effectLst/>
                 <a:latin typeface="Roboto" panose="02000000000000000000" pitchFamily="2" charset="0"/>
               </a:rPr>
-              <a:t>PC (PC </a:t>
-            </a:r>
-            <a:r>
-              <a:rPr lang="fa-IR" b="0" i="0" dirty="0">
+              <a:t>1.ارسال مقدار اصلی </a:t>
+            </a:r>
+            <a:r>
+              <a:rPr lang="en-US" b="0" i="0" dirty="0">
                 <a:solidFill>
                   <a:srgbClr val="3C4043"/>
                 </a:solidFill>
                 <a:effectLst/>
                 <a:latin typeface="Roboto" panose="02000000000000000000" pitchFamily="2" charset="0"/>
               </a:rPr>
-              <a:t>فعلی -4، زیرا </a:t>
-            </a:r>
-            <a:r>
-              <a:rPr lang="en-US" b="0" i="0" dirty="0">
+              <a:t>PC (PC </a:t>
+            </a:r>
+            <a:r>
+              <a:rPr lang="fa-IR" b="0" i="0" dirty="0">
                 <a:solidFill>
                   <a:srgbClr val="3C4043"/>
                 </a:solidFill>
                 <a:effectLst/>
                 <a:latin typeface="Roboto" panose="02000000000000000000" pitchFamily="2" charset="0"/>
               </a:rPr>
-              <a:t>PC </a:t>
-            </a:r>
-            <a:r>
-              <a:rPr lang="fa-IR" b="0" i="0" dirty="0">
+              <a:t>فعلی -4، زیرا </a:t>
+            </a:r>
+            <a:r>
+              <a:rPr lang="en-US" b="0" i="0" dirty="0">
                 <a:solidFill>
                   <a:srgbClr val="3C4043"/>
                 </a:solidFill>
                 <a:effectLst/>
                 <a:latin typeface="Roboto" panose="02000000000000000000" pitchFamily="2" charset="0"/>
               </a:rPr>
-              <a:t>قبلاً در مرحله اول چرخه دستورالعمل افزایش یافته است) به حافظه2</a:t>
-            </a:r>
-          </a:p>
-          <a:p>
-            <a:pPr algn="r" rtl="1"/>
+              <a:t>PC </a:t>
+            </a:r>
             <a:r>
               <a:rPr lang="fa-IR" b="0" i="0" dirty="0">
                 <a:solidFill>
@@ -12204,27 +12284,21 @@
                 <a:effectLst/>
                 <a:latin typeface="Roboto" panose="02000000000000000000" pitchFamily="2" charset="0"/>
               </a:rPr>
-              <a:t>. به حافظه اصلی دستور دهید تا خواندن را انجام دهد و منتظر بمانید تا حافظه کامل شود - </a:t>
-            </a:r>
-            <a:r>
-              <a:rPr lang="en-US" b="0" i="0" dirty="0">
+              <a:t>قبلاً در مرحله اول چرخه دستورالعمل افزایش یافته است) به حافظه</a:t>
+            </a:r>
+          </a:p>
+          <a:p>
+            <a:pPr algn="r" rtl="1"/>
+            <a:r>
+              <a:rPr lang="fa-IR" b="0" i="0" dirty="0">
                 <a:solidFill>
                   <a:srgbClr val="3C4043"/>
                 </a:solidFill>
                 <a:effectLst/>
                 <a:latin typeface="Roboto" panose="02000000000000000000" pitchFamily="2" charset="0"/>
               </a:rPr>
-              <a:t>stall on </a:t>
-            </a:r>
-            <a:endParaRPr lang="fa-IR" dirty="0">
-              <a:solidFill>
-                <a:srgbClr val="3C4043"/>
-              </a:solidFill>
-              <a:latin typeface="Roboto" panose="02000000000000000000" pitchFamily="2" charset="0"/>
-            </a:endParaRPr>
-          </a:p>
-          <a:p>
-            <a:pPr algn="r" rtl="1"/>
+              <a:t>2. به حافظه اصلی دستور دهید تا خواندن را انجام دهد و منتظر بمانید تا حافظه کامل شود - </a:t>
+            </a:r>
             <a:r>
               <a:rPr lang="en-US" b="0" i="0" dirty="0">
                 <a:solidFill>
@@ -12233,51 +12307,51 @@
                 <a:effectLst/>
                 <a:latin typeface="Roboto" panose="02000000000000000000" pitchFamily="2" charset="0"/>
               </a:rPr>
-              <a:t>Read3. </a:t>
-            </a:r>
-            <a:r>
-              <a:rPr lang="fa-IR" b="0" i="0" dirty="0">
+              <a:t>stall on read</a:t>
+            </a:r>
+          </a:p>
+          <a:p>
+            <a:pPr algn="r" rtl="1"/>
+            <a:r>
+              <a:rPr lang="en-US" b="0" i="0" dirty="0">
                 <a:solidFill>
                   <a:srgbClr val="3C4043"/>
                 </a:solidFill>
                 <a:effectLst/>
                 <a:latin typeface="Roboto" panose="02000000000000000000" pitchFamily="2" charset="0"/>
               </a:rPr>
-              <a:t>پس از اتمام خواندن، </a:t>
-            </a:r>
-            <a:r>
-              <a:rPr lang="en-US" b="0" i="0" dirty="0" err="1">
+              <a:t>3. </a:t>
+            </a:r>
+            <a:r>
+              <a:rPr lang="fa-IR" b="0" i="0" dirty="0">
                 <a:solidFill>
                   <a:srgbClr val="3C4043"/>
                 </a:solidFill>
                 <a:effectLst/>
                 <a:latin typeface="Roboto" panose="02000000000000000000" pitchFamily="2" charset="0"/>
               </a:rPr>
-              <a:t>cacheentry</a:t>
-            </a:r>
-            <a:r>
-              <a:rPr lang="en-US" b="0" i="0" dirty="0">
+              <a:t>پس از اتمام خواندن، </a:t>
+            </a:r>
+            <a:r>
+              <a:rPr lang="en-US" b="0" i="0" dirty="0" err="1">
                 <a:solidFill>
                   <a:srgbClr val="3C4043"/>
                 </a:solidFill>
                 <a:effectLst/>
                 <a:latin typeface="Roboto" panose="02000000000000000000" pitchFamily="2" charset="0"/>
               </a:rPr>
-              <a:t> </a:t>
-            </a:r>
-            <a:r>
-              <a:rPr lang="fa-IR" b="0" i="0" dirty="0">
+              <a:t>cacheentry</a:t>
+            </a:r>
+            <a:r>
+              <a:rPr lang="en-US" b="0" i="0" dirty="0">
                 <a:solidFill>
                   <a:srgbClr val="3C4043"/>
                 </a:solidFill>
                 <a:effectLst/>
                 <a:latin typeface="Roboto" panose="02000000000000000000" pitchFamily="2" charset="0"/>
               </a:rPr>
-              <a:t>را بنویسید</a:t>
-            </a:r>
-          </a:p>
-          <a:p>
-            <a:pPr algn="r" rtl="1"/>
+              <a:t> </a:t>
+            </a:r>
             <a:r>
               <a:rPr lang="fa-IR" b="0" i="0" dirty="0">
                 <a:solidFill>
@@ -12286,7 +12360,7 @@
                 <a:effectLst/>
                 <a:latin typeface="Roboto" panose="02000000000000000000" pitchFamily="2" charset="0"/>
               </a:rPr>
-              <a:t>4. اجرای دستور را مجدداً در مرحله اول برای بازیابی مجدد دستورالعمل شروع کنید</a:t>
+              <a:t>را بنویسید</a:t>
             </a:r>
           </a:p>
           <a:p>
@@ -12299,7 +12373,7 @@
                 <a:effectLst/>
                 <a:latin typeface="Roboto" panose="02000000000000000000" pitchFamily="2" charset="0"/>
               </a:rPr>
-              <a:t>• حافظه پنهان داده از دست رفته:</a:t>
+              <a:t>4. اجرای دستور را مجدداً در مرحله اول برای بازیابی مجدد دستورالعمل شروع کنید</a:t>
             </a:r>
           </a:p>
           <a:p>
@@ -12312,28 +12386,44 @@
                 <a:effectLst/>
                 <a:latin typeface="Roboto" panose="02000000000000000000" pitchFamily="2" charset="0"/>
               </a:rPr>
-              <a:t>-شبیه به دستورالعمل </a:t>
-            </a:r>
-            <a:r>
-              <a:rPr lang="en-US" b="0" i="0" dirty="0">
+              <a:t>• حافظه پنهان داده از دست رفته:</a:t>
+            </a:r>
+          </a:p>
+          <a:p>
+            <a:pPr algn="r" rtl="1"/>
+            <a:r>
+              <a:rPr lang="fa-IR" b="0" i="0" dirty="0">
                 <a:solidFill>
                   <a:srgbClr val="3C4043"/>
                 </a:solidFill>
                 <a:effectLst/>
                 <a:latin typeface="Roboto" panose="02000000000000000000" pitchFamily="2" charset="0"/>
               </a:rPr>
-              <a:t>miss cache- </a:t>
-            </a:r>
-            <a:endParaRPr lang="fa-IR" b="0" i="0" dirty="0">
-              <a:solidFill>
-                <a:srgbClr val="3C4043"/>
-              </a:solidFill>
-              <a:effectLst/>
-              <a:latin typeface="Roboto" panose="02000000000000000000" pitchFamily="2" charset="0"/>
-            </a:endParaRPr>
+              <a:t>-شبیه به دستورالعمل </a:t>
+            </a:r>
+            <a:r>
+              <a:rPr lang="en-US" b="0" i="0" dirty="0">
+                <a:solidFill>
+                  <a:srgbClr val="3C4043"/>
+                </a:solidFill>
+                <a:effectLst/>
+                <a:latin typeface="Roboto" panose="02000000000000000000" pitchFamily="2" charset="0"/>
+              </a:rPr>
+              <a:t>miss cache</a:t>
+            </a:r>
           </a:p>
           <a:p>
             <a:pPr algn="r" rtl="1"/>
+            <a:r>
+              <a:rPr lang="en-US" b="0" i="0" dirty="0">
+                <a:solidFill>
+                  <a:srgbClr val="3C4043"/>
+                </a:solidFill>
+                <a:effectLst/>
+                <a:latin typeface="Roboto" panose="02000000000000000000" pitchFamily="2" charset="0"/>
+              </a:rPr>
+              <a:t>- </a:t>
+            </a:r>
             <a:r>
               <a:rPr lang="fa-IR" b="0" i="0" dirty="0">
                 <a:solidFill>
@@ -12449,8 +12539,8 @@
         </p:nvSpPr>
         <p:spPr>
           <a:xfrm>
-            <a:off x="65313" y="846167"/>
-            <a:ext cx="4366727" cy="5078313"/>
+            <a:off x="1" y="846167"/>
+            <a:ext cx="4432040" cy="4524315"/>
           </a:xfrm>
           <a:prstGeom prst="rect">
             <a:avLst/>
@@ -12462,15 +12552,6 @@
             <a:spAutoFit/>
           </a:bodyPr>
           <a:lstStyle/>
-          <a:p>
-            <a:pPr algn="l"/>
-            <a:endParaRPr lang="en-US" sz="1800" b="0" i="0" u="none" strike="noStrike" baseline="0" dirty="0">
-              <a:solidFill>
-                <a:srgbClr val="000000"/>
-              </a:solidFill>
-              <a:latin typeface="Arial" panose="020B0604020202020204" pitchFamily="34" charset="0"/>
-            </a:endParaRPr>
-          </a:p>
           <a:p>
             <a:r>
               <a:rPr lang="en-US" sz="1800" b="0" i="0" u="none" strike="noStrike" baseline="0" dirty="0">
@@ -13026,8 +13107,8 @@
         </p:nvSpPr>
         <p:spPr>
           <a:xfrm>
-            <a:off x="4665307" y="569167"/>
-            <a:ext cx="4156787" cy="6186309"/>
+            <a:off x="4567333" y="569167"/>
+            <a:ext cx="4576668" cy="6186309"/>
           </a:xfrm>
           <a:prstGeom prst="rect">
             <a:avLst/>
@@ -13159,10 +13240,7 @@
             </a:r>
           </a:p>
           <a:p>
-            <a:pPr marL="285750" indent="-285750" algn="r" rtl="1">
-              <a:buFontTx/>
-              <a:buChar char="-"/>
-            </a:pPr>
+            <a:pPr algn="r" rtl="1"/>
             <a:r>
               <a:rPr lang="fa-IR" b="0" i="0" dirty="0">
                 <a:solidFill>
@@ -13171,14 +13249,11 @@
                 <a:effectLst/>
                 <a:latin typeface="Roboto" panose="02000000000000000000" pitchFamily="2" charset="0"/>
               </a:rPr>
-              <a:t>نوشتن از طریق به دلیل نوشتن حافظه همیشه مورد نیاز، کند است•</a:t>
-            </a:r>
-          </a:p>
-          <a:p>
-            <a:pPr marL="285750" indent="-285750" algn="r" rtl="1">
-              <a:buFontTx/>
-              <a:buChar char="-"/>
-            </a:pPr>
+              <a:t>- نوشتن از طریق به دلیل نوشتن حافظه همیشه مورد نیاز، کند است</a:t>
+            </a:r>
+          </a:p>
+          <a:p>
+            <a:pPr algn="r" rtl="1"/>
             <a:r>
               <a:rPr lang="fa-IR" b="0" i="0" dirty="0">
                 <a:solidFill>
@@ -13187,34 +13262,31 @@
                 <a:effectLst/>
                 <a:latin typeface="Roboto" panose="02000000000000000000" pitchFamily="2" charset="0"/>
               </a:rPr>
-              <a:t>عملکرد با یک بافر نوشتن بهبود می‌یابد، جایی که کلمات در حین انتظار برای نوشتن در حافظه ذخیره می‌شوند - پردازنده می‌تواند تا زمانی که بافر نوشتن پر شود به اجرا ادامه دهد.•وقتی کلمه ای در بافر نوشتن در </a:t>
-            </a:r>
-            <a:r>
-              <a:rPr lang="en-US" b="0" i="0" dirty="0">
+              <a:t>•عملکرد با یک بافر نوشتن بهبود می‌یابد، جایی که کلمات در حین انتظار برای نوشتن در حافظه ذخیره می‌شوند - پردازنده می‌تواند تا زمانی که بافر نوشتن پر شود به اجرا ادامه دهد.</a:t>
+            </a:r>
+          </a:p>
+          <a:p>
+            <a:pPr algn="r" rtl="1"/>
+            <a:r>
+              <a:rPr lang="fa-IR" b="0" i="0" dirty="0">
                 <a:solidFill>
                   <a:srgbClr val="3C4043"/>
                 </a:solidFill>
                 <a:effectLst/>
                 <a:latin typeface="Roboto" panose="02000000000000000000" pitchFamily="2" charset="0"/>
               </a:rPr>
-              <a:t>main </a:t>
-            </a:r>
-            <a:r>
-              <a:rPr lang="fa-IR" b="0" i="0" dirty="0">
+              <a:t>•وقتی کلمه ای در بافر نوشتن در </a:t>
+            </a:r>
+            <a:r>
+              <a:rPr lang="en-US" b="0" i="0" dirty="0">
                 <a:solidFill>
                   <a:srgbClr val="3C4043"/>
                 </a:solidFill>
                 <a:effectLst/>
                 <a:latin typeface="Roboto" panose="02000000000000000000" pitchFamily="2" charset="0"/>
               </a:rPr>
-              <a:t>کامل می شود، آن شکاف بافر آزاد می شود و برای نوشتن های آینده در دسترس می شود.</a:t>
-            </a:r>
-          </a:p>
-          <a:p>
-            <a:pPr marL="285750" indent="-285750" algn="r" rtl="1">
-              <a:buFontTx/>
-              <a:buChar char="-"/>
-            </a:pPr>
+              <a:t>main </a:t>
+            </a:r>
             <a:r>
               <a:rPr lang="fa-IR" b="0" i="0" dirty="0">
                 <a:solidFill>
@@ -13223,31 +13295,31 @@
                 <a:effectLst/>
                 <a:latin typeface="Roboto" panose="02000000000000000000" pitchFamily="2" charset="0"/>
               </a:rPr>
-              <a:t>• بافر نوشتن </a:t>
-            </a:r>
-            <a:r>
-              <a:rPr lang="en-US" b="0" i="0" dirty="0">
+              <a:t>کامل می شود، آن شکاف بافر آزاد می شود و برای نوشتن های آینده در دسترس می شود.</a:t>
+            </a:r>
+          </a:p>
+          <a:p>
+            <a:pPr algn="r" rtl="1"/>
+            <a:r>
+              <a:rPr lang="fa-IR" b="0" i="0" dirty="0">
                 <a:solidFill>
                   <a:srgbClr val="3C4043"/>
                 </a:solidFill>
                 <a:effectLst/>
                 <a:latin typeface="Roboto" panose="02000000000000000000" pitchFamily="2" charset="0"/>
               </a:rPr>
-              <a:t>DEC 3100 </a:t>
-            </a:r>
-            <a:r>
-              <a:rPr lang="fa-IR" b="0" i="0" dirty="0">
+              <a:t>• بافر نوشتن </a:t>
+            </a:r>
+            <a:r>
+              <a:rPr lang="en-US" b="0" i="0" dirty="0">
                 <a:solidFill>
                   <a:srgbClr val="3C4043"/>
                 </a:solidFill>
                 <a:effectLst/>
                 <a:latin typeface="Roboto" panose="02000000000000000000" pitchFamily="2" charset="0"/>
               </a:rPr>
-              <a:t>دارای 4 کلمه است• نوشتن پشت طرح</a:t>
-            </a:r>
-          </a:p>
-          <a:p>
-            <a:pPr algn="r" rtl="1"/>
+              <a:t>DEC 3100 </a:t>
+            </a:r>
             <a:r>
               <a:rPr lang="fa-IR" b="0" i="0" dirty="0">
                 <a:solidFill>
@@ -13256,7 +13328,46 @@
                 <a:effectLst/>
                 <a:latin typeface="Roboto" panose="02000000000000000000" pitchFamily="2" charset="0"/>
               </a:rPr>
-              <a:t>- بلوک داده را فقط در حافظه پنهان بنویسید و فقط زمانی که در حافظه نهان جایگزین شده است، بلوک را به اصلی بنویسید.- کارآمدتر از نوشتن از طریق، پیچیده تر برای پیاده سازی</a:t>
+              <a:t>دارای 4 کلمه است</a:t>
+            </a:r>
+          </a:p>
+          <a:p>
+            <a:pPr algn="r" rtl="1"/>
+            <a:r>
+              <a:rPr lang="fa-IR" b="0" i="0" dirty="0">
+                <a:solidFill>
+                  <a:srgbClr val="3C4043"/>
+                </a:solidFill>
+                <a:effectLst/>
+                <a:latin typeface="Roboto" panose="02000000000000000000" pitchFamily="2" charset="0"/>
+              </a:rPr>
+              <a:t>• نوشتن پشت طرح</a:t>
+            </a:r>
+          </a:p>
+          <a:p>
+            <a:pPr algn="r" rtl="1"/>
+            <a:r>
+              <a:rPr lang="fa-IR" b="0" i="0" dirty="0">
+                <a:solidFill>
+                  <a:srgbClr val="3C4043"/>
+                </a:solidFill>
+                <a:effectLst/>
+                <a:latin typeface="Roboto" panose="02000000000000000000" pitchFamily="2" charset="0"/>
+              </a:rPr>
+              <a:t>- بلوک داده را فقط در حافظه پنهان بنویسید و فقط زمانی که در حافظه نهان جایگزین شده است، بلوک را به اصلی بنویسید.</a:t>
+            </a:r>
+          </a:p>
+          <a:p>
+            <a:pPr algn="r" rtl="1"/>
+            <a:r>
+              <a:rPr lang="fa-IR" b="0" i="0" dirty="0">
+                <a:solidFill>
+                  <a:srgbClr val="3C4043"/>
+                </a:solidFill>
+                <a:effectLst/>
+                <a:latin typeface="Roboto" panose="02000000000000000000" pitchFamily="2" charset="0"/>
+              </a:rPr>
+              <a:t>- کارآمدتر از نوشتن از طریق، پیچیده تر برای پیاده سازی</a:t>
             </a:r>
           </a:p>
         </p:txBody>
@@ -13940,7 +14051,7 @@
         <p:spPr>
           <a:xfrm>
             <a:off x="4861249" y="867747"/>
-            <a:ext cx="4156787" cy="3139321"/>
+            <a:ext cx="4156787" cy="3970318"/>
           </a:xfrm>
           <a:prstGeom prst="rect">
             <a:avLst/>
@@ -13960,15 +14071,43 @@
             </a:r>
             <a:r>
               <a:rPr lang="fa-IR" dirty="0"/>
-              <a:t>حافظه دسترسی تصادفی پویا):- مقدار به عنوان شارژ در خازن ذخیره می شود که باید به طور دوره ای تجدید شود، به همین دلیل است که به آن پویا می گویند.- بسیار کوچک - 1 ترانزیستور در هر بیت - اما ضریب 5 تا 10 کندتر از </a:t>
+              <a:t>حافظه دسترسی تصادفی پویا):</a:t>
+            </a:r>
+          </a:p>
+          <a:p>
+            <a:pPr algn="r" rtl="1"/>
+            <a:r>
+              <a:rPr lang="fa-IR" dirty="0"/>
+              <a:t>- مقدار به عنوان شارژ در خازن ذخیره می شود که باید به طور دوره ای تجدید شود، به همین دلیل است که به آن پویا می گویند.</a:t>
+            </a:r>
+          </a:p>
+          <a:p>
+            <a:pPr algn="r" rtl="1"/>
+            <a:r>
+              <a:rPr lang="fa-IR" dirty="0"/>
+              <a:t>- بسیار کوچک - 1 ترانزیستور در هر بیت - اما ضریب 5 تا 10 کندتر از </a:t>
             </a:r>
             <a:r>
               <a:rPr lang="en-US" dirty="0"/>
-              <a:t>SRAM– </a:t>
+              <a:t>SRAM</a:t>
+            </a:r>
+          </a:p>
+          <a:p>
+            <a:pPr algn="r" rtl="1"/>
+            <a:r>
+              <a:rPr lang="en-US" dirty="0"/>
+              <a:t>– </a:t>
             </a:r>
             <a:r>
               <a:rPr lang="fa-IR" dirty="0"/>
-              <a:t>از حافظه فرمین استفاده شده•</a:t>
+              <a:t>از حافظه فرمین استفاده شده</a:t>
+            </a:r>
+          </a:p>
+          <a:p>
+            <a:pPr algn="r" rtl="1"/>
+            <a:r>
+              <a:rPr lang="fa-IR" dirty="0"/>
+              <a:t>•</a:t>
             </a:r>
             <a:r>
               <a:rPr lang="en-US" dirty="0"/>
@@ -13976,7 +14115,21 @@
             </a:r>
             <a:r>
               <a:rPr lang="fa-IR" dirty="0"/>
-              <a:t>حافظه دسترسی تصادفی استاتیک):- تا زمانی که قدرت وجود داشته باشد به طور نامحدود وجود خواهد داشت، به همین دلیل است که به آن ایستا می گویند- بسیار سریع اما فضای بیشتری را نسبت به </a:t>
+              <a:t>حافظه دسترسی تصادفی استاتیک):</a:t>
+            </a:r>
+          </a:p>
+          <a:p>
+            <a:pPr algn="r" rtl="1"/>
+            <a:r>
+              <a:rPr lang="fa-IR" dirty="0"/>
+              <a:t>- تا زمانی که قدرت وجود داشته باشد به طور نامحدود وجود خواهد داشت، به همین دلیل است که به آن ایستا می گویند</a:t>
+            </a:r>
+          </a:p>
+          <a:p>
+            <a:pPr algn="r" rtl="1"/>
+            <a:r>
+              <a:rPr lang="fa-IR" dirty="0"/>
+              <a:t>- بسیار سریع اما فضای بیشتری را نسبت به </a:t>
             </a:r>
             <a:r>
               <a:rPr lang="en-US" dirty="0"/>
@@ -13984,7 +14137,14 @@
             </a:r>
             <a:r>
               <a:rPr lang="fa-IR" dirty="0"/>
-              <a:t>اشغال می کند - 4 تا 6 ترانزیستور در هر بیت- برای کش استفاده می شود</a:t>
+              <a:t>اشغال می کند - 4 تا 6 ترانزیستور در هر بیت</a:t>
+            </a:r>
+          </a:p>
+          <a:p>
+            <a:pPr algn="r" rtl="1"/>
+            <a:r>
+              <a:rPr lang="fa-IR" dirty="0"/>
+              <a:t>- برای کش استفاده می شود</a:t>
             </a:r>
             <a:endParaRPr lang="en-US" dirty="0"/>
           </a:p>
@@ -14100,7 +14260,7 @@
         </p:blipFill>
         <p:spPr>
           <a:xfrm>
-            <a:off x="125963" y="4450703"/>
+            <a:off x="125963" y="4450702"/>
             <a:ext cx="4156789" cy="2407298"/>
           </a:xfrm>
           <a:prstGeom prst="rect">
@@ -14362,8 +14522,8 @@
         </p:nvSpPr>
         <p:spPr>
           <a:xfrm>
-            <a:off x="88638" y="636316"/>
-            <a:ext cx="4576669" cy="4247317"/>
+            <a:off x="88638" y="913314"/>
+            <a:ext cx="4576669" cy="3970318"/>
           </a:xfrm>
           <a:prstGeom prst="rect">
             <a:avLst/>
@@ -14375,15 +14535,6 @@
             <a:spAutoFit/>
           </a:bodyPr>
           <a:lstStyle/>
-          <a:p>
-            <a:pPr algn="l"/>
-            <a:endParaRPr lang="en-US" sz="1800" b="0" i="0" u="none" strike="noStrike" baseline="0" dirty="0">
-              <a:solidFill>
-                <a:srgbClr val="000000"/>
-              </a:solidFill>
-              <a:latin typeface="Arial" panose="020B0604020202020204" pitchFamily="34" charset="0"/>
-            </a:endParaRPr>
-          </a:p>
           <a:p>
             <a:r>
               <a:rPr lang="en-US" sz="1800" b="0" i="0" u="none" strike="noStrike" baseline="0" dirty="0">
@@ -15002,7 +15153,7 @@
         </p:blipFill>
         <p:spPr>
           <a:xfrm>
-            <a:off x="1995737" y="3447660"/>
+            <a:off x="2245330" y="3447661"/>
             <a:ext cx="4630011" cy="3350461"/>
           </a:xfrm>
           <a:prstGeom prst="rect">
@@ -18770,13 +18921,6 @@
               </a:rPr>
               <a:t>• نقشه برداری مستقیم: یک مکان کش منحصر به فرد برای هر بلوک حافظه</a:t>
             </a:r>
-            <a:endParaRPr lang="en-US" b="0" i="0" dirty="0">
-              <a:solidFill>
-                <a:srgbClr val="3C4043"/>
-              </a:solidFill>
-              <a:effectLst/>
-              <a:latin typeface="Roboto" panose="02000000000000000000" pitchFamily="2" charset="0"/>
-            </a:endParaRPr>
           </a:p>
           <a:p>
             <a:pPr algn="r" rtl="1"/>
@@ -18790,13 +18934,6 @@
               </a:rPr>
               <a:t>-آدرس بلوک کش = آدرس بلوک حافظه اندازه مود کش</a:t>
             </a:r>
-            <a:endParaRPr lang="en-US" b="0" i="0" dirty="0">
-              <a:solidFill>
-                <a:srgbClr val="3C4043"/>
-              </a:solidFill>
-              <a:effectLst/>
-              <a:latin typeface="Roboto" panose="02000000000000000000" pitchFamily="2" charset="0"/>
-            </a:endParaRPr>
           </a:p>
           <a:p>
             <a:pPr algn="r" rtl="1"/>
@@ -18810,19 +18947,9 @@
               </a:rPr>
               <a:t>• کاملاً ارتباطی: هر بلوک حافظه می تواند هر جایی را در حافظه پنهان قرار دهد</a:t>
             </a:r>
-            <a:endParaRPr lang="en-US" b="0" i="0" dirty="0">
-              <a:solidFill>
-                <a:srgbClr val="3C4043"/>
-              </a:solidFill>
-              <a:effectLst/>
-              <a:latin typeface="Roboto" panose="02000000000000000000" pitchFamily="2" charset="0"/>
-            </a:endParaRPr>
-          </a:p>
-          <a:p>
-            <a:pPr marL="285750" indent="-285750" algn="r" rtl="1">
-              <a:buFontTx/>
-              <a:buChar char="-"/>
-            </a:pPr>
+          </a:p>
+          <a:p>
+            <a:pPr algn="r" rtl="1"/>
             <a:r>
               <a:rPr lang="fa-IR" b="0" i="0" dirty="0">
                 <a:solidFill>
@@ -18831,21 +18958,11 @@
                 <a:effectLst/>
                 <a:latin typeface="Roboto" panose="02000000000000000000" pitchFamily="2" charset="0"/>
               </a:rPr>
-              <a:t>ورودی های حافظه پنهان (به صورت موازی) برای تعیین مکان بلوک جستجو می شوند</a:t>
-            </a:r>
-            <a:endParaRPr lang="en-US" b="0" i="0" dirty="0">
-              <a:solidFill>
-                <a:srgbClr val="3C4043"/>
-              </a:solidFill>
-              <a:effectLst/>
-              <a:latin typeface="Roboto" panose="02000000000000000000" pitchFamily="2" charset="0"/>
-            </a:endParaRPr>
-          </a:p>
-          <a:p>
-            <a:pPr marL="285750" indent="-285750" algn="r" rtl="1">
-              <a:buFontTx/>
-              <a:buChar char="-"/>
-            </a:pPr>
+              <a:t>- ورودی های حافظه پنهان (به صورت موازی) برای تعیین مکان بلوک جستجو می شوند</a:t>
+            </a:r>
+          </a:p>
+          <a:p>
+            <a:pPr algn="r" rtl="1"/>
             <a:r>
               <a:rPr lang="fa-IR" b="0" i="0" dirty="0">
                 <a:solidFill>
@@ -18874,61 +18991,51 @@
                 <a:effectLst/>
                 <a:latin typeface="Roboto" panose="02000000000000000000" pitchFamily="2" charset="0"/>
               </a:rPr>
-              <a:t>هر بلوک حافظه می تواند در یک مجموعه از مکان های کش منحصر به فرد قرار گیرد</a:t>
-            </a:r>
-            <a:endParaRPr lang="en-US" b="0" i="0" dirty="0">
-              <a:solidFill>
-                <a:srgbClr val="3C4043"/>
-              </a:solidFill>
-              <a:effectLst/>
-              <a:latin typeface="Roboto" panose="02000000000000000000" pitchFamily="2" charset="0"/>
-            </a:endParaRPr>
-          </a:p>
-          <a:p>
-            <a:pPr marL="285750" indent="-285750" algn="r" rtl="1">
-              <a:buFontTx/>
-              <a:buChar char="-"/>
-            </a:pPr>
-            <a:r>
-              <a:rPr lang="fa-IR" b="0" i="0" dirty="0">
+              <a:t>هر بلوک حافظه می تواند در یک مجموعه از مکان های کش منحصر به فرد قرار گیرد - اگر مجموعه به اندازه </a:t>
+            </a:r>
+            <a:r>
+              <a:rPr lang="en-US" b="0" i="0" dirty="0">
                 <a:solidFill>
                   <a:srgbClr val="3C4043"/>
                 </a:solidFill>
                 <a:effectLst/>
                 <a:latin typeface="Roboto" panose="02000000000000000000" pitchFamily="2" charset="0"/>
               </a:rPr>
-              <a:t> اگر مجموعه به اندازه </a:t>
-            </a:r>
-            <a:r>
-              <a:rPr lang="en-US" b="0" i="0" dirty="0">
+              <a:t>n </a:t>
+            </a:r>
+            <a:r>
+              <a:rPr lang="fa-IR" b="0" i="0" dirty="0">
                 <a:solidFill>
                   <a:srgbClr val="3C4043"/>
                 </a:solidFill>
                 <a:effectLst/>
                 <a:latin typeface="Roboto" panose="02000000000000000000" pitchFamily="2" charset="0"/>
               </a:rPr>
-              <a:t>n </a:t>
-            </a:r>
-            <a:r>
-              <a:rPr lang="fa-IR" b="0" i="0" dirty="0">
+              <a:t>باشد، </a:t>
+            </a:r>
+            <a:r>
+              <a:rPr lang="en-US" b="0" i="0" dirty="0">
                 <a:solidFill>
                   <a:srgbClr val="3C4043"/>
                 </a:solidFill>
                 <a:effectLst/>
                 <a:latin typeface="Roboto" panose="02000000000000000000" pitchFamily="2" charset="0"/>
               </a:rPr>
-              <a:t>باشد، </a:t>
-            </a:r>
-            <a:r>
-              <a:rPr lang="en-US" b="0" i="0" dirty="0">
+              <a:t>n-way set-associative </a:t>
+            </a:r>
+            <a:r>
+              <a:rPr lang="fa-IR" b="0" i="0" dirty="0">
                 <a:solidFill>
                   <a:srgbClr val="3C4043"/>
                 </a:solidFill>
                 <a:effectLst/>
                 <a:latin typeface="Roboto" panose="02000000000000000000" pitchFamily="2" charset="0"/>
               </a:rPr>
-              <a:t>n-way set-associative </a:t>
-            </a:r>
+              <a:t>است.</a:t>
+            </a:r>
+          </a:p>
+          <a:p>
+            <a:pPr algn="r" rtl="1"/>
             <a:r>
               <a:rPr lang="fa-IR" b="0" i="0" dirty="0">
                 <a:solidFill>
@@ -18937,21 +19044,11 @@
                 <a:effectLst/>
                 <a:latin typeface="Roboto" panose="02000000000000000000" pitchFamily="2" charset="0"/>
               </a:rPr>
-              <a:t>است.-آدرس مجموعه کش = آدرس بلوک حافظه تعداد مجموعه های موجود در کش- تمام ورودی های کش در مجموعه مربوطه جستجو می شوند (به صورت موازی) برای تعیین محل بلوک</a:t>
-            </a:r>
-            <a:endParaRPr lang="en-US" b="0" i="0" dirty="0">
-              <a:solidFill>
-                <a:srgbClr val="3C4043"/>
-              </a:solidFill>
-              <a:effectLst/>
-              <a:latin typeface="Roboto" panose="02000000000000000000" pitchFamily="2" charset="0"/>
-            </a:endParaRPr>
-          </a:p>
-          <a:p>
-            <a:pPr marL="285750" indent="-285750" algn="r" rtl="1">
-              <a:buFontTx/>
-              <a:buChar char="-"/>
-            </a:pPr>
+              <a:t>-آدرس مجموعه کش = آدرس بلوک حافظه تعداد مجموعه های موجود در کش</a:t>
+            </a:r>
+          </a:p>
+          <a:p>
+            <a:pPr algn="r" rtl="1"/>
             <a:r>
               <a:rPr lang="fa-IR" b="0" i="0" dirty="0">
                 <a:solidFill>
@@ -18960,31 +19057,24 @@
                 <a:effectLst/>
                 <a:latin typeface="Roboto" panose="02000000000000000000" pitchFamily="2" charset="0"/>
               </a:rPr>
-              <a:t>•</a:t>
-            </a:r>
-            <a:r>
-              <a:rPr lang="fa-IR" b="1" i="0" dirty="0">
+              <a:t>- تمام ورودی های کش در مجموعه مربوطه جستجو می شوند (به صورت موازی) برای تعیین محل بلوک</a:t>
+            </a:r>
+          </a:p>
+          <a:p>
+            <a:pPr algn="r" rtl="1"/>
+            <a:r>
+              <a:rPr lang="fa-IR" b="0" i="0" dirty="0">
                 <a:solidFill>
                   <a:srgbClr val="3C4043"/>
                 </a:solidFill>
                 <a:effectLst/>
                 <a:latin typeface="Roboto" panose="02000000000000000000" pitchFamily="2" charset="0"/>
               </a:rPr>
-              <a:t>افزایش درجه انجمنی</a:t>
-            </a:r>
-            <a:endParaRPr lang="en-US" b="1" i="0" dirty="0">
-              <a:solidFill>
-                <a:srgbClr val="3C4043"/>
-              </a:solidFill>
-              <a:effectLst/>
-              <a:latin typeface="Roboto" panose="02000000000000000000" pitchFamily="2" charset="0"/>
-            </a:endParaRPr>
-          </a:p>
-          <a:p>
-            <a:pPr marL="285750" indent="-285750" algn="r" rtl="1">
-              <a:buFontTx/>
-              <a:buChar char="-"/>
-            </a:pPr>
+              <a:t>•افزایش درجه انجمنی</a:t>
+            </a:r>
+          </a:p>
+          <a:p>
+            <a:pPr algn="r" rtl="1"/>
             <a:r>
               <a:rPr lang="fa-IR" b="0" i="0" dirty="0">
                 <a:solidFill>
@@ -18993,21 +19083,11 @@
                 <a:effectLst/>
                 <a:latin typeface="Roboto" panose="02000000000000000000" pitchFamily="2" charset="0"/>
               </a:rPr>
-              <a:t>میزان از دست دادن را کاهش می دهد</a:t>
-            </a:r>
-            <a:endParaRPr lang="en-US" b="0" i="0" dirty="0">
-              <a:solidFill>
-                <a:srgbClr val="3C4043"/>
-              </a:solidFill>
-              <a:effectLst/>
-              <a:latin typeface="Roboto" panose="02000000000000000000" pitchFamily="2" charset="0"/>
-            </a:endParaRPr>
-          </a:p>
-          <a:p>
-            <a:pPr marL="285750" indent="-285750" algn="r" rtl="1">
-              <a:buFontTx/>
-              <a:buChar char="-"/>
-            </a:pPr>
+              <a:t>- میزان از دست دادن را کاهش می دهد</a:t>
+            </a:r>
+          </a:p>
+          <a:p>
+            <a:pPr algn="r" rtl="1"/>
             <a:r>
               <a:rPr lang="fa-IR" b="0" i="0" dirty="0">
                 <a:solidFill>
@@ -19016,7 +19096,7 @@
                 <a:effectLst/>
                 <a:latin typeface="Roboto" panose="02000000000000000000" pitchFamily="2" charset="0"/>
               </a:rPr>
-              <a:t>زمان ضربه را به دلیل جستجوی موازی افزایش می دهد و سپس واکشی می کند</a:t>
+              <a:t>-زمان ضربه را به دلیل جستجوی موازی افزایش می دهد و سپس واکشی می کند</a:t>
             </a:r>
           </a:p>
         </p:txBody>
@@ -19123,8 +19203,8 @@
         </p:nvSpPr>
         <p:spPr>
           <a:xfrm>
-            <a:off x="111965" y="792778"/>
-            <a:ext cx="4390052" cy="5632311"/>
+            <a:off x="111965" y="1048940"/>
+            <a:ext cx="4390052" cy="5355312"/>
           </a:xfrm>
           <a:prstGeom prst="rect">
             <a:avLst/>
@@ -19136,15 +19216,6 @@
             <a:spAutoFit/>
           </a:bodyPr>
           <a:lstStyle/>
-          <a:p>
-            <a:pPr algn="l"/>
-            <a:endParaRPr lang="en-US" sz="1800" b="0" i="0" u="none" strike="noStrike" baseline="0" dirty="0">
-              <a:solidFill>
-                <a:srgbClr val="000000"/>
-              </a:solidFill>
-              <a:latin typeface="Arial" panose="020B0604020202020204" pitchFamily="34" charset="0"/>
-            </a:endParaRPr>
-          </a:p>
           <a:p>
             <a:r>
               <a:rPr lang="en-US" sz="1800" b="0" i="0" u="none" strike="noStrike" baseline="0" dirty="0">
@@ -19980,7 +20051,7 @@
         <p:spPr>
           <a:xfrm>
             <a:off x="4641984" y="1048940"/>
-            <a:ext cx="4362054" cy="3970318"/>
+            <a:ext cx="4362054" cy="3693319"/>
           </a:xfrm>
           <a:prstGeom prst="rect">
             <a:avLst/>
@@ -20002,15 +20073,8 @@
                 <a:effectLst/>
                 <a:latin typeface="Roboto" panose="02000000000000000000" pitchFamily="2" charset="0"/>
               </a:rPr>
-              <a:t>• با توجه به ترتیب زیر از دسترسی های بلوک حافظه، تعداد موارد از دست دادن حافظه نهان با بلوک های چهار1 کلمه ای را بیابید:</a:t>
-            </a:r>
-            <a:endParaRPr lang="en-US" b="0" i="0" dirty="0">
-              <a:solidFill>
-                <a:srgbClr val="3C4043"/>
-              </a:solidFill>
-              <a:effectLst/>
-              <a:latin typeface="Roboto" panose="02000000000000000000" pitchFamily="2" charset="0"/>
-            </a:endParaRPr>
+              <a:t>• با توجه به ترتیب زیر از دسترسی های بلوک حافظه، تعداد موارد از دست دادن حافظه نهان با بلوک های چهار1 کلمه ای را بیابید: 0، 8، 0، 6، 8،</a:t>
+            </a:r>
           </a:p>
           <a:p>
             <a:pPr algn="r" rtl="1"/>
@@ -20022,20 +20086,11 @@
                 <a:effectLst/>
                 <a:latin typeface="Roboto" panose="02000000000000000000" pitchFamily="2" charset="0"/>
               </a:rPr>
-              <a:t> 0، 8، 0، 6، 8،•برای هر یک از پیکربندی های کش زیر</a:t>
-            </a:r>
-            <a:endParaRPr lang="en-US" b="0" i="0" dirty="0">
-              <a:solidFill>
-                <a:srgbClr val="3C4043"/>
-              </a:solidFill>
-              <a:effectLst/>
-              <a:latin typeface="Roboto" panose="02000000000000000000" pitchFamily="2" charset="0"/>
-            </a:endParaRPr>
-          </a:p>
-          <a:p>
-            <a:pPr marL="342900" indent="-342900" algn="r" rtl="1">
-              <a:buAutoNum type="arabicPeriod"/>
-            </a:pPr>
+              <a:t>•برای هر یک از پیکربندی های کش زیر</a:t>
+            </a:r>
+          </a:p>
+          <a:p>
+            <a:pPr algn="r" rtl="1"/>
             <a:r>
               <a:rPr lang="fa-IR" b="0" i="0" dirty="0">
                 <a:solidFill>
@@ -20044,20 +20099,11 @@
                 <a:effectLst/>
                 <a:latin typeface="Roboto" panose="02000000000000000000" pitchFamily="2" charset="0"/>
               </a:rPr>
-              <a:t>مستقیم نقشه برداریمجموعه </a:t>
-            </a:r>
-            <a:endParaRPr lang="en-US" b="0" i="0" dirty="0">
-              <a:solidFill>
-                <a:srgbClr val="3C4043"/>
-              </a:solidFill>
-              <a:effectLst/>
-              <a:latin typeface="Roboto" panose="02000000000000000000" pitchFamily="2" charset="0"/>
-            </a:endParaRPr>
-          </a:p>
-          <a:p>
-            <a:pPr marL="342900" indent="-342900" algn="r" rtl="1">
-              <a:buAutoNum type="arabicPeriod"/>
-            </a:pPr>
+              <a:t>1. مستقیم نقشه برداری</a:t>
+            </a:r>
+          </a:p>
+          <a:p>
+            <a:pPr algn="r" rtl="1"/>
             <a:r>
               <a:rPr lang="fa-IR" b="0" i="0" dirty="0">
                 <a:solidFill>
@@ -20066,7 +20112,7 @@
                 <a:effectLst/>
                 <a:latin typeface="Roboto" panose="02000000000000000000" pitchFamily="2" charset="0"/>
               </a:rPr>
-              <a:t>2.2 طرفه انجمنی (از خط مشی جایگزینی </a:t>
+              <a:t>مجموعه 2.2 طرفه انجمنی (از خط مشی جایگزینی </a:t>
             </a:r>
             <a:r>
               <a:rPr lang="en-US" b="0" i="0" dirty="0">
@@ -20088,18 +20134,9 @@
               </a:rPr>
               <a:t>استفاده کنید)</a:t>
             </a:r>
-            <a:endParaRPr lang="en-US" b="0" i="0" dirty="0">
-              <a:solidFill>
-                <a:srgbClr val="3C4043"/>
-              </a:solidFill>
-              <a:effectLst/>
-              <a:latin typeface="Roboto" panose="02000000000000000000" pitchFamily="2" charset="0"/>
-            </a:endParaRPr>
-          </a:p>
-          <a:p>
-            <a:pPr marL="342900" indent="-342900" algn="r" rtl="1">
-              <a:buAutoNum type="arabicPeriod"/>
-            </a:pPr>
+          </a:p>
+          <a:p>
+            <a:pPr algn="r" rtl="1"/>
             <a:r>
               <a:rPr lang="fa-IR" b="0" i="0" dirty="0">
                 <a:solidFill>
@@ -20108,38 +20145,31 @@
                 <a:effectLst/>
                 <a:latin typeface="Roboto" panose="02000000000000000000" pitchFamily="2" charset="0"/>
               </a:rPr>
-              <a:t>کاملا انجمنی• در مورد جایگزینی </a:t>
-            </a:r>
-            <a:r>
-              <a:rPr lang="en-US" b="0" i="0" dirty="0">
+              <a:t>3. کاملا انجمنی</a:t>
+            </a:r>
+          </a:p>
+          <a:p>
+            <a:pPr algn="r" rtl="1"/>
+            <a:r>
+              <a:rPr lang="fa-IR" b="0" i="0" dirty="0">
                 <a:solidFill>
                   <a:srgbClr val="3C4043"/>
                 </a:solidFill>
                 <a:effectLst/>
                 <a:latin typeface="Roboto" panose="02000000000000000000" pitchFamily="2" charset="0"/>
               </a:rPr>
-              <a:t>LRU (</a:t>
-            </a:r>
-            <a:r>
-              <a:rPr lang="fa-IR" b="0" i="0" dirty="0">
+              <a:t>• در مورد جایگزینی </a:t>
+            </a:r>
+            <a:r>
+              <a:rPr lang="en-US" b="0" i="0" dirty="0">
                 <a:solidFill>
                   <a:srgbClr val="3C4043"/>
                 </a:solidFill>
                 <a:effectLst/>
                 <a:latin typeface="Roboto" panose="02000000000000000000" pitchFamily="2" charset="0"/>
               </a:rPr>
-              <a:t>کمترین استفاده اخیر)</a:t>
-            </a:r>
-            <a:endParaRPr lang="en-US" b="0" i="0" dirty="0">
-              <a:solidFill>
-                <a:srgbClr val="3C4043"/>
-              </a:solidFill>
-              <a:effectLst/>
-              <a:latin typeface="Roboto" panose="02000000000000000000" pitchFamily="2" charset="0"/>
-            </a:endParaRPr>
-          </a:p>
-          <a:p>
-            <a:pPr algn="r" rtl="1"/>
+              <a:t>LRU (</a:t>
+            </a:r>
             <a:r>
               <a:rPr lang="fa-IR" b="0" i="0" dirty="0">
                 <a:solidFill>
@@ -20148,7 +20178,20 @@
                 <a:effectLst/>
                 <a:latin typeface="Roboto" panose="02000000000000000000" pitchFamily="2" charset="0"/>
               </a:rPr>
-              <a:t> توجه داشته باشید-در یک مجموعه دو طرفه انجمنی کش جایگزین </a:t>
+              <a:t>کمترین استفاده اخیر) توجه داشته باشید</a:t>
+            </a:r>
+          </a:p>
+          <a:p>
+            <a:pPr algn="r" rtl="1"/>
+            <a:r>
+              <a:rPr lang="fa-IR" b="0" i="0" dirty="0">
+                <a:solidFill>
+                  <a:srgbClr val="3C4043"/>
+                </a:solidFill>
+                <a:effectLst/>
+                <a:latin typeface="Roboto" panose="02000000000000000000" pitchFamily="2" charset="0"/>
+              </a:rPr>
+              <a:t>-در یک مجموعه دو طرفه انجمنی کش جایگزین </a:t>
             </a:r>
             <a:r>
               <a:rPr lang="en-US" b="0" i="0" dirty="0">
@@ -20275,8 +20318,8 @@
         </p:nvSpPr>
         <p:spPr>
           <a:xfrm>
-            <a:off x="111965" y="792778"/>
-            <a:ext cx="4390052" cy="4801314"/>
+            <a:off x="41982" y="1048940"/>
+            <a:ext cx="4390052" cy="4524315"/>
           </a:xfrm>
           <a:prstGeom prst="rect">
             <a:avLst/>
@@ -20288,18 +20331,6 @@
             <a:spAutoFit/>
           </a:bodyPr>
           <a:lstStyle/>
-          <a:p>
-            <a:pPr algn="l"/>
-            <a:endParaRPr lang="en-US" sz="1800" b="0" i="0" u="none" strike="noStrike" baseline="0" dirty="0">
-              <a:solidFill>
-                <a:schemeClr val="tx1">
-                  <a:lumMod val="95000"/>
-                  <a:lumOff val="5000"/>
-                </a:schemeClr>
-              </a:solidFill>
-              <a:latin typeface="Arial" panose="020B0604020202020204" pitchFamily="34" charset="0"/>
-            </a:endParaRPr>
-          </a:p>
           <a:p>
             <a:r>
               <a:rPr lang="en-US" sz="1800" b="0" i="0" u="none" strike="noStrike" baseline="0" dirty="0">
@@ -22421,8 +22452,8 @@
         </p:nvSpPr>
         <p:spPr>
           <a:xfrm>
-            <a:off x="4641984" y="1048940"/>
-            <a:ext cx="4362054" cy="2308324"/>
+            <a:off x="4502017" y="1048940"/>
+            <a:ext cx="4641983" cy="2031325"/>
           </a:xfrm>
           <a:prstGeom prst="rect">
             <a:avLst/>
@@ -22434,13 +22465,6 @@
             <a:spAutoFit/>
           </a:bodyPr>
           <a:lstStyle/>
-          <a:p>
-            <a:pPr algn="r" rtl="1"/>
-            <a:r>
-              <a:rPr lang="fa-IR" dirty="0"/>
-              <a:t>مثال مشکل</a:t>
-            </a:r>
-          </a:p>
           <a:p>
             <a:pPr algn="r" rtl="1"/>
             <a:r>
@@ -23021,15 +23045,18 @@
           <a:p>
             <a:pPr algn="r" rtl="1"/>
             <a:r>
-              <a:rPr lang="en-US" b="0" i="0" dirty="0">
+              <a:rPr lang="fa-IR" b="0" i="0" dirty="0">
                 <a:solidFill>
                   <a:srgbClr val="3C4043"/>
                 </a:solidFill>
                 <a:effectLst/>
                 <a:latin typeface="Roboto" panose="02000000000000000000" pitchFamily="2" charset="0"/>
               </a:rPr>
-              <a:t>• </a:t>
-            </a:r>
+              <a:t>• کاربران حافظه های بزرگ و سریع می خواهند…</a:t>
+            </a:r>
+          </a:p>
+          <a:p>
+            <a:pPr algn="r" rtl="1"/>
             <a:r>
               <a:rPr lang="fa-IR" b="0" i="0" dirty="0">
                 <a:solidFill>
@@ -23038,21 +23065,11 @@
                 <a:effectLst/>
                 <a:latin typeface="Roboto" panose="02000000000000000000" pitchFamily="2" charset="0"/>
               </a:rPr>
-              <a:t>کاربران حافظه های بزرگ و سریع می خواهند… </a:t>
-            </a:r>
-            <a:endParaRPr lang="en-US" b="0" i="0" dirty="0">
-              <a:solidFill>
-                <a:srgbClr val="3C4043"/>
-              </a:solidFill>
-              <a:effectLst/>
-              <a:latin typeface="Roboto" panose="02000000000000000000" pitchFamily="2" charset="0"/>
-            </a:endParaRPr>
-          </a:p>
-          <a:p>
-            <a:pPr marL="285750" indent="-285750" algn="r" rtl="1">
-              <a:buFontTx/>
-              <a:buChar char="-"/>
-            </a:pPr>
+              <a:t>- گران است و دوست ندارند پول بدهند…</a:t>
+            </a:r>
+          </a:p>
+          <a:p>
+            <a:pPr algn="r" rtl="1"/>
             <a:r>
               <a:rPr lang="fa-IR" b="0" i="0" dirty="0">
                 <a:solidFill>
@@ -23061,21 +23078,11 @@
                 <a:effectLst/>
                 <a:latin typeface="Roboto" panose="02000000000000000000" pitchFamily="2" charset="0"/>
               </a:rPr>
-              <a:t>گران است و دوست ندارند پول بدهند… </a:t>
-            </a:r>
-            <a:endParaRPr lang="en-US" b="0" i="0" dirty="0">
-              <a:solidFill>
-                <a:srgbClr val="3C4043"/>
-              </a:solidFill>
-              <a:effectLst/>
-              <a:latin typeface="Roboto" panose="02000000000000000000" pitchFamily="2" charset="0"/>
-            </a:endParaRPr>
-          </a:p>
-          <a:p>
-            <a:pPr marL="285750" indent="-285750" algn="r" rtl="1">
-              <a:buFontTx/>
-              <a:buChar char="-"/>
-            </a:pPr>
+              <a:t>• کاری کنید که به نظر برسد آنچه را که می خواهند…</a:t>
+            </a:r>
+          </a:p>
+          <a:p>
+            <a:pPr algn="r" rtl="1"/>
             <a:r>
               <a:rPr lang="fa-IR" b="0" i="0" dirty="0">
                 <a:solidFill>
@@ -23084,21 +23091,11 @@
                 <a:effectLst/>
                 <a:latin typeface="Roboto" panose="02000000000000000000" pitchFamily="2" charset="0"/>
               </a:rPr>
-              <a:t>• کاری کنید که به نظر برسد آنچه را که می خواهند… </a:t>
-            </a:r>
-            <a:endParaRPr lang="en-US" b="0" i="0" dirty="0">
-              <a:solidFill>
-                <a:srgbClr val="3C4043"/>
-              </a:solidFill>
-              <a:effectLst/>
-              <a:latin typeface="Roboto" panose="02000000000000000000" pitchFamily="2" charset="0"/>
-            </a:endParaRPr>
-          </a:p>
-          <a:p>
-            <a:pPr marL="285750" indent="-285750" algn="r" rtl="1">
-              <a:buFontTx/>
-              <a:buChar char="-"/>
-            </a:pPr>
+              <a:t>- سلسله مراتب حافظه</a:t>
+            </a:r>
+          </a:p>
+          <a:p>
+            <a:pPr algn="r" rtl="1"/>
             <a:r>
               <a:rPr lang="fa-IR" b="0" i="0" dirty="0">
                 <a:solidFill>
@@ -23107,15 +23104,8 @@
                 <a:effectLst/>
                 <a:latin typeface="Roboto" panose="02000000000000000000" pitchFamily="2" charset="0"/>
               </a:rPr>
-              <a:t>سلسله مراتب حافظه - سلسله مراتب فراگیر است، هر سطح زیرمجموعه سطح پایین تر است </a:t>
-            </a:r>
-            <a:endParaRPr lang="en-US" b="0" i="0" dirty="0">
-              <a:solidFill>
-                <a:srgbClr val="3C4043"/>
-              </a:solidFill>
-              <a:effectLst/>
-              <a:latin typeface="Roboto" panose="02000000000000000000" pitchFamily="2" charset="0"/>
-            </a:endParaRPr>
+              <a:t>- سلسله مراتب فراگیر است، هر سطح زیرمجموعه سطح پایین تر است</a:t>
+            </a:r>
           </a:p>
           <a:p>
             <a:pPr algn="r" rtl="1"/>
@@ -23247,7 +23237,7 @@
         <p:spPr>
           <a:xfrm>
             <a:off x="125964" y="867747"/>
-            <a:ext cx="4572000" cy="2893100"/>
+            <a:ext cx="4572000" cy="2708434"/>
           </a:xfrm>
           <a:prstGeom prst="rect">
             <a:avLst/>
@@ -23259,15 +23249,6 @@
             <a:spAutoFit/>
           </a:bodyPr>
           <a:lstStyle/>
-          <a:p>
-            <a:pPr algn="l"/>
-            <a:endParaRPr lang="en-US" sz="1200" b="0" i="0" u="none" strike="noStrike" baseline="0" dirty="0">
-              <a:solidFill>
-                <a:srgbClr val="000000"/>
-              </a:solidFill>
-              <a:latin typeface="Arial" panose="020B0604020202020204" pitchFamily="34" charset="0"/>
-            </a:endParaRPr>
-          </a:p>
           <a:p>
             <a:r>
               <a:rPr lang="en-US" sz="2000" b="0" i="0" u="none" strike="noStrike" baseline="0" dirty="0">
@@ -23488,7 +23469,7 @@
         </p:nvSpPr>
         <p:spPr>
           <a:xfrm>
-            <a:off x="4875246" y="1331449"/>
+            <a:off x="4835587" y="2281557"/>
             <a:ext cx="4156787" cy="923330"/>
           </a:xfrm>
           <a:prstGeom prst="rect">
@@ -23662,8 +23643,8 @@
         </p:nvSpPr>
         <p:spPr>
           <a:xfrm>
-            <a:off x="195941" y="978500"/>
-            <a:ext cx="4572000" cy="1200329"/>
+            <a:off x="151623" y="2281557"/>
+            <a:ext cx="4572000" cy="923330"/>
           </a:xfrm>
           <a:prstGeom prst="rect">
             <a:avLst/>
@@ -23675,15 +23656,6 @@
             <a:spAutoFit/>
           </a:bodyPr>
           <a:lstStyle/>
-          <a:p>
-            <a:pPr algn="l"/>
-            <a:endParaRPr lang="en-US" sz="1800" b="0" i="0" u="none" strike="noStrike" baseline="0" dirty="0">
-              <a:solidFill>
-                <a:srgbClr val="000000"/>
-              </a:solidFill>
-              <a:latin typeface="Arial" panose="020B0604020202020204" pitchFamily="34" charset="0"/>
-            </a:endParaRPr>
-          </a:p>
           <a:p>
             <a:r>
               <a:rPr lang="en-US" sz="1800" b="0" i="0" u="none" strike="noStrike" baseline="0" dirty="0">
@@ -23794,7 +23766,7 @@
         <p:spPr>
           <a:xfrm>
             <a:off x="4875246" y="1331449"/>
-            <a:ext cx="4156787" cy="2031325"/>
+            <a:ext cx="4156787" cy="2308324"/>
           </a:xfrm>
           <a:prstGeom prst="rect">
             <a:avLst/>
@@ -23816,18 +23788,24 @@
                 <a:effectLst/>
                 <a:latin typeface="Roboto" panose="02000000000000000000" pitchFamily="2" charset="0"/>
               </a:rPr>
-              <a:t>محلی بودن یک اصل است که داشتن سلسله مراتب حافظه را ایده خوبی می کند • اگر به یک آیتم ارجاع داده شده است، به دلیل -محل زمانی (مکان در زمان): همان مکان حافظه که دوباره به آن دسترسی پیدا کرد. مثال</a:t>
-            </a:r>
-            <a:r>
-              <a:rPr lang="en-US" b="0" i="0" dirty="0">
+              <a:t>محلی بودن یک اصل است که داشتن سلسله مراتب حافظه را ایده خوبی می کند</a:t>
+            </a:r>
+          </a:p>
+          <a:p>
+            <a:pPr algn="r" rtl="1"/>
+            <a:r>
+              <a:rPr lang="fa-IR" b="0" i="0" dirty="0">
                 <a:solidFill>
                   <a:srgbClr val="3C4043"/>
                 </a:solidFill>
                 <a:effectLst/>
                 <a:latin typeface="Roboto" panose="02000000000000000000" pitchFamily="2" charset="0"/>
               </a:rPr>
-              <a:t>: </a:t>
-            </a:r>
+              <a:t>• اگر به یک آیتم ارجاع داده شده است، به دلیل</a:t>
+            </a:r>
+          </a:p>
+          <a:p>
+            <a:pPr algn="r" rtl="1"/>
             <a:r>
               <a:rPr lang="fa-IR" b="0" i="0" dirty="0">
                 <a:solidFill>
@@ -23836,7 +23814,40 @@
                 <a:effectLst/>
                 <a:latin typeface="Roboto" panose="02000000000000000000" pitchFamily="2" charset="0"/>
               </a:rPr>
-              <a:t>حلقه ها -موقعیت مکانی (محلی در فضا): موارد نزدیک به زودی ارجاع داده خواهند شد. دستورالعمل ها معمولاً به صورت متوالی قابل دسترسی هستند</a:t>
+              <a:t>-محل زمانی (مکان در زمان): همان مکان حافظه که دوباره به آن دسترسی پیدا کرد. </a:t>
+            </a:r>
+            <a:r>
+              <a:rPr lang="en-US" b="0" i="0" dirty="0">
+                <a:solidFill>
+                  <a:srgbClr val="3C4043"/>
+                </a:solidFill>
+                <a:effectLst/>
+                <a:latin typeface="Roboto" panose="02000000000000000000" pitchFamily="2" charset="0"/>
+              </a:rPr>
+              <a:t>EX: </a:t>
+            </a:r>
+            <a:r>
+              <a:rPr lang="fa-IR" b="0" i="0" dirty="0">
+                <a:solidFill>
+                  <a:srgbClr val="3C4043"/>
+                </a:solidFill>
+                <a:effectLst/>
+                <a:latin typeface="Roboto" panose="02000000000000000000" pitchFamily="2" charset="0"/>
+              </a:rPr>
+              <a:t>حلقه ها</a:t>
+            </a:r>
+          </a:p>
+          <a:p>
+            <a:pPr algn="r" rtl="1"/>
+            <a:r>
+              <a:rPr lang="fa-IR" b="0" i="0" dirty="0">
+                <a:solidFill>
+                  <a:srgbClr val="3C4043"/>
+                </a:solidFill>
+                <a:effectLst/>
+                <a:latin typeface="Roboto" panose="02000000000000000000" pitchFamily="2" charset="0"/>
+              </a:rPr>
+              <a:t>-موقعیت مکانی (محلی در فضا): موارد نزدیک به زودی ارجاع داده خواهند شد. دستورالعمل ها معمولاً به صورت متوالی قابل دسترسی هستند</a:t>
             </a:r>
           </a:p>
         </p:txBody>
@@ -23955,8 +23966,8 @@
         </p:nvSpPr>
         <p:spPr>
           <a:xfrm>
-            <a:off x="195941" y="978500"/>
-            <a:ext cx="4264092" cy="3139321"/>
+            <a:off x="111967" y="1330235"/>
+            <a:ext cx="4264092" cy="2862322"/>
           </a:xfrm>
           <a:prstGeom prst="rect">
             <a:avLst/>
@@ -23968,15 +23979,6 @@
             <a:spAutoFit/>
           </a:bodyPr>
           <a:lstStyle/>
-          <a:p>
-            <a:pPr algn="l"/>
-            <a:endParaRPr lang="en-US" sz="1800" b="0" i="0" u="none" strike="noStrike" baseline="0" dirty="0">
-              <a:solidFill>
-                <a:srgbClr val="000000"/>
-              </a:solidFill>
-              <a:latin typeface="Gill Sans MT" panose="020B0502020104020203" pitchFamily="34" charset="0"/>
-            </a:endParaRPr>
-          </a:p>
           <a:p>
             <a:r>
               <a:rPr lang="en-US" sz="1800" b="0" i="1" u="none" strike="noStrike" baseline="0" dirty="0" err="1">
@@ -24157,8 +24159,8 @@
         </p:nvSpPr>
         <p:spPr>
           <a:xfrm>
-            <a:off x="4711961" y="846167"/>
-            <a:ext cx="4156787" cy="5078313"/>
+            <a:off x="4879912" y="523001"/>
+            <a:ext cx="4156787" cy="5909310"/>
           </a:xfrm>
           <a:prstGeom prst="rect">
             <a:avLst/>
@@ -24180,7 +24182,7 @@
                 <a:effectLst/>
                 <a:latin typeface="Roboto" panose="02000000000000000000" pitchFamily="2" charset="0"/>
               </a:rPr>
-              <a:t>• در سلسله مراتب حافظه روی هر دو سطح مجاور - به نام های بالا (نزدیک به </a:t>
+              <a:t>• در سلسله مراتب حافظه روی هر دو سطح مجاور – به نام بالا (نزدیک به </a:t>
             </a:r>
             <a:r>
               <a:rPr lang="en-US" b="0" i="0" dirty="0">
@@ -24200,7 +24202,7 @@
                 <a:effectLst/>
                 <a:latin typeface="Roboto" panose="02000000000000000000" pitchFamily="2" charset="0"/>
               </a:rPr>
-              <a:t>و پایین تر (دورتر از </a:t>
+              <a:t>و پایین (دورتر از </a:t>
             </a:r>
             <a:r>
               <a:rPr lang="en-US" b="0" i="0" dirty="0">
@@ -24210,7 +24212,7 @@
                 <a:effectLst/>
                 <a:latin typeface="Roboto" panose="02000000000000000000" pitchFamily="2" charset="0"/>
               </a:rPr>
-              <a:t>CPU)- </a:t>
+              <a:t>CPU) – </a:t>
             </a:r>
             <a:r>
               <a:rPr lang="fa-IR" b="0" i="0" dirty="0">
@@ -24222,7 +24224,10 @@
               </a:rPr>
               <a:t>تمرکز کنید، زیرا هر بلوک کپی همیشه بین دو سطح مجاور قرار دارد.</a:t>
             </a:r>
-            <a:endParaRPr lang="en-US" b="0" i="0" dirty="0">
+          </a:p>
+          <a:p>
+            <a:pPr algn="r" rtl="1"/>
+            <a:endParaRPr lang="fa-IR" b="0" i="0" dirty="0">
               <a:solidFill>
                 <a:srgbClr val="3C4043"/>
               </a:solidFill>
@@ -24240,38 +24245,44 @@
                 <a:effectLst/>
                 <a:latin typeface="Roboto" panose="02000000000000000000" pitchFamily="2" charset="0"/>
               </a:rPr>
-              <a:t>•واژه شناسی:-</a:t>
-            </a:r>
-            <a:r>
-              <a:rPr lang="en-US" b="0" i="0" dirty="0">
+              <a:t>•واژه شناسی:</a:t>
+            </a:r>
+          </a:p>
+          <a:p>
+            <a:pPr algn="r" rtl="1"/>
+            <a:r>
+              <a:rPr lang="fa-IR" b="0" i="0" dirty="0">
                 <a:solidFill>
                   <a:srgbClr val="3C4043"/>
                 </a:solidFill>
                 <a:effectLst/>
                 <a:latin typeface="Roboto" panose="02000000000000000000" pitchFamily="2" charset="0"/>
               </a:rPr>
-              <a:t>block: </a:t>
-            </a:r>
-            <a:r>
-              <a:rPr lang="fa-IR" b="0" i="0" dirty="0">
+              <a:t>-</a:t>
+            </a:r>
+            <a:r>
+              <a:rPr lang="en-US" b="0" i="0" dirty="0">
                 <a:solidFill>
                   <a:srgbClr val="3C4043"/>
                 </a:solidFill>
                 <a:effectLst/>
                 <a:latin typeface="Roboto" panose="02000000000000000000" pitchFamily="2" charset="0"/>
               </a:rPr>
-              <a:t>حداقل واحد داده برای جابجایی بین سطوح–</a:t>
-            </a:r>
-            <a:r>
-              <a:rPr lang="en-US" b="0" i="0" dirty="0">
+              <a:t>block: </a:t>
+            </a:r>
+            <a:r>
+              <a:rPr lang="fa-IR" b="0" i="0" dirty="0">
                 <a:solidFill>
                   <a:srgbClr val="3C4043"/>
                 </a:solidFill>
                 <a:effectLst/>
                 <a:latin typeface="Roboto" panose="02000000000000000000" pitchFamily="2" charset="0"/>
               </a:rPr>
-              <a:t>hit: </a:t>
-            </a:r>
+              <a:t>حداقل واحد داده برای جابجایی بین سطوح</a:t>
+            </a:r>
+          </a:p>
+          <a:p>
+            <a:pPr algn="r" rtl="1"/>
             <a:r>
               <a:rPr lang="fa-IR" b="0" i="0" dirty="0">
                 <a:solidFill>
@@ -24280,7 +24291,7 @@
                 <a:effectLst/>
                 <a:latin typeface="Roboto" panose="02000000000000000000" pitchFamily="2" charset="0"/>
               </a:rPr>
-              <a:t>داده های درخواستی در حافظه پنهان هستند– </a:t>
+              <a:t>–</a:t>
             </a:r>
             <a:r>
               <a:rPr lang="en-US" b="0" i="0" dirty="0">
@@ -24290,7 +24301,7 @@
                 <a:effectLst/>
                 <a:latin typeface="Roboto" panose="02000000000000000000" pitchFamily="2" charset="0"/>
               </a:rPr>
-              <a:t>miss: </a:t>
+              <a:t>hit: </a:t>
             </a:r>
             <a:r>
               <a:rPr lang="fa-IR" b="0" i="0" dirty="0">
@@ -24300,38 +24311,44 @@
                 <a:effectLst/>
                 <a:latin typeface="Roboto" panose="02000000000000000000" pitchFamily="2" charset="0"/>
               </a:rPr>
-              <a:t>داده های درخواستی در حافظه پنهان نیستند– نرخ ضربه: کسری از دسترسی‌های حافظه‌ای که بازدید دارند (یعنی در حافظه پنهان یافت می‌شوند)– </a:t>
-            </a:r>
-            <a:r>
-              <a:rPr lang="en-US" b="0" i="0" dirty="0">
+              <a:t>داده های درخواستی در حافظه پنهان هستند</a:t>
+            </a:r>
+          </a:p>
+          <a:p>
+            <a:pPr algn="r" rtl="1"/>
+            <a:r>
+              <a:rPr lang="fa-IR" b="0" i="0" dirty="0">
                 <a:solidFill>
                   <a:srgbClr val="3C4043"/>
                 </a:solidFill>
                 <a:effectLst/>
                 <a:latin typeface="Roboto" panose="02000000000000000000" pitchFamily="2" charset="0"/>
               </a:rPr>
-              <a:t>miss rate: </a:t>
-            </a:r>
-            <a:r>
-              <a:rPr lang="fa-IR" b="0" i="0" dirty="0">
+              <a:t>– </a:t>
+            </a:r>
+            <a:r>
+              <a:rPr lang="en-US" b="0" i="0" dirty="0">
                 <a:solidFill>
                   <a:srgbClr val="3C4043"/>
                 </a:solidFill>
                 <a:effectLst/>
                 <a:latin typeface="Roboto" panose="02000000000000000000" pitchFamily="2" charset="0"/>
               </a:rPr>
-              <a:t>کسری از دسترسی‌های حافظه‌ای که بازدید ندارند• نرخ از دست دادن = 1 - نرخ ضربه–</a:t>
-            </a:r>
-            <a:r>
-              <a:rPr lang="en-US" b="0" i="0" dirty="0">
+              <a:t>miss: </a:t>
+            </a:r>
+            <a:r>
+              <a:rPr lang="fa-IR" b="0" i="0" dirty="0">
                 <a:solidFill>
                   <a:srgbClr val="3C4043"/>
                 </a:solidFill>
                 <a:effectLst/>
                 <a:latin typeface="Roboto" panose="02000000000000000000" pitchFamily="2" charset="0"/>
               </a:rPr>
-              <a:t>hit time: </a:t>
-            </a:r>
+              <a:t>داده های درخواستی در حافظه پنهان نیستند</a:t>
+            </a:r>
+          </a:p>
+          <a:p>
+            <a:pPr algn="r" rtl="1"/>
             <a:r>
               <a:rPr lang="fa-IR" b="0" i="0" dirty="0">
                 <a:solidFill>
@@ -24340,17 +24357,109 @@
                 <a:effectLst/>
                 <a:latin typeface="Roboto" panose="02000000000000000000" pitchFamily="2" charset="0"/>
               </a:rPr>
-              <a:t>زمان تعیین اینکه آیا دسترسی واقعاً یک ضربه است + زمان دسترسی و تحویل داده ها از حافظه پنهان به </a:t>
-            </a:r>
-            <a:r>
-              <a:rPr lang="en-US" b="0" i="0" dirty="0">
+              <a:t>– نرخ ضربه: کسری از دسترسی‌های حافظه‌ای که بازدید دارند (یعنی در حافظه پنهان یافت می‌شوند)</a:t>
+            </a:r>
+          </a:p>
+          <a:p>
+            <a:pPr algn="r" rtl="1"/>
+            <a:r>
+              <a:rPr lang="fa-IR" b="0" i="0" dirty="0">
                 <a:solidFill>
                   <a:srgbClr val="3C4043"/>
                 </a:solidFill>
                 <a:effectLst/>
                 <a:latin typeface="Roboto" panose="02000000000000000000" pitchFamily="2" charset="0"/>
               </a:rPr>
-              <a:t>CPU– </a:t>
+              <a:t>– </a:t>
+            </a:r>
+            <a:r>
+              <a:rPr lang="en-US" b="0" i="0" dirty="0">
+                <a:solidFill>
+                  <a:srgbClr val="3C4043"/>
+                </a:solidFill>
+                <a:effectLst/>
+                <a:latin typeface="Roboto" panose="02000000000000000000" pitchFamily="2" charset="0"/>
+              </a:rPr>
+              <a:t>miss rate: </a:t>
+            </a:r>
+            <a:r>
+              <a:rPr lang="fa-IR" b="0" i="0" dirty="0">
+                <a:solidFill>
+                  <a:srgbClr val="3C4043"/>
+                </a:solidFill>
+                <a:effectLst/>
+                <a:latin typeface="Roboto" panose="02000000000000000000" pitchFamily="2" charset="0"/>
+              </a:rPr>
+              <a:t>کسری از دسترسی‌های حافظه‌ای که بازدید ندارند</a:t>
+            </a:r>
+          </a:p>
+          <a:p>
+            <a:pPr algn="r" rtl="1"/>
+            <a:r>
+              <a:rPr lang="fa-IR" b="0" i="0" dirty="0">
+                <a:solidFill>
+                  <a:srgbClr val="3C4043"/>
+                </a:solidFill>
+                <a:effectLst/>
+                <a:latin typeface="Roboto" panose="02000000000000000000" pitchFamily="2" charset="0"/>
+              </a:rPr>
+              <a:t>• نرخ از دست دادن = 1 - نرخ ضربه</a:t>
+            </a:r>
+          </a:p>
+          <a:p>
+            <a:pPr algn="r" rtl="1"/>
+            <a:r>
+              <a:rPr lang="fa-IR" b="0" i="0" dirty="0">
+                <a:solidFill>
+                  <a:srgbClr val="3C4043"/>
+                </a:solidFill>
+                <a:effectLst/>
+                <a:latin typeface="Roboto" panose="02000000000000000000" pitchFamily="2" charset="0"/>
+              </a:rPr>
+              <a:t>–</a:t>
+            </a:r>
+            <a:r>
+              <a:rPr lang="en-US" b="0" i="0" dirty="0">
+                <a:solidFill>
+                  <a:srgbClr val="3C4043"/>
+                </a:solidFill>
+                <a:effectLst/>
+                <a:latin typeface="Roboto" panose="02000000000000000000" pitchFamily="2" charset="0"/>
+              </a:rPr>
+              <a:t>hit time: </a:t>
+            </a:r>
+            <a:r>
+              <a:rPr lang="fa-IR" b="0" i="0" dirty="0">
+                <a:solidFill>
+                  <a:srgbClr val="3C4043"/>
+                </a:solidFill>
+                <a:effectLst/>
+                <a:latin typeface="Roboto" panose="02000000000000000000" pitchFamily="2" charset="0"/>
+              </a:rPr>
+              <a:t>زمان تعیین اینکه آیا دسترسی واقعاً یک ضربه است + زمان دسترسی و تحویل داده ها از حافظه پنهان به </a:t>
+            </a:r>
+            <a:r>
+              <a:rPr lang="en-US" b="0" i="0" dirty="0">
+                <a:solidFill>
+                  <a:srgbClr val="3C4043"/>
+                </a:solidFill>
+                <a:effectLst/>
+                <a:latin typeface="Roboto" panose="02000000000000000000" pitchFamily="2" charset="0"/>
+              </a:rPr>
+              <a:t>CPU</a:t>
+            </a:r>
+          </a:p>
+          <a:p>
+            <a:pPr algn="r" rtl="1"/>
+            <a:r>
+              <a:rPr lang="en-US" b="0" i="0" dirty="0">
+                <a:solidFill>
+                  <a:srgbClr val="3C4043"/>
+                </a:solidFill>
+                <a:effectLst/>
+                <a:latin typeface="Roboto" panose="02000000000000000000" pitchFamily="2" charset="0"/>
+              </a:rPr>
+              <a:t>– </a:t>
             </a:r>
             <a:r>
               <a:rPr lang="fa-IR" b="0" i="0" dirty="0">
@@ -24393,13 +24502,14 @@
           </p:cNvPr>
           <p:cNvCxnSpPr>
             <a:cxnSpLocks/>
+            <a:stCxn id="20" idx="2"/>
           </p:cNvCxnSpPr>
           <p:nvPr/>
         </p:nvCxnSpPr>
         <p:spPr>
-          <a:xfrm>
-            <a:off x="4548673" y="1013346"/>
-            <a:ext cx="0" cy="5644818"/>
+          <a:xfrm flipH="1">
+            <a:off x="4548673" y="369332"/>
+            <a:ext cx="23327" cy="6088996"/>
           </a:xfrm>
           <a:prstGeom prst="line">
             <a:avLst/>
@@ -24442,7 +24552,7 @@
         </p:nvSpPr>
         <p:spPr>
           <a:xfrm>
-            <a:off x="3326364" y="199836"/>
+            <a:off x="3326364" y="0"/>
             <a:ext cx="2491272" cy="369332"/>
           </a:xfrm>
           <a:prstGeom prst="rect">
@@ -24485,7 +24595,7 @@
         <p:spPr>
           <a:xfrm>
             <a:off x="18660" y="523001"/>
-            <a:ext cx="4366727" cy="6632585"/>
+            <a:ext cx="4366727" cy="6370975"/>
           </a:xfrm>
           <a:prstGeom prst="rect">
             <a:avLst/>
@@ -24497,15 +24607,6 @@
             <a:spAutoFit/>
           </a:bodyPr>
           <a:lstStyle/>
-          <a:p>
-            <a:pPr algn="l"/>
-            <a:endParaRPr lang="en-US" sz="1700" b="0" i="0" u="none" strike="noStrike" baseline="0" dirty="0">
-              <a:solidFill>
-                <a:srgbClr val="000000"/>
-              </a:solidFill>
-              <a:latin typeface="Arial" panose="020B0604020202020204" pitchFamily="34" charset="0"/>
-            </a:endParaRPr>
-          </a:p>
           <a:p>
             <a:r>
               <a:rPr lang="en-US" sz="1700" b="0" i="0" u="none" strike="noStrike" baseline="0" dirty="0">
@@ -24905,7 +25006,7 @@
         <p:spPr>
           <a:xfrm>
             <a:off x="4711962" y="1013346"/>
-            <a:ext cx="4156787" cy="1754326"/>
+            <a:ext cx="4156787" cy="2308324"/>
           </a:xfrm>
           <a:prstGeom prst="rect">
             <a:avLst/>
@@ -24920,57 +25021,50 @@
           <a:p>
             <a:pPr algn="r" rtl="1"/>
             <a:r>
-              <a:rPr lang="en-US" b="0" i="0" dirty="0">
-                <a:solidFill>
-                  <a:srgbClr val="FFFFFF"/>
-                </a:solidFill>
-                <a:effectLst/>
-                <a:latin typeface="Roboto" panose="02000000000000000000" pitchFamily="2" charset="0"/>
-              </a:rPr>
-              <a:t>S</a:t>
-            </a:r>
-            <a:r>
-              <a:rPr lang="en-US" b="0" i="0" dirty="0">
-                <a:solidFill>
-                  <a:srgbClr val="3C4043"/>
-                </a:solidFill>
-                <a:effectLst/>
-                <a:latin typeface="Roboto" panose="02000000000000000000" pitchFamily="2" charset="0"/>
-              </a:rPr>
-              <a:t>• </a:t>
-            </a:r>
-            <a:r>
-              <a:rPr lang="fa-IR" b="0" i="0" dirty="0">
-                <a:solidFill>
-                  <a:srgbClr val="3C4043"/>
-                </a:solidFill>
-                <a:effectLst/>
-                <a:latin typeface="Roboto" panose="02000000000000000000" pitchFamily="2" charset="0"/>
-              </a:rPr>
-              <a:t>با مثال ساده – فرض کنید اندازه بلوک = یک کلمه داده</a:t>
+              <a:rPr lang="fa-IR" dirty="0"/>
+              <a:t>• با مثال ساده</a:t>
             </a:r>
           </a:p>
           <a:p>
             <a:pPr algn="r" rtl="1"/>
             <a:r>
-              <a:rPr lang="en-US" b="0" i="0" dirty="0">
-                <a:solidFill>
-                  <a:srgbClr val="3C4043"/>
-                </a:solidFill>
-                <a:effectLst/>
-                <a:latin typeface="Roboto" panose="02000000000000000000" pitchFamily="2" charset="0"/>
-              </a:rPr>
-              <a:t>• </a:t>
-            </a:r>
-            <a:r>
-              <a:rPr lang="fa-IR" b="0" i="0" dirty="0">
-                <a:solidFill>
-                  <a:srgbClr val="3C4043"/>
-                </a:solidFill>
-                <a:effectLst/>
-                <a:latin typeface="Roboto" panose="02000000000000000000" pitchFamily="2" charset="0"/>
-              </a:rPr>
-              <a:t>مسائل: - چگونه بفهمیم که یک آیتم داده در حافظه پنهان است؟ - اگر هست، چگونه آن را پیدا کنیم؟ - اگر نه، چه کار کنیم؟ • راه حل به طرح آدرس دهی کش بستگی دارد…</a:t>
+              <a:rPr lang="fa-IR" dirty="0"/>
+              <a:t>- فرض کنید اندازه بلوک = یک کلمه داده</a:t>
+            </a:r>
+          </a:p>
+          <a:p>
+            <a:pPr algn="r" rtl="1"/>
+            <a:r>
+              <a:rPr lang="fa-IR" dirty="0"/>
+              <a:t>• مسائل:</a:t>
+            </a:r>
+          </a:p>
+          <a:p>
+            <a:pPr algn="r" rtl="1"/>
+            <a:r>
+              <a:rPr lang="fa-IR" dirty="0"/>
+              <a:t>- چگونه بفهمیم که یک آیتم داده در حافظه پنهان است؟</a:t>
+            </a:r>
+          </a:p>
+          <a:p>
+            <a:pPr algn="r" rtl="1"/>
+            <a:r>
+              <a:rPr lang="fa-IR" dirty="0"/>
+              <a:t>- اگر هست، چگونه آن را پیدا کنیم؟</a:t>
+            </a:r>
+          </a:p>
+          <a:p>
+            <a:pPr algn="r" rtl="1"/>
+            <a:r>
+              <a:rPr lang="fa-IR" dirty="0"/>
+              <a:t>- اگر نه، چه کار کنیم؟</a:t>
+            </a:r>
+          </a:p>
+          <a:p>
+            <a:pPr algn="r" rtl="1"/>
+            <a:r>
+              <a:rPr lang="fa-IR" dirty="0"/>
+              <a:t>• راه حل به طرح آدرس دهی کش بستگی دارد…</a:t>
             </a:r>
           </a:p>
         </p:txBody>
@@ -25090,7 +25184,7 @@
         <p:spPr>
           <a:xfrm>
             <a:off x="65313" y="846167"/>
-            <a:ext cx="4366727" cy="2862322"/>
+            <a:ext cx="4366727" cy="2585323"/>
           </a:xfrm>
           <a:prstGeom prst="rect">
             <a:avLst/>
@@ -25102,15 +25196,6 @@
             <a:spAutoFit/>
           </a:bodyPr>
           <a:lstStyle/>
-          <a:p>
-            <a:pPr algn="l"/>
-            <a:endParaRPr lang="en-US" sz="1800" b="0" i="0" u="none" strike="noStrike" baseline="0" dirty="0">
-              <a:solidFill>
-                <a:srgbClr val="000000"/>
-              </a:solidFill>
-              <a:latin typeface="Arial" panose="020B0604020202020204" pitchFamily="34" charset="0"/>
-            </a:endParaRPr>
-          </a:p>
           <a:p>
             <a:r>
               <a:rPr lang="en-US" sz="1800" b="0" i="0" u="none" strike="noStrike" baseline="0" dirty="0">
@@ -26119,15 +26204,6 @@
 </file>
 
 <file path=customXml/item1.xml><?xml version="1.0" encoding="utf-8"?>
-<p:properties xmlns:p="http://schemas.microsoft.com/office/2006/metadata/properties" xmlns:xsi="http://www.w3.org/2001/XMLSchema-instance" xmlns:pc="http://schemas.microsoft.com/office/infopath/2007/PartnerControls">
-  <documentManagement>
-    <Status xmlns="71af3243-3dd4-4a8d-8c0d-dd76da1f02a5">Not started</Status>
-    <MediaServiceKeyPoints xmlns="71af3243-3dd4-4a8d-8c0d-dd76da1f02a5" xsi:nil="true"/>
-  </documentManagement>
-</p:properties>
-</file>
-
-<file path=customXml/item2.xml><?xml version="1.0" encoding="utf-8"?>
 <ct:contentTypeSchema xmlns:ct="http://schemas.microsoft.com/office/2006/metadata/contentType" xmlns:ma="http://schemas.microsoft.com/office/2006/metadata/properties/metaAttributes" ct:_="" ma:_="" ma:contentTypeName="Document" ma:contentTypeID="0x01010079F111ED35F8CC479449609E8A0923A6" ma:contentTypeVersion="12" ma:contentTypeDescription="Create a new document." ma:contentTypeScope="" ma:versionID="426e97fa315356fffbdcd9876fe988c2">
   <xsd:schema xmlns:xsd="http://www.w3.org/2001/XMLSchema" xmlns:xs="http://www.w3.org/2001/XMLSchema" xmlns:p="http://schemas.microsoft.com/office/2006/metadata/properties" xmlns:ns2="71af3243-3dd4-4a8d-8c0d-dd76da1f02a5" xmlns:ns3="16c05727-aa75-4e4a-9b5f-8a80a1165891" targetNamespace="http://schemas.microsoft.com/office/2006/metadata/properties" ma:root="true" ma:fieldsID="14b8f0def80e6d70ce3def20c90759ae" ns2:_="" ns3:_="">
     <xsd:import namespace="71af3243-3dd4-4a8d-8c0d-dd76da1f02a5"/>
@@ -26348,7 +26424,7 @@
 </ct:contentTypeSchema>
 </file>
 
-<file path=customXml/item3.xml><?xml version="1.0" encoding="utf-8"?>
+<file path=customXml/item2.xml><?xml version="1.0" encoding="utf-8"?>
 <?mso-contentType ?>
 <FormTemplates xmlns="http://schemas.microsoft.com/sharepoint/v3/contenttype/forms">
   <Display>DocumentLibraryForm</Display>
@@ -26357,17 +26433,16 @@
 </FormTemplates>
 </file>
 
-<file path=customXml/itemProps1.xml><?xml version="1.0" encoding="utf-8"?>
-<ds:datastoreItem xmlns:ds="http://schemas.openxmlformats.org/officeDocument/2006/customXml" ds:itemID="{E3D9F223-918A-45AF-9B53-56AB9E5E2182}">
-  <ds:schemaRefs>
-    <ds:schemaRef ds:uri="http://schemas.microsoft.com/office/2006/metadata/properties"/>
-    <ds:schemaRef ds:uri="http://schemas.microsoft.com/office/infopath/2007/PartnerControls"/>
-    <ds:schemaRef ds:uri="71af3243-3dd4-4a8d-8c0d-dd76da1f02a5"/>
-  </ds:schemaRefs>
-</ds:datastoreItem>
+<file path=customXml/item3.xml><?xml version="1.0" encoding="utf-8"?>
+<p:properties xmlns:p="http://schemas.microsoft.com/office/2006/metadata/properties" xmlns:xsi="http://www.w3.org/2001/XMLSchema-instance" xmlns:pc="http://schemas.microsoft.com/office/infopath/2007/PartnerControls">
+  <documentManagement>
+    <Status xmlns="71af3243-3dd4-4a8d-8c0d-dd76da1f02a5">Not started</Status>
+    <MediaServiceKeyPoints xmlns="71af3243-3dd4-4a8d-8c0d-dd76da1f02a5" xsi:nil="true"/>
+  </documentManagement>
+</p:properties>
 </file>
 
-<file path=customXml/itemProps2.xml><?xml version="1.0" encoding="utf-8"?>
+<file path=customXml/itemProps1.xml><?xml version="1.0" encoding="utf-8"?>
 <ds:datastoreItem xmlns:ds="http://schemas.openxmlformats.org/officeDocument/2006/customXml" ds:itemID="{55BB9993-D5F9-46FA-B2E5-80E3632E9820}">
   <ds:schemaRefs>
     <ds:schemaRef ds:uri="http://schemas.microsoft.com/office/2006/metadata/contentType"/>
@@ -26386,10 +26461,20 @@
 </ds:datastoreItem>
 </file>
 
-<file path=customXml/itemProps3.xml><?xml version="1.0" encoding="utf-8"?>
+<file path=customXml/itemProps2.xml><?xml version="1.0" encoding="utf-8"?>
 <ds:datastoreItem xmlns:ds="http://schemas.openxmlformats.org/officeDocument/2006/customXml" ds:itemID="{1B7E2D32-4FDD-4266-880C-17595B801432}">
   <ds:schemaRefs>
     <ds:schemaRef ds:uri="http://schemas.microsoft.com/sharepoint/v3/contenttype/forms"/>
   </ds:schemaRefs>
 </ds:datastoreItem>
+</file>
+
+<file path=customXml/itemProps3.xml><?xml version="1.0" encoding="utf-8"?>
+<ds:datastoreItem xmlns:ds="http://schemas.openxmlformats.org/officeDocument/2006/customXml" ds:itemID="{E3D9F223-918A-45AF-9B53-56AB9E5E2182}">
+  <ds:schemaRefs>
+    <ds:schemaRef ds:uri="http://schemas.microsoft.com/office/2006/metadata/properties"/>
+    <ds:schemaRef ds:uri="http://schemas.microsoft.com/office/infopath/2007/PartnerControls"/>
+    <ds:schemaRef ds:uri="71af3243-3dd4-4a8d-8c0d-dd76da1f02a5"/>
+  </ds:schemaRefs>
+</ds:datastoreItem>
 </file>
--- a/Chapter4.Memory Hirearchy.pptx
+++ b/Chapter4.Memory Hirearchy.pptx
@@ -273,7 +273,7 @@
           <a:p>
             <a:fld id="{966D5B4E-BF3E-3B45-A4BA-D6C3B92870D7}" type="datetimeFigureOut">
               <a:rPr lang="en-US" smtClean="0"/>
-              <a:t>6/17/2023</a:t>
+              <a:t>6/23/2023</a:t>
             </a:fld>
             <a:endParaRPr lang="en-US" dirty="0"/>
           </a:p>
@@ -450,7 +450,7 @@
           <a:p>
             <a:fld id="{F5A8621B-8C8E-49BA-8772-41D0FE75A082}" type="datetimeFigureOut">
               <a:rPr lang="en-US" smtClean="0"/>
-              <a:t>6/17/2023</a:t>
+              <a:t>6/23/2023</a:t>
             </a:fld>
             <a:endParaRPr lang="en-US" dirty="0"/>
           </a:p>
@@ -16665,8 +16665,8 @@
         </p:nvSpPr>
         <p:spPr>
           <a:xfrm>
-            <a:off x="111965" y="955541"/>
-            <a:ext cx="4366726" cy="2308324"/>
+            <a:off x="0" y="955541"/>
+            <a:ext cx="4478691" cy="2308324"/>
           </a:xfrm>
           <a:prstGeom prst="rect">
             <a:avLst/>
@@ -16784,8 +16784,8 @@
         </p:blipFill>
         <p:spPr>
           <a:xfrm>
-            <a:off x="0" y="3135086"/>
-            <a:ext cx="9144000" cy="3722913"/>
+            <a:off x="0" y="3263865"/>
+            <a:ext cx="9144000" cy="3594134"/>
           </a:xfrm>
           <a:prstGeom prst="rect">
             <a:avLst/>
@@ -22620,8 +22620,8 @@
         </p:nvSpPr>
         <p:spPr>
           <a:xfrm>
-            <a:off x="139962" y="1048940"/>
-            <a:ext cx="4390052" cy="2031325"/>
+            <a:off x="0" y="1048940"/>
+            <a:ext cx="4530014" cy="2031325"/>
           </a:xfrm>
           <a:prstGeom prst="rect">
             <a:avLst/>
@@ -26204,6 +26204,24 @@
 </file>
 
 <file path=customXml/item1.xml><?xml version="1.0" encoding="utf-8"?>
+<?mso-contentType ?>
+<FormTemplates xmlns="http://schemas.microsoft.com/sharepoint/v3/contenttype/forms">
+  <Display>DocumentLibraryForm</Display>
+  <Edit>DocumentLibraryForm</Edit>
+  <New>DocumentLibraryForm</New>
+</FormTemplates>
+</file>
+
+<file path=customXml/item2.xml><?xml version="1.0" encoding="utf-8"?>
+<p:properties xmlns:p="http://schemas.microsoft.com/office/2006/metadata/properties" xmlns:xsi="http://www.w3.org/2001/XMLSchema-instance" xmlns:pc="http://schemas.microsoft.com/office/infopath/2007/PartnerControls">
+  <documentManagement>
+    <Status xmlns="71af3243-3dd4-4a8d-8c0d-dd76da1f02a5">Not started</Status>
+    <MediaServiceKeyPoints xmlns="71af3243-3dd4-4a8d-8c0d-dd76da1f02a5" xsi:nil="true"/>
+  </documentManagement>
+</p:properties>
+</file>
+
+<file path=customXml/item3.xml><?xml version="1.0" encoding="utf-8"?>
 <ct:contentTypeSchema xmlns:ct="http://schemas.microsoft.com/office/2006/metadata/contentType" xmlns:ma="http://schemas.microsoft.com/office/2006/metadata/properties/metaAttributes" ct:_="" ma:_="" ma:contentTypeName="Document" ma:contentTypeID="0x01010079F111ED35F8CC479449609E8A0923A6" ma:contentTypeVersion="12" ma:contentTypeDescription="Create a new document." ma:contentTypeScope="" ma:versionID="426e97fa315356fffbdcd9876fe988c2">
   <xsd:schema xmlns:xsd="http://www.w3.org/2001/XMLSchema" xmlns:xs="http://www.w3.org/2001/XMLSchema" xmlns:p="http://schemas.microsoft.com/office/2006/metadata/properties" xmlns:ns2="71af3243-3dd4-4a8d-8c0d-dd76da1f02a5" xmlns:ns3="16c05727-aa75-4e4a-9b5f-8a80a1165891" targetNamespace="http://schemas.microsoft.com/office/2006/metadata/properties" ma:root="true" ma:fieldsID="14b8f0def80e6d70ce3def20c90759ae" ns2:_="" ns3:_="">
     <xsd:import namespace="71af3243-3dd4-4a8d-8c0d-dd76da1f02a5"/>
@@ -26424,25 +26442,25 @@
 </ct:contentTypeSchema>
 </file>
 
-<file path=customXml/item2.xml><?xml version="1.0" encoding="utf-8"?>
-<?mso-contentType ?>
-<FormTemplates xmlns="http://schemas.microsoft.com/sharepoint/v3/contenttype/forms">
-  <Display>DocumentLibraryForm</Display>
-  <Edit>DocumentLibraryForm</Edit>
-  <New>DocumentLibraryForm</New>
-</FormTemplates>
+<file path=customXml/itemProps1.xml><?xml version="1.0" encoding="utf-8"?>
+<ds:datastoreItem xmlns:ds="http://schemas.openxmlformats.org/officeDocument/2006/customXml" ds:itemID="{1B7E2D32-4FDD-4266-880C-17595B801432}">
+  <ds:schemaRefs>
+    <ds:schemaRef ds:uri="http://schemas.microsoft.com/sharepoint/v3/contenttype/forms"/>
+  </ds:schemaRefs>
+</ds:datastoreItem>
 </file>
 
-<file path=customXml/item3.xml><?xml version="1.0" encoding="utf-8"?>
-<p:properties xmlns:p="http://schemas.microsoft.com/office/2006/metadata/properties" xmlns:xsi="http://www.w3.org/2001/XMLSchema-instance" xmlns:pc="http://schemas.microsoft.com/office/infopath/2007/PartnerControls">
-  <documentManagement>
-    <Status xmlns="71af3243-3dd4-4a8d-8c0d-dd76da1f02a5">Not started</Status>
-    <MediaServiceKeyPoints xmlns="71af3243-3dd4-4a8d-8c0d-dd76da1f02a5" xsi:nil="true"/>
-  </documentManagement>
-</p:properties>
+<file path=customXml/itemProps2.xml><?xml version="1.0" encoding="utf-8"?>
+<ds:datastoreItem xmlns:ds="http://schemas.openxmlformats.org/officeDocument/2006/customXml" ds:itemID="{E3D9F223-918A-45AF-9B53-56AB9E5E2182}">
+  <ds:schemaRefs>
+    <ds:schemaRef ds:uri="http://schemas.microsoft.com/office/2006/metadata/properties"/>
+    <ds:schemaRef ds:uri="http://schemas.microsoft.com/office/infopath/2007/PartnerControls"/>
+    <ds:schemaRef ds:uri="71af3243-3dd4-4a8d-8c0d-dd76da1f02a5"/>
+  </ds:schemaRefs>
+</ds:datastoreItem>
 </file>
 
-<file path=customXml/itemProps1.xml><?xml version="1.0" encoding="utf-8"?>
+<file path=customXml/itemProps3.xml><?xml version="1.0" encoding="utf-8"?>
 <ds:datastoreItem xmlns:ds="http://schemas.openxmlformats.org/officeDocument/2006/customXml" ds:itemID="{55BB9993-D5F9-46FA-B2E5-80E3632E9820}">
   <ds:schemaRefs>
     <ds:schemaRef ds:uri="http://schemas.microsoft.com/office/2006/metadata/contentType"/>
@@ -26459,22 +26477,4 @@
     <ds:schemaRef ds:uri="http://schemas.microsoft.com/internal/obd"/>
   </ds:schemaRefs>
 </ds:datastoreItem>
-</file>
-
-<file path=customXml/itemProps2.xml><?xml version="1.0" encoding="utf-8"?>
-<ds:datastoreItem xmlns:ds="http://schemas.openxmlformats.org/officeDocument/2006/customXml" ds:itemID="{1B7E2D32-4FDD-4266-880C-17595B801432}">
-  <ds:schemaRefs>
-    <ds:schemaRef ds:uri="http://schemas.microsoft.com/sharepoint/v3/contenttype/forms"/>
-  </ds:schemaRefs>
-</ds:datastoreItem>
-</file>
-
-<file path=customXml/itemProps3.xml><?xml version="1.0" encoding="utf-8"?>
-<ds:datastoreItem xmlns:ds="http://schemas.openxmlformats.org/officeDocument/2006/customXml" ds:itemID="{E3D9F223-918A-45AF-9B53-56AB9E5E2182}">
-  <ds:schemaRefs>
-    <ds:schemaRef ds:uri="http://schemas.microsoft.com/office/2006/metadata/properties"/>
-    <ds:schemaRef ds:uri="http://schemas.microsoft.com/office/infopath/2007/PartnerControls"/>
-    <ds:schemaRef ds:uri="71af3243-3dd4-4a8d-8c0d-dd76da1f02a5"/>
-  </ds:schemaRefs>
-</ds:datastoreItem>
 </file>
--- a/Chapter4.Memory Hirearchy.pptx
+++ b/Chapter4.Memory Hirearchy.pptx
@@ -273,7 +273,7 @@
           <a:p>
             <a:fld id="{966D5B4E-BF3E-3B45-A4BA-D6C3B92870D7}" type="datetimeFigureOut">
               <a:rPr lang="en-US" smtClean="0"/>
-              <a:t>6/23/2023</a:t>
+              <a:t>6/26/2023</a:t>
             </a:fld>
             <a:endParaRPr lang="en-US" dirty="0"/>
           </a:p>
@@ -450,7 +450,7 @@
           <a:p>
             <a:fld id="{F5A8621B-8C8E-49BA-8772-41D0FE75A082}" type="datetimeFigureOut">
               <a:rPr lang="en-US" smtClean="0"/>
-              <a:t>6/23/2023</a:t>
+              <a:t>6/26/2023</a:t>
             </a:fld>
             <a:endParaRPr lang="en-US" dirty="0"/>
           </a:p>
@@ -9462,6 +9462,7 @@
                 </a:solidFill>
                 <a:effectLst/>
                 <a:latin typeface="Roboto" panose="02000000000000000000" pitchFamily="2" charset="0"/>
+                <a:cs typeface="B Nazanin" panose="00000400000000000000" pitchFamily="2" charset="-78"/>
               </a:rPr>
               <a:t>•طرح آدرس دهی در حافظه پنهان مستقیم:</a:t>
             </a:r>
@@ -9475,6 +9476,7 @@
                 </a:solidFill>
                 <a:effectLst/>
                 <a:latin typeface="Roboto" panose="02000000000000000000" pitchFamily="2" charset="0"/>
+                <a:cs typeface="B Nazanin" panose="00000400000000000000" pitchFamily="2" charset="-78"/>
               </a:rPr>
               <a:t>-آدرس بلوک کش = آدرس بلوک حافظه اندازه مود کش (یکتا)</a:t>
             </a:r>
@@ -9488,6 +9490,7 @@
                 </a:solidFill>
                 <a:effectLst/>
                 <a:latin typeface="Roboto" panose="02000000000000000000" pitchFamily="2" charset="0"/>
+                <a:cs typeface="B Nazanin" panose="00000400000000000000" pitchFamily="2" charset="-78"/>
               </a:rPr>
               <a:t>-اگر اندازه کش = 2 متر، آدرس کش = </a:t>
             </a:r>
@@ -9498,6 +9501,7 @@
                 </a:solidFill>
                 <a:effectLst/>
                 <a:latin typeface="Roboto" panose="02000000000000000000" pitchFamily="2" charset="0"/>
+                <a:cs typeface="B Nazanin" panose="00000400000000000000" pitchFamily="2" charset="-78"/>
               </a:rPr>
               <a:t>m </a:t>
             </a:r>
@@ -9508,6 +9512,7 @@
                 </a:solidFill>
                 <a:effectLst/>
                 <a:latin typeface="Roboto" panose="02000000000000000000" pitchFamily="2" charset="0"/>
+                <a:cs typeface="B Nazanin" panose="00000400000000000000" pitchFamily="2" charset="-78"/>
               </a:rPr>
               <a:t>بیت کمتر از آدرس حافظه </a:t>
             </a:r>
@@ -9518,6 +9523,7 @@
                 </a:solidFill>
                 <a:effectLst/>
                 <a:latin typeface="Roboto" panose="02000000000000000000" pitchFamily="2" charset="0"/>
+                <a:cs typeface="B Nazanin" panose="00000400000000000000" pitchFamily="2" charset="-78"/>
               </a:rPr>
               <a:t>n </a:t>
             </a:r>
@@ -9528,6 +9534,7 @@
                 </a:solidFill>
                 <a:effectLst/>
                 <a:latin typeface="Roboto" panose="02000000000000000000" pitchFamily="2" charset="0"/>
+                <a:cs typeface="B Nazanin" panose="00000400000000000000" pitchFamily="2" charset="-78"/>
               </a:rPr>
               <a:t>بیتی</a:t>
             </a:r>
@@ -9541,6 +9548,7 @@
                 </a:solidFill>
                 <a:effectLst/>
                 <a:latin typeface="Roboto" panose="02000000000000000000" pitchFamily="2" charset="0"/>
+                <a:cs typeface="B Nazanin" panose="00000400000000000000" pitchFamily="2" charset="-78"/>
               </a:rPr>
               <a:t>- </a:t>
             </a:r>
@@ -9551,6 +9559,7 @@
                 </a:solidFill>
                 <a:effectLst/>
                 <a:latin typeface="Roboto" panose="02000000000000000000" pitchFamily="2" charset="0"/>
+                <a:cs typeface="B Nazanin" panose="00000400000000000000" pitchFamily="2" charset="-78"/>
               </a:rPr>
               <a:t>n-m </a:t>
             </a:r>
@@ -9561,6 +9570,7 @@
                 </a:solidFill>
                 <a:effectLst/>
                 <a:latin typeface="Roboto" panose="02000000000000000000" pitchFamily="2" charset="0"/>
+                <a:cs typeface="B Nazanin" panose="00000400000000000000" pitchFamily="2" charset="-78"/>
               </a:rPr>
               <a:t>بیت های بالای باقی مانده به عنوان بیت های برچسب در هر بلوک کش نگهداری می شوند</a:t>
             </a:r>
@@ -9574,6 +9584,7 @@
                 </a:solidFill>
                 <a:effectLst/>
                 <a:latin typeface="Roboto" panose="02000000000000000000" pitchFamily="2" charset="0"/>
+                <a:cs typeface="B Nazanin" panose="00000400000000000000" pitchFamily="2" charset="-78"/>
               </a:rPr>
               <a:t>-همچنین به یک بیت معتبر برای شناسایی ورودی معتبر نیاز دارید</a:t>
             </a:r>
@@ -9587,6 +9598,7 @@
                 </a:solidFill>
                 <a:effectLst/>
                 <a:latin typeface="Roboto" panose="02000000000000000000" pitchFamily="2" charset="0"/>
+                <a:cs typeface="B Nazanin" panose="00000400000000000000" pitchFamily="2" charset="-78"/>
               </a:rPr>
               <a:t>-در اینجا اندازه کش 8 (23) =&gt; 3 بیت برای شاخص است</a:t>
             </a:r>
@@ -9600,6 +9612,7 @@
                 </a:solidFill>
                 <a:effectLst/>
                 <a:latin typeface="Roboto" panose="02000000000000000000" pitchFamily="2" charset="0"/>
+                <a:cs typeface="B Nazanin" panose="00000400000000000000" pitchFamily="2" charset="-78"/>
               </a:rPr>
               <a:t>-2 بیت برای برچسب</a:t>
             </a:r>
@@ -9687,13 +9700,16 @@
                   <a:srgbClr val="2A1A00"/>
                 </a:solidFill>
                 <a:latin typeface="Impact" panose="020B0806030902050204" pitchFamily="34" charset="0"/>
+                <a:cs typeface="B Nazanin" panose="00000400000000000000" pitchFamily="2" charset="-78"/>
               </a:rPr>
               <a:t>DIRECT MAPPED CACHE</a:t>
             </a:r>
           </a:p>
           <a:p>
             <a:pPr algn="ctr"/>
-            <a:endParaRPr lang="en-US" dirty="0"/>
+            <a:endParaRPr lang="en-US" dirty="0">
+              <a:cs typeface="B Nazanin" panose="00000400000000000000" pitchFamily="2" charset="-78"/>
+            </a:endParaRPr>
           </a:p>
         </p:txBody>
       </p:sp>
@@ -9731,6 +9747,7 @@
                   <a:srgbClr val="2A1A00"/>
                 </a:solidFill>
                 <a:latin typeface="Arial" panose="020B0604020202020204" pitchFamily="34" charset="0"/>
+                <a:cs typeface="B Nazanin" panose="00000400000000000000" pitchFamily="2" charset="-78"/>
               </a:rPr>
               <a:t>•</a:t>
             </a:r>
@@ -9740,6 +9757,7 @@
                   <a:srgbClr val="585858"/>
                 </a:solidFill>
                 <a:latin typeface="Gill Sans MT" panose="020B0502020104020203" pitchFamily="34" charset="0"/>
+                <a:cs typeface="B Nazanin" panose="00000400000000000000" pitchFamily="2" charset="-78"/>
               </a:rPr>
               <a:t>Addressing scheme in </a:t>
             </a:r>
@@ -9749,6 +9767,7 @@
                   <a:srgbClr val="585858"/>
                 </a:solidFill>
                 <a:latin typeface="Gill Sans MT" panose="020B0502020104020203" pitchFamily="34" charset="0"/>
+                <a:cs typeface="B Nazanin" panose="00000400000000000000" pitchFamily="2" charset="-78"/>
               </a:rPr>
               <a:t>direct </a:t>
             </a:r>
@@ -9758,6 +9777,7 @@
                   <a:srgbClr val="585858"/>
                 </a:solidFill>
                 <a:latin typeface="Gill Sans MT" panose="020B0502020104020203" pitchFamily="34" charset="0"/>
+                <a:cs typeface="B Nazanin" panose="00000400000000000000" pitchFamily="2" charset="-78"/>
               </a:rPr>
               <a:t>mapped</a:t>
             </a:r>
@@ -9767,6 +9787,7 @@
                   <a:srgbClr val="585858"/>
                 </a:solidFill>
                 <a:latin typeface="Gill Sans MT" panose="020B0502020104020203" pitchFamily="34" charset="0"/>
+                <a:cs typeface="B Nazanin" panose="00000400000000000000" pitchFamily="2" charset="-78"/>
               </a:rPr>
               <a:t>cache</a:t>
             </a:r>
@@ -9776,6 +9797,7 @@
                   <a:srgbClr val="585858"/>
                 </a:solidFill>
                 <a:latin typeface="Gill Sans MT" panose="020B0502020104020203" pitchFamily="34" charset="0"/>
+                <a:cs typeface="B Nazanin" panose="00000400000000000000" pitchFamily="2" charset="-78"/>
               </a:rPr>
               <a:t>:</a:t>
             </a:r>
@@ -9787,6 +9809,7 @@
                   <a:srgbClr val="2A1A00"/>
                 </a:solidFill>
                 <a:latin typeface="Gill Sans MT" panose="020B0502020104020203" pitchFamily="34" charset="0"/>
+                <a:cs typeface="B Nazanin" panose="00000400000000000000" pitchFamily="2" charset="-78"/>
               </a:rPr>
               <a:t>–</a:t>
             </a:r>
@@ -9796,6 +9819,7 @@
                   <a:srgbClr val="585858"/>
                 </a:solidFill>
                 <a:latin typeface="Gill Sans MT" panose="020B0502020104020203" pitchFamily="34" charset="0"/>
+                <a:cs typeface="B Nazanin" panose="00000400000000000000" pitchFamily="2" charset="-78"/>
               </a:rPr>
               <a:t>cache block address = memory block address </a:t>
             </a:r>
@@ -9805,6 +9829,7 @@
                   <a:srgbClr val="585858"/>
                 </a:solidFill>
                 <a:latin typeface="Gill Sans MT" panose="020B0502020104020203" pitchFamily="34" charset="0"/>
+                <a:cs typeface="B Nazanin" panose="00000400000000000000" pitchFamily="2" charset="-78"/>
               </a:rPr>
               <a:t>mod</a:t>
             </a:r>
@@ -9814,6 +9839,7 @@
                   <a:srgbClr val="585858"/>
                 </a:solidFill>
                 <a:latin typeface="Gill Sans MT" panose="020B0502020104020203" pitchFamily="34" charset="0"/>
+                <a:cs typeface="B Nazanin" panose="00000400000000000000" pitchFamily="2" charset="-78"/>
               </a:rPr>
               <a:t>cache</a:t>
             </a:r>
@@ -9823,6 +9849,7 @@
                   <a:srgbClr val="585858"/>
                 </a:solidFill>
                 <a:latin typeface="Gill Sans MT" panose="020B0502020104020203" pitchFamily="34" charset="0"/>
+                <a:cs typeface="B Nazanin" panose="00000400000000000000" pitchFamily="2" charset="-78"/>
               </a:rPr>
               <a:t> size (</a:t>
             </a:r>
@@ -9832,6 +9859,7 @@
                   <a:srgbClr val="585858"/>
                 </a:solidFill>
                 <a:latin typeface="Gill Sans MT" panose="020B0502020104020203" pitchFamily="34" charset="0"/>
+                <a:cs typeface="B Nazanin" panose="00000400000000000000" pitchFamily="2" charset="-78"/>
               </a:rPr>
               <a:t>unique</a:t>
             </a:r>
@@ -9841,6 +9869,7 @@
                   <a:srgbClr val="585858"/>
                 </a:solidFill>
                 <a:latin typeface="Gill Sans MT" panose="020B0502020104020203" pitchFamily="34" charset="0"/>
+                <a:cs typeface="B Nazanin" panose="00000400000000000000" pitchFamily="2" charset="-78"/>
               </a:rPr>
               <a:t>)</a:t>
             </a:r>
@@ -9852,6 +9881,7 @@
                   <a:srgbClr val="2A1A00"/>
                 </a:solidFill>
                 <a:latin typeface="Gill Sans MT" panose="020B0502020104020203" pitchFamily="34" charset="0"/>
+                <a:cs typeface="B Nazanin" panose="00000400000000000000" pitchFamily="2" charset="-78"/>
               </a:rPr>
               <a:t>–</a:t>
             </a:r>
@@ -9861,6 +9891,7 @@
                   <a:srgbClr val="585858"/>
                 </a:solidFill>
                 <a:latin typeface="Gill Sans MT" panose="020B0502020104020203" pitchFamily="34" charset="0"/>
+                <a:cs typeface="B Nazanin" panose="00000400000000000000" pitchFamily="2" charset="-78"/>
               </a:rPr>
               <a:t>if cache size = 2m, cache address = lower m bits of n-bit memory address</a:t>
             </a:r>
@@ -9872,6 +9903,7 @@
                   <a:srgbClr val="2A1A00"/>
                 </a:solidFill>
                 <a:latin typeface="Gill Sans MT" panose="020B0502020104020203" pitchFamily="34" charset="0"/>
+                <a:cs typeface="B Nazanin" panose="00000400000000000000" pitchFamily="2" charset="-78"/>
               </a:rPr>
               <a:t>–</a:t>
             </a:r>
@@ -9881,6 +9913,7 @@
                   <a:srgbClr val="585858"/>
                 </a:solidFill>
                 <a:latin typeface="Gill Sans MT" panose="020B0502020104020203" pitchFamily="34" charset="0"/>
+                <a:cs typeface="B Nazanin" panose="00000400000000000000" pitchFamily="2" charset="-78"/>
               </a:rPr>
               <a:t>remaining upper n-m bits kept as </a:t>
             </a:r>
@@ -9890,6 +9923,7 @@
                   <a:srgbClr val="585858"/>
                 </a:solidFill>
                 <a:latin typeface="Gill Sans MT" panose="020B0502020104020203" pitchFamily="34" charset="0"/>
+                <a:cs typeface="B Nazanin" panose="00000400000000000000" pitchFamily="2" charset="-78"/>
               </a:rPr>
               <a:t>tag </a:t>
             </a:r>
@@ -9899,6 +9933,7 @@
                   <a:srgbClr val="585858"/>
                 </a:solidFill>
                 <a:latin typeface="Gill Sans MT" panose="020B0502020104020203" pitchFamily="34" charset="0"/>
+                <a:cs typeface="B Nazanin" panose="00000400000000000000" pitchFamily="2" charset="-78"/>
               </a:rPr>
               <a:t>bits</a:t>
             </a:r>
@@ -9908,6 +9943,7 @@
                   <a:srgbClr val="585858"/>
                 </a:solidFill>
                 <a:latin typeface="Gill Sans MT" panose="020B0502020104020203" pitchFamily="34" charset="0"/>
+                <a:cs typeface="B Nazanin" panose="00000400000000000000" pitchFamily="2" charset="-78"/>
               </a:rPr>
               <a:t>at</a:t>
             </a:r>
@@ -9917,6 +9953,7 @@
                   <a:srgbClr val="585858"/>
                 </a:solidFill>
                 <a:latin typeface="Gill Sans MT" panose="020B0502020104020203" pitchFamily="34" charset="0"/>
+                <a:cs typeface="B Nazanin" panose="00000400000000000000" pitchFamily="2" charset="-78"/>
               </a:rPr>
               <a:t> each cache block</a:t>
             </a:r>
@@ -9928,6 +9965,7 @@
                   <a:srgbClr val="2A1A00"/>
                 </a:solidFill>
                 <a:latin typeface="Gill Sans MT" panose="020B0502020104020203" pitchFamily="34" charset="0"/>
+                <a:cs typeface="B Nazanin" panose="00000400000000000000" pitchFamily="2" charset="-78"/>
               </a:rPr>
               <a:t>–</a:t>
             </a:r>
@@ -9937,6 +9975,7 @@
                   <a:srgbClr val="585858"/>
                 </a:solidFill>
                 <a:latin typeface="Gill Sans MT" panose="020B0502020104020203" pitchFamily="34" charset="0"/>
+                <a:cs typeface="B Nazanin" panose="00000400000000000000" pitchFamily="2" charset="-78"/>
               </a:rPr>
               <a:t>also need a </a:t>
             </a:r>
@@ -9946,6 +9985,7 @@
                   <a:srgbClr val="585858"/>
                 </a:solidFill>
                 <a:latin typeface="Gill Sans MT" panose="020B0502020104020203" pitchFamily="34" charset="0"/>
+                <a:cs typeface="B Nazanin" panose="00000400000000000000" pitchFamily="2" charset="-78"/>
               </a:rPr>
               <a:t>valid </a:t>
             </a:r>
@@ -9955,6 +9995,7 @@
                   <a:srgbClr val="585858"/>
                 </a:solidFill>
                 <a:latin typeface="Gill Sans MT" panose="020B0502020104020203" pitchFamily="34" charset="0"/>
+                <a:cs typeface="B Nazanin" panose="00000400000000000000" pitchFamily="2" charset="-78"/>
               </a:rPr>
               <a:t>bit</a:t>
             </a:r>
@@ -9964,6 +10005,7 @@
                   <a:srgbClr val="585858"/>
                 </a:solidFill>
                 <a:latin typeface="Gill Sans MT" panose="020B0502020104020203" pitchFamily="34" charset="0"/>
+                <a:cs typeface="B Nazanin" panose="00000400000000000000" pitchFamily="2" charset="-78"/>
               </a:rPr>
               <a:t>to</a:t>
             </a:r>
@@ -9973,6 +10015,7 @@
                   <a:srgbClr val="585858"/>
                 </a:solidFill>
                 <a:latin typeface="Gill Sans MT" panose="020B0502020104020203" pitchFamily="34" charset="0"/>
+                <a:cs typeface="B Nazanin" panose="00000400000000000000" pitchFamily="2" charset="-78"/>
               </a:rPr>
               <a:t> recognize valid entry</a:t>
             </a:r>
@@ -9984,6 +10027,7 @@
                   <a:srgbClr val="2A1A00"/>
                 </a:solidFill>
                 <a:latin typeface="Gill Sans MT" panose="020B0502020104020203" pitchFamily="34" charset="0"/>
+                <a:cs typeface="B Nazanin" panose="00000400000000000000" pitchFamily="2" charset="-78"/>
               </a:rPr>
               <a:t>–</a:t>
             </a:r>
@@ -9993,6 +10037,7 @@
                   <a:srgbClr val="585858"/>
                 </a:solidFill>
                 <a:latin typeface="Gill Sans MT" panose="020B0502020104020203" pitchFamily="34" charset="0"/>
+                <a:cs typeface="B Nazanin" panose="00000400000000000000" pitchFamily="2" charset="-78"/>
               </a:rPr>
               <a:t>Here cache size is 8 (23) =&gt; 3 bits for index</a:t>
             </a:r>
@@ -10004,6 +10049,7 @@
                   <a:srgbClr val="2A1A00"/>
                 </a:solidFill>
                 <a:latin typeface="Gill Sans MT" panose="020B0502020104020203" pitchFamily="34" charset="0"/>
+                <a:cs typeface="B Nazanin" panose="00000400000000000000" pitchFamily="2" charset="-78"/>
               </a:rPr>
               <a:t>–2 bits for tag</a:t>
             </a:r>
@@ -11324,6 +11370,7 @@
                 </a:solidFill>
                 <a:effectLst/>
                 <a:latin typeface="Roboto" panose="02000000000000000000" pitchFamily="2" charset="0"/>
+                <a:cs typeface="B Nazanin" panose="00000400000000000000" pitchFamily="2" charset="-78"/>
               </a:rPr>
               <a:t>32 بیت آدرس بایت</a:t>
             </a:r>
@@ -11337,6 +11384,7 @@
                 </a:solidFill>
                 <a:effectLst/>
                 <a:latin typeface="Roboto" panose="02000000000000000000" pitchFamily="2" charset="0"/>
+                <a:cs typeface="B Nazanin" panose="00000400000000000000" pitchFamily="2" charset="-78"/>
               </a:rPr>
               <a:t>• 2 بیت کم اهمیت آدرس کلمه هستند</a:t>
             </a:r>
@@ -11350,6 +11398,7 @@
                 </a:solidFill>
                 <a:effectLst/>
                 <a:latin typeface="Roboto" panose="02000000000000000000" pitchFamily="2" charset="0"/>
+                <a:cs typeface="B Nazanin" panose="00000400000000000000" pitchFamily="2" charset="-78"/>
               </a:rPr>
               <a:t>• حافظه پنهان به اندازه 2</a:t>
             </a:r>
@@ -11360,6 +11409,7 @@
                 </a:solidFill>
                 <a:effectLst/>
                 <a:latin typeface="Roboto" panose="02000000000000000000" pitchFamily="2" charset="0"/>
+                <a:cs typeface="B Nazanin" panose="00000400000000000000" pitchFamily="2" charset="-78"/>
               </a:rPr>
               <a:t>nword</a:t>
             </a:r>
@@ -11370,6 +11420,7 @@
                 </a:solidFill>
                 <a:effectLst/>
                 <a:latin typeface="Roboto" panose="02000000000000000000" pitchFamily="2" charset="0"/>
+                <a:cs typeface="B Nazanin" panose="00000400000000000000" pitchFamily="2" charset="-78"/>
               </a:rPr>
               <a:t> </a:t>
             </a:r>
@@ -11380,6 +11431,7 @@
                 </a:solidFill>
                 <a:effectLst/>
                 <a:latin typeface="Roboto" panose="02000000000000000000" pitchFamily="2" charset="0"/>
+                <a:cs typeface="B Nazanin" panose="00000400000000000000" pitchFamily="2" charset="-78"/>
               </a:rPr>
               <a:t>با بلوک های یک کلمه (4 بایت) نیاز دارد</a:t>
             </a:r>
@@ -11393,6 +11445,7 @@
                 </a:solidFill>
                 <a:effectLst/>
                 <a:latin typeface="Roboto" panose="02000000000000000000" pitchFamily="2" charset="0"/>
+                <a:cs typeface="B Nazanin" panose="00000400000000000000" pitchFamily="2" charset="-78"/>
               </a:rPr>
               <a:t>n </a:t>
             </a:r>
@@ -11403,6 +11456,7 @@
                 </a:solidFill>
                 <a:effectLst/>
                 <a:latin typeface="Roboto" panose="02000000000000000000" pitchFamily="2" charset="0"/>
+                <a:cs typeface="B Nazanin" panose="00000400000000000000" pitchFamily="2" charset="-78"/>
               </a:rPr>
               <a:t>بیت شاخص</a:t>
             </a:r>
@@ -11416,6 +11470,7 @@
                 </a:solidFill>
                 <a:effectLst/>
                 <a:latin typeface="Roboto" panose="02000000000000000000" pitchFamily="2" charset="0"/>
+                <a:cs typeface="B Nazanin" panose="00000400000000000000" pitchFamily="2" charset="-78"/>
               </a:rPr>
               <a:t>یک فیلد برچسب به اندازه 32-(</a:t>
             </a:r>
@@ -11426,6 +11481,7 @@
                 </a:solidFill>
                 <a:effectLst/>
                 <a:latin typeface="Roboto" panose="02000000000000000000" pitchFamily="2" charset="0"/>
+                <a:cs typeface="B Nazanin" panose="00000400000000000000" pitchFamily="2" charset="-78"/>
               </a:rPr>
               <a:t>n+2) </a:t>
             </a:r>
@@ -11436,6 +11492,7 @@
                 </a:solidFill>
                 <a:effectLst/>
                 <a:latin typeface="Roboto" panose="02000000000000000000" pitchFamily="2" charset="0"/>
+                <a:cs typeface="B Nazanin" panose="00000400000000000000" pitchFamily="2" charset="-78"/>
               </a:rPr>
               <a:t>بیت</a:t>
             </a:r>
@@ -11449,6 +11506,7 @@
                 </a:solidFill>
                 <a:effectLst/>
                 <a:latin typeface="Roboto" panose="02000000000000000000" pitchFamily="2" charset="0"/>
+                <a:cs typeface="B Nazanin" panose="00000400000000000000" pitchFamily="2" charset="-78"/>
               </a:rPr>
               <a:t>1 بیت برای معتبر</a:t>
             </a:r>
@@ -11462,6 +11520,7 @@
                 </a:solidFill>
                 <a:effectLst/>
                 <a:latin typeface="Roboto" panose="02000000000000000000" pitchFamily="2" charset="0"/>
+                <a:cs typeface="B Nazanin" panose="00000400000000000000" pitchFamily="2" charset="-78"/>
               </a:rPr>
               <a:t>  تعداد بیت ها در حافظه نهان =</a:t>
             </a:r>
@@ -11475,6 +11534,7 @@
                 </a:solidFill>
                 <a:effectLst/>
                 <a:latin typeface="Roboto" panose="02000000000000000000" pitchFamily="2" charset="0"/>
+                <a:cs typeface="B Nazanin" panose="00000400000000000000" pitchFamily="2" charset="-78"/>
               </a:rPr>
               <a:t>2</a:t>
             </a:r>
@@ -11485,6 +11545,7 @@
                 </a:solidFill>
                 <a:effectLst/>
                 <a:latin typeface="Roboto" panose="02000000000000000000" pitchFamily="2" charset="0"/>
+                <a:cs typeface="B Nazanin" panose="00000400000000000000" pitchFamily="2" charset="-78"/>
               </a:rPr>
               <a:t>n x (32+(32-n-2)+1)=2nx (63-n)</a:t>
             </a:r>
@@ -11494,6 +11555,7 @@
               </a:solidFill>
               <a:effectLst/>
               <a:latin typeface="Roboto" panose="02000000000000000000" pitchFamily="2" charset="0"/>
+              <a:cs typeface="B Nazanin" panose="00000400000000000000" pitchFamily="2" charset="-78"/>
             </a:endParaRPr>
           </a:p>
         </p:txBody>
@@ -11579,10 +11641,13 @@
                   <a:srgbClr val="2A1A00"/>
                 </a:solidFill>
                 <a:latin typeface="Impact" panose="020B0806030902050204" pitchFamily="34" charset="0"/>
+                <a:cs typeface="B Nazanin" panose="00000400000000000000" pitchFamily="2" charset="-78"/>
               </a:rPr>
               <a:t>MIPS DIRECT-MAPPED CACHE </a:t>
             </a:r>
-            <a:endParaRPr lang="en-US" dirty="0"/>
+            <a:endParaRPr lang="en-US" dirty="0">
+              <a:cs typeface="B Nazanin" panose="00000400000000000000" pitchFamily="2" charset="-78"/>
+            </a:endParaRPr>
           </a:p>
         </p:txBody>
       </p:sp>
@@ -11621,6 +11686,7 @@
                   <a:srgbClr val="000000"/>
                 </a:solidFill>
                 <a:latin typeface="Gill Sans MT" panose="020B0502020104020203" pitchFamily="34" charset="0"/>
+                <a:cs typeface="B Nazanin" panose="00000400000000000000" pitchFamily="2" charset="-78"/>
               </a:rPr>
               <a:t>32 bits of </a:t>
             </a:r>
@@ -11630,6 +11696,7 @@
                   <a:srgbClr val="000000"/>
                 </a:solidFill>
                 <a:latin typeface="Gill Sans MT" panose="020B0502020104020203" pitchFamily="34" charset="0"/>
+                <a:cs typeface="B Nazanin" panose="00000400000000000000" pitchFamily="2" charset="-78"/>
               </a:rPr>
               <a:t>byteaddress</a:t>
             </a:r>
@@ -11638,6 +11705,7 @@
                 <a:srgbClr val="000000"/>
               </a:solidFill>
               <a:latin typeface="Gill Sans MT" panose="020B0502020104020203" pitchFamily="34" charset="0"/>
+              <a:cs typeface="B Nazanin" panose="00000400000000000000" pitchFamily="2" charset="-78"/>
             </a:endParaRPr>
           </a:p>
           <a:p>
@@ -11648,6 +11716,7 @@
                   <a:srgbClr val="000000"/>
                 </a:solidFill>
                 <a:latin typeface="Gill Sans MT" panose="020B0502020104020203" pitchFamily="34" charset="0"/>
+                <a:cs typeface="B Nazanin" panose="00000400000000000000" pitchFamily="2" charset="-78"/>
               </a:rPr>
               <a:t>•2 least significant bits are address of word</a:t>
             </a:r>
@@ -11660,6 +11729,7 @@
                   <a:srgbClr val="000000"/>
                 </a:solidFill>
                 <a:latin typeface="Gill Sans MT" panose="020B0502020104020203" pitchFamily="34" charset="0"/>
+                <a:cs typeface="B Nazanin" panose="00000400000000000000" pitchFamily="2" charset="-78"/>
               </a:rPr>
               <a:t>•a cache of size 2nwords with one word (4-byte) blocks require</a:t>
             </a:r>
@@ -11672,6 +11742,7 @@
                   <a:srgbClr val="000000"/>
                 </a:solidFill>
                 <a:latin typeface="Gill Sans MT" panose="020B0502020104020203" pitchFamily="34" charset="0"/>
+                <a:cs typeface="B Nazanin" panose="00000400000000000000" pitchFamily="2" charset="-78"/>
               </a:rPr>
               <a:t>n bits of index</a:t>
             </a:r>
@@ -11684,6 +11755,7 @@
                   <a:srgbClr val="000000"/>
                 </a:solidFill>
                 <a:latin typeface="Gill Sans MT" panose="020B0502020104020203" pitchFamily="34" charset="0"/>
+                <a:cs typeface="B Nazanin" panose="00000400000000000000" pitchFamily="2" charset="-78"/>
               </a:rPr>
               <a:t>a tag field of size 32-(n+2) bits</a:t>
             </a:r>
@@ -11696,6 +11768,7 @@
                   <a:srgbClr val="000000"/>
                 </a:solidFill>
                 <a:latin typeface="Gill Sans MT" panose="020B0502020104020203" pitchFamily="34" charset="0"/>
+                <a:cs typeface="B Nazanin" panose="00000400000000000000" pitchFamily="2" charset="-78"/>
               </a:rPr>
               <a:t>1 bit for valid</a:t>
             </a:r>
@@ -11708,6 +11781,7 @@
                   <a:srgbClr val="000000"/>
                 </a:solidFill>
                 <a:latin typeface="Gill Sans MT" panose="020B0502020104020203" pitchFamily="34" charset="0"/>
+                <a:cs typeface="B Nazanin" panose="00000400000000000000" pitchFamily="2" charset="-78"/>
               </a:rPr>
               <a:t> number of bits in the cache=</a:t>
             </a:r>
@@ -11720,6 +11794,7 @@
                   <a:srgbClr val="000000"/>
                 </a:solidFill>
                 <a:latin typeface="Gill Sans MT" panose="020B0502020104020203" pitchFamily="34" charset="0"/>
+                <a:cs typeface="B Nazanin" panose="00000400000000000000" pitchFamily="2" charset="-78"/>
               </a:rPr>
               <a:t>2n x (32+(32-n-2)+1)=2nx (63-n)</a:t>
             </a:r>
@@ -11728,6 +11803,7 @@
                 <a:srgbClr val="2A1A00"/>
               </a:solidFill>
               <a:latin typeface="Gill Sans MT" panose="020B0502020104020203" pitchFamily="34" charset="0"/>
+              <a:cs typeface="B Nazanin" panose="00000400000000000000" pitchFamily="2" charset="-78"/>
             </a:endParaRPr>
           </a:p>
         </p:txBody>
@@ -11797,6 +11873,7 @@
                   <a:srgbClr val="2A1A00"/>
                 </a:solidFill>
                 <a:latin typeface="Impact" panose="020B0806030902050204" pitchFamily="34" charset="0"/>
+                <a:cs typeface="B Nazanin" panose="00000400000000000000" pitchFamily="2" charset="-78"/>
               </a:rPr>
               <a:t>Example</a:t>
             </a:r>
@@ -11806,6 +11883,7 @@
                   <a:srgbClr val="2A1A00"/>
                 </a:solidFill>
                 <a:latin typeface="Impact" panose="020B0806030902050204" pitchFamily="34" charset="0"/>
+                <a:cs typeface="B Nazanin" panose="00000400000000000000" pitchFamily="2" charset="-78"/>
               </a:rPr>
             </a:br>
             <a:r>
@@ -11885,6 +11963,7 @@
                   <a:srgbClr val="2A1A00"/>
                 </a:solidFill>
                 <a:latin typeface="Arial" panose="020B0604020202020204" pitchFamily="34" charset="0"/>
+                <a:cs typeface="B Nazanin" panose="00000400000000000000" pitchFamily="2" charset="-78"/>
               </a:rPr>
               <a:t>•</a:t>
             </a:r>
@@ -11894,6 +11973,7 @@
                   <a:srgbClr val="585858"/>
                 </a:solidFill>
                 <a:latin typeface="Gill Sans MT" panose="020B0502020104020203" pitchFamily="34" charset="0"/>
+                <a:cs typeface="B Nazanin" panose="00000400000000000000" pitchFamily="2" charset="-78"/>
               </a:rPr>
               <a:t>How many bits are required for a direct-mapped cache with 64 KB of data and one-word blocks, assuming a 32 bits address?</a:t>
             </a:r>
@@ -11905,6 +11985,7 @@
                   <a:srgbClr val="2A1A00"/>
                 </a:solidFill>
                 <a:latin typeface="Arial" panose="020B0604020202020204" pitchFamily="34" charset="0"/>
+                <a:cs typeface="B Nazanin" panose="00000400000000000000" pitchFamily="2" charset="-78"/>
               </a:rPr>
               <a:t>•</a:t>
             </a:r>
@@ -11914,6 +11995,7 @@
                   <a:srgbClr val="585858"/>
                 </a:solidFill>
                 <a:latin typeface="Gill Sans MT" panose="020B0502020104020203" pitchFamily="34" charset="0"/>
+                <a:cs typeface="B Nazanin" panose="00000400000000000000" pitchFamily="2" charset="-78"/>
               </a:rPr>
               <a:t>64 KB = 16K words= 214words</a:t>
             </a:r>
@@ -11925,6 +12007,7 @@
                   <a:srgbClr val="2A1A00"/>
                 </a:solidFill>
                 <a:latin typeface="Arial" panose="020B0604020202020204" pitchFamily="34" charset="0"/>
+                <a:cs typeface="B Nazanin" panose="00000400000000000000" pitchFamily="2" charset="-78"/>
               </a:rPr>
               <a:t>•</a:t>
             </a:r>
@@ -11934,6 +12017,7 @@
                   <a:srgbClr val="585858"/>
                 </a:solidFill>
                 <a:latin typeface="Gill Sans MT" panose="020B0502020104020203" pitchFamily="34" charset="0"/>
+                <a:cs typeface="B Nazanin" panose="00000400000000000000" pitchFamily="2" charset="-78"/>
               </a:rPr>
               <a:t>2</a:t>
             </a:r>
@@ -11943,6 +12027,7 @@
                   <a:srgbClr val="585858"/>
                 </a:solidFill>
                 <a:latin typeface="Gill Sans MT" panose="020B0502020104020203" pitchFamily="34" charset="0"/>
+                <a:cs typeface="B Nazanin" panose="00000400000000000000" pitchFamily="2" charset="-78"/>
               </a:rPr>
               <a:t>^</a:t>
             </a:r>
@@ -11952,6 +12037,7 @@
                   <a:srgbClr val="585858"/>
                 </a:solidFill>
                 <a:latin typeface="Gill Sans MT" panose="020B0502020104020203" pitchFamily="34" charset="0"/>
+                <a:cs typeface="B Nazanin" panose="00000400000000000000" pitchFamily="2" charset="-78"/>
               </a:rPr>
               <a:t>14 x (32+(32-14-2)+1)=2</a:t>
             </a:r>
@@ -11961,6 +12047,7 @@
                   <a:srgbClr val="585858"/>
                 </a:solidFill>
                 <a:latin typeface="Gill Sans MT" panose="020B0502020104020203" pitchFamily="34" charset="0"/>
+                <a:cs typeface="B Nazanin" panose="00000400000000000000" pitchFamily="2" charset="-78"/>
               </a:rPr>
               <a:t>^</a:t>
             </a:r>
@@ -11970,6 +12057,7 @@
                   <a:srgbClr val="585858"/>
                 </a:solidFill>
                 <a:latin typeface="Gill Sans MT" panose="020B0502020104020203" pitchFamily="34" charset="0"/>
+                <a:cs typeface="B Nazanin" panose="00000400000000000000" pitchFamily="2" charset="-78"/>
               </a:rPr>
               <a:t>14x49=2</a:t>
             </a:r>
@@ -11979,6 +12067,7 @@
                   <a:srgbClr val="585858"/>
                 </a:solidFill>
                 <a:latin typeface="Gill Sans MT" panose="020B0502020104020203" pitchFamily="34" charset="0"/>
+                <a:cs typeface="B Nazanin" panose="00000400000000000000" pitchFamily="2" charset="-78"/>
               </a:rPr>
               <a:t>^</a:t>
             </a:r>
@@ -11988,6 +12077,7 @@
                   <a:srgbClr val="585858"/>
                 </a:solidFill>
                 <a:latin typeface="Gill Sans MT" panose="020B0502020104020203" pitchFamily="34" charset="0"/>
+                <a:cs typeface="B Nazanin" panose="00000400000000000000" pitchFamily="2" charset="-78"/>
               </a:rPr>
               <a:t>10x784 =784 Kbits= 98 KB </a:t>
             </a:r>
@@ -12016,10 +12106,14 @@
           <a:lstStyle/>
           <a:p>
             <a:fld id="{B5CEABB6-07DC-46E8-9B57-56EC44A396E5}" type="slidenum">
-              <a:rPr lang="en-US" smtClean="0"/>
+              <a:rPr lang="en-US" smtClean="0">
+                <a:cs typeface="B Nazanin" panose="00000400000000000000" pitchFamily="2" charset="-78"/>
+              </a:rPr>
               <a:t>15</a:t>
             </a:fld>
-            <a:endParaRPr lang="en-US" dirty="0"/>
+            <a:endParaRPr lang="en-US" dirty="0">
+              <a:cs typeface="B Nazanin" panose="00000400000000000000" pitchFamily="2" charset="-78"/>
+            </a:endParaRPr>
           </a:p>
         </p:txBody>
       </p:sp>
@@ -12114,7 +12208,7 @@
         <p:spPr>
           <a:xfrm>
             <a:off x="4422710" y="1689826"/>
-            <a:ext cx="4572000" cy="3046988"/>
+            <a:ext cx="4572000" cy="2677656"/>
           </a:xfrm>
           <a:prstGeom prst="rect">
             <a:avLst/>
@@ -12129,25 +12223,35 @@
           <a:p>
             <a:pPr algn="r" rtl="1"/>
             <a:r>
-              <a:rPr lang="fa-IR" sz="2400" dirty="0"/>
+              <a:rPr lang="fa-IR" sz="2400" dirty="0">
+                <a:cs typeface="B Nazanin" panose="00000400000000000000" pitchFamily="2" charset="-78"/>
+              </a:rPr>
               <a:t>• چند بیت برای یک کش نگاشت مستقیم با 64 کیلوبایت داده و بلوک های تک کلمه ای با فرض یک آدرس 32 بیتی مورد نیاز است؟</a:t>
             </a:r>
           </a:p>
           <a:p>
             <a:pPr algn="r" rtl="1"/>
             <a:r>
-              <a:rPr lang="fa-IR" sz="2400" dirty="0"/>
+              <a:rPr lang="fa-IR" sz="2400" dirty="0">
+                <a:cs typeface="B Nazanin" panose="00000400000000000000" pitchFamily="2" charset="-78"/>
+              </a:rPr>
               <a:t>•64 کیلوبایت = 16 هزار کلمه = 214 کلمه•2^14 </a:t>
             </a:r>
             <a:r>
-              <a:rPr lang="en-US" sz="2400" dirty="0"/>
+              <a:rPr lang="en-US" sz="2400" dirty="0">
+                <a:cs typeface="B Nazanin" panose="00000400000000000000" pitchFamily="2" charset="-78"/>
+              </a:rPr>
               <a:t>x (32+(32-14-2)+1)=2^14x49=2^10x784 =784 </a:t>
             </a:r>
             <a:r>
-              <a:rPr lang="fa-IR" sz="2400" dirty="0"/>
+              <a:rPr lang="fa-IR" sz="2400" dirty="0">
+                <a:cs typeface="B Nazanin" panose="00000400000000000000" pitchFamily="2" charset="-78"/>
+              </a:rPr>
               <a:t>کیلوبیت = 98 کیلوبایت</a:t>
             </a:r>
-            <a:endParaRPr lang="en-US" sz="2400" dirty="0"/>
+            <a:endParaRPr lang="en-US" sz="2400" dirty="0">
+              <a:cs typeface="B Nazanin" panose="00000400000000000000" pitchFamily="2" charset="-78"/>
+            </a:endParaRPr>
           </a:p>
         </p:txBody>
       </p:sp>
@@ -12196,7 +12300,7 @@
         <p:spPr>
           <a:xfrm>
             <a:off x="4688633" y="846167"/>
-            <a:ext cx="4455367" cy="4247317"/>
+            <a:ext cx="4455367" cy="3970318"/>
           </a:xfrm>
           <a:prstGeom prst="rect">
             <a:avLst/>
@@ -12217,6 +12321,7 @@
                 </a:solidFill>
                 <a:effectLst/>
                 <a:latin typeface="Roboto" panose="02000000000000000000" pitchFamily="2" charset="0"/>
+                <a:cs typeface="B Nazanin" panose="00000400000000000000" pitchFamily="2" charset="-78"/>
               </a:rPr>
               <a:t>• کش خواندن ضربه: هیچ اقدام مورد نیاز است</a:t>
             </a:r>
@@ -12230,6 +12335,7 @@
                 </a:solidFill>
                 <a:effectLst/>
                 <a:latin typeface="Roboto" panose="02000000000000000000" pitchFamily="2" charset="0"/>
+                <a:cs typeface="B Nazanin" panose="00000400000000000000" pitchFamily="2" charset="-78"/>
               </a:rPr>
               <a:t>• حافظه پنهان دستورالعمل از دست رفته:</a:t>
             </a:r>
@@ -12243,6 +12349,7 @@
                 </a:solidFill>
                 <a:effectLst/>
                 <a:latin typeface="Roboto" panose="02000000000000000000" pitchFamily="2" charset="0"/>
+                <a:cs typeface="B Nazanin" panose="00000400000000000000" pitchFamily="2" charset="-78"/>
               </a:rPr>
               <a:t>1.ارسال مقدار اصلی </a:t>
             </a:r>
@@ -12253,6 +12360,7 @@
                 </a:solidFill>
                 <a:effectLst/>
                 <a:latin typeface="Roboto" panose="02000000000000000000" pitchFamily="2" charset="0"/>
+                <a:cs typeface="B Nazanin" panose="00000400000000000000" pitchFamily="2" charset="-78"/>
               </a:rPr>
               <a:t>PC (PC </a:t>
             </a:r>
@@ -12263,6 +12371,7 @@
                 </a:solidFill>
                 <a:effectLst/>
                 <a:latin typeface="Roboto" panose="02000000000000000000" pitchFamily="2" charset="0"/>
+                <a:cs typeface="B Nazanin" panose="00000400000000000000" pitchFamily="2" charset="-78"/>
               </a:rPr>
               <a:t>فعلی -4، زیرا </a:t>
             </a:r>
@@ -12273,6 +12382,7 @@
                 </a:solidFill>
                 <a:effectLst/>
                 <a:latin typeface="Roboto" panose="02000000000000000000" pitchFamily="2" charset="0"/>
+                <a:cs typeface="B Nazanin" panose="00000400000000000000" pitchFamily="2" charset="-78"/>
               </a:rPr>
               <a:t>PC </a:t>
             </a:r>
@@ -12283,6 +12393,7 @@
                 </a:solidFill>
                 <a:effectLst/>
                 <a:latin typeface="Roboto" panose="02000000000000000000" pitchFamily="2" charset="0"/>
+                <a:cs typeface="B Nazanin" panose="00000400000000000000" pitchFamily="2" charset="-78"/>
               </a:rPr>
               <a:t>قبلاً در مرحله اول چرخه دستورالعمل افزایش یافته است) به حافظه</a:t>
             </a:r>
@@ -12296,6 +12407,7 @@
                 </a:solidFill>
                 <a:effectLst/>
                 <a:latin typeface="Roboto" panose="02000000000000000000" pitchFamily="2" charset="0"/>
+                <a:cs typeface="B Nazanin" panose="00000400000000000000" pitchFamily="2" charset="-78"/>
               </a:rPr>
               <a:t>2. به حافظه اصلی دستور دهید تا خواندن را انجام دهد و منتظر بمانید تا حافظه کامل شود - </a:t>
             </a:r>
@@ -12306,6 +12418,7 @@
                 </a:solidFill>
                 <a:effectLst/>
                 <a:latin typeface="Roboto" panose="02000000000000000000" pitchFamily="2" charset="0"/>
+                <a:cs typeface="B Nazanin" panose="00000400000000000000" pitchFamily="2" charset="-78"/>
               </a:rPr>
               <a:t>stall on read</a:t>
             </a:r>
@@ -12319,6 +12432,7 @@
                 </a:solidFill>
                 <a:effectLst/>
                 <a:latin typeface="Roboto" panose="02000000000000000000" pitchFamily="2" charset="0"/>
+                <a:cs typeface="B Nazanin" panose="00000400000000000000" pitchFamily="2" charset="-78"/>
               </a:rPr>
               <a:t>3. </a:t>
             </a:r>
@@ -12329,6 +12443,7 @@
                 </a:solidFill>
                 <a:effectLst/>
                 <a:latin typeface="Roboto" panose="02000000000000000000" pitchFamily="2" charset="0"/>
+                <a:cs typeface="B Nazanin" panose="00000400000000000000" pitchFamily="2" charset="-78"/>
               </a:rPr>
               <a:t>پس از اتمام خواندن، </a:t>
             </a:r>
@@ -12339,6 +12454,7 @@
                 </a:solidFill>
                 <a:effectLst/>
                 <a:latin typeface="Roboto" panose="02000000000000000000" pitchFamily="2" charset="0"/>
+                <a:cs typeface="B Nazanin" panose="00000400000000000000" pitchFamily="2" charset="-78"/>
               </a:rPr>
               <a:t>cacheentry</a:t>
             </a:r>
@@ -12349,6 +12465,7 @@
                 </a:solidFill>
                 <a:effectLst/>
                 <a:latin typeface="Roboto" panose="02000000000000000000" pitchFamily="2" charset="0"/>
+                <a:cs typeface="B Nazanin" panose="00000400000000000000" pitchFamily="2" charset="-78"/>
               </a:rPr>
               <a:t> </a:t>
             </a:r>
@@ -12359,6 +12476,7 @@
                 </a:solidFill>
                 <a:effectLst/>
                 <a:latin typeface="Roboto" panose="02000000000000000000" pitchFamily="2" charset="0"/>
+                <a:cs typeface="B Nazanin" panose="00000400000000000000" pitchFamily="2" charset="-78"/>
               </a:rPr>
               <a:t>را بنویسید</a:t>
             </a:r>
@@ -12372,6 +12490,7 @@
                 </a:solidFill>
                 <a:effectLst/>
                 <a:latin typeface="Roboto" panose="02000000000000000000" pitchFamily="2" charset="0"/>
+                <a:cs typeface="B Nazanin" panose="00000400000000000000" pitchFamily="2" charset="-78"/>
               </a:rPr>
               <a:t>4. اجرای دستور را مجدداً در مرحله اول برای بازیابی مجدد دستورالعمل شروع کنید</a:t>
             </a:r>
@@ -12385,6 +12504,7 @@
                 </a:solidFill>
                 <a:effectLst/>
                 <a:latin typeface="Roboto" panose="02000000000000000000" pitchFamily="2" charset="0"/>
+                <a:cs typeface="B Nazanin" panose="00000400000000000000" pitchFamily="2" charset="-78"/>
               </a:rPr>
               <a:t>• حافظه پنهان داده از دست رفته:</a:t>
             </a:r>
@@ -12398,6 +12518,7 @@
                 </a:solidFill>
                 <a:effectLst/>
                 <a:latin typeface="Roboto" panose="02000000000000000000" pitchFamily="2" charset="0"/>
+                <a:cs typeface="B Nazanin" panose="00000400000000000000" pitchFamily="2" charset="-78"/>
               </a:rPr>
               <a:t>-شبیه به دستورالعمل </a:t>
             </a:r>
@@ -12408,6 +12529,7 @@
                 </a:solidFill>
                 <a:effectLst/>
                 <a:latin typeface="Roboto" panose="02000000000000000000" pitchFamily="2" charset="0"/>
+                <a:cs typeface="B Nazanin" panose="00000400000000000000" pitchFamily="2" charset="-78"/>
               </a:rPr>
               <a:t>miss cache</a:t>
             </a:r>
@@ -12421,6 +12543,7 @@
                 </a:solidFill>
                 <a:effectLst/>
                 <a:latin typeface="Roboto" panose="02000000000000000000" pitchFamily="2" charset="0"/>
+                <a:cs typeface="B Nazanin" panose="00000400000000000000" pitchFamily="2" charset="-78"/>
               </a:rPr>
               <a:t>- </a:t>
             </a:r>
@@ -12431,6 +12554,7 @@
                 </a:solidFill>
                 <a:effectLst/>
                 <a:latin typeface="Roboto" panose="02000000000000000000" pitchFamily="2" charset="0"/>
+                <a:cs typeface="B Nazanin" panose="00000400000000000000" pitchFamily="2" charset="-78"/>
               </a:rPr>
               <a:t>برای کاهش جریمه از دست دادن داده‌ها، به پردازنده اجازه دهید دستورالعمل‌ها را در حالی که منتظر خواندن کامل می‌شود تا زمانی که کلمه مورد نیاز است اجرا کند.</a:t>
             </a:r>
@@ -12518,10 +12642,13 @@
                   <a:srgbClr val="2A1A00"/>
                 </a:solidFill>
                 <a:latin typeface="Impact" panose="020B0806030902050204" pitchFamily="34" charset="0"/>
+                <a:cs typeface="B Nazanin" panose="00000400000000000000" pitchFamily="2" charset="-78"/>
               </a:rPr>
               <a:t>CACHE READ HIT/MISS</a:t>
             </a:r>
-            <a:endParaRPr lang="en-US" dirty="0"/>
+            <a:endParaRPr lang="en-US" dirty="0">
+              <a:cs typeface="B Nazanin" panose="00000400000000000000" pitchFamily="2" charset="-78"/>
+            </a:endParaRPr>
           </a:p>
         </p:txBody>
       </p:sp>
@@ -12559,6 +12686,7 @@
                   <a:srgbClr val="2A1A00"/>
                 </a:solidFill>
                 <a:latin typeface="Arial" panose="020B0604020202020204" pitchFamily="34" charset="0"/>
+                <a:cs typeface="B Nazanin" panose="00000400000000000000" pitchFamily="2" charset="-78"/>
               </a:rPr>
               <a:t>•</a:t>
             </a:r>
@@ -12568,6 +12696,7 @@
                   <a:srgbClr val="585858"/>
                 </a:solidFill>
                 <a:latin typeface="Gill Sans MT" panose="020B0502020104020203" pitchFamily="34" charset="0"/>
+                <a:cs typeface="B Nazanin" panose="00000400000000000000" pitchFamily="2" charset="-78"/>
               </a:rPr>
               <a:t>Cache read hit</a:t>
             </a:r>
@@ -12577,6 +12706,7 @@
                   <a:srgbClr val="585858"/>
                 </a:solidFill>
                 <a:latin typeface="Gill Sans MT" panose="020B0502020104020203" pitchFamily="34" charset="0"/>
+                <a:cs typeface="B Nazanin" panose="00000400000000000000" pitchFamily="2" charset="-78"/>
               </a:rPr>
               <a:t>: no action needed</a:t>
             </a:r>
@@ -12588,6 +12718,7 @@
                   <a:srgbClr val="2A1A00"/>
                 </a:solidFill>
                 <a:latin typeface="Arial" panose="020B0604020202020204" pitchFamily="34" charset="0"/>
+                <a:cs typeface="B Nazanin" panose="00000400000000000000" pitchFamily="2" charset="-78"/>
               </a:rPr>
               <a:t>•Instruction cache read miss:</a:t>
             </a:r>
@@ -12599,6 +12730,7 @@
                   <a:srgbClr val="2A1A00"/>
                 </a:solidFill>
                 <a:latin typeface="Gill Sans MT" panose="020B0502020104020203" pitchFamily="34" charset="0"/>
+                <a:cs typeface="B Nazanin" panose="00000400000000000000" pitchFamily="2" charset="-78"/>
               </a:rPr>
               <a:t>1.</a:t>
             </a:r>
@@ -12608,6 +12740,7 @@
                   <a:srgbClr val="585858"/>
                 </a:solidFill>
                 <a:latin typeface="Gill Sans MT" panose="020B0502020104020203" pitchFamily="34" charset="0"/>
+                <a:cs typeface="B Nazanin" panose="00000400000000000000" pitchFamily="2" charset="-78"/>
               </a:rPr>
               <a:t>Send original PC value</a:t>
             </a:r>
@@ -12617,6 +12750,7 @@
                   <a:srgbClr val="585858"/>
                 </a:solidFill>
                 <a:latin typeface="Gill Sans MT" panose="020B0502020104020203" pitchFamily="34" charset="0"/>
+                <a:cs typeface="B Nazanin" panose="00000400000000000000" pitchFamily="2" charset="-78"/>
               </a:rPr>
               <a:t>(</a:t>
             </a:r>
@@ -12626,6 +12760,7 @@
                   <a:srgbClr val="585858"/>
                 </a:solidFill>
                 <a:latin typeface="Gill Sans MT" panose="020B0502020104020203" pitchFamily="34" charset="0"/>
+                <a:cs typeface="B Nazanin" panose="00000400000000000000" pitchFamily="2" charset="-78"/>
               </a:rPr>
               <a:t>current PC –4</a:t>
             </a:r>
@@ -12635,6 +12770,7 @@
                   <a:srgbClr val="585858"/>
                 </a:solidFill>
                 <a:latin typeface="Gill Sans MT" panose="020B0502020104020203" pitchFamily="34" charset="0"/>
+                <a:cs typeface="B Nazanin" panose="00000400000000000000" pitchFamily="2" charset="-78"/>
               </a:rPr>
               <a:t>, as PC has already been incremented in first step of instruction cycle) to memory</a:t>
             </a:r>
@@ -12646,6 +12782,7 @@
                   <a:srgbClr val="2A1A00"/>
                 </a:solidFill>
                 <a:latin typeface="Gill Sans MT" panose="020B0502020104020203" pitchFamily="34" charset="0"/>
+                <a:cs typeface="B Nazanin" panose="00000400000000000000" pitchFamily="2" charset="-78"/>
               </a:rPr>
               <a:t>2.</a:t>
             </a:r>
@@ -12655,6 +12792,7 @@
                   <a:srgbClr val="585858"/>
                 </a:solidFill>
                 <a:latin typeface="Gill Sans MT" panose="020B0502020104020203" pitchFamily="34" charset="0"/>
+                <a:cs typeface="B Nazanin" panose="00000400000000000000" pitchFamily="2" charset="-78"/>
               </a:rPr>
               <a:t>Instruct main memory to perform read and wait for memory to complete access –</a:t>
             </a:r>
@@ -12664,6 +12802,7 @@
                   <a:srgbClr val="585858"/>
                 </a:solidFill>
                 <a:latin typeface="Gill Sans MT" panose="020B0502020104020203" pitchFamily="34" charset="0"/>
+                <a:cs typeface="B Nazanin" panose="00000400000000000000" pitchFamily="2" charset="-78"/>
               </a:rPr>
               <a:t>stall </a:t>
             </a:r>
@@ -12673,6 +12812,7 @@
                   <a:srgbClr val="585858"/>
                 </a:solidFill>
                 <a:latin typeface="Gill Sans MT" panose="020B0502020104020203" pitchFamily="34" charset="0"/>
+                <a:cs typeface="B Nazanin" panose="00000400000000000000" pitchFamily="2" charset="-78"/>
               </a:rPr>
               <a:t>on read</a:t>
             </a:r>
@@ -12684,6 +12824,7 @@
                   <a:srgbClr val="2A1A00"/>
                 </a:solidFill>
                 <a:latin typeface="Gill Sans MT" panose="020B0502020104020203" pitchFamily="34" charset="0"/>
+                <a:cs typeface="B Nazanin" panose="00000400000000000000" pitchFamily="2" charset="-78"/>
               </a:rPr>
               <a:t>3.</a:t>
             </a:r>
@@ -12693,6 +12834,7 @@
                   <a:srgbClr val="585858"/>
                 </a:solidFill>
                 <a:latin typeface="Gill Sans MT" panose="020B0502020104020203" pitchFamily="34" charset="0"/>
+                <a:cs typeface="B Nazanin" panose="00000400000000000000" pitchFamily="2" charset="-78"/>
               </a:rPr>
               <a:t>After read completes </a:t>
             </a:r>
@@ -12702,6 +12844,7 @@
                   <a:srgbClr val="585858"/>
                 </a:solidFill>
                 <a:latin typeface="Gill Sans MT" panose="020B0502020104020203" pitchFamily="34" charset="0"/>
+                <a:cs typeface="B Nazanin" panose="00000400000000000000" pitchFamily="2" charset="-78"/>
               </a:rPr>
               <a:t>write </a:t>
             </a:r>
@@ -12711,6 +12854,7 @@
                   <a:srgbClr val="585858"/>
                 </a:solidFill>
                 <a:latin typeface="Gill Sans MT" panose="020B0502020104020203" pitchFamily="34" charset="0"/>
+                <a:cs typeface="B Nazanin" panose="00000400000000000000" pitchFamily="2" charset="-78"/>
               </a:rPr>
               <a:t>cache</a:t>
             </a:r>
@@ -12720,6 +12864,7 @@
                   <a:srgbClr val="585858"/>
                 </a:solidFill>
                 <a:latin typeface="Gill Sans MT" panose="020B0502020104020203" pitchFamily="34" charset="0"/>
+                <a:cs typeface="B Nazanin" panose="00000400000000000000" pitchFamily="2" charset="-78"/>
               </a:rPr>
               <a:t>entry</a:t>
             </a:r>
@@ -12728,6 +12873,7 @@
                 <a:srgbClr val="585858"/>
               </a:solidFill>
               <a:latin typeface="Gill Sans MT" panose="020B0502020104020203" pitchFamily="34" charset="0"/>
+              <a:cs typeface="B Nazanin" panose="00000400000000000000" pitchFamily="2" charset="-78"/>
             </a:endParaRPr>
           </a:p>
           <a:p>
@@ -12737,6 +12883,7 @@
                   <a:srgbClr val="2A1A00"/>
                 </a:solidFill>
                 <a:latin typeface="Gill Sans MT" panose="020B0502020104020203" pitchFamily="34" charset="0"/>
+                <a:cs typeface="B Nazanin" panose="00000400000000000000" pitchFamily="2" charset="-78"/>
               </a:rPr>
               <a:t>4.</a:t>
             </a:r>
@@ -12746,6 +12893,7 @@
                   <a:srgbClr val="585858"/>
                 </a:solidFill>
                 <a:latin typeface="Gill Sans MT" panose="020B0502020104020203" pitchFamily="34" charset="0"/>
+                <a:cs typeface="B Nazanin" panose="00000400000000000000" pitchFamily="2" charset="-78"/>
               </a:rPr>
               <a:t>Restart</a:t>
             </a:r>
@@ -12755,6 +12903,7 @@
                   <a:srgbClr val="585858"/>
                 </a:solidFill>
                 <a:latin typeface="Gill Sans MT" panose="020B0502020104020203" pitchFamily="34" charset="0"/>
+                <a:cs typeface="B Nazanin" panose="00000400000000000000" pitchFamily="2" charset="-78"/>
               </a:rPr>
               <a:t>instruction execution at first step to </a:t>
             </a:r>
@@ -12764,6 +12913,7 @@
                   <a:srgbClr val="585858"/>
                 </a:solidFill>
                 <a:latin typeface="Gill Sans MT" panose="020B0502020104020203" pitchFamily="34" charset="0"/>
+                <a:cs typeface="B Nazanin" panose="00000400000000000000" pitchFamily="2" charset="-78"/>
               </a:rPr>
               <a:t>refetch</a:t>
             </a:r>
@@ -12773,6 +12923,7 @@
                   <a:srgbClr val="585858"/>
                 </a:solidFill>
                 <a:latin typeface="Gill Sans MT" panose="020B0502020104020203" pitchFamily="34" charset="0"/>
+                <a:cs typeface="B Nazanin" panose="00000400000000000000" pitchFamily="2" charset="-78"/>
               </a:rPr>
               <a:t> instruction</a:t>
             </a:r>
@@ -12784,6 +12935,7 @@
                   <a:srgbClr val="2A1A00"/>
                 </a:solidFill>
                 <a:latin typeface="Arial" panose="020B0604020202020204" pitchFamily="34" charset="0"/>
+                <a:cs typeface="B Nazanin" panose="00000400000000000000" pitchFamily="2" charset="-78"/>
               </a:rPr>
               <a:t>•Data cache read miss:</a:t>
             </a:r>
@@ -12795,6 +12947,7 @@
                   <a:srgbClr val="2A1A00"/>
                 </a:solidFill>
                 <a:latin typeface="Gill Sans MT" panose="020B0502020104020203" pitchFamily="34" charset="0"/>
+                <a:cs typeface="B Nazanin" panose="00000400000000000000" pitchFamily="2" charset="-78"/>
               </a:rPr>
               <a:t>–Similar to instruction cache miss</a:t>
             </a:r>
@@ -12806,6 +12959,7 @@
                   <a:srgbClr val="2A1A00"/>
                 </a:solidFill>
                 <a:latin typeface="Gill Sans MT" panose="020B0502020104020203" pitchFamily="34" charset="0"/>
+                <a:cs typeface="B Nazanin" panose="00000400000000000000" pitchFamily="2" charset="-78"/>
               </a:rPr>
               <a:t>–</a:t>
             </a:r>
@@ -12815,6 +12969,7 @@
                   <a:srgbClr val="585858"/>
                 </a:solidFill>
                 <a:latin typeface="Gill Sans MT" panose="020B0502020104020203" pitchFamily="34" charset="0"/>
+                <a:cs typeface="B Nazanin" panose="00000400000000000000" pitchFamily="2" charset="-78"/>
               </a:rPr>
               <a:t>To reduce data miss penalty allow processor to execute instructions while waiting for the read to </a:t>
             </a:r>
@@ -12824,6 +12979,7 @@
                   <a:srgbClr val="585858"/>
                 </a:solidFill>
                 <a:latin typeface="Gill Sans MT" panose="020B0502020104020203" pitchFamily="34" charset="0"/>
+                <a:cs typeface="B Nazanin" panose="00000400000000000000" pitchFamily="2" charset="-78"/>
               </a:rPr>
               <a:t>complete</a:t>
             </a:r>
@@ -12833,6 +12989,7 @@
                   <a:srgbClr val="585858"/>
                 </a:solidFill>
                 <a:latin typeface="Gill Sans MT" panose="020B0502020104020203" pitchFamily="34" charset="0"/>
+                <a:cs typeface="B Nazanin" panose="00000400000000000000" pitchFamily="2" charset="-78"/>
               </a:rPr>
               <a:t>until</a:t>
             </a:r>
@@ -12842,6 +12999,7 @@
                   <a:srgbClr val="585858"/>
                 </a:solidFill>
                 <a:latin typeface="Gill Sans MT" panose="020B0502020104020203" pitchFamily="34" charset="0"/>
+                <a:cs typeface="B Nazanin" panose="00000400000000000000" pitchFamily="2" charset="-78"/>
               </a:rPr>
               <a:t>the</a:t>
             </a:r>
@@ -12851,6 +13009,7 @@
                   <a:srgbClr val="585858"/>
                 </a:solidFill>
                 <a:latin typeface="Gill Sans MT" panose="020B0502020104020203" pitchFamily="34" charset="0"/>
+                <a:cs typeface="B Nazanin" panose="00000400000000000000" pitchFamily="2" charset="-78"/>
               </a:rPr>
               <a:t> word is required </a:t>
             </a:r>
@@ -13108,7 +13267,7 @@
         <p:spPr>
           <a:xfrm>
             <a:off x="4567333" y="569167"/>
-            <a:ext cx="4576668" cy="6186309"/>
+            <a:ext cx="4576668" cy="5632311"/>
           </a:xfrm>
           <a:prstGeom prst="rect">
             <a:avLst/>
@@ -13129,6 +13288,7 @@
                 </a:solidFill>
                 <a:effectLst/>
                 <a:latin typeface="Roboto" panose="02000000000000000000" pitchFamily="2" charset="0"/>
+                <a:cs typeface="B Nazanin" panose="00000400000000000000" pitchFamily="2" charset="-78"/>
               </a:rPr>
               <a:t>• نوشتن از طریق طرح</a:t>
             </a:r>
@@ -13142,6 +13302,7 @@
                 </a:solidFill>
                 <a:effectLst/>
                 <a:latin typeface="Roboto" panose="02000000000000000000" pitchFamily="2" charset="0"/>
+                <a:cs typeface="B Nazanin" panose="00000400000000000000" pitchFamily="2" charset="-78"/>
               </a:rPr>
               <a:t>–</a:t>
             </a:r>
@@ -13152,6 +13313,7 @@
                 </a:solidFill>
                 <a:effectLst/>
                 <a:latin typeface="Roboto" panose="02000000000000000000" pitchFamily="2" charset="0"/>
+                <a:cs typeface="B Nazanin" panose="00000400000000000000" pitchFamily="2" charset="-78"/>
               </a:rPr>
               <a:t>on </a:t>
             </a:r>
@@ -13162,6 +13324,7 @@
                 </a:solidFill>
                 <a:effectLst/>
                 <a:latin typeface="Roboto" panose="02000000000000000000" pitchFamily="2" charset="0"/>
+                <a:cs typeface="B Nazanin" panose="00000400000000000000" pitchFamily="2" charset="-78"/>
               </a:rPr>
               <a:t>writehit</a:t>
             </a:r>
@@ -13172,6 +13335,7 @@
                 </a:solidFill>
                 <a:effectLst/>
                 <a:latin typeface="Roboto" panose="02000000000000000000" pitchFamily="2" charset="0"/>
+                <a:cs typeface="B Nazanin" panose="00000400000000000000" pitchFamily="2" charset="-78"/>
               </a:rPr>
               <a:t>: </a:t>
             </a:r>
@@ -13182,6 +13346,7 @@
                 </a:solidFill>
                 <a:effectLst/>
                 <a:latin typeface="Roboto" panose="02000000000000000000" pitchFamily="2" charset="0"/>
+                <a:cs typeface="B Nazanin" panose="00000400000000000000" pitchFamily="2" charset="-78"/>
               </a:rPr>
               <a:t>برای جلوگیری از ناهماهنگی، داده های موجود در حافظه پنهان و حافظه را با هر ضربه نوشتن جایگزین کنید</a:t>
             </a:r>
@@ -13195,6 +13360,7 @@
                 </a:solidFill>
                 <a:effectLst/>
                 <a:latin typeface="Roboto" panose="02000000000000000000" pitchFamily="2" charset="0"/>
+                <a:cs typeface="B Nazanin" panose="00000400000000000000" pitchFamily="2" charset="-78"/>
               </a:rPr>
               <a:t>-</a:t>
             </a:r>
@@ -13205,6 +13371,7 @@
                 </a:solidFill>
                 <a:effectLst/>
                 <a:latin typeface="Roboto" panose="02000000000000000000" pitchFamily="2" charset="0"/>
+                <a:cs typeface="B Nazanin" panose="00000400000000000000" pitchFamily="2" charset="-78"/>
               </a:rPr>
               <a:t>on </a:t>
             </a:r>
@@ -13215,6 +13382,7 @@
                 </a:solidFill>
                 <a:effectLst/>
                 <a:latin typeface="Roboto" panose="02000000000000000000" pitchFamily="2" charset="0"/>
+                <a:cs typeface="B Nazanin" panose="00000400000000000000" pitchFamily="2" charset="-78"/>
               </a:rPr>
               <a:t>writemiss</a:t>
             </a:r>
@@ -13225,6 +13393,7 @@
                 </a:solidFill>
                 <a:effectLst/>
                 <a:latin typeface="Roboto" panose="02000000000000000000" pitchFamily="2" charset="0"/>
+                <a:cs typeface="B Nazanin" panose="00000400000000000000" pitchFamily="2" charset="-78"/>
               </a:rPr>
               <a:t>: </a:t>
             </a:r>
@@ -13235,6 +13404,7 @@
                 </a:solidFill>
                 <a:effectLst/>
                 <a:latin typeface="Roboto" panose="02000000000000000000" pitchFamily="2" charset="0"/>
+                <a:cs typeface="B Nazanin" panose="00000400000000000000" pitchFamily="2" charset="-78"/>
               </a:rPr>
               <a:t>کلمه را در حافظه پنهان و حافظه بنویسید - بدیهی است که نیازی به خواندن کلمه فراموش شده از حافظه نیست!</a:t>
             </a:r>
@@ -13248,6 +13418,7 @@
                 </a:solidFill>
                 <a:effectLst/>
                 <a:latin typeface="Roboto" panose="02000000000000000000" pitchFamily="2" charset="0"/>
+                <a:cs typeface="B Nazanin" panose="00000400000000000000" pitchFamily="2" charset="-78"/>
               </a:rPr>
               <a:t>- نوشتن از طریق به دلیل نوشتن حافظه همیشه مورد نیاز، کند است</a:t>
             </a:r>
@@ -13261,6 +13432,7 @@
                 </a:solidFill>
                 <a:effectLst/>
                 <a:latin typeface="Roboto" panose="02000000000000000000" pitchFamily="2" charset="0"/>
+                <a:cs typeface="B Nazanin" panose="00000400000000000000" pitchFamily="2" charset="-78"/>
               </a:rPr>
               <a:t>•عملکرد با یک بافر نوشتن بهبود می‌یابد، جایی که کلمات در حین انتظار برای نوشتن در حافظه ذخیره می‌شوند - پردازنده می‌تواند تا زمانی که بافر نوشتن پر شود به اجرا ادامه دهد.</a:t>
             </a:r>
@@ -13274,6 +13446,7 @@
                 </a:solidFill>
                 <a:effectLst/>
                 <a:latin typeface="Roboto" panose="02000000000000000000" pitchFamily="2" charset="0"/>
+                <a:cs typeface="B Nazanin" panose="00000400000000000000" pitchFamily="2" charset="-78"/>
               </a:rPr>
               <a:t>•وقتی کلمه ای در بافر نوشتن در </a:t>
             </a:r>
@@ -13284,6 +13457,7 @@
                 </a:solidFill>
                 <a:effectLst/>
                 <a:latin typeface="Roboto" panose="02000000000000000000" pitchFamily="2" charset="0"/>
+                <a:cs typeface="B Nazanin" panose="00000400000000000000" pitchFamily="2" charset="-78"/>
               </a:rPr>
               <a:t>main </a:t>
             </a:r>
@@ -13294,6 +13468,7 @@
                 </a:solidFill>
                 <a:effectLst/>
                 <a:latin typeface="Roboto" panose="02000000000000000000" pitchFamily="2" charset="0"/>
+                <a:cs typeface="B Nazanin" panose="00000400000000000000" pitchFamily="2" charset="-78"/>
               </a:rPr>
               <a:t>کامل می شود، آن شکاف بافر آزاد می شود و برای نوشتن های آینده در دسترس می شود.</a:t>
             </a:r>
@@ -13307,6 +13482,7 @@
                 </a:solidFill>
                 <a:effectLst/>
                 <a:latin typeface="Roboto" panose="02000000000000000000" pitchFamily="2" charset="0"/>
+                <a:cs typeface="B Nazanin" panose="00000400000000000000" pitchFamily="2" charset="-78"/>
               </a:rPr>
               <a:t>• بافر نوشتن </a:t>
             </a:r>
@@ -13317,6 +13493,7 @@
                 </a:solidFill>
                 <a:effectLst/>
                 <a:latin typeface="Roboto" panose="02000000000000000000" pitchFamily="2" charset="0"/>
+                <a:cs typeface="B Nazanin" panose="00000400000000000000" pitchFamily="2" charset="-78"/>
               </a:rPr>
               <a:t>DEC 3100 </a:t>
             </a:r>
@@ -13327,6 +13504,7 @@
                 </a:solidFill>
                 <a:effectLst/>
                 <a:latin typeface="Roboto" panose="02000000000000000000" pitchFamily="2" charset="0"/>
+                <a:cs typeface="B Nazanin" panose="00000400000000000000" pitchFamily="2" charset="-78"/>
               </a:rPr>
               <a:t>دارای 4 کلمه است</a:t>
             </a:r>
@@ -13340,6 +13518,7 @@
                 </a:solidFill>
                 <a:effectLst/>
                 <a:latin typeface="Roboto" panose="02000000000000000000" pitchFamily="2" charset="0"/>
+                <a:cs typeface="B Nazanin" panose="00000400000000000000" pitchFamily="2" charset="-78"/>
               </a:rPr>
               <a:t>• نوشتن پشت طرح</a:t>
             </a:r>
@@ -13353,6 +13532,7 @@
                 </a:solidFill>
                 <a:effectLst/>
                 <a:latin typeface="Roboto" panose="02000000000000000000" pitchFamily="2" charset="0"/>
+                <a:cs typeface="B Nazanin" panose="00000400000000000000" pitchFamily="2" charset="-78"/>
               </a:rPr>
               <a:t>- بلوک داده را فقط در حافظه پنهان بنویسید و فقط زمانی که در حافظه نهان جایگزین شده است، بلوک را به اصلی بنویسید.</a:t>
             </a:r>
@@ -13366,6 +13546,7 @@
                 </a:solidFill>
                 <a:effectLst/>
                 <a:latin typeface="Roboto" panose="02000000000000000000" pitchFamily="2" charset="0"/>
+                <a:cs typeface="B Nazanin" panose="00000400000000000000" pitchFamily="2" charset="-78"/>
               </a:rPr>
               <a:t>- کارآمدتر از نوشتن از طریق، پیچیده تر برای پیاده سازی</a:t>
             </a:r>
@@ -13453,10 +13634,13 @@
                   <a:srgbClr val="2A1A00"/>
                 </a:solidFill>
                 <a:latin typeface="Impact" panose="020B0806030902050204" pitchFamily="34" charset="0"/>
+                <a:cs typeface="B Nazanin" panose="00000400000000000000" pitchFamily="2" charset="-78"/>
               </a:rPr>
               <a:t>CACHE READ HIT/MISS</a:t>
             </a:r>
-            <a:endParaRPr lang="en-US" dirty="0"/>
+            <a:endParaRPr lang="en-US" dirty="0">
+              <a:cs typeface="B Nazanin" panose="00000400000000000000" pitchFamily="2" charset="-78"/>
+            </a:endParaRPr>
           </a:p>
         </p:txBody>
       </p:sp>
@@ -13491,112 +13675,131 @@
             <a:r>
               <a:rPr lang="en-US" sz="1800" b="0" i="0" u="none" strike="noStrike" baseline="0" dirty="0">
                 <a:latin typeface="Arial" panose="020B0604020202020204" pitchFamily="34" charset="0"/>
+                <a:cs typeface="B Nazanin" panose="00000400000000000000" pitchFamily="2" charset="-78"/>
               </a:rPr>
               <a:t>•</a:t>
             </a:r>
             <a:r>
               <a:rPr lang="en-US" sz="1800" b="0" i="1" u="none" strike="noStrike" baseline="0" dirty="0">
                 <a:latin typeface="Gill Sans MT" panose="020B0502020104020203" pitchFamily="34" charset="0"/>
+                <a:cs typeface="B Nazanin" panose="00000400000000000000" pitchFamily="2" charset="-78"/>
               </a:rPr>
               <a:t>Write-</a:t>
             </a:r>
             <a:r>
               <a:rPr lang="en-US" sz="1800" b="0" i="1" u="none" strike="noStrike" baseline="0" dirty="0" err="1">
                 <a:latin typeface="Gill Sans MT" panose="020B0502020104020203" pitchFamily="34" charset="0"/>
+                <a:cs typeface="B Nazanin" panose="00000400000000000000" pitchFamily="2" charset="-78"/>
               </a:rPr>
               <a:t>through</a:t>
             </a:r>
             <a:r>
               <a:rPr lang="en-US" sz="1800" b="0" i="0" u="none" strike="noStrike" baseline="0" dirty="0" err="1">
                 <a:latin typeface="Gill Sans MT" panose="020B0502020104020203" pitchFamily="34" charset="0"/>
+                <a:cs typeface="B Nazanin" panose="00000400000000000000" pitchFamily="2" charset="-78"/>
               </a:rPr>
               <a:t>scheme</a:t>
             </a:r>
             <a:endParaRPr lang="en-US" sz="1800" b="0" i="0" u="none" strike="noStrike" baseline="0" dirty="0">
               <a:latin typeface="Gill Sans MT" panose="020B0502020104020203" pitchFamily="34" charset="0"/>
+              <a:cs typeface="B Nazanin" panose="00000400000000000000" pitchFamily="2" charset="-78"/>
             </a:endParaRPr>
           </a:p>
           <a:p>
             <a:r>
               <a:rPr lang="en-US" sz="1800" b="0" i="0" u="none" strike="noStrike" baseline="0" dirty="0">
                 <a:latin typeface="Gill Sans MT" panose="020B0502020104020203" pitchFamily="34" charset="0"/>
+                <a:cs typeface="B Nazanin" panose="00000400000000000000" pitchFamily="2" charset="-78"/>
               </a:rPr>
               <a:t>–on </a:t>
             </a:r>
             <a:r>
               <a:rPr lang="en-US" sz="1800" b="0" i="1" u="none" strike="noStrike" baseline="0" dirty="0" err="1">
                 <a:latin typeface="Gill Sans MT" panose="020B0502020104020203" pitchFamily="34" charset="0"/>
+                <a:cs typeface="B Nazanin" panose="00000400000000000000" pitchFamily="2" charset="-78"/>
               </a:rPr>
               <a:t>writehit</a:t>
             </a:r>
             <a:r>
               <a:rPr lang="en-US" sz="1800" b="0" i="0" u="none" strike="noStrike" baseline="0" dirty="0">
                 <a:latin typeface="Gill Sans MT" panose="020B0502020104020203" pitchFamily="34" charset="0"/>
+                <a:cs typeface="B Nazanin" panose="00000400000000000000" pitchFamily="2" charset="-78"/>
               </a:rPr>
               <a:t>: replace data in cache </a:t>
             </a:r>
             <a:r>
               <a:rPr lang="en-US" sz="1800" b="0" i="1" u="none" strike="noStrike" baseline="0" dirty="0">
                 <a:latin typeface="Gill Sans MT" panose="020B0502020104020203" pitchFamily="34" charset="0"/>
+                <a:cs typeface="B Nazanin" panose="00000400000000000000" pitchFamily="2" charset="-78"/>
               </a:rPr>
               <a:t>and </a:t>
             </a:r>
             <a:r>
               <a:rPr lang="en-US" sz="1800" b="0" i="0" u="none" strike="noStrike" baseline="0" dirty="0">
                 <a:latin typeface="Gill Sans MT" panose="020B0502020104020203" pitchFamily="34" charset="0"/>
+                <a:cs typeface="B Nazanin" panose="00000400000000000000" pitchFamily="2" charset="-78"/>
               </a:rPr>
               <a:t>memory with </a:t>
             </a:r>
             <a:r>
               <a:rPr lang="en-US" sz="1800" b="0" i="1" u="none" strike="noStrike" baseline="0" dirty="0">
                 <a:latin typeface="Gill Sans MT" panose="020B0502020104020203" pitchFamily="34" charset="0"/>
+                <a:cs typeface="B Nazanin" panose="00000400000000000000" pitchFamily="2" charset="-78"/>
               </a:rPr>
               <a:t>every </a:t>
             </a:r>
             <a:r>
               <a:rPr lang="en-US" sz="1800" b="0" i="0" u="none" strike="noStrike" baseline="0" dirty="0">
                 <a:latin typeface="Gill Sans MT" panose="020B0502020104020203" pitchFamily="34" charset="0"/>
+                <a:cs typeface="B Nazanin" panose="00000400000000000000" pitchFamily="2" charset="-78"/>
               </a:rPr>
               <a:t>write hit to avoid </a:t>
             </a:r>
             <a:r>
               <a:rPr lang="en-US" sz="1800" b="0" i="1" u="none" strike="noStrike" baseline="0" dirty="0">
                 <a:latin typeface="Gill Sans MT" panose="020B0502020104020203" pitchFamily="34" charset="0"/>
+                <a:cs typeface="B Nazanin" panose="00000400000000000000" pitchFamily="2" charset="-78"/>
               </a:rPr>
               <a:t>inconsistency</a:t>
             </a:r>
             <a:endParaRPr lang="en-US" sz="1800" b="0" i="0" u="none" strike="noStrike" baseline="0" dirty="0">
               <a:latin typeface="Gill Sans MT" panose="020B0502020104020203" pitchFamily="34" charset="0"/>
+              <a:cs typeface="B Nazanin" panose="00000400000000000000" pitchFamily="2" charset="-78"/>
             </a:endParaRPr>
           </a:p>
           <a:p>
             <a:r>
               <a:rPr lang="en-US" sz="1800" b="0" i="0" u="none" strike="noStrike" baseline="0" dirty="0">
                 <a:latin typeface="Gill Sans MT" panose="020B0502020104020203" pitchFamily="34" charset="0"/>
+                <a:cs typeface="B Nazanin" panose="00000400000000000000" pitchFamily="2" charset="-78"/>
               </a:rPr>
               <a:t>–on </a:t>
             </a:r>
             <a:r>
               <a:rPr lang="en-US" sz="1800" b="0" i="1" u="none" strike="noStrike" baseline="0" dirty="0" err="1">
                 <a:latin typeface="Gill Sans MT" panose="020B0502020104020203" pitchFamily="34" charset="0"/>
+                <a:cs typeface="B Nazanin" panose="00000400000000000000" pitchFamily="2" charset="-78"/>
               </a:rPr>
               <a:t>writemiss</a:t>
             </a:r>
             <a:r>
               <a:rPr lang="en-US" sz="1800" b="0" i="0" u="none" strike="noStrike" baseline="0" dirty="0">
                 <a:latin typeface="Gill Sans MT" panose="020B0502020104020203" pitchFamily="34" charset="0"/>
+                <a:cs typeface="B Nazanin" panose="00000400000000000000" pitchFamily="2" charset="-78"/>
               </a:rPr>
               <a:t>: write the word into cache </a:t>
             </a:r>
             <a:r>
               <a:rPr lang="en-US" sz="1800" b="0" i="1" u="none" strike="noStrike" baseline="0" dirty="0">
                 <a:latin typeface="Gill Sans MT" panose="020B0502020104020203" pitchFamily="34" charset="0"/>
+                <a:cs typeface="B Nazanin" panose="00000400000000000000" pitchFamily="2" charset="-78"/>
               </a:rPr>
               <a:t>and </a:t>
             </a:r>
             <a:r>
               <a:rPr lang="en-US" sz="1800" b="0" i="0" u="none" strike="noStrike" baseline="0" dirty="0">
                 <a:latin typeface="Gill Sans MT" panose="020B0502020104020203" pitchFamily="34" charset="0"/>
+                <a:cs typeface="B Nazanin" panose="00000400000000000000" pitchFamily="2" charset="-78"/>
               </a:rPr>
               <a:t>memory –obviously no need to read missed word from memory!</a:t>
             </a:r>
@@ -13605,6 +13808,7 @@
             <a:r>
               <a:rPr lang="en-US" sz="1800" b="0" i="0" u="none" strike="noStrike" baseline="0" dirty="0">
                 <a:latin typeface="Gill Sans MT" panose="020B0502020104020203" pitchFamily="34" charset="0"/>
+                <a:cs typeface="B Nazanin" panose="00000400000000000000" pitchFamily="2" charset="-78"/>
               </a:rPr>
               <a:t>–Write-through is slow because of always required memory write</a:t>
             </a:r>
@@ -13613,36 +13817,42 @@
             <a:r>
               <a:rPr lang="en-US" sz="1800" b="0" i="0" u="none" strike="noStrike" baseline="0" dirty="0">
                 <a:latin typeface="Arial" panose="020B0604020202020204" pitchFamily="34" charset="0"/>
+                <a:cs typeface="B Nazanin" panose="00000400000000000000" pitchFamily="2" charset="-78"/>
               </a:rPr>
               <a:t>•</a:t>
             </a:r>
             <a:r>
               <a:rPr lang="en-US" sz="1800" b="0" i="0" u="none" strike="noStrike" baseline="0" dirty="0">
                 <a:latin typeface="Gill Sans MT" panose="020B0502020104020203" pitchFamily="34" charset="0"/>
+                <a:cs typeface="B Nazanin" panose="00000400000000000000" pitchFamily="2" charset="-78"/>
               </a:rPr>
               <a:t>performance is improved with a </a:t>
             </a:r>
             <a:r>
               <a:rPr lang="en-US" sz="1800" b="1" i="1" u="none" strike="noStrike" baseline="0" dirty="0">
                 <a:latin typeface="Gill Sans MT" panose="020B0502020104020203" pitchFamily="34" charset="0"/>
+                <a:cs typeface="B Nazanin" panose="00000400000000000000" pitchFamily="2" charset="-78"/>
               </a:rPr>
               <a:t>write </a:t>
             </a:r>
             <a:r>
               <a:rPr lang="en-US" sz="1800" b="1" i="1" u="none" strike="noStrike" baseline="0" dirty="0" err="1">
                 <a:latin typeface="Gill Sans MT" panose="020B0502020104020203" pitchFamily="34" charset="0"/>
+                <a:cs typeface="B Nazanin" panose="00000400000000000000" pitchFamily="2" charset="-78"/>
               </a:rPr>
               <a:t>buffer</a:t>
             </a:r>
             <a:r>
               <a:rPr lang="en-US" sz="1800" b="0" i="0" u="none" strike="noStrike" baseline="0" dirty="0" err="1">
                 <a:latin typeface="Gill Sans MT" panose="020B0502020104020203" pitchFamily="34" charset="0"/>
+                <a:cs typeface="B Nazanin" panose="00000400000000000000" pitchFamily="2" charset="-78"/>
               </a:rPr>
               <a:t>where</a:t>
             </a:r>
             <a:r>
               <a:rPr lang="en-US" sz="1800" b="0" i="0" u="none" strike="noStrike" baseline="0" dirty="0">
                 <a:latin typeface="Gill Sans MT" panose="020B0502020104020203" pitchFamily="34" charset="0"/>
+                <a:cs typeface="B Nazanin" panose="00000400000000000000" pitchFamily="2" charset="-78"/>
               </a:rPr>
               <a:t> words are stored while waiting to be written to memory –processor can continue execution until write buffer is full</a:t>
             </a:r>
@@ -13651,12 +13861,14 @@
             <a:r>
               <a:rPr lang="en-US" sz="1800" b="0" i="0" u="none" strike="noStrike" baseline="0" dirty="0">
                 <a:latin typeface="Arial" panose="020B0604020202020204" pitchFamily="34" charset="0"/>
+                <a:cs typeface="B Nazanin" panose="00000400000000000000" pitchFamily="2" charset="-78"/>
               </a:rPr>
               <a:t>•</a:t>
             </a:r>
             <a:r>
               <a:rPr lang="en-US" sz="1800" b="0" i="0" u="none" strike="noStrike" baseline="0" dirty="0">
                 <a:latin typeface="Gill Sans MT" panose="020B0502020104020203" pitchFamily="34" charset="0"/>
+                <a:cs typeface="B Nazanin" panose="00000400000000000000" pitchFamily="2" charset="-78"/>
               </a:rPr>
               <a:t>when a word in the write buffer completes writing into main that buffer slot is freed and becomes available for future writes</a:t>
             </a:r>
@@ -13665,12 +13877,14 @@
             <a:r>
               <a:rPr lang="en-US" sz="1800" b="0" i="0" u="none" strike="noStrike" baseline="0" dirty="0">
                 <a:latin typeface="Arial" panose="020B0604020202020204" pitchFamily="34" charset="0"/>
+                <a:cs typeface="B Nazanin" panose="00000400000000000000" pitchFamily="2" charset="-78"/>
               </a:rPr>
               <a:t>•</a:t>
             </a:r>
             <a:r>
               <a:rPr lang="en-US" sz="1800" b="0" i="0" u="none" strike="noStrike" baseline="0" dirty="0">
                 <a:latin typeface="Gill Sans MT" panose="020B0502020104020203" pitchFamily="34" charset="0"/>
+                <a:cs typeface="B Nazanin" panose="00000400000000000000" pitchFamily="2" charset="-78"/>
               </a:rPr>
               <a:t>DEC 3100 write buffer has 4 words</a:t>
             </a:r>
@@ -13679,101 +13893,118 @@
             <a:r>
               <a:rPr lang="en-US" sz="1800" b="0" i="0" u="none" strike="noStrike" baseline="0" dirty="0">
                 <a:latin typeface="Arial" panose="020B0604020202020204" pitchFamily="34" charset="0"/>
+                <a:cs typeface="B Nazanin" panose="00000400000000000000" pitchFamily="2" charset="-78"/>
               </a:rPr>
               <a:t>•</a:t>
             </a:r>
             <a:r>
               <a:rPr lang="en-US" sz="1800" b="0" i="1" u="none" strike="noStrike" baseline="0" dirty="0">
                 <a:latin typeface="Gill Sans MT" panose="020B0502020104020203" pitchFamily="34" charset="0"/>
+                <a:cs typeface="B Nazanin" panose="00000400000000000000" pitchFamily="2" charset="-78"/>
               </a:rPr>
               <a:t>Write-</a:t>
             </a:r>
             <a:r>
               <a:rPr lang="en-US" sz="1800" b="0" i="1" u="none" strike="noStrike" baseline="0" dirty="0" err="1">
                 <a:latin typeface="Gill Sans MT" panose="020B0502020104020203" pitchFamily="34" charset="0"/>
+                <a:cs typeface="B Nazanin" panose="00000400000000000000" pitchFamily="2" charset="-78"/>
               </a:rPr>
               <a:t>back</a:t>
             </a:r>
             <a:r>
               <a:rPr lang="en-US" sz="1800" b="0" i="0" u="none" strike="noStrike" baseline="0" dirty="0" err="1">
                 <a:latin typeface="Gill Sans MT" panose="020B0502020104020203" pitchFamily="34" charset="0"/>
+                <a:cs typeface="B Nazanin" panose="00000400000000000000" pitchFamily="2" charset="-78"/>
               </a:rPr>
               <a:t>scheme</a:t>
             </a:r>
             <a:endParaRPr lang="en-US" sz="1800" b="0" i="0" u="none" strike="noStrike" baseline="0" dirty="0">
               <a:latin typeface="Gill Sans MT" panose="020B0502020104020203" pitchFamily="34" charset="0"/>
+              <a:cs typeface="B Nazanin" panose="00000400000000000000" pitchFamily="2" charset="-78"/>
             </a:endParaRPr>
           </a:p>
           <a:p>
             <a:r>
               <a:rPr lang="en-US" sz="1800" b="0" i="0" u="none" strike="noStrike" baseline="0" dirty="0">
                 <a:latin typeface="Gill Sans MT" panose="020B0502020104020203" pitchFamily="34" charset="0"/>
+                <a:cs typeface="B Nazanin" panose="00000400000000000000" pitchFamily="2" charset="-78"/>
               </a:rPr>
               <a:t>–write the data block </a:t>
             </a:r>
             <a:r>
               <a:rPr lang="en-US" sz="1800" b="0" i="1" u="none" strike="noStrike" baseline="0" dirty="0" err="1">
                 <a:latin typeface="Gill Sans MT" panose="020B0502020104020203" pitchFamily="34" charset="0"/>
+                <a:cs typeface="B Nazanin" panose="00000400000000000000" pitchFamily="2" charset="-78"/>
               </a:rPr>
               <a:t>only</a:t>
             </a:r>
             <a:r>
               <a:rPr lang="en-US" sz="1800" b="0" i="0" u="none" strike="noStrike" baseline="0" dirty="0" err="1">
                 <a:latin typeface="Gill Sans MT" panose="020B0502020104020203" pitchFamily="34" charset="0"/>
+                <a:cs typeface="B Nazanin" panose="00000400000000000000" pitchFamily="2" charset="-78"/>
               </a:rPr>
               <a:t>into</a:t>
             </a:r>
             <a:r>
               <a:rPr lang="en-US" sz="1800" b="0" i="0" u="none" strike="noStrike" baseline="0" dirty="0">
                 <a:latin typeface="Gill Sans MT" panose="020B0502020104020203" pitchFamily="34" charset="0"/>
+                <a:cs typeface="B Nazanin" panose="00000400000000000000" pitchFamily="2" charset="-78"/>
               </a:rPr>
               <a:t> the cache and </a:t>
             </a:r>
             <a:r>
               <a:rPr lang="en-US" sz="1800" b="0" i="1" u="none" strike="noStrike" baseline="0" dirty="0">
                 <a:latin typeface="Gill Sans MT" panose="020B0502020104020203" pitchFamily="34" charset="0"/>
+                <a:cs typeface="B Nazanin" panose="00000400000000000000" pitchFamily="2" charset="-78"/>
               </a:rPr>
               <a:t>write-</a:t>
             </a:r>
             <a:r>
               <a:rPr lang="en-US" sz="1800" b="0" i="1" u="none" strike="noStrike" baseline="0" dirty="0" err="1">
                 <a:latin typeface="Gill Sans MT" panose="020B0502020104020203" pitchFamily="34" charset="0"/>
+                <a:cs typeface="B Nazanin" panose="00000400000000000000" pitchFamily="2" charset="-78"/>
               </a:rPr>
               <a:t>back</a:t>
             </a:r>
             <a:r>
               <a:rPr lang="en-US" sz="1800" b="0" i="0" u="none" strike="noStrike" baseline="0" dirty="0" err="1">
                 <a:latin typeface="Gill Sans MT" panose="020B0502020104020203" pitchFamily="34" charset="0"/>
+                <a:cs typeface="B Nazanin" panose="00000400000000000000" pitchFamily="2" charset="-78"/>
               </a:rPr>
               <a:t>the</a:t>
             </a:r>
             <a:r>
               <a:rPr lang="en-US" sz="1800" b="0" i="0" u="none" strike="noStrike" baseline="0" dirty="0">
                 <a:latin typeface="Gill Sans MT" panose="020B0502020104020203" pitchFamily="34" charset="0"/>
+                <a:cs typeface="B Nazanin" panose="00000400000000000000" pitchFamily="2" charset="-78"/>
               </a:rPr>
               <a:t> block to main </a:t>
             </a:r>
             <a:r>
               <a:rPr lang="en-US" sz="1800" b="0" i="1" u="none" strike="noStrike" baseline="0" dirty="0">
                 <a:latin typeface="Gill Sans MT" panose="020B0502020104020203" pitchFamily="34" charset="0"/>
+                <a:cs typeface="B Nazanin" panose="00000400000000000000" pitchFamily="2" charset="-78"/>
               </a:rPr>
               <a:t>only </a:t>
             </a:r>
             <a:r>
               <a:rPr lang="en-US" sz="1800" b="0" i="1" u="none" strike="noStrike" baseline="0" dirty="0" err="1">
                 <a:latin typeface="Gill Sans MT" panose="020B0502020104020203" pitchFamily="34" charset="0"/>
+                <a:cs typeface="B Nazanin" panose="00000400000000000000" pitchFamily="2" charset="-78"/>
               </a:rPr>
               <a:t>when</a:t>
             </a:r>
             <a:r>
               <a:rPr lang="en-US" sz="1800" b="0" i="0" u="none" strike="noStrike" baseline="0" dirty="0" err="1">
                 <a:latin typeface="Gill Sans MT" panose="020B0502020104020203" pitchFamily="34" charset="0"/>
+                <a:cs typeface="B Nazanin" panose="00000400000000000000" pitchFamily="2" charset="-78"/>
               </a:rPr>
               <a:t>it</a:t>
             </a:r>
             <a:r>
               <a:rPr lang="en-US" sz="1800" b="0" i="0" u="none" strike="noStrike" baseline="0" dirty="0">
                 <a:latin typeface="Gill Sans MT" panose="020B0502020104020203" pitchFamily="34" charset="0"/>
+                <a:cs typeface="B Nazanin" panose="00000400000000000000" pitchFamily="2" charset="-78"/>
               </a:rPr>
               <a:t> is replaced in cache</a:t>
             </a:r>
@@ -13782,6 +14013,7 @@
             <a:r>
               <a:rPr lang="en-US" sz="1800" b="0" i="0" u="none" strike="noStrike" baseline="0" dirty="0">
                 <a:latin typeface="Gill Sans MT" panose="020B0502020104020203" pitchFamily="34" charset="0"/>
+                <a:cs typeface="B Nazanin" panose="00000400000000000000" pitchFamily="2" charset="-78"/>
               </a:rPr>
               <a:t>–more efficient than write-through, more complex to implement</a:t>
             </a:r>
@@ -13948,89 +14180,125 @@
           <a:lstStyle/>
           <a:p>
             <a:r>
-              <a:rPr lang="en-US" dirty="0"/>
+              <a:rPr lang="en-US" dirty="0">
+                <a:cs typeface="B Nazanin" panose="00000400000000000000" pitchFamily="2" charset="-78"/>
+              </a:rPr>
               <a:t>DRAM (Dynamic Random Access Memory):</a:t>
             </a:r>
           </a:p>
           <a:p>
             <a:r>
-              <a:rPr lang="en-US" dirty="0"/>
+              <a:rPr lang="en-US" dirty="0">
+                <a:cs typeface="B Nazanin" panose="00000400000000000000" pitchFamily="2" charset="-78"/>
+              </a:rPr>
               <a:t>–value is stored as a charge on capacitor that must be </a:t>
             </a:r>
             <a:r>
-              <a:rPr lang="en-US" dirty="0" err="1"/>
+              <a:rPr lang="en-US" dirty="0" err="1">
+                <a:cs typeface="B Nazanin" panose="00000400000000000000" pitchFamily="2" charset="-78"/>
+              </a:rPr>
               <a:t>periodicallyrefreshed</a:t>
             </a:r>
             <a:r>
-              <a:rPr lang="en-US" dirty="0"/>
+              <a:rPr lang="en-US" dirty="0">
+                <a:cs typeface="B Nazanin" panose="00000400000000000000" pitchFamily="2" charset="-78"/>
+              </a:rPr>
               <a:t>, which is why it is called dynamic</a:t>
             </a:r>
           </a:p>
           <a:p>
             <a:r>
-              <a:rPr lang="en-US" dirty="0"/>
+              <a:rPr lang="en-US" dirty="0">
+                <a:cs typeface="B Nazanin" panose="00000400000000000000" pitchFamily="2" charset="-78"/>
+              </a:rPr>
               <a:t>–very small –1 transistor per bit –but factor of 5 to 10 slower than SRAM</a:t>
             </a:r>
           </a:p>
           <a:p>
             <a:r>
-              <a:rPr lang="en-US" dirty="0"/>
+              <a:rPr lang="en-US" dirty="0">
+                <a:cs typeface="B Nazanin" panose="00000400000000000000" pitchFamily="2" charset="-78"/>
+              </a:rPr>
               <a:t>–used </a:t>
             </a:r>
             <a:r>
-              <a:rPr lang="en-US" dirty="0" err="1"/>
+              <a:rPr lang="en-US" dirty="0" err="1">
+                <a:cs typeface="B Nazanin" panose="00000400000000000000" pitchFamily="2" charset="-78"/>
+              </a:rPr>
               <a:t>formain</a:t>
             </a:r>
             <a:r>
-              <a:rPr lang="en-US" dirty="0"/>
+              <a:rPr lang="en-US" dirty="0">
+                <a:cs typeface="B Nazanin" panose="00000400000000000000" pitchFamily="2" charset="-78"/>
+              </a:rPr>
               <a:t> memory</a:t>
             </a:r>
           </a:p>
           <a:p>
             <a:r>
-              <a:rPr lang="en-US" dirty="0"/>
+              <a:rPr lang="en-US" dirty="0">
+                <a:cs typeface="B Nazanin" panose="00000400000000000000" pitchFamily="2" charset="-78"/>
+              </a:rPr>
               <a:t>•SRAM(Static Random Access Memory):</a:t>
             </a:r>
           </a:p>
           <a:p>
             <a:r>
-              <a:rPr lang="en-US" dirty="0"/>
+              <a:rPr lang="en-US" dirty="0">
+                <a:cs typeface="B Nazanin" panose="00000400000000000000" pitchFamily="2" charset="-78"/>
+              </a:rPr>
               <a:t>–will exist </a:t>
             </a:r>
             <a:r>
-              <a:rPr lang="en-US" dirty="0" err="1"/>
+              <a:rPr lang="en-US" dirty="0" err="1">
+                <a:cs typeface="B Nazanin" panose="00000400000000000000" pitchFamily="2" charset="-78"/>
+              </a:rPr>
               <a:t>indefinitelyas</a:t>
             </a:r>
             <a:r>
-              <a:rPr lang="en-US" dirty="0"/>
+              <a:rPr lang="en-US" dirty="0">
+                <a:cs typeface="B Nazanin" panose="00000400000000000000" pitchFamily="2" charset="-78"/>
+              </a:rPr>
               <a:t> long as </a:t>
             </a:r>
             <a:r>
-              <a:rPr lang="en-US" dirty="0" err="1"/>
+              <a:rPr lang="en-US" dirty="0" err="1">
+                <a:cs typeface="B Nazanin" panose="00000400000000000000" pitchFamily="2" charset="-78"/>
+              </a:rPr>
               <a:t>thereis</a:t>
             </a:r>
             <a:r>
-              <a:rPr lang="en-US" dirty="0"/>
+              <a:rPr lang="en-US" dirty="0">
+                <a:cs typeface="B Nazanin" panose="00000400000000000000" pitchFamily="2" charset="-78"/>
+              </a:rPr>
               <a:t> power, which is why it is called static</a:t>
             </a:r>
           </a:p>
           <a:p>
             <a:r>
-              <a:rPr lang="en-US" dirty="0"/>
+              <a:rPr lang="en-US" dirty="0">
+                <a:cs typeface="B Nazanin" panose="00000400000000000000" pitchFamily="2" charset="-78"/>
+              </a:rPr>
               <a:t>–very fast but takes up more space </a:t>
             </a:r>
             <a:r>
-              <a:rPr lang="en-US" dirty="0" err="1"/>
+              <a:rPr lang="en-US" dirty="0" err="1">
+                <a:cs typeface="B Nazanin" panose="00000400000000000000" pitchFamily="2" charset="-78"/>
+              </a:rPr>
               <a:t>thanDRAM</a:t>
             </a:r>
             <a:r>
-              <a:rPr lang="en-US" dirty="0"/>
+              <a:rPr lang="en-US" dirty="0">
+                <a:cs typeface="B Nazanin" panose="00000400000000000000" pitchFamily="2" charset="-78"/>
+              </a:rPr>
               <a:t> –4 to 6 transistors per bit</a:t>
             </a:r>
           </a:p>
           <a:p>
             <a:r>
-              <a:rPr lang="en-US" dirty="0"/>
+              <a:rPr lang="en-US" dirty="0">
+                <a:cs typeface="B Nazanin" panose="00000400000000000000" pitchFamily="2" charset="-78"/>
+              </a:rPr>
               <a:t>–used for cache</a:t>
             </a:r>
           </a:p>
@@ -14066,87 +14334,119 @@
           <a:p>
             <a:pPr algn="r" rtl="1"/>
             <a:r>
-              <a:rPr lang="en-US" dirty="0"/>
+              <a:rPr lang="en-US" dirty="0">
+                <a:cs typeface="B Nazanin" panose="00000400000000000000" pitchFamily="2" charset="-78"/>
+              </a:rPr>
               <a:t>DRAM (</a:t>
             </a:r>
             <a:r>
-              <a:rPr lang="fa-IR" dirty="0"/>
+              <a:rPr lang="fa-IR" dirty="0">
+                <a:cs typeface="B Nazanin" panose="00000400000000000000" pitchFamily="2" charset="-78"/>
+              </a:rPr>
               <a:t>حافظه دسترسی تصادفی پویا):</a:t>
             </a:r>
           </a:p>
           <a:p>
             <a:pPr algn="r" rtl="1"/>
             <a:r>
-              <a:rPr lang="fa-IR" dirty="0"/>
+              <a:rPr lang="fa-IR" dirty="0">
+                <a:cs typeface="B Nazanin" panose="00000400000000000000" pitchFamily="2" charset="-78"/>
+              </a:rPr>
               <a:t>- مقدار به عنوان شارژ در خازن ذخیره می شود که باید به طور دوره ای تجدید شود، به همین دلیل است که به آن پویا می گویند.</a:t>
             </a:r>
           </a:p>
           <a:p>
             <a:pPr algn="r" rtl="1"/>
             <a:r>
-              <a:rPr lang="fa-IR" dirty="0"/>
+              <a:rPr lang="fa-IR" dirty="0">
+                <a:cs typeface="B Nazanin" panose="00000400000000000000" pitchFamily="2" charset="-78"/>
+              </a:rPr>
               <a:t>- بسیار کوچک - 1 ترانزیستور در هر بیت - اما ضریب 5 تا 10 کندتر از </a:t>
             </a:r>
             <a:r>
-              <a:rPr lang="en-US" dirty="0"/>
+              <a:rPr lang="en-US" dirty="0">
+                <a:cs typeface="B Nazanin" panose="00000400000000000000" pitchFamily="2" charset="-78"/>
+              </a:rPr>
               <a:t>SRAM</a:t>
             </a:r>
           </a:p>
           <a:p>
             <a:pPr algn="r" rtl="1"/>
             <a:r>
-              <a:rPr lang="en-US" dirty="0"/>
+              <a:rPr lang="en-US" dirty="0">
+                <a:cs typeface="B Nazanin" panose="00000400000000000000" pitchFamily="2" charset="-78"/>
+              </a:rPr>
               <a:t>– </a:t>
             </a:r>
             <a:r>
-              <a:rPr lang="fa-IR" dirty="0"/>
+              <a:rPr lang="fa-IR" dirty="0">
+                <a:cs typeface="B Nazanin" panose="00000400000000000000" pitchFamily="2" charset="-78"/>
+              </a:rPr>
               <a:t>از حافظه فرمین استفاده شده</a:t>
             </a:r>
           </a:p>
           <a:p>
             <a:pPr algn="r" rtl="1"/>
             <a:r>
-              <a:rPr lang="fa-IR" dirty="0"/>
+              <a:rPr lang="fa-IR" dirty="0">
+                <a:cs typeface="B Nazanin" panose="00000400000000000000" pitchFamily="2" charset="-78"/>
+              </a:rPr>
               <a:t>•</a:t>
             </a:r>
             <a:r>
-              <a:rPr lang="en-US" dirty="0"/>
+              <a:rPr lang="en-US" dirty="0">
+                <a:cs typeface="B Nazanin" panose="00000400000000000000" pitchFamily="2" charset="-78"/>
+              </a:rPr>
               <a:t>SRAM (</a:t>
             </a:r>
             <a:r>
-              <a:rPr lang="fa-IR" dirty="0"/>
+              <a:rPr lang="fa-IR" dirty="0">
+                <a:cs typeface="B Nazanin" panose="00000400000000000000" pitchFamily="2" charset="-78"/>
+              </a:rPr>
               <a:t>حافظه دسترسی تصادفی استاتیک):</a:t>
             </a:r>
           </a:p>
           <a:p>
             <a:pPr algn="r" rtl="1"/>
             <a:r>
-              <a:rPr lang="fa-IR" dirty="0"/>
+              <a:rPr lang="fa-IR" dirty="0">
+                <a:cs typeface="B Nazanin" panose="00000400000000000000" pitchFamily="2" charset="-78"/>
+              </a:rPr>
               <a:t>- تا زمانی که قدرت وجود داشته باشد به طور نامحدود وجود خواهد داشت، به همین دلیل است که به آن ایستا می گویند</a:t>
             </a:r>
           </a:p>
           <a:p>
             <a:pPr algn="r" rtl="1"/>
             <a:r>
-              <a:rPr lang="fa-IR" dirty="0"/>
+              <a:rPr lang="fa-IR" dirty="0">
+                <a:cs typeface="B Nazanin" panose="00000400000000000000" pitchFamily="2" charset="-78"/>
+              </a:rPr>
               <a:t>- بسیار سریع اما فضای بیشتری را نسبت به </a:t>
             </a:r>
             <a:r>
-              <a:rPr lang="en-US" dirty="0"/>
+              <a:rPr lang="en-US" dirty="0">
+                <a:cs typeface="B Nazanin" panose="00000400000000000000" pitchFamily="2" charset="-78"/>
+              </a:rPr>
               <a:t>DRAM </a:t>
             </a:r>
             <a:r>
-              <a:rPr lang="fa-IR" dirty="0"/>
+              <a:rPr lang="fa-IR" dirty="0">
+                <a:cs typeface="B Nazanin" panose="00000400000000000000" pitchFamily="2" charset="-78"/>
+              </a:rPr>
               <a:t>اشغال می کند - 4 تا 6 ترانزیستور در هر بیت</a:t>
             </a:r>
           </a:p>
           <a:p>
             <a:pPr algn="r" rtl="1"/>
             <a:r>
-              <a:rPr lang="fa-IR" dirty="0"/>
+              <a:rPr lang="fa-IR" dirty="0">
+                <a:cs typeface="B Nazanin" panose="00000400000000000000" pitchFamily="2" charset="-78"/>
+              </a:rPr>
               <a:t>- برای کش استفاده می شود</a:t>
             </a:r>
-            <a:endParaRPr lang="en-US" dirty="0"/>
+            <a:endParaRPr lang="en-US" dirty="0">
+              <a:cs typeface="B Nazanin" panose="00000400000000000000" pitchFamily="2" charset="-78"/>
+            </a:endParaRPr>
           </a:p>
         </p:txBody>
       </p:sp>
@@ -14231,10 +14531,13 @@
                   <a:srgbClr val="2A1A00"/>
                 </a:solidFill>
                 <a:latin typeface="Impact" panose="020B0806030902050204" pitchFamily="34" charset="0"/>
+                <a:cs typeface="B Nazanin" panose="00000400000000000000" pitchFamily="2" charset="-78"/>
               </a:rPr>
               <a:t>MEMORIES: REVIEW</a:t>
             </a:r>
-            <a:endParaRPr lang="en-US" dirty="0"/>
+            <a:endParaRPr lang="en-US" dirty="0">
+              <a:cs typeface="B Nazanin" panose="00000400000000000000" pitchFamily="2" charset="-78"/>
+            </a:endParaRPr>
           </a:p>
         </p:txBody>
       </p:sp>
@@ -14312,8 +14615,8 @@
         </p:nvSpPr>
         <p:spPr>
           <a:xfrm>
-            <a:off x="4665307" y="913314"/>
-            <a:ext cx="4156787" cy="4247317"/>
+            <a:off x="4548673" y="913314"/>
+            <a:ext cx="4576669" cy="3693319"/>
           </a:xfrm>
           <a:prstGeom prst="rect">
             <a:avLst/>
@@ -14334,6 +14637,7 @@
                 </a:solidFill>
                 <a:effectLst/>
                 <a:latin typeface="Roboto" panose="02000000000000000000" pitchFamily="2" charset="0"/>
+                <a:cs typeface="B Nazanin" panose="00000400000000000000" pitchFamily="2" charset="-78"/>
               </a:rPr>
               <a:t>• جایگزینی حافظه پنهان در بلوک های بزرگ (چند کلمه ای):</a:t>
             </a:r>
@@ -14343,6 +14647,7 @@
               </a:solidFill>
               <a:effectLst/>
               <a:latin typeface="Roboto" panose="02000000000000000000" pitchFamily="2" charset="0"/>
+              <a:cs typeface="B Nazanin" panose="00000400000000000000" pitchFamily="2" charset="-78"/>
             </a:endParaRPr>
           </a:p>
           <a:p>
@@ -14354,6 +14659,7 @@
                 </a:solidFill>
                 <a:effectLst/>
                 <a:latin typeface="Roboto" panose="02000000000000000000" pitchFamily="2" charset="0"/>
+                <a:cs typeface="B Nazanin" panose="00000400000000000000" pitchFamily="2" charset="-78"/>
               </a:rPr>
               <a:t>کلمه خوانده شده از دست رفته: خواندن کل بلوک از حافظه اصلی</a:t>
             </a:r>
@@ -14363,6 +14669,7 @@
               </a:solidFill>
               <a:effectLst/>
               <a:latin typeface="Roboto" panose="02000000000000000000" pitchFamily="2" charset="0"/>
+              <a:cs typeface="B Nazanin" panose="00000400000000000000" pitchFamily="2" charset="-78"/>
             </a:endParaRPr>
           </a:p>
           <a:p>
@@ -14374,6 +14681,7 @@
                 </a:solidFill>
                 <a:effectLst/>
                 <a:latin typeface="Roboto" panose="02000000000000000000" pitchFamily="2" charset="0"/>
+                <a:cs typeface="B Nazanin" panose="00000400000000000000" pitchFamily="2" charset="-78"/>
               </a:rPr>
               <a:t>– نوشتن در حافظه پنهان نوشتن:</a:t>
             </a:r>
@@ -14383,6 +14691,7 @@
               </a:solidFill>
               <a:effectLst/>
               <a:latin typeface="Roboto" panose="02000000000000000000" pitchFamily="2" charset="0"/>
+              <a:cs typeface="B Nazanin" panose="00000400000000000000" pitchFamily="2" charset="-78"/>
             </a:endParaRPr>
           </a:p>
           <a:p>
@@ -14394,6 +14703,7 @@
                 </a:solidFill>
                 <a:effectLst/>
                 <a:latin typeface="Roboto" panose="02000000000000000000" pitchFamily="2" charset="0"/>
+                <a:cs typeface="B Nazanin" panose="00000400000000000000" pitchFamily="2" charset="-78"/>
               </a:rPr>
               <a:t>•اگر ضربه نوشتن، یعنی تگ آدرس درخواستی و ورودی کش برابر است، با جایگزین کردن بلوک کلمه و نوشتن در حافظه نهان و حافظه، مانند بلوک های 1 کلمه ای ادامه دهید.</a:t>
             </a:r>
@@ -14403,6 +14713,7 @@
               </a:solidFill>
               <a:effectLst/>
               <a:latin typeface="Roboto" panose="02000000000000000000" pitchFamily="2" charset="0"/>
+              <a:cs typeface="B Nazanin" panose="00000400000000000000" pitchFamily="2" charset="-78"/>
             </a:endParaRPr>
           </a:p>
           <a:p>
@@ -14414,6 +14725,7 @@
                 </a:solidFill>
                 <a:effectLst/>
                 <a:latin typeface="Roboto" panose="02000000000000000000" pitchFamily="2" charset="0"/>
+                <a:cs typeface="B Nazanin" panose="00000400000000000000" pitchFamily="2" charset="-78"/>
               </a:rPr>
               <a:t>•اگر اشتباه بنویسید، به عنوان مثال، تگ ها نابرابر هستند، بلوک را از حافظه واکشی کنید، کلمه ای را جایگزین کنید که باعث اشتباه شده است، و بلوک را هم در حافظه پنهان و هم در حافظه بنویسید.•بنابراین، بر خلاف مورد بلوک های 1 کلمه ای، اشتباه نوشتن با بلوک چند کلمه ای باعث خواندن حافظه می شود.</a:t>
             </a:r>
@@ -14501,10 +14813,13 @@
                   <a:srgbClr val="2A1A00"/>
                 </a:solidFill>
                 <a:latin typeface="Impact" panose="020B0806030902050204" pitchFamily="34" charset="0"/>
+                <a:cs typeface="B Nazanin" panose="00000400000000000000" pitchFamily="2" charset="-78"/>
               </a:rPr>
               <a:t>DIRECT MAPPED CACHE: TAKING ADVANTAGE OF SPATIAL LOCALITY</a:t>
             </a:r>
-            <a:endParaRPr lang="en-US" dirty="0"/>
+            <a:endParaRPr lang="en-US" dirty="0">
+              <a:cs typeface="B Nazanin" panose="00000400000000000000" pitchFamily="2" charset="-78"/>
+            </a:endParaRPr>
           </a:p>
         </p:txBody>
       </p:sp>
@@ -14522,8 +14837,8 @@
         </p:nvSpPr>
         <p:spPr>
           <a:xfrm>
-            <a:off x="88638" y="913314"/>
-            <a:ext cx="4576669" cy="3970318"/>
+            <a:off x="0" y="913314"/>
+            <a:ext cx="4548673" cy="3970318"/>
           </a:xfrm>
           <a:prstGeom prst="rect">
             <a:avLst/>
@@ -14542,6 +14857,7 @@
                   <a:srgbClr val="2A1A00"/>
                 </a:solidFill>
                 <a:latin typeface="Arial" panose="020B0604020202020204" pitchFamily="34" charset="0"/>
+                <a:cs typeface="B Nazanin" panose="00000400000000000000" pitchFamily="2" charset="-78"/>
               </a:rPr>
               <a:t>•</a:t>
             </a:r>
@@ -14551,6 +14867,7 @@
                   <a:srgbClr val="585858"/>
                 </a:solidFill>
                 <a:latin typeface="Gill Sans MT" panose="020B0502020104020203" pitchFamily="34" charset="0"/>
+                <a:cs typeface="B Nazanin" panose="00000400000000000000" pitchFamily="2" charset="-78"/>
               </a:rPr>
               <a:t>Cache </a:t>
             </a:r>
@@ -14560,6 +14877,7 @@
                   <a:srgbClr val="585858"/>
                 </a:solidFill>
                 <a:latin typeface="Gill Sans MT" panose="020B0502020104020203" pitchFamily="34" charset="0"/>
+                <a:cs typeface="B Nazanin" panose="00000400000000000000" pitchFamily="2" charset="-78"/>
               </a:rPr>
               <a:t>replacement</a:t>
             </a:r>
@@ -14569,6 +14887,7 @@
                   <a:srgbClr val="585858"/>
                 </a:solidFill>
                 <a:latin typeface="Gill Sans MT" panose="020B0502020104020203" pitchFamily="34" charset="0"/>
+                <a:cs typeface="B Nazanin" panose="00000400000000000000" pitchFamily="2" charset="-78"/>
               </a:rPr>
               <a:t>in</a:t>
             </a:r>
@@ -14578,6 +14897,7 @@
                   <a:srgbClr val="585858"/>
                 </a:solidFill>
                 <a:latin typeface="Gill Sans MT" panose="020B0502020104020203" pitchFamily="34" charset="0"/>
+                <a:cs typeface="B Nazanin" panose="00000400000000000000" pitchFamily="2" charset="-78"/>
               </a:rPr>
               <a:t> large (multiword) blocks:</a:t>
             </a:r>
@@ -14589,6 +14909,7 @@
                   <a:srgbClr val="2A1A00"/>
                 </a:solidFill>
                 <a:latin typeface="Gill Sans MT" panose="020B0502020104020203" pitchFamily="34" charset="0"/>
+                <a:cs typeface="B Nazanin" panose="00000400000000000000" pitchFamily="2" charset="-78"/>
               </a:rPr>
               <a:t>–</a:t>
             </a:r>
@@ -14598,6 +14919,7 @@
                   <a:srgbClr val="585858"/>
                 </a:solidFill>
                 <a:latin typeface="Gill Sans MT" panose="020B0502020104020203" pitchFamily="34" charset="0"/>
+                <a:cs typeface="B Nazanin" panose="00000400000000000000" pitchFamily="2" charset="-78"/>
               </a:rPr>
               <a:t>word </a:t>
             </a:r>
@@ -14607,6 +14929,7 @@
                   <a:srgbClr val="585858"/>
                 </a:solidFill>
                 <a:latin typeface="Gill Sans MT" panose="020B0502020104020203" pitchFamily="34" charset="0"/>
+                <a:cs typeface="B Nazanin" panose="00000400000000000000" pitchFamily="2" charset="-78"/>
               </a:rPr>
               <a:t>read miss</a:t>
             </a:r>
@@ -14616,6 +14939,7 @@
                   <a:srgbClr val="585858"/>
                 </a:solidFill>
                 <a:latin typeface="Gill Sans MT" panose="020B0502020104020203" pitchFamily="34" charset="0"/>
+                <a:cs typeface="B Nazanin" panose="00000400000000000000" pitchFamily="2" charset="-78"/>
               </a:rPr>
               <a:t>: read entire block from main memory</a:t>
             </a:r>
@@ -14627,6 +14951,7 @@
                   <a:srgbClr val="2A1A00"/>
                 </a:solidFill>
                 <a:latin typeface="Gill Sans MT" panose="020B0502020104020203" pitchFamily="34" charset="0"/>
+                <a:cs typeface="B Nazanin" panose="00000400000000000000" pitchFamily="2" charset="-78"/>
               </a:rPr>
               <a:t>–</a:t>
             </a:r>
@@ -14636,6 +14961,7 @@
                   <a:srgbClr val="585858"/>
                 </a:solidFill>
                 <a:latin typeface="Gill Sans MT" panose="020B0502020104020203" pitchFamily="34" charset="0"/>
+                <a:cs typeface="B Nazanin" panose="00000400000000000000" pitchFamily="2" charset="-78"/>
               </a:rPr>
               <a:t>writing in a </a:t>
             </a:r>
@@ -14645,6 +14971,7 @@
                   <a:srgbClr val="585858"/>
                 </a:solidFill>
                 <a:latin typeface="Gill Sans MT" panose="020B0502020104020203" pitchFamily="34" charset="0"/>
+                <a:cs typeface="B Nazanin" panose="00000400000000000000" pitchFamily="2" charset="-78"/>
               </a:rPr>
               <a:t>write-</a:t>
             </a:r>
@@ -14654,6 +14981,7 @@
                   <a:srgbClr val="585858"/>
                 </a:solidFill>
                 <a:latin typeface="Gill Sans MT" panose="020B0502020104020203" pitchFamily="34" charset="0"/>
+                <a:cs typeface="B Nazanin" panose="00000400000000000000" pitchFamily="2" charset="-78"/>
               </a:rPr>
               <a:t>through</a:t>
             </a:r>
@@ -14663,6 +14991,7 @@
                   <a:srgbClr val="585858"/>
                 </a:solidFill>
                 <a:latin typeface="Gill Sans MT" panose="020B0502020104020203" pitchFamily="34" charset="0"/>
+                <a:cs typeface="B Nazanin" panose="00000400000000000000" pitchFamily="2" charset="-78"/>
               </a:rPr>
               <a:t>cache</a:t>
             </a:r>
@@ -14672,6 +15001,7 @@
                   <a:srgbClr val="585858"/>
                 </a:solidFill>
                 <a:latin typeface="Gill Sans MT" panose="020B0502020104020203" pitchFamily="34" charset="0"/>
+                <a:cs typeface="B Nazanin" panose="00000400000000000000" pitchFamily="2" charset="-78"/>
               </a:rPr>
               <a:t>:</a:t>
             </a:r>
@@ -14683,6 +15013,7 @@
                   <a:srgbClr val="2A1A00"/>
                 </a:solidFill>
                 <a:latin typeface="Arial" panose="020B0604020202020204" pitchFamily="34" charset="0"/>
+                <a:cs typeface="B Nazanin" panose="00000400000000000000" pitchFamily="2" charset="-78"/>
               </a:rPr>
               <a:t>•</a:t>
             </a:r>
@@ -14692,6 +15023,7 @@
                   <a:srgbClr val="585858"/>
                 </a:solidFill>
                 <a:latin typeface="Gill Sans MT" panose="020B0502020104020203" pitchFamily="34" charset="0"/>
+                <a:cs typeface="B Nazanin" panose="00000400000000000000" pitchFamily="2" charset="-78"/>
               </a:rPr>
               <a:t>if </a:t>
             </a:r>
@@ -14701,6 +15033,7 @@
                   <a:srgbClr val="585858"/>
                 </a:solidFill>
                 <a:latin typeface="Gill Sans MT" panose="020B0502020104020203" pitchFamily="34" charset="0"/>
+                <a:cs typeface="B Nazanin" panose="00000400000000000000" pitchFamily="2" charset="-78"/>
               </a:rPr>
               <a:t>write hit</a:t>
             </a:r>
@@ -14710,6 +15043,7 @@
                   <a:srgbClr val="585858"/>
                 </a:solidFill>
                 <a:latin typeface="Gill Sans MT" panose="020B0502020104020203" pitchFamily="34" charset="0"/>
+                <a:cs typeface="B Nazanin" panose="00000400000000000000" pitchFamily="2" charset="-78"/>
               </a:rPr>
               <a:t>, i.e., tag of requested address and cache entry are equal, continue as for 1-word blocks by replacing word and writing block to both cache and memory</a:t>
             </a:r>
@@ -14721,6 +15055,7 @@
                   <a:srgbClr val="2A1A00"/>
                 </a:solidFill>
                 <a:latin typeface="Arial" panose="020B0604020202020204" pitchFamily="34" charset="0"/>
+                <a:cs typeface="B Nazanin" panose="00000400000000000000" pitchFamily="2" charset="-78"/>
               </a:rPr>
               <a:t>•</a:t>
             </a:r>
@@ -14730,6 +15065,7 @@
                   <a:srgbClr val="585858"/>
                 </a:solidFill>
                 <a:latin typeface="Gill Sans MT" panose="020B0502020104020203" pitchFamily="34" charset="0"/>
+                <a:cs typeface="B Nazanin" panose="00000400000000000000" pitchFamily="2" charset="-78"/>
               </a:rPr>
               <a:t>if </a:t>
             </a:r>
@@ -14739,6 +15075,7 @@
                   <a:srgbClr val="585858"/>
                 </a:solidFill>
                 <a:latin typeface="Gill Sans MT" panose="020B0502020104020203" pitchFamily="34" charset="0"/>
+                <a:cs typeface="B Nazanin" panose="00000400000000000000" pitchFamily="2" charset="-78"/>
               </a:rPr>
               <a:t>write miss</a:t>
             </a:r>
@@ -14748,6 +15085,7 @@
                   <a:srgbClr val="585858"/>
                 </a:solidFill>
                 <a:latin typeface="Gill Sans MT" panose="020B0502020104020203" pitchFamily="34" charset="0"/>
+                <a:cs typeface="B Nazanin" panose="00000400000000000000" pitchFamily="2" charset="-78"/>
               </a:rPr>
               <a:t>, i.e., tags are unequal, fetch block from memory, replace word that caused miss, and write block to both cache and memory</a:t>
             </a:r>
@@ -14759,6 +15097,7 @@
                   <a:srgbClr val="2A1A00"/>
                 </a:solidFill>
                 <a:latin typeface="Arial" panose="020B0604020202020204" pitchFamily="34" charset="0"/>
+                <a:cs typeface="B Nazanin" panose="00000400000000000000" pitchFamily="2" charset="-78"/>
               </a:rPr>
               <a:t>•</a:t>
             </a:r>
@@ -14768,6 +15107,7 @@
                   <a:srgbClr val="585858"/>
                 </a:solidFill>
                 <a:latin typeface="Gill Sans MT" panose="020B0502020104020203" pitchFamily="34" charset="0"/>
+                <a:cs typeface="B Nazanin" panose="00000400000000000000" pitchFamily="2" charset="-78"/>
               </a:rPr>
               <a:t>therefore, unlike case of 1-word blocks, a write miss with a multiword block causes a memory read </a:t>
             </a:r>
@@ -14819,7 +15159,7 @@
         <p:spPr>
           <a:xfrm>
             <a:off x="4665307" y="913314"/>
-            <a:ext cx="4156787" cy="2585323"/>
+            <a:ext cx="4460035" cy="2308324"/>
           </a:xfrm>
           <a:prstGeom prst="rect">
             <a:avLst/>
@@ -14840,6 +15180,7 @@
                 </a:solidFill>
                 <a:effectLst/>
                 <a:latin typeface="Roboto" panose="02000000000000000000" pitchFamily="2" charset="0"/>
+                <a:cs typeface="B Nazanin" panose="00000400000000000000" pitchFamily="2" charset="-78"/>
               </a:rPr>
               <a:t>• </a:t>
             </a:r>
@@ -14850,6 +15191,7 @@
                 </a:solidFill>
                 <a:effectLst/>
                 <a:latin typeface="Roboto" panose="02000000000000000000" pitchFamily="2" charset="0"/>
+                <a:cs typeface="B Nazanin" panose="00000400000000000000" pitchFamily="2" charset="-78"/>
               </a:rPr>
               <a:t>نرخ از دست دادن در ابتدا با افزایش اندازه بلوک همانطور که انتظار می‌رود کاهش می‌یابد، اما از آنجایی که اندازه بلوک به کسر بزرگی از اندازه کل حافظه پنهان تبدیل می‌شود، ممکن است نرخ از دست دادن افزایش یابد زیرا </a:t>
             </a:r>
@@ -14859,6 +15201,7 @@
               </a:solidFill>
               <a:effectLst/>
               <a:latin typeface="Roboto" panose="02000000000000000000" pitchFamily="2" charset="0"/>
+              <a:cs typeface="B Nazanin" panose="00000400000000000000" pitchFamily="2" charset="-78"/>
             </a:endParaRPr>
           </a:p>
           <a:p>
@@ -14873,6 +15216,7 @@
                 </a:solidFill>
                 <a:effectLst/>
                 <a:latin typeface="Roboto" panose="02000000000000000000" pitchFamily="2" charset="0"/>
+                <a:cs typeface="B Nazanin" panose="00000400000000000000" pitchFamily="2" charset="-78"/>
               </a:rPr>
               <a:t>بلوک های کمی وجود دارد </a:t>
             </a:r>
@@ -14882,6 +15226,7 @@
               </a:solidFill>
               <a:effectLst/>
               <a:latin typeface="Roboto" panose="02000000000000000000" pitchFamily="2" charset="0"/>
+              <a:cs typeface="B Nazanin" panose="00000400000000000000" pitchFamily="2" charset="-78"/>
             </a:endParaRPr>
           </a:p>
           <a:p>
@@ -14896,6 +15241,7 @@
                 </a:solidFill>
                 <a:effectLst/>
                 <a:latin typeface="Roboto" panose="02000000000000000000" pitchFamily="2" charset="0"/>
+                <a:cs typeface="B Nazanin" panose="00000400000000000000" pitchFamily="2" charset="-78"/>
               </a:rPr>
               <a:t>رقابت برای بلوک ها افزایش می یابد</a:t>
             </a:r>
@@ -14905,6 +15251,7 @@
               </a:solidFill>
               <a:effectLst/>
               <a:latin typeface="Roboto" panose="02000000000000000000" pitchFamily="2" charset="0"/>
+              <a:cs typeface="B Nazanin" panose="00000400000000000000" pitchFamily="2" charset="-78"/>
             </a:endParaRPr>
           </a:p>
           <a:p>
@@ -14919,6 +15266,7 @@
                 </a:solidFill>
                 <a:effectLst/>
                 <a:latin typeface="Roboto" panose="02000000000000000000" pitchFamily="2" charset="0"/>
+                <a:cs typeface="B Nazanin" panose="00000400000000000000" pitchFamily="2" charset="-78"/>
               </a:rPr>
               <a:t>بلوک‌ها قبل از دسترسی به بیشتر کلماتشان خارج می‌شوند (ترش کردن در حافظه پنهان)</a:t>
             </a:r>
@@ -15006,10 +15354,13 @@
                   <a:srgbClr val="2A1A00"/>
                 </a:solidFill>
                 <a:latin typeface="Impact" panose="020B0806030902050204" pitchFamily="34" charset="0"/>
+                <a:cs typeface="B Nazanin" panose="00000400000000000000" pitchFamily="2" charset="-78"/>
               </a:rPr>
               <a:t>DIRECT MAPPED CACHE: TAKING ADVANTAGE OF SPATIAL LOCALITY </a:t>
             </a:r>
-            <a:endParaRPr lang="en-US" dirty="0"/>
+            <a:endParaRPr lang="en-US" dirty="0">
+              <a:cs typeface="B Nazanin" panose="00000400000000000000" pitchFamily="2" charset="-78"/>
+            </a:endParaRPr>
           </a:p>
         </p:txBody>
       </p:sp>
@@ -15027,8 +15378,8 @@
         </p:nvSpPr>
         <p:spPr>
           <a:xfrm>
-            <a:off x="88638" y="636316"/>
-            <a:ext cx="4576669" cy="2585323"/>
+            <a:off x="35298" y="636316"/>
+            <a:ext cx="4513375" cy="2585323"/>
           </a:xfrm>
           <a:prstGeom prst="rect">
             <a:avLst/>
@@ -15047,6 +15398,7 @@
                 <a:srgbClr val="000000"/>
               </a:solidFill>
               <a:latin typeface="Arial" panose="020B0604020202020204" pitchFamily="34" charset="0"/>
+              <a:cs typeface="B Nazanin" panose="00000400000000000000" pitchFamily="2" charset="-78"/>
             </a:endParaRPr>
           </a:p>
           <a:p>
@@ -15056,6 +15408,7 @@
                   <a:srgbClr val="2A1A00"/>
                 </a:solidFill>
                 <a:latin typeface="Arial" panose="020B0604020202020204" pitchFamily="34" charset="0"/>
+                <a:cs typeface="B Nazanin" panose="00000400000000000000" pitchFamily="2" charset="-78"/>
               </a:rPr>
               <a:t>• </a:t>
             </a:r>
@@ -15065,6 +15418,7 @@
                   <a:srgbClr val="585858"/>
                 </a:solidFill>
                 <a:latin typeface="Gill Sans MT" panose="020B0502020104020203" pitchFamily="34" charset="0"/>
+                <a:cs typeface="B Nazanin" panose="00000400000000000000" pitchFamily="2" charset="-78"/>
               </a:rPr>
               <a:t>Miss rate falls at first with increasing block size as expected, but, as block size becomes a large fraction of total cache size, miss rate may go up because </a:t>
             </a:r>
@@ -15076,6 +15430,7 @@
                   <a:srgbClr val="2A1A00"/>
                 </a:solidFill>
                 <a:latin typeface="Gill Sans MT" panose="020B0502020104020203" pitchFamily="34" charset="0"/>
+                <a:cs typeface="B Nazanin" panose="00000400000000000000" pitchFamily="2" charset="-78"/>
               </a:rPr>
               <a:t>– there are few blocks </a:t>
             </a:r>
@@ -15087,6 +15442,7 @@
                   <a:srgbClr val="2A1A00"/>
                 </a:solidFill>
                 <a:latin typeface="Gill Sans MT" panose="020B0502020104020203" pitchFamily="34" charset="0"/>
+                <a:cs typeface="B Nazanin" panose="00000400000000000000" pitchFamily="2" charset="-78"/>
               </a:rPr>
               <a:t>– competition for blocks increases </a:t>
             </a:r>
@@ -15098,6 +15454,7 @@
                   <a:srgbClr val="2A1A00"/>
                 </a:solidFill>
                 <a:latin typeface="Gill Sans MT" panose="020B0502020104020203" pitchFamily="34" charset="0"/>
+                <a:cs typeface="B Nazanin" panose="00000400000000000000" pitchFamily="2" charset="-78"/>
               </a:rPr>
               <a:t>– </a:t>
             </a:r>
@@ -15107,6 +15464,7 @@
                   <a:srgbClr val="585858"/>
                 </a:solidFill>
                 <a:latin typeface="Gill Sans MT" panose="020B0502020104020203" pitchFamily="34" charset="0"/>
+                <a:cs typeface="B Nazanin" panose="00000400000000000000" pitchFamily="2" charset="-78"/>
               </a:rPr>
               <a:t>blocks get ejected before most of their words are accessed (</a:t>
             </a:r>
@@ -15116,6 +15474,7 @@
                   <a:srgbClr val="585858"/>
                 </a:solidFill>
                 <a:latin typeface="Gill Sans MT" panose="020B0502020104020203" pitchFamily="34" charset="0"/>
+                <a:cs typeface="B Nazanin" panose="00000400000000000000" pitchFamily="2" charset="-78"/>
               </a:rPr>
               <a:t>thrashing </a:t>
             </a:r>
@@ -15125,6 +15484,7 @@
                   <a:srgbClr val="585858"/>
                 </a:solidFill>
                 <a:latin typeface="Gill Sans MT" panose="020B0502020104020203" pitchFamily="34" charset="0"/>
+                <a:cs typeface="B Nazanin" panose="00000400000000000000" pitchFamily="2" charset="-78"/>
               </a:rPr>
               <a:t>in cache) </a:t>
             </a:r>
@@ -16161,6 +16521,7 @@
                 </a:solidFill>
                 <a:effectLst/>
                 <a:latin typeface="Roboto" panose="02000000000000000000" pitchFamily="2" charset="0"/>
+                <a:cs typeface="B Nazanin" panose="00000400000000000000" pitchFamily="2" charset="-78"/>
               </a:rPr>
               <a:t>از حافظه پنهان برای دستورالعمل ها و داده ها استفاده کنید زیرا مکان مکانی بیشتری در مراجع دستورالعمل وجود دارد:</a:t>
             </a:r>
@@ -16248,6 +16609,7 @@
                   <a:srgbClr val="2A1A00"/>
                 </a:solidFill>
                 <a:latin typeface="Impact" panose="020B0806030902050204" pitchFamily="34" charset="0"/>
+                <a:cs typeface="B Nazanin" panose="00000400000000000000" pitchFamily="2" charset="-78"/>
               </a:rPr>
               <a:t>IMPROVING CACHE PERFORMANCE</a:t>
             </a:r>
@@ -16256,6 +16618,7 @@
                 <a:srgbClr val="2A1A00"/>
               </a:solidFill>
               <a:latin typeface="Impact" panose="020B0806030902050204" pitchFamily="34" charset="0"/>
+              <a:cs typeface="B Nazanin" panose="00000400000000000000" pitchFamily="2" charset="-78"/>
             </a:endParaRPr>
           </a:p>
           <a:p>
@@ -16266,10 +16629,13 @@
                   <a:srgbClr val="2A1A00"/>
                 </a:solidFill>
                 <a:latin typeface="Impact" panose="020B0806030902050204" pitchFamily="34" charset="0"/>
+                <a:cs typeface="B Nazanin" panose="00000400000000000000" pitchFamily="2" charset="-78"/>
               </a:rPr>
               <a:t>بهبود عملکرد حافظه کوتاه مدت</a:t>
             </a:r>
-            <a:endParaRPr lang="en-US" dirty="0"/>
+            <a:endParaRPr lang="en-US" dirty="0">
+              <a:cs typeface="B Nazanin" panose="00000400000000000000" pitchFamily="2" charset="-78"/>
+            </a:endParaRPr>
           </a:p>
         </p:txBody>
       </p:sp>
@@ -16307,6 +16673,7 @@
                 <a:srgbClr val="000000"/>
               </a:solidFill>
               <a:latin typeface="Gill Sans MT" panose="020B0502020104020203" pitchFamily="34" charset="0"/>
+              <a:cs typeface="B Nazanin" panose="00000400000000000000" pitchFamily="2" charset="-78"/>
             </a:endParaRPr>
           </a:p>
           <a:p>
@@ -16316,6 +16683,7 @@
                   <a:srgbClr val="585858"/>
                 </a:solidFill>
                 <a:latin typeface="Gill Sans MT" panose="020B0502020104020203" pitchFamily="34" charset="0"/>
+                <a:cs typeface="B Nazanin" panose="00000400000000000000" pitchFamily="2" charset="-78"/>
               </a:rPr>
               <a:t>Use split caches for instruction and data because there is more spatial locality in instruction references:</a:t>
             </a:r>
@@ -16386,6 +16754,7 @@
                   <a:srgbClr val="000000"/>
                 </a:solidFill>
                 <a:latin typeface="Tahoma" panose="020B0604030504040204" pitchFamily="34" charset="0"/>
+                <a:cs typeface="B Nazanin" panose="00000400000000000000" pitchFamily="2" charset="-78"/>
               </a:rPr>
               <a:t>Miss rates for </a:t>
             </a:r>
@@ -16395,6 +16764,7 @@
                   <a:srgbClr val="000000"/>
                 </a:solidFill>
                 <a:latin typeface="Tahoma" panose="020B0604030504040204" pitchFamily="34" charset="0"/>
+                <a:cs typeface="B Nazanin" panose="00000400000000000000" pitchFamily="2" charset="-78"/>
               </a:rPr>
               <a:t>gcc</a:t>
             </a:r>
@@ -16404,6 +16774,7 @@
                   <a:srgbClr val="000000"/>
                 </a:solidFill>
                 <a:latin typeface="Tahoma" panose="020B0604030504040204" pitchFamily="34" charset="0"/>
+                <a:cs typeface="B Nazanin" panose="00000400000000000000" pitchFamily="2" charset="-78"/>
               </a:rPr>
               <a:t> and spice in a MIPS R2000 </a:t>
             </a:r>
@@ -16412,6 +16783,7 @@
                 <a:srgbClr val="000000"/>
               </a:solidFill>
               <a:latin typeface="Tahoma" panose="020B0604030504040204" pitchFamily="34" charset="0"/>
+              <a:cs typeface="B Nazanin" panose="00000400000000000000" pitchFamily="2" charset="-78"/>
             </a:endParaRPr>
           </a:p>
           <a:p>
@@ -16421,10 +16793,13 @@
                   <a:srgbClr val="000000"/>
                 </a:solidFill>
                 <a:latin typeface="Tahoma" panose="020B0604030504040204" pitchFamily="34" charset="0"/>
+                <a:cs typeface="B Nazanin" panose="00000400000000000000" pitchFamily="2" charset="-78"/>
               </a:rPr>
               <a:t>with one and four word block sizes </a:t>
             </a:r>
-            <a:endParaRPr lang="en-US" dirty="0"/>
+            <a:endParaRPr lang="en-US" dirty="0">
+              <a:cs typeface="B Nazanin" panose="00000400000000000000" pitchFamily="2" charset="-78"/>
+            </a:endParaRPr>
           </a:p>
         </p:txBody>
       </p:sp>
@@ -16473,7 +16848,7 @@
         <p:spPr>
           <a:xfrm>
             <a:off x="4478691" y="1048940"/>
-            <a:ext cx="4525347" cy="1754326"/>
+            <a:ext cx="4525347" cy="1477328"/>
           </a:xfrm>
           <a:prstGeom prst="rect">
             <a:avLst/>
@@ -16494,6 +16869,7 @@
                 </a:solidFill>
                 <a:effectLst/>
                 <a:latin typeface="Roboto" panose="02000000000000000000" pitchFamily="2" charset="0"/>
+                <a:cs typeface="B Nazanin" panose="00000400000000000000" pitchFamily="2" charset="-78"/>
               </a:rPr>
               <a:t>• فرض:</a:t>
             </a:r>
@@ -16507,6 +16883,7 @@
                 </a:solidFill>
                 <a:effectLst/>
                 <a:latin typeface="Roboto" panose="02000000000000000000" pitchFamily="2" charset="0"/>
+                <a:cs typeface="B Nazanin" panose="00000400000000000000" pitchFamily="2" charset="-78"/>
               </a:rPr>
               <a:t>– بلوک کش 4 کلمه ای</a:t>
             </a:r>
@@ -16523,6 +16900,7 @@
                 </a:solidFill>
                 <a:effectLst/>
                 <a:latin typeface="Roboto" panose="02000000000000000000" pitchFamily="2" charset="0"/>
+                <a:cs typeface="B Nazanin" panose="00000400000000000000" pitchFamily="2" charset="-78"/>
               </a:rPr>
               <a:t>1 چرخه ساعت برای ارسال آدرس به بافر آدرس حافظه 15 چرخه ساعت برای هر دسترسی به داده های حافظه</a:t>
             </a:r>
@@ -16539,6 +16917,7 @@
                 </a:solidFill>
                 <a:effectLst/>
                 <a:latin typeface="Roboto" panose="02000000000000000000" pitchFamily="2" charset="0"/>
+                <a:cs typeface="B Nazanin" panose="00000400000000000000" pitchFamily="2" charset="-78"/>
               </a:rPr>
               <a:t>1 چرخه ساعت برای ارسال داده به بافر داده حافظه</a:t>
             </a:r>
@@ -16626,6 +17005,7 @@
                   <a:srgbClr val="2A1A00"/>
                 </a:solidFill>
                 <a:latin typeface="Impact" panose="020B0806030902050204" pitchFamily="34" charset="0"/>
+                <a:cs typeface="B Nazanin" panose="00000400000000000000" pitchFamily="2" charset="-78"/>
               </a:rPr>
               <a:t>IMPROVING CACHE PERFORMANCE</a:t>
             </a:r>
@@ -16634,6 +17014,7 @@
                 <a:srgbClr val="2A1A00"/>
               </a:solidFill>
               <a:latin typeface="Impact" panose="020B0806030902050204" pitchFamily="34" charset="0"/>
+              <a:cs typeface="B Nazanin" panose="00000400000000000000" pitchFamily="2" charset="-78"/>
             </a:endParaRPr>
           </a:p>
           <a:p>
@@ -16644,10 +17025,13 @@
                   <a:srgbClr val="2A1A00"/>
                 </a:solidFill>
                 <a:latin typeface="Impact" panose="020B0806030902050204" pitchFamily="34" charset="0"/>
+                <a:cs typeface="B Nazanin" panose="00000400000000000000" pitchFamily="2" charset="-78"/>
               </a:rPr>
               <a:t>بهبود عملکرد حافظه کوتاه مدت</a:t>
             </a:r>
-            <a:endParaRPr lang="en-US" dirty="0"/>
+            <a:endParaRPr lang="en-US" dirty="0">
+              <a:cs typeface="B Nazanin" panose="00000400000000000000" pitchFamily="2" charset="-78"/>
+            </a:endParaRPr>
           </a:p>
         </p:txBody>
       </p:sp>
@@ -16685,6 +17069,7 @@
                   <a:srgbClr val="2A1A00"/>
                 </a:solidFill>
                 <a:latin typeface="Arial" panose="020B0604020202020204" pitchFamily="34" charset="0"/>
+                <a:cs typeface="B Nazanin" panose="00000400000000000000" pitchFamily="2" charset="-78"/>
               </a:rPr>
               <a:t>• Assume: </a:t>
             </a:r>
@@ -16696,6 +17081,7 @@
                   <a:srgbClr val="2A1A00"/>
                 </a:solidFill>
                 <a:latin typeface="Gill Sans MT" panose="020B0502020104020203" pitchFamily="34" charset="0"/>
+                <a:cs typeface="B Nazanin" panose="00000400000000000000" pitchFamily="2" charset="-78"/>
               </a:rPr>
               <a:t>– </a:t>
             </a:r>
@@ -16705,6 +17091,7 @@
                   <a:srgbClr val="585858"/>
                 </a:solidFill>
                 <a:latin typeface="Gill Sans MT" panose="020B0502020104020203" pitchFamily="34" charset="0"/>
+                <a:cs typeface="B Nazanin" panose="00000400000000000000" pitchFamily="2" charset="-78"/>
               </a:rPr>
               <a:t>cache block of 4 words </a:t>
             </a:r>
@@ -16716,6 +17103,7 @@
                   <a:srgbClr val="2A1A00"/>
                 </a:solidFill>
                 <a:latin typeface="Gill Sans MT" panose="020B0502020104020203" pitchFamily="34" charset="0"/>
+                <a:cs typeface="B Nazanin" panose="00000400000000000000" pitchFamily="2" charset="-78"/>
               </a:rPr>
               <a:t>– </a:t>
             </a:r>
@@ -16725,6 +17113,7 @@
                   <a:srgbClr val="585858"/>
                 </a:solidFill>
                 <a:latin typeface="Gill Sans MT" panose="020B0502020104020203" pitchFamily="34" charset="0"/>
+                <a:cs typeface="B Nazanin" panose="00000400000000000000" pitchFamily="2" charset="-78"/>
               </a:rPr>
               <a:t>1 clock cycle to send address to memory address buffer (1 bus trip) </a:t>
             </a:r>
@@ -16736,6 +17125,7 @@
                   <a:srgbClr val="2A1A00"/>
                 </a:solidFill>
                 <a:latin typeface="Gill Sans MT" panose="020B0502020104020203" pitchFamily="34" charset="0"/>
+                <a:cs typeface="B Nazanin" panose="00000400000000000000" pitchFamily="2" charset="-78"/>
               </a:rPr>
               <a:t>– 15 clock cycles for each memory data access </a:t>
             </a:r>
@@ -16747,6 +17137,7 @@
                   <a:srgbClr val="2A1A00"/>
                 </a:solidFill>
                 <a:latin typeface="Gill Sans MT" panose="020B0502020104020203" pitchFamily="34" charset="0"/>
+                <a:cs typeface="B Nazanin" panose="00000400000000000000" pitchFamily="2" charset="-78"/>
               </a:rPr>
               <a:t>– </a:t>
             </a:r>
@@ -16756,6 +17147,7 @@
                   <a:srgbClr val="585858"/>
                 </a:solidFill>
                 <a:latin typeface="Gill Sans MT" panose="020B0502020104020203" pitchFamily="34" charset="0"/>
+                <a:cs typeface="B Nazanin" panose="00000400000000000000" pitchFamily="2" charset="-78"/>
               </a:rPr>
               <a:t>1 clock cycle to send data to memory data buffer (1 bus trip) </a:t>
             </a:r>
@@ -16837,7 +17229,7 @@
         <p:spPr>
           <a:xfrm>
             <a:off x="4641984" y="1048940"/>
-            <a:ext cx="4362054" cy="2862322"/>
+            <a:ext cx="4362054" cy="2585323"/>
           </a:xfrm>
           <a:prstGeom prst="rect">
             <a:avLst/>
@@ -16858,6 +17250,7 @@
                 </a:solidFill>
                 <a:effectLst/>
                 <a:latin typeface="Roboto" panose="02000000000000000000" pitchFamily="2" charset="0"/>
+                <a:cs typeface="B Nazanin" panose="00000400000000000000" pitchFamily="2" charset="-78"/>
               </a:rPr>
               <a:t>•</a:t>
             </a:r>
@@ -16868,6 +17261,7 @@
                 </a:solidFill>
                 <a:effectLst/>
                 <a:latin typeface="Roboto" panose="02000000000000000000" pitchFamily="2" charset="0"/>
+                <a:cs typeface="B Nazanin" panose="00000400000000000000" pitchFamily="2" charset="-78"/>
               </a:rPr>
               <a:t>مدل ساده شده با فرض مساوی جریمه های اشتباه خواندن و نوشتن:</a:t>
             </a:r>
@@ -16881,6 +17275,7 @@
                 </a:solidFill>
                 <a:effectLst/>
                 <a:latin typeface="Roboto" panose="02000000000000000000" pitchFamily="2" charset="0"/>
+                <a:cs typeface="B Nazanin" panose="00000400000000000000" pitchFamily="2" charset="-78"/>
               </a:rPr>
               <a:t> -زمان</a:t>
             </a:r>
@@ -16890,6 +17285,7 @@
                   <a:srgbClr val="3C4043"/>
                 </a:solidFill>
                 <a:latin typeface="Roboto" panose="02000000000000000000" pitchFamily="2" charset="0"/>
+                <a:cs typeface="B Nazanin" panose="00000400000000000000" pitchFamily="2" charset="-78"/>
               </a:rPr>
               <a:t>CPU</a:t>
             </a:r>
@@ -16900,6 +17296,7 @@
                 </a:solidFill>
                 <a:effectLst/>
                 <a:latin typeface="Roboto" panose="02000000000000000000" pitchFamily="2" charset="0"/>
+                <a:cs typeface="B Nazanin" panose="00000400000000000000" pitchFamily="2" charset="-78"/>
               </a:rPr>
               <a:t> </a:t>
             </a:r>
@@ -16910,6 +17307,7 @@
                 </a:solidFill>
                 <a:effectLst/>
                 <a:latin typeface="Roboto" panose="02000000000000000000" pitchFamily="2" charset="0"/>
+                <a:cs typeface="B Nazanin" panose="00000400000000000000" pitchFamily="2" charset="-78"/>
               </a:rPr>
               <a:t>)= </a:t>
             </a:r>
@@ -16920,6 +17318,7 @@
                 </a:solidFill>
                 <a:effectLst/>
                 <a:latin typeface="Roboto" panose="02000000000000000000" pitchFamily="2" charset="0"/>
+                <a:cs typeface="B Nazanin" panose="00000400000000000000" pitchFamily="2" charset="-78"/>
               </a:rPr>
               <a:t>دوره های اجرا + چرخه های توقف حافظه) </a:t>
             </a:r>
@@ -16930,6 +17329,7 @@
                 </a:solidFill>
                 <a:effectLst/>
                 <a:latin typeface="Roboto" panose="02000000000000000000" pitchFamily="2" charset="0"/>
+                <a:cs typeface="B Nazanin" panose="00000400000000000000" pitchFamily="2" charset="-78"/>
               </a:rPr>
               <a:t>x </a:t>
             </a:r>
@@ -16940,6 +17340,7 @@
                 </a:solidFill>
                 <a:effectLst/>
                 <a:latin typeface="Roboto" panose="02000000000000000000" pitchFamily="2" charset="0"/>
+                <a:cs typeface="B Nazanin" panose="00000400000000000000" pitchFamily="2" charset="-78"/>
               </a:rPr>
               <a:t>زمان چرخه چرخه های توقف حافظه = دسترسی به حافظه </a:t>
             </a:r>
@@ -16950,6 +17351,7 @@
                 </a:solidFill>
                 <a:effectLst/>
                 <a:latin typeface="Roboto" panose="02000000000000000000" pitchFamily="2" charset="0"/>
+                <a:cs typeface="B Nazanin" panose="00000400000000000000" pitchFamily="2" charset="-78"/>
               </a:rPr>
               <a:t>x </a:t>
             </a:r>
@@ -16960,6 +17362,7 @@
                 </a:solidFill>
                 <a:effectLst/>
                 <a:latin typeface="Roboto" panose="02000000000000000000" pitchFamily="2" charset="0"/>
+                <a:cs typeface="B Nazanin" panose="00000400000000000000" pitchFamily="2" charset="-78"/>
               </a:rPr>
               <a:t>نرخ از دست دادن </a:t>
             </a:r>
@@ -16970,6 +17373,7 @@
                 </a:solidFill>
                 <a:effectLst/>
                 <a:latin typeface="Roboto" panose="02000000000000000000" pitchFamily="2" charset="0"/>
+                <a:cs typeface="B Nazanin" panose="00000400000000000000" pitchFamily="2" charset="-78"/>
               </a:rPr>
               <a:t>x </a:t>
             </a:r>
@@ -16980,6 +17384,7 @@
                 </a:solidFill>
                 <a:effectLst/>
                 <a:latin typeface="Roboto" panose="02000000000000000000" pitchFamily="2" charset="0"/>
+                <a:cs typeface="B Nazanin" panose="00000400000000000000" pitchFamily="2" charset="-78"/>
               </a:rPr>
               <a:t>جریمه از دست دادن بنابراین، دو راه برای بهبود عملکرد در حافظه پنهان وجود دارد: </a:t>
             </a:r>
@@ -16989,6 +17394,7 @@
               </a:solidFill>
               <a:effectLst/>
               <a:latin typeface="Roboto" panose="02000000000000000000" pitchFamily="2" charset="0"/>
+              <a:cs typeface="B Nazanin" panose="00000400000000000000" pitchFamily="2" charset="-78"/>
             </a:endParaRPr>
           </a:p>
           <a:p>
@@ -17000,6 +17406,7 @@
                 </a:solidFill>
                 <a:effectLst/>
                 <a:latin typeface="Roboto" panose="02000000000000000000" pitchFamily="2" charset="0"/>
+                <a:cs typeface="B Nazanin" panose="00000400000000000000" pitchFamily="2" charset="-78"/>
               </a:rPr>
               <a:t>-کاهش میزان از دست دادن (مجموعه-تداعی) </a:t>
             </a:r>
@@ -17009,6 +17416,7 @@
               </a:solidFill>
               <a:effectLst/>
               <a:latin typeface="Roboto" panose="02000000000000000000" pitchFamily="2" charset="0"/>
+              <a:cs typeface="B Nazanin" panose="00000400000000000000" pitchFamily="2" charset="-78"/>
             </a:endParaRPr>
           </a:p>
           <a:p>
@@ -17020,6 +17428,7 @@
                 </a:solidFill>
                 <a:effectLst/>
                 <a:latin typeface="Roboto" panose="02000000000000000000" pitchFamily="2" charset="0"/>
+                <a:cs typeface="B Nazanin" panose="00000400000000000000" pitchFamily="2" charset="-78"/>
               </a:rPr>
               <a:t>-کاهش جریمه از دست دادن (کش چندسطحی) </a:t>
             </a:r>
@@ -17029,6 +17438,7 @@
               </a:solidFill>
               <a:effectLst/>
               <a:latin typeface="Roboto" panose="02000000000000000000" pitchFamily="2" charset="0"/>
+              <a:cs typeface="B Nazanin" panose="00000400000000000000" pitchFamily="2" charset="-78"/>
             </a:endParaRPr>
           </a:p>
           <a:p>
@@ -17040,6 +17450,7 @@
                 </a:solidFill>
                 <a:effectLst/>
                 <a:latin typeface="Roboto" panose="02000000000000000000" pitchFamily="2" charset="0"/>
+                <a:cs typeface="B Nazanin" panose="00000400000000000000" pitchFamily="2" charset="-78"/>
               </a:rPr>
               <a:t>-اگر اندازه بلوک را افزایش دهیم چه اتفاقی می افتد؟</a:t>
             </a:r>
@@ -17127,6 +17538,7 @@
                   <a:srgbClr val="2A1A00"/>
                 </a:solidFill>
                 <a:latin typeface="Impact" panose="020B0806030902050204" pitchFamily="34" charset="0"/>
+                <a:cs typeface="B Nazanin" panose="00000400000000000000" pitchFamily="2" charset="-78"/>
               </a:rPr>
               <a:t>PERFORMANCE</a:t>
             </a:r>
@@ -17139,10 +17551,13 @@
                   <a:srgbClr val="2A1A00"/>
                 </a:solidFill>
                 <a:latin typeface="Impact" panose="020B0806030902050204" pitchFamily="34" charset="0"/>
+                <a:cs typeface="B Nazanin" panose="00000400000000000000" pitchFamily="2" charset="-78"/>
               </a:rPr>
               <a:t>عملکرد</a:t>
             </a:r>
-            <a:endParaRPr lang="en-US" dirty="0"/>
+            <a:endParaRPr lang="en-US" dirty="0">
+              <a:cs typeface="B Nazanin" panose="00000400000000000000" pitchFamily="2" charset="-78"/>
+            </a:endParaRPr>
           </a:p>
         </p:txBody>
       </p:sp>
@@ -17180,6 +17595,7 @@
                 <a:srgbClr val="000000"/>
               </a:solidFill>
               <a:latin typeface="Arial" panose="020B0604020202020204" pitchFamily="34" charset="0"/>
+              <a:cs typeface="B Nazanin" panose="00000400000000000000" pitchFamily="2" charset="-78"/>
             </a:endParaRPr>
           </a:p>
           <a:p>
@@ -17189,6 +17605,7 @@
                   <a:srgbClr val="2A1A00"/>
                 </a:solidFill>
                 <a:latin typeface="Arial" panose="020B0604020202020204" pitchFamily="34" charset="0"/>
+                <a:cs typeface="B Nazanin" panose="00000400000000000000" pitchFamily="2" charset="-78"/>
               </a:rPr>
               <a:t>•Simplified model assuming equal read and write miss penalties:</a:t>
             </a:r>
@@ -17200,6 +17617,7 @@
                   <a:srgbClr val="2A1A00"/>
                 </a:solidFill>
                 <a:latin typeface="Gill Sans MT" panose="020B0502020104020203" pitchFamily="34" charset="0"/>
+                <a:cs typeface="B Nazanin" panose="00000400000000000000" pitchFamily="2" charset="-78"/>
               </a:rPr>
               <a:t>–CPU time = (execution cycles + memory stall cycles) x cycle time</a:t>
             </a:r>
@@ -17211,6 +17629,7 @@
                   <a:srgbClr val="2A1A00"/>
                 </a:solidFill>
                 <a:latin typeface="Gill Sans MT" panose="020B0502020104020203" pitchFamily="34" charset="0"/>
+                <a:cs typeface="B Nazanin" panose="00000400000000000000" pitchFamily="2" charset="-78"/>
               </a:rPr>
               <a:t>–memory stall cycles = memory accesses x miss rate x miss penalty</a:t>
             </a:r>
@@ -17222,6 +17641,7 @@
                   <a:srgbClr val="2A1A00"/>
                 </a:solidFill>
                 <a:latin typeface="Arial" panose="020B0604020202020204" pitchFamily="34" charset="0"/>
+                <a:cs typeface="B Nazanin" panose="00000400000000000000" pitchFamily="2" charset="-78"/>
               </a:rPr>
               <a:t>•Therefore, two ways to improve performance in cache:</a:t>
             </a:r>
@@ -17233,6 +17653,7 @@
                   <a:srgbClr val="2A1A00"/>
                 </a:solidFill>
                 <a:latin typeface="Gill Sans MT" panose="020B0502020104020203" pitchFamily="34" charset="0"/>
+                <a:cs typeface="B Nazanin" panose="00000400000000000000" pitchFamily="2" charset="-78"/>
               </a:rPr>
               <a:t>–</a:t>
             </a:r>
@@ -17242,6 +17663,7 @@
                   <a:srgbClr val="585858"/>
                 </a:solidFill>
                 <a:latin typeface="Gill Sans MT" panose="020B0502020104020203" pitchFamily="34" charset="0"/>
+                <a:cs typeface="B Nazanin" panose="00000400000000000000" pitchFamily="2" charset="-78"/>
               </a:rPr>
               <a:t>decrease miss rate (set-associative)</a:t>
             </a:r>
@@ -17253,6 +17675,7 @@
                   <a:srgbClr val="2A1A00"/>
                 </a:solidFill>
                 <a:latin typeface="Gill Sans MT" panose="020B0502020104020203" pitchFamily="34" charset="0"/>
+                <a:cs typeface="B Nazanin" panose="00000400000000000000" pitchFamily="2" charset="-78"/>
               </a:rPr>
               <a:t>–decrease miss penalty (multilevel cache) </a:t>
             </a:r>
@@ -17264,6 +17687,7 @@
                   <a:srgbClr val="2A1A00"/>
                 </a:solidFill>
                 <a:latin typeface="Gill Sans MT" panose="020B0502020104020203" pitchFamily="34" charset="0"/>
+                <a:cs typeface="B Nazanin" panose="00000400000000000000" pitchFamily="2" charset="-78"/>
               </a:rPr>
               <a:t>–what happens if we increase block size? </a:t>
             </a:r>
@@ -17336,6 +17760,7 @@
                 </a:solidFill>
                 <a:effectLst/>
                 <a:latin typeface="Roboto" panose="02000000000000000000" pitchFamily="2" charset="0"/>
+                <a:cs typeface="B Nazanin" panose="00000400000000000000" pitchFamily="2" charset="-78"/>
               </a:rPr>
               <a:t>Translation is too long to be saved</a:t>
             </a:r>
@@ -17349,6 +17774,7 @@
                 </a:solidFill>
                 <a:effectLst/>
                 <a:latin typeface="Roboto" panose="02000000000000000000" pitchFamily="2" charset="0"/>
+                <a:cs typeface="B Nazanin" panose="00000400000000000000" pitchFamily="2" charset="-78"/>
               </a:rPr>
               <a:t>• </a:t>
             </a:r>
@@ -17359,6 +17785,7 @@
                 </a:solidFill>
                 <a:effectLst/>
                 <a:latin typeface="Roboto" panose="02000000000000000000" pitchFamily="2" charset="0"/>
+                <a:cs typeface="B Nazanin" panose="00000400000000000000" pitchFamily="2" charset="-78"/>
               </a:rPr>
               <a:t>برای یک ماشین و برنامه معین فرض کنید:</a:t>
             </a:r>
@@ -17372,6 +17799,7 @@
                 </a:solidFill>
                 <a:effectLst/>
                 <a:latin typeface="Roboto" panose="02000000000000000000" pitchFamily="2" charset="0"/>
+                <a:cs typeface="B Nazanin" panose="00000400000000000000" pitchFamily="2" charset="-78"/>
               </a:rPr>
               <a:t> – نرخ از دست دادن حافظه پنهان دستورالعمل 2%</a:t>
             </a:r>
@@ -17385,6 +17813,7 @@
                 </a:solidFill>
                 <a:effectLst/>
                 <a:latin typeface="Roboto" panose="02000000000000000000" pitchFamily="2" charset="0"/>
+                <a:cs typeface="B Nazanin" panose="00000400000000000000" pitchFamily="2" charset="-78"/>
               </a:rPr>
               <a:t> – نرخ از دست دادن حافظه پنهان داده 4% </a:t>
             </a:r>
@@ -17397,6 +17826,7 @@
                   <a:srgbClr val="3C4043"/>
                 </a:solidFill>
                 <a:latin typeface="Roboto" panose="02000000000000000000" pitchFamily="2" charset="0"/>
+                <a:cs typeface="B Nazanin" panose="00000400000000000000" pitchFamily="2" charset="-78"/>
               </a:rPr>
               <a:t>  </a:t>
             </a:r>
@@ -17407,6 +17837,7 @@
                 </a:solidFill>
                 <a:effectLst/>
                 <a:latin typeface="Roboto" panose="02000000000000000000" pitchFamily="2" charset="0"/>
+                <a:cs typeface="B Nazanin" panose="00000400000000000000" pitchFamily="2" charset="-78"/>
               </a:rPr>
               <a:t>- از دست دادن پنالتی همیشه 40 سیکل </a:t>
             </a:r>
@@ -17419,6 +17850,7 @@
                   <a:srgbClr val="3C4043"/>
                 </a:solidFill>
                 <a:latin typeface="Roboto" panose="02000000000000000000" pitchFamily="2" charset="0"/>
+                <a:cs typeface="B Nazanin" panose="00000400000000000000" pitchFamily="2" charset="-78"/>
               </a:rPr>
               <a:t>  </a:t>
             </a:r>
@@ -17429,6 +17861,7 @@
                 </a:solidFill>
                 <a:effectLst/>
                 <a:latin typeface="Roboto" panose="02000000000000000000" pitchFamily="2" charset="0"/>
+                <a:cs typeface="B Nazanin" panose="00000400000000000000" pitchFamily="2" charset="-78"/>
               </a:rPr>
               <a:t>-</a:t>
             </a:r>
@@ -17439,6 +17872,7 @@
                 </a:solidFill>
                 <a:effectLst/>
                 <a:latin typeface="Roboto" panose="02000000000000000000" pitchFamily="2" charset="0"/>
+                <a:cs typeface="B Nazanin" panose="00000400000000000000" pitchFamily="2" charset="-78"/>
               </a:rPr>
               <a:t>CPI 2 </a:t>
             </a:r>
@@ -17449,6 +17883,7 @@
                 </a:solidFill>
                 <a:effectLst/>
                 <a:latin typeface="Roboto" panose="02000000000000000000" pitchFamily="2" charset="0"/>
+                <a:cs typeface="B Nazanin" panose="00000400000000000000" pitchFamily="2" charset="-78"/>
               </a:rPr>
               <a:t>بدون توقف حافظه </a:t>
             </a:r>
@@ -17461,6 +17896,7 @@
                   <a:srgbClr val="3C4043"/>
                 </a:solidFill>
                 <a:latin typeface="Roboto" panose="02000000000000000000" pitchFamily="2" charset="0"/>
+                <a:cs typeface="B Nazanin" panose="00000400000000000000" pitchFamily="2" charset="-78"/>
               </a:rPr>
               <a:t>  </a:t>
             </a:r>
@@ -17471,6 +17907,7 @@
                 </a:solidFill>
                 <a:effectLst/>
                 <a:latin typeface="Roboto" panose="02000000000000000000" pitchFamily="2" charset="0"/>
+                <a:cs typeface="B Nazanin" panose="00000400000000000000" pitchFamily="2" charset="-78"/>
               </a:rPr>
               <a:t>- فرکانس بار / ذخیره 36٪ دستورالعمل</a:t>
             </a:r>
@@ -17486,6 +17923,7 @@
                 </a:solidFill>
                 <a:effectLst/>
                 <a:latin typeface="Roboto" panose="02000000000000000000" pitchFamily="2" charset="0"/>
+                <a:cs typeface="B Nazanin" panose="00000400000000000000" pitchFamily="2" charset="-78"/>
               </a:rPr>
               <a:t>ماشینی با حافظه نهان کامل که هرگز از دست نمی‌دهد چقدر سریع‌تر است؟</a:t>
             </a:r>
@@ -17501,6 +17939,7 @@
                 </a:solidFill>
                 <a:effectLst/>
                 <a:latin typeface="Roboto" panose="02000000000000000000" pitchFamily="2" charset="0"/>
+                <a:cs typeface="B Nazanin" panose="00000400000000000000" pitchFamily="2" charset="-78"/>
               </a:rPr>
               <a:t>اگر سرعت دستگاه را با کاهش </a:t>
             </a:r>
@@ -17511,6 +17950,7 @@
                 </a:solidFill>
                 <a:effectLst/>
                 <a:latin typeface="Roboto" panose="02000000000000000000" pitchFamily="2" charset="0"/>
+                <a:cs typeface="B Nazanin" panose="00000400000000000000" pitchFamily="2" charset="-78"/>
               </a:rPr>
               <a:t>CPI </a:t>
             </a:r>
@@ -17521,6 +17961,7 @@
                 </a:solidFill>
                 <a:effectLst/>
                 <a:latin typeface="Roboto" panose="02000000000000000000" pitchFamily="2" charset="0"/>
+                <a:cs typeface="B Nazanin" panose="00000400000000000000" pitchFamily="2" charset="-78"/>
               </a:rPr>
               <a:t>به 1 بدون تغییر نرخ ساعت افزایش دهیم، چه اتفاقی می افتد؟ </a:t>
             </a:r>
@@ -17536,6 +17977,7 @@
                 </a:solidFill>
                 <a:effectLst/>
                 <a:latin typeface="Roboto" panose="02000000000000000000" pitchFamily="2" charset="0"/>
+                <a:cs typeface="B Nazanin" panose="00000400000000000000" pitchFamily="2" charset="-78"/>
               </a:rPr>
               <a:t>اگر سرعت دستگاه را با دوبرابر کردن سرعت ساعت آن افزایش دهیم، اما اگر زمان مطلق پنالتی از دست رفته ثابت بماند، چه اتفاقی می‌افتد؟</a:t>
             </a:r>
@@ -17623,10 +18065,13 @@
                   <a:srgbClr val="2A1A00"/>
                 </a:solidFill>
                 <a:latin typeface="Impact" panose="020B0806030902050204" pitchFamily="34" charset="0"/>
+                <a:cs typeface="B Nazanin" panose="00000400000000000000" pitchFamily="2" charset="-78"/>
               </a:rPr>
               <a:t>EXAMPLE PROBLEMS</a:t>
             </a:r>
-            <a:endParaRPr lang="en-US" dirty="0"/>
+            <a:endParaRPr lang="en-US" dirty="0">
+              <a:cs typeface="B Nazanin" panose="00000400000000000000" pitchFamily="2" charset="-78"/>
+            </a:endParaRPr>
           </a:p>
         </p:txBody>
       </p:sp>
@@ -17664,6 +18109,7 @@
                 <a:srgbClr val="000000"/>
               </a:solidFill>
               <a:latin typeface="Arial" panose="020B0604020202020204" pitchFamily="34" charset="0"/>
+              <a:cs typeface="B Nazanin" panose="00000400000000000000" pitchFamily="2" charset="-78"/>
             </a:endParaRPr>
           </a:p>
           <a:p>
@@ -17673,6 +18119,7 @@
                   <a:srgbClr val="2A1A00"/>
                 </a:solidFill>
                 <a:latin typeface="Arial" panose="020B0604020202020204" pitchFamily="34" charset="0"/>
+                <a:cs typeface="B Nazanin" panose="00000400000000000000" pitchFamily="2" charset="-78"/>
               </a:rPr>
               <a:t>•Assume for a given machine and program:</a:t>
             </a:r>
@@ -17684,6 +18131,7 @@
                   <a:srgbClr val="2A1A00"/>
                 </a:solidFill>
                 <a:latin typeface="Gill Sans MT" panose="020B0502020104020203" pitchFamily="34" charset="0"/>
+                <a:cs typeface="B Nazanin" panose="00000400000000000000" pitchFamily="2" charset="-78"/>
               </a:rPr>
               <a:t>–instruction cache miss rate 2%</a:t>
             </a:r>
@@ -17695,6 +18143,7 @@
                   <a:srgbClr val="2A1A00"/>
                 </a:solidFill>
                 <a:latin typeface="Gill Sans MT" panose="020B0502020104020203" pitchFamily="34" charset="0"/>
+                <a:cs typeface="B Nazanin" panose="00000400000000000000" pitchFamily="2" charset="-78"/>
               </a:rPr>
               <a:t>–data cache miss rate 4%</a:t>
             </a:r>
@@ -17706,6 +18155,7 @@
                   <a:srgbClr val="2A1A00"/>
                 </a:solidFill>
                 <a:latin typeface="Gill Sans MT" panose="020B0502020104020203" pitchFamily="34" charset="0"/>
+                <a:cs typeface="B Nazanin" panose="00000400000000000000" pitchFamily="2" charset="-78"/>
               </a:rPr>
               <a:t>–miss penalty always 40 cycles</a:t>
             </a:r>
@@ -17717,6 +18167,7 @@
                   <a:srgbClr val="2A1A00"/>
                 </a:solidFill>
                 <a:latin typeface="Gill Sans MT" panose="020B0502020104020203" pitchFamily="34" charset="0"/>
+                <a:cs typeface="B Nazanin" panose="00000400000000000000" pitchFamily="2" charset="-78"/>
               </a:rPr>
               <a:t>–</a:t>
             </a:r>
@@ -17726,6 +18177,7 @@
                   <a:srgbClr val="585858"/>
                 </a:solidFill>
                 <a:latin typeface="Gill Sans MT" panose="020B0502020104020203" pitchFamily="34" charset="0"/>
+                <a:cs typeface="B Nazanin" panose="00000400000000000000" pitchFamily="2" charset="-78"/>
               </a:rPr>
               <a:t>CPI of 2 without memory stalls</a:t>
             </a:r>
@@ -17737,6 +18189,7 @@
                   <a:srgbClr val="2A1A00"/>
                 </a:solidFill>
                 <a:latin typeface="Gill Sans MT" panose="020B0502020104020203" pitchFamily="34" charset="0"/>
+                <a:cs typeface="B Nazanin" panose="00000400000000000000" pitchFamily="2" charset="-78"/>
               </a:rPr>
               <a:t>–</a:t>
             </a:r>
@@ -17746,6 +18199,7 @@
                   <a:srgbClr val="585858"/>
                 </a:solidFill>
                 <a:latin typeface="Gill Sans MT" panose="020B0502020104020203" pitchFamily="34" charset="0"/>
+                <a:cs typeface="B Nazanin" panose="00000400000000000000" pitchFamily="2" charset="-78"/>
               </a:rPr>
               <a:t>frequency of load/stores 36% of instructions</a:t>
             </a:r>
@@ -17757,6 +18211,7 @@
                   <a:srgbClr val="2A1A00"/>
                 </a:solidFill>
                 <a:latin typeface="Times New Roman" panose="02020603050405020304" pitchFamily="18" charset="0"/>
+                <a:cs typeface="B Nazanin" panose="00000400000000000000" pitchFamily="2" charset="-78"/>
               </a:rPr>
               <a:t>1.How much faster is a machine with a perfect cache that never misses?</a:t>
             </a:r>
@@ -17765,6 +18220,7 @@
                 <a:srgbClr val="2A1A00"/>
               </a:solidFill>
               <a:latin typeface="Times New Roman" panose="02020603050405020304" pitchFamily="18" charset="0"/>
+              <a:cs typeface="B Nazanin" panose="00000400000000000000" pitchFamily="2" charset="-78"/>
             </a:endParaRPr>
           </a:p>
           <a:p>
@@ -17774,6 +18230,7 @@
                   <a:srgbClr val="2A1A00"/>
                 </a:solidFill>
                 <a:latin typeface="Times New Roman" panose="02020603050405020304" pitchFamily="18" charset="0"/>
+                <a:cs typeface="B Nazanin" panose="00000400000000000000" pitchFamily="2" charset="-78"/>
               </a:rPr>
               <a:t>2.</a:t>
             </a:r>
@@ -17783,6 +18240,7 @@
                   <a:srgbClr val="585858"/>
                 </a:solidFill>
                 <a:latin typeface="Times New Roman" panose="02020603050405020304" pitchFamily="18" charset="0"/>
+                <a:cs typeface="B Nazanin" panose="00000400000000000000" pitchFamily="2" charset="-78"/>
               </a:rPr>
               <a:t>What happens if we speed up the machine by reducing its CPI to 1 without changing the clock rate?</a:t>
             </a:r>
@@ -17791,6 +18249,7 @@
                 <a:srgbClr val="585858"/>
               </a:solidFill>
               <a:latin typeface="Times New Roman" panose="02020603050405020304" pitchFamily="18" charset="0"/>
+              <a:cs typeface="B Nazanin" panose="00000400000000000000" pitchFamily="2" charset="-78"/>
             </a:endParaRPr>
           </a:p>
           <a:p>
@@ -17800,6 +18259,7 @@
                   <a:srgbClr val="2A1A00"/>
                 </a:solidFill>
                 <a:latin typeface="Times New Roman" panose="02020603050405020304" pitchFamily="18" charset="0"/>
+                <a:cs typeface="B Nazanin" panose="00000400000000000000" pitchFamily="2" charset="-78"/>
               </a:rPr>
               <a:t>3.</a:t>
             </a:r>
@@ -17809,6 +18269,7 @@
                   <a:srgbClr val="585858"/>
                 </a:solidFill>
                 <a:latin typeface="Times New Roman" panose="02020603050405020304" pitchFamily="18" charset="0"/>
+                <a:cs typeface="B Nazanin" panose="00000400000000000000" pitchFamily="2" charset="-78"/>
               </a:rPr>
               <a:t>What happens if we speed up the machine by doubling its clock rate, but if the absolute time for a miss penalty remains same? </a:t>
             </a:r>
@@ -17817,6 +18278,7 @@
                 <a:srgbClr val="585858"/>
               </a:solidFill>
               <a:latin typeface="Times New Roman" panose="02020603050405020304" pitchFamily="18" charset="0"/>
+              <a:cs typeface="B Nazanin" panose="00000400000000000000" pitchFamily="2" charset="-78"/>
             </a:endParaRPr>
           </a:p>
         </p:txBody>
@@ -17887,6 +18349,7 @@
                 </a:solidFill>
                 <a:effectLst/>
                 <a:latin typeface="Roboto" panose="02000000000000000000" pitchFamily="2" charset="0"/>
+                <a:cs typeface="B Nazanin" panose="00000400000000000000" pitchFamily="2" charset="-78"/>
               </a:rPr>
               <a:t>•</a:t>
             </a:r>
@@ -17897,6 +18360,7 @@
                 </a:solidFill>
                 <a:effectLst/>
                 <a:latin typeface="Roboto" panose="02000000000000000000" pitchFamily="2" charset="0"/>
+                <a:cs typeface="B Nazanin" panose="00000400000000000000" pitchFamily="2" charset="-78"/>
               </a:rPr>
               <a:t>تعداد دستورات را فرض کنید = </a:t>
             </a:r>
@@ -17907,6 +18371,7 @@
                 </a:solidFill>
                 <a:effectLst/>
                 <a:latin typeface="Roboto" panose="02000000000000000000" pitchFamily="2" charset="0"/>
+                <a:cs typeface="B Nazanin" panose="00000400000000000000" pitchFamily="2" charset="-78"/>
               </a:rPr>
               <a:t>I </a:t>
             </a:r>
@@ -17920,6 +18385,7 @@
                 </a:solidFill>
                 <a:effectLst/>
                 <a:latin typeface="Roboto" panose="02000000000000000000" pitchFamily="2" charset="0"/>
+                <a:cs typeface="B Nazanin" panose="00000400000000000000" pitchFamily="2" charset="-78"/>
               </a:rPr>
               <a:t>چرخه‌های اشتباه دستورالعمل = </a:t>
             </a:r>
@@ -17930,6 +18396,7 @@
                 </a:solidFill>
                 <a:effectLst/>
                 <a:latin typeface="Roboto" panose="02000000000000000000" pitchFamily="2" charset="0"/>
+                <a:cs typeface="B Nazanin" panose="00000400000000000000" pitchFamily="2" charset="-78"/>
               </a:rPr>
               <a:t>I *2% 40 = 0.8 *I </a:t>
             </a:r>
@@ -17940,6 +18407,7 @@
                 </a:solidFill>
                 <a:effectLst/>
                 <a:latin typeface="Roboto" panose="02000000000000000000" pitchFamily="2" charset="0"/>
+                <a:cs typeface="B Nazanin" panose="00000400000000000000" pitchFamily="2" charset="-78"/>
               </a:rPr>
               <a:t>چرخه های از دست دادن داده = </a:t>
             </a:r>
@@ -17950,6 +18418,7 @@
                 </a:solidFill>
                 <a:effectLst/>
                 <a:latin typeface="Roboto" panose="02000000000000000000" pitchFamily="2" charset="0"/>
+                <a:cs typeface="B Nazanin" panose="00000400000000000000" pitchFamily="2" charset="-78"/>
               </a:rPr>
               <a:t>I *36% *4% *40 = 0.576 I </a:t>
             </a:r>
@@ -17960,6 +18429,7 @@
                 </a:solidFill>
                 <a:effectLst/>
                 <a:latin typeface="Roboto" panose="02000000000000000000" pitchFamily="2" charset="0"/>
+                <a:cs typeface="B Nazanin" panose="00000400000000000000" pitchFamily="2" charset="-78"/>
               </a:rPr>
               <a:t>بنابراین، کل چرخه های توقف حافظه = 0.8 </a:t>
             </a:r>
@@ -17970,6 +18440,7 @@
                 </a:solidFill>
                 <a:effectLst/>
                 <a:latin typeface="Roboto" panose="02000000000000000000" pitchFamily="2" charset="0"/>
+                <a:cs typeface="B Nazanin" panose="00000400000000000000" pitchFamily="2" charset="-78"/>
               </a:rPr>
               <a:t>I + 0.576 *I = 1.376I </a:t>
             </a:r>
@@ -17980,6 +18451,7 @@
                 </a:solidFill>
                 <a:effectLst/>
                 <a:latin typeface="Roboto" panose="02000000000000000000" pitchFamily="2" charset="0"/>
+                <a:cs typeface="B Nazanin" panose="00000400000000000000" pitchFamily="2" charset="-78"/>
               </a:rPr>
               <a:t>به عبارت دیگر، 1.376 چرخه استال در هر دستورالعمل بنابراین، </a:t>
             </a:r>
@@ -17990,6 +18462,7 @@
                 </a:solidFill>
                 <a:effectLst/>
                 <a:latin typeface="Roboto" panose="02000000000000000000" pitchFamily="2" charset="0"/>
+                <a:cs typeface="B Nazanin" panose="00000400000000000000" pitchFamily="2" charset="-78"/>
               </a:rPr>
               <a:t>CPI </a:t>
             </a:r>
@@ -18000,6 +18473,7 @@
                 </a:solidFill>
                 <a:effectLst/>
                 <a:latin typeface="Roboto" panose="02000000000000000000" pitchFamily="2" charset="0"/>
+                <a:cs typeface="B Nazanin" panose="00000400000000000000" pitchFamily="2" charset="-78"/>
               </a:rPr>
               <a:t>با توقف حافظه = 2 + 1.376 = 3.376 </a:t>
             </a:r>
@@ -18009,6 +18483,7 @@
               </a:solidFill>
               <a:effectLst/>
               <a:latin typeface="Roboto" panose="02000000000000000000" pitchFamily="2" charset="0"/>
+              <a:cs typeface="B Nazanin" panose="00000400000000000000" pitchFamily="2" charset="-78"/>
             </a:endParaRPr>
           </a:p>
           <a:p>
@@ -18020,6 +18495,7 @@
                 </a:solidFill>
                 <a:effectLst/>
                 <a:latin typeface="Roboto" panose="02000000000000000000" pitchFamily="2" charset="0"/>
+                <a:cs typeface="B Nazanin" panose="00000400000000000000" pitchFamily="2" charset="-78"/>
               </a:rPr>
               <a:t>•با فرض اینکه تعداد دستورات و نرخ ساعت برای یک حافظه پنهان کامل و حافظه پنهانی که از دست می‌دهد یکسان باقی می‌مانند: زمان </a:t>
             </a:r>
@@ -18030,6 +18506,7 @@
                 </a:solidFill>
                 <a:effectLst/>
                 <a:latin typeface="Roboto" panose="02000000000000000000" pitchFamily="2" charset="0"/>
+                <a:cs typeface="B Nazanin" panose="00000400000000000000" pitchFamily="2" charset="-78"/>
               </a:rPr>
               <a:t>CPU </a:t>
             </a:r>
@@ -18040,6 +18517,7 @@
                 </a:solidFill>
                 <a:effectLst/>
                 <a:latin typeface="Roboto" panose="02000000000000000000" pitchFamily="2" charset="0"/>
+                <a:cs typeface="B Nazanin" panose="00000400000000000000" pitchFamily="2" charset="-78"/>
               </a:rPr>
               <a:t>با </a:t>
             </a:r>
@@ -18050,6 +18528,7 @@
                 </a:solidFill>
                 <a:effectLst/>
                 <a:latin typeface="Roboto" panose="02000000000000000000" pitchFamily="2" charset="0"/>
+                <a:cs typeface="B Nazanin" panose="00000400000000000000" pitchFamily="2" charset="-78"/>
               </a:rPr>
               <a:t>Stall / </a:t>
             </a:r>
@@ -18060,6 +18539,7 @@
                 </a:solidFill>
                 <a:effectLst/>
                 <a:latin typeface="Roboto" panose="02000000000000000000" pitchFamily="2" charset="0"/>
+                <a:cs typeface="B Nazanin" panose="00000400000000000000" pitchFamily="2" charset="-78"/>
               </a:rPr>
               <a:t>زمان </a:t>
             </a:r>
@@ -18070,6 +18550,7 @@
                 </a:solidFill>
                 <a:effectLst/>
                 <a:latin typeface="Roboto" panose="02000000000000000000" pitchFamily="2" charset="0"/>
+                <a:cs typeface="B Nazanin" panose="00000400000000000000" pitchFamily="2" charset="-78"/>
               </a:rPr>
               <a:t>CPU </a:t>
             </a:r>
@@ -18080,6 +18561,7 @@
                 </a:solidFill>
                 <a:effectLst/>
                 <a:latin typeface="Roboto" panose="02000000000000000000" pitchFamily="2" charset="0"/>
+                <a:cs typeface="B Nazanin" panose="00000400000000000000" pitchFamily="2" charset="-78"/>
               </a:rPr>
               <a:t>با کش کامل = 3.376 / 2 = 1.688 </a:t>
             </a:r>
@@ -18089,6 +18571,7 @@
               </a:solidFill>
               <a:effectLst/>
               <a:latin typeface="Roboto" panose="02000000000000000000" pitchFamily="2" charset="0"/>
+              <a:cs typeface="B Nazanin" panose="00000400000000000000" pitchFamily="2" charset="-78"/>
             </a:endParaRPr>
           </a:p>
           <a:p>
@@ -18100,6 +18583,7 @@
                 </a:solidFill>
                 <a:effectLst/>
                 <a:latin typeface="Roboto" panose="02000000000000000000" pitchFamily="2" charset="0"/>
+                <a:cs typeface="B Nazanin" panose="00000400000000000000" pitchFamily="2" charset="-78"/>
               </a:rPr>
               <a:t>•عملکرد با کش کامل با ضریب 1.688 بهتر است</a:t>
             </a:r>
@@ -18187,10 +18671,13 @@
                   <a:srgbClr val="2A1A00"/>
                 </a:solidFill>
                 <a:latin typeface="Impact" panose="020B0806030902050204" pitchFamily="34" charset="0"/>
+                <a:cs typeface="B Nazanin" panose="00000400000000000000" pitchFamily="2" charset="-78"/>
               </a:rPr>
               <a:t>SOLUTION</a:t>
             </a:r>
-            <a:endParaRPr lang="en-US" dirty="0"/>
+            <a:endParaRPr lang="en-US" dirty="0">
+              <a:cs typeface="B Nazanin" panose="00000400000000000000" pitchFamily="2" charset="-78"/>
+            </a:endParaRPr>
           </a:p>
         </p:txBody>
       </p:sp>
@@ -18228,6 +18715,7 @@
                   <a:srgbClr val="2A1A00"/>
                 </a:solidFill>
                 <a:latin typeface="Arial" panose="020B0604020202020204" pitchFamily="34" charset="0"/>
+                <a:cs typeface="B Nazanin" panose="00000400000000000000" pitchFamily="2" charset="-78"/>
               </a:rPr>
               <a:t>•Assume instruction count = I</a:t>
             </a:r>
@@ -18239,6 +18727,7 @@
                   <a:srgbClr val="2A1A00"/>
                 </a:solidFill>
                 <a:latin typeface="Arial" panose="020B0604020202020204" pitchFamily="34" charset="0"/>
+                <a:cs typeface="B Nazanin" panose="00000400000000000000" pitchFamily="2" charset="-78"/>
               </a:rPr>
               <a:t>•Instruction miss cycles = I *2% *40 = 0.8 *I</a:t>
             </a:r>
@@ -18250,6 +18739,7 @@
                   <a:srgbClr val="2A1A00"/>
                 </a:solidFill>
                 <a:latin typeface="Arial" panose="020B0604020202020204" pitchFamily="34" charset="0"/>
+                <a:cs typeface="B Nazanin" panose="00000400000000000000" pitchFamily="2" charset="-78"/>
               </a:rPr>
               <a:t>•Data miss cycles = I *36% *4% *40 = 0.576 *I</a:t>
             </a:r>
@@ -18261,6 +18751,7 @@
                   <a:srgbClr val="2A1A00"/>
                 </a:solidFill>
                 <a:latin typeface="Arial" panose="020B0604020202020204" pitchFamily="34" charset="0"/>
+                <a:cs typeface="B Nazanin" panose="00000400000000000000" pitchFamily="2" charset="-78"/>
               </a:rPr>
               <a:t>•</a:t>
             </a:r>
@@ -18270,6 +18761,7 @@
                   <a:srgbClr val="585858"/>
                 </a:solidFill>
                 <a:latin typeface="Gill Sans MT" panose="020B0502020104020203" pitchFamily="34" charset="0"/>
+                <a:cs typeface="B Nazanin" panose="00000400000000000000" pitchFamily="2" charset="-78"/>
               </a:rPr>
               <a:t>So, total memory-stall cycles = 0.8 *I + 0.576 *I = 1.376*I</a:t>
             </a:r>
@@ -18281,6 +18773,7 @@
                   <a:srgbClr val="2A1A00"/>
                 </a:solidFill>
                 <a:latin typeface="Gill Sans MT" panose="020B0502020104020203" pitchFamily="34" charset="0"/>
+                <a:cs typeface="B Nazanin" panose="00000400000000000000" pitchFamily="2" charset="-78"/>
               </a:rPr>
               <a:t>–</a:t>
             </a:r>
@@ -18290,6 +18783,7 @@
                   <a:srgbClr val="585858"/>
                 </a:solidFill>
                 <a:latin typeface="Gill Sans MT" panose="020B0502020104020203" pitchFamily="34" charset="0"/>
+                <a:cs typeface="B Nazanin" panose="00000400000000000000" pitchFamily="2" charset="-78"/>
               </a:rPr>
               <a:t>in other words, 1.376 stall cycles per instruction</a:t>
             </a:r>
@@ -18301,6 +18795,7 @@
                   <a:srgbClr val="2A1A00"/>
                 </a:solidFill>
                 <a:latin typeface="Arial" panose="020B0604020202020204" pitchFamily="34" charset="0"/>
+                <a:cs typeface="B Nazanin" panose="00000400000000000000" pitchFamily="2" charset="-78"/>
               </a:rPr>
               <a:t>•</a:t>
             </a:r>
@@ -18310,6 +18805,7 @@
                   <a:srgbClr val="585858"/>
                 </a:solidFill>
                 <a:latin typeface="Gill Sans MT" panose="020B0502020104020203" pitchFamily="34" charset="0"/>
+                <a:cs typeface="B Nazanin" panose="00000400000000000000" pitchFamily="2" charset="-78"/>
               </a:rPr>
               <a:t>Therefore, CPI with memory stalls = 2 + 1.376 = 3.376</a:t>
             </a:r>
@@ -18321,6 +18817,7 @@
                   <a:srgbClr val="2A1A00"/>
                 </a:solidFill>
                 <a:latin typeface="Arial" panose="020B0604020202020204" pitchFamily="34" charset="0"/>
+                <a:cs typeface="B Nazanin" panose="00000400000000000000" pitchFamily="2" charset="-78"/>
               </a:rPr>
               <a:t>•</a:t>
             </a:r>
@@ -18330,6 +18827,7 @@
                   <a:srgbClr val="585858"/>
                 </a:solidFill>
                 <a:latin typeface="Gill Sans MT" panose="020B0502020104020203" pitchFamily="34" charset="0"/>
+                <a:cs typeface="B Nazanin" panose="00000400000000000000" pitchFamily="2" charset="-78"/>
               </a:rPr>
               <a:t>Assuming instruction count and clock rate remain same for a perfect cache and a cache that misses:</a:t>
             </a:r>
@@ -18340,6 +18838,7 @@
                 <a:srgbClr val="585858"/>
               </a:solidFill>
               <a:latin typeface="Gill Sans MT" panose="020B0502020104020203" pitchFamily="34" charset="0"/>
+              <a:cs typeface="B Nazanin" panose="00000400000000000000" pitchFamily="2" charset="-78"/>
             </a:endParaRPr>
           </a:p>
           <a:p>
@@ -18349,6 +18848,7 @@
                   <a:srgbClr val="585858"/>
                 </a:solidFill>
                 <a:latin typeface="Gill Sans MT" panose="020B0502020104020203" pitchFamily="34" charset="0"/>
+                <a:cs typeface="B Nazanin" panose="00000400000000000000" pitchFamily="2" charset="-78"/>
               </a:rPr>
               <a:t>CPU time with stalls / CPU time with perfect cache</a:t>
             </a:r>
@@ -18360,6 +18860,7 @@
                   <a:srgbClr val="585858"/>
                 </a:solidFill>
                 <a:latin typeface="Gill Sans MT" panose="020B0502020104020203" pitchFamily="34" charset="0"/>
+                <a:cs typeface="B Nazanin" panose="00000400000000000000" pitchFamily="2" charset="-78"/>
               </a:rPr>
               <a:t>= 3.376 / 2 = 1.688</a:t>
             </a:r>
@@ -18371,6 +18872,7 @@
                   <a:srgbClr val="2A1A00"/>
                 </a:solidFill>
                 <a:latin typeface="Arial" panose="020B0604020202020204" pitchFamily="34" charset="0"/>
+                <a:cs typeface="B Nazanin" panose="00000400000000000000" pitchFamily="2" charset="-78"/>
               </a:rPr>
               <a:t>•Performance with a perfect cache is better by a factor of 1.688 </a:t>
             </a:r>
@@ -18918,6 +19420,7 @@
                 </a:solidFill>
                 <a:effectLst/>
                 <a:latin typeface="Roboto" panose="02000000000000000000" pitchFamily="2" charset="0"/>
+                <a:cs typeface="B Nazanin" panose="00000400000000000000" pitchFamily="2" charset="-78"/>
               </a:rPr>
               <a:t>• نقشه برداری مستقیم: یک مکان کش منحصر به فرد برای هر بلوک حافظه</a:t>
             </a:r>
@@ -18931,6 +19434,7 @@
                 </a:solidFill>
                 <a:effectLst/>
                 <a:latin typeface="Roboto" panose="02000000000000000000" pitchFamily="2" charset="0"/>
+                <a:cs typeface="B Nazanin" panose="00000400000000000000" pitchFamily="2" charset="-78"/>
               </a:rPr>
               <a:t>-آدرس بلوک کش = آدرس بلوک حافظه اندازه مود کش</a:t>
             </a:r>
@@ -18944,6 +19448,7 @@
                 </a:solidFill>
                 <a:effectLst/>
                 <a:latin typeface="Roboto" panose="02000000000000000000" pitchFamily="2" charset="0"/>
+                <a:cs typeface="B Nazanin" panose="00000400000000000000" pitchFamily="2" charset="-78"/>
               </a:rPr>
               <a:t>• کاملاً ارتباطی: هر بلوک حافظه می تواند هر جایی را در حافظه پنهان قرار دهد</a:t>
             </a:r>
@@ -18957,6 +19462,7 @@
                 </a:solidFill>
                 <a:effectLst/>
                 <a:latin typeface="Roboto" panose="02000000000000000000" pitchFamily="2" charset="0"/>
+                <a:cs typeface="B Nazanin" panose="00000400000000000000" pitchFamily="2" charset="-78"/>
               </a:rPr>
               <a:t>- ورودی های حافظه پنهان (به صورت موازی) برای تعیین مکان بلوک جستجو می شوند</a:t>
             </a:r>
@@ -18970,6 +19476,7 @@
                 </a:solidFill>
                 <a:effectLst/>
                 <a:latin typeface="Roboto" panose="02000000000000000000" pitchFamily="2" charset="0"/>
+                <a:cs typeface="B Nazanin" panose="00000400000000000000" pitchFamily="2" charset="-78"/>
               </a:rPr>
               <a:t>• </a:t>
             </a:r>
@@ -18980,6 +19487,7 @@
                 </a:solidFill>
                 <a:effectLst/>
                 <a:latin typeface="Roboto" panose="02000000000000000000" pitchFamily="2" charset="0"/>
+                <a:cs typeface="B Nazanin" panose="00000400000000000000" pitchFamily="2" charset="-78"/>
               </a:rPr>
               <a:t>Set associative: </a:t>
             </a:r>
@@ -18990,6 +19498,7 @@
                 </a:solidFill>
                 <a:effectLst/>
                 <a:latin typeface="Roboto" panose="02000000000000000000" pitchFamily="2" charset="0"/>
+                <a:cs typeface="B Nazanin" panose="00000400000000000000" pitchFamily="2" charset="-78"/>
               </a:rPr>
               <a:t>هر بلوک حافظه می تواند در یک مجموعه از مکان های کش منحصر به فرد قرار گیرد - اگر مجموعه به اندازه </a:t>
             </a:r>
@@ -19000,6 +19509,7 @@
                 </a:solidFill>
                 <a:effectLst/>
                 <a:latin typeface="Roboto" panose="02000000000000000000" pitchFamily="2" charset="0"/>
+                <a:cs typeface="B Nazanin" panose="00000400000000000000" pitchFamily="2" charset="-78"/>
               </a:rPr>
               <a:t>n </a:t>
             </a:r>
@@ -19010,6 +19520,7 @@
                 </a:solidFill>
                 <a:effectLst/>
                 <a:latin typeface="Roboto" panose="02000000000000000000" pitchFamily="2" charset="0"/>
+                <a:cs typeface="B Nazanin" panose="00000400000000000000" pitchFamily="2" charset="-78"/>
               </a:rPr>
               <a:t>باشد، </a:t>
             </a:r>
@@ -19020,6 +19531,7 @@
                 </a:solidFill>
                 <a:effectLst/>
                 <a:latin typeface="Roboto" panose="02000000000000000000" pitchFamily="2" charset="0"/>
+                <a:cs typeface="B Nazanin" panose="00000400000000000000" pitchFamily="2" charset="-78"/>
               </a:rPr>
               <a:t>n-way set-associative </a:t>
             </a:r>
@@ -19030,6 +19542,7 @@
                 </a:solidFill>
                 <a:effectLst/>
                 <a:latin typeface="Roboto" panose="02000000000000000000" pitchFamily="2" charset="0"/>
+                <a:cs typeface="B Nazanin" panose="00000400000000000000" pitchFamily="2" charset="-78"/>
               </a:rPr>
               <a:t>است.</a:t>
             </a:r>
@@ -19043,6 +19556,7 @@
                 </a:solidFill>
                 <a:effectLst/>
                 <a:latin typeface="Roboto" panose="02000000000000000000" pitchFamily="2" charset="0"/>
+                <a:cs typeface="B Nazanin" panose="00000400000000000000" pitchFamily="2" charset="-78"/>
               </a:rPr>
               <a:t>-آدرس مجموعه کش = آدرس بلوک حافظه تعداد مجموعه های موجود در کش</a:t>
             </a:r>
@@ -19056,6 +19570,7 @@
                 </a:solidFill>
                 <a:effectLst/>
                 <a:latin typeface="Roboto" panose="02000000000000000000" pitchFamily="2" charset="0"/>
+                <a:cs typeface="B Nazanin" panose="00000400000000000000" pitchFamily="2" charset="-78"/>
               </a:rPr>
               <a:t>- تمام ورودی های کش در مجموعه مربوطه جستجو می شوند (به صورت موازی) برای تعیین محل بلوک</a:t>
             </a:r>
@@ -19069,6 +19584,7 @@
                 </a:solidFill>
                 <a:effectLst/>
                 <a:latin typeface="Roboto" panose="02000000000000000000" pitchFamily="2" charset="0"/>
+                <a:cs typeface="B Nazanin" panose="00000400000000000000" pitchFamily="2" charset="-78"/>
               </a:rPr>
               <a:t>•افزایش درجه انجمنی</a:t>
             </a:r>
@@ -19082,6 +19598,7 @@
                 </a:solidFill>
                 <a:effectLst/>
                 <a:latin typeface="Roboto" panose="02000000000000000000" pitchFamily="2" charset="0"/>
+                <a:cs typeface="B Nazanin" panose="00000400000000000000" pitchFamily="2" charset="-78"/>
               </a:rPr>
               <a:t>- میزان از دست دادن را کاهش می دهد</a:t>
             </a:r>
@@ -19095,6 +19612,7 @@
                 </a:solidFill>
                 <a:effectLst/>
                 <a:latin typeface="Roboto" panose="02000000000000000000" pitchFamily="2" charset="0"/>
+                <a:cs typeface="B Nazanin" panose="00000400000000000000" pitchFamily="2" charset="-78"/>
               </a:rPr>
               <a:t>-زمان ضربه را به دلیل جستجوی موازی افزایش می دهد و سپس واکشی می کند</a:t>
             </a:r>
@@ -19182,10 +19700,13 @@
                   <a:srgbClr val="2A1A00"/>
                 </a:solidFill>
                 <a:latin typeface="Impact" panose="020B0806030902050204" pitchFamily="34" charset="0"/>
+                <a:cs typeface="B Nazanin" panose="00000400000000000000" pitchFamily="2" charset="-78"/>
               </a:rPr>
               <a:t>DECREASING MISS RATES WITH ASSOCIATIVE BLOCK PLACEMENT </a:t>
             </a:r>
-            <a:endParaRPr lang="en-US" dirty="0"/>
+            <a:endParaRPr lang="en-US" dirty="0">
+              <a:cs typeface="B Nazanin" panose="00000400000000000000" pitchFamily="2" charset="-78"/>
+            </a:endParaRPr>
           </a:p>
         </p:txBody>
       </p:sp>
@@ -19223,6 +19744,7 @@
                   <a:srgbClr val="2A1A00"/>
                 </a:solidFill>
                 <a:latin typeface="Arial" panose="020B0604020202020204" pitchFamily="34" charset="0"/>
+                <a:cs typeface="B Nazanin" panose="00000400000000000000" pitchFamily="2" charset="-78"/>
               </a:rPr>
               <a:t>•</a:t>
             </a:r>
@@ -19232,6 +19754,7 @@
                   <a:srgbClr val="646A58"/>
                 </a:solidFill>
                 <a:latin typeface="Gill Sans MT" panose="020B0502020104020203" pitchFamily="34" charset="0"/>
+                <a:cs typeface="B Nazanin" panose="00000400000000000000" pitchFamily="2" charset="-78"/>
               </a:rPr>
               <a:t>Direct mapped</a:t>
             </a:r>
@@ -19241,6 +19764,7 @@
                   <a:srgbClr val="585858"/>
                 </a:solidFill>
                 <a:latin typeface="Gill Sans MT" panose="020B0502020104020203" pitchFamily="34" charset="0"/>
+                <a:cs typeface="B Nazanin" panose="00000400000000000000" pitchFamily="2" charset="-78"/>
               </a:rPr>
               <a:t>: one </a:t>
             </a:r>
@@ -19250,6 +19774,7 @@
                   <a:srgbClr val="585858"/>
                 </a:solidFill>
                 <a:latin typeface="Gill Sans MT" panose="020B0502020104020203" pitchFamily="34" charset="0"/>
+                <a:cs typeface="B Nazanin" panose="00000400000000000000" pitchFamily="2" charset="-78"/>
               </a:rPr>
               <a:t>unique</a:t>
             </a:r>
@@ -19259,6 +19784,7 @@
                   <a:srgbClr val="585858"/>
                 </a:solidFill>
                 <a:latin typeface="Gill Sans MT" panose="020B0502020104020203" pitchFamily="34" charset="0"/>
+                <a:cs typeface="B Nazanin" panose="00000400000000000000" pitchFamily="2" charset="-78"/>
               </a:rPr>
               <a:t>cache</a:t>
             </a:r>
@@ -19268,6 +19794,7 @@
                   <a:srgbClr val="585858"/>
                 </a:solidFill>
                 <a:latin typeface="Gill Sans MT" panose="020B0502020104020203" pitchFamily="34" charset="0"/>
+                <a:cs typeface="B Nazanin" panose="00000400000000000000" pitchFamily="2" charset="-78"/>
               </a:rPr>
               <a:t> location for each memory block</a:t>
             </a:r>
@@ -19279,6 +19806,7 @@
                   <a:srgbClr val="2A1A00"/>
                 </a:solidFill>
                 <a:latin typeface="Gill Sans MT" panose="020B0502020104020203" pitchFamily="34" charset="0"/>
+                <a:cs typeface="B Nazanin" panose="00000400000000000000" pitchFamily="2" charset="-78"/>
               </a:rPr>
               <a:t>–</a:t>
             </a:r>
@@ -19288,6 +19816,7 @@
                   <a:srgbClr val="585858"/>
                 </a:solidFill>
                 <a:latin typeface="Gill Sans MT" panose="020B0502020104020203" pitchFamily="34" charset="0"/>
+                <a:cs typeface="B Nazanin" panose="00000400000000000000" pitchFamily="2" charset="-78"/>
               </a:rPr>
               <a:t>cache block address = memory block address </a:t>
             </a:r>
@@ -19297,6 +19826,7 @@
                   <a:srgbClr val="585858"/>
                 </a:solidFill>
                 <a:latin typeface="Gill Sans MT" panose="020B0502020104020203" pitchFamily="34" charset="0"/>
+                <a:cs typeface="B Nazanin" panose="00000400000000000000" pitchFamily="2" charset="-78"/>
               </a:rPr>
               <a:t>mod</a:t>
             </a:r>
@@ -19306,6 +19836,7 @@
                   <a:srgbClr val="585858"/>
                 </a:solidFill>
                 <a:latin typeface="Gill Sans MT" panose="020B0502020104020203" pitchFamily="34" charset="0"/>
+                <a:cs typeface="B Nazanin" panose="00000400000000000000" pitchFamily="2" charset="-78"/>
               </a:rPr>
               <a:t>cache</a:t>
             </a:r>
@@ -19315,6 +19846,7 @@
                   <a:srgbClr val="585858"/>
                 </a:solidFill>
                 <a:latin typeface="Gill Sans MT" panose="020B0502020104020203" pitchFamily="34" charset="0"/>
+                <a:cs typeface="B Nazanin" panose="00000400000000000000" pitchFamily="2" charset="-78"/>
               </a:rPr>
               <a:t> size </a:t>
             </a:r>
@@ -19326,6 +19858,7 @@
                   <a:srgbClr val="2A1A00"/>
                 </a:solidFill>
                 <a:latin typeface="Arial" panose="020B0604020202020204" pitchFamily="34" charset="0"/>
+                <a:cs typeface="B Nazanin" panose="00000400000000000000" pitchFamily="2" charset="-78"/>
               </a:rPr>
               <a:t>•</a:t>
             </a:r>
@@ -19335,6 +19868,7 @@
                   <a:srgbClr val="646A58"/>
                 </a:solidFill>
                 <a:latin typeface="Gill Sans MT" panose="020B0502020104020203" pitchFamily="34" charset="0"/>
+                <a:cs typeface="B Nazanin" panose="00000400000000000000" pitchFamily="2" charset="-78"/>
               </a:rPr>
               <a:t>Fully associative</a:t>
             </a:r>
@@ -19344,6 +19878,7 @@
                   <a:srgbClr val="585858"/>
                 </a:solidFill>
                 <a:latin typeface="Gill Sans MT" panose="020B0502020104020203" pitchFamily="34" charset="0"/>
+                <a:cs typeface="B Nazanin" panose="00000400000000000000" pitchFamily="2" charset="-78"/>
               </a:rPr>
               <a:t>: each memory block can locate </a:t>
             </a:r>
@@ -19353,6 +19888,7 @@
                   <a:srgbClr val="585858"/>
                 </a:solidFill>
                 <a:latin typeface="Gill Sans MT" panose="020B0502020104020203" pitchFamily="34" charset="0"/>
+                <a:cs typeface="B Nazanin" panose="00000400000000000000" pitchFamily="2" charset="-78"/>
               </a:rPr>
               <a:t>anywhere</a:t>
             </a:r>
@@ -19362,6 +19898,7 @@
                   <a:srgbClr val="585858"/>
                 </a:solidFill>
                 <a:latin typeface="Gill Sans MT" panose="020B0502020104020203" pitchFamily="34" charset="0"/>
+                <a:cs typeface="B Nazanin" panose="00000400000000000000" pitchFamily="2" charset="-78"/>
               </a:rPr>
               <a:t>in</a:t>
             </a:r>
@@ -19371,6 +19908,7 @@
                   <a:srgbClr val="585858"/>
                 </a:solidFill>
                 <a:latin typeface="Gill Sans MT" panose="020B0502020104020203" pitchFamily="34" charset="0"/>
+                <a:cs typeface="B Nazanin" panose="00000400000000000000" pitchFamily="2" charset="-78"/>
               </a:rPr>
               <a:t> cache</a:t>
             </a:r>
@@ -19382,6 +19920,7 @@
                   <a:srgbClr val="2A1A00"/>
                 </a:solidFill>
                 <a:latin typeface="Gill Sans MT" panose="020B0502020104020203" pitchFamily="34" charset="0"/>
+                <a:cs typeface="B Nazanin" panose="00000400000000000000" pitchFamily="2" charset="-78"/>
               </a:rPr>
               <a:t>–</a:t>
             </a:r>
@@ -19391,6 +19930,7 @@
                   <a:srgbClr val="2A1A00"/>
                 </a:solidFill>
                 <a:latin typeface="Gill Sans MT" panose="020B0502020104020203" pitchFamily="34" charset="0"/>
+                <a:cs typeface="B Nazanin" panose="00000400000000000000" pitchFamily="2" charset="-78"/>
               </a:rPr>
               <a:t>allcache</a:t>
             </a:r>
@@ -19400,6 +19940,7 @@
                   <a:srgbClr val="2A1A00"/>
                 </a:solidFill>
                 <a:latin typeface="Gill Sans MT" panose="020B0502020104020203" pitchFamily="34" charset="0"/>
+                <a:cs typeface="B Nazanin" panose="00000400000000000000" pitchFamily="2" charset="-78"/>
               </a:rPr>
               <a:t> entries are searched (in parallel) to locate block</a:t>
             </a:r>
@@ -19411,6 +19952,7 @@
                   <a:srgbClr val="2A1A00"/>
                 </a:solidFill>
                 <a:latin typeface="Arial" panose="020B0604020202020204" pitchFamily="34" charset="0"/>
+                <a:cs typeface="B Nazanin" panose="00000400000000000000" pitchFamily="2" charset="-78"/>
               </a:rPr>
               <a:t>•</a:t>
             </a:r>
@@ -19420,6 +19962,7 @@
                   <a:srgbClr val="646A58"/>
                 </a:solidFill>
                 <a:latin typeface="Gill Sans MT" panose="020B0502020104020203" pitchFamily="34" charset="0"/>
+                <a:cs typeface="B Nazanin" panose="00000400000000000000" pitchFamily="2" charset="-78"/>
               </a:rPr>
               <a:t>Set associative</a:t>
             </a:r>
@@ -19429,6 +19972,7 @@
                   <a:srgbClr val="585858"/>
                 </a:solidFill>
                 <a:latin typeface="Gill Sans MT" panose="020B0502020104020203" pitchFamily="34" charset="0"/>
+                <a:cs typeface="B Nazanin" panose="00000400000000000000" pitchFamily="2" charset="-78"/>
               </a:rPr>
               <a:t>: each memory block can place in a </a:t>
             </a:r>
@@ -19438,6 +19982,7 @@
                   <a:srgbClr val="585858"/>
                 </a:solidFill>
                 <a:latin typeface="Gill Sans MT" panose="020B0502020104020203" pitchFamily="34" charset="0"/>
+                <a:cs typeface="B Nazanin" panose="00000400000000000000" pitchFamily="2" charset="-78"/>
               </a:rPr>
               <a:t>unique </a:t>
             </a:r>
@@ -19447,6 +19992,7 @@
                   <a:srgbClr val="585858"/>
                 </a:solidFill>
                 <a:latin typeface="Gill Sans MT" panose="020B0502020104020203" pitchFamily="34" charset="0"/>
+                <a:cs typeface="B Nazanin" panose="00000400000000000000" pitchFamily="2" charset="-78"/>
               </a:rPr>
               <a:t>set</a:t>
             </a:r>
@@ -19456,6 +20002,7 @@
                   <a:srgbClr val="585858"/>
                 </a:solidFill>
                 <a:latin typeface="Gill Sans MT" panose="020B0502020104020203" pitchFamily="34" charset="0"/>
+                <a:cs typeface="B Nazanin" panose="00000400000000000000" pitchFamily="2" charset="-78"/>
               </a:rPr>
               <a:t>of</a:t>
             </a:r>
@@ -19465,6 +20012,7 @@
                   <a:srgbClr val="585858"/>
                 </a:solidFill>
                 <a:latin typeface="Gill Sans MT" panose="020B0502020104020203" pitchFamily="34" charset="0"/>
+                <a:cs typeface="B Nazanin" panose="00000400000000000000" pitchFamily="2" charset="-78"/>
               </a:rPr>
               <a:t> cache locations –if the set is of size n it is n-way set-associative</a:t>
             </a:r>
@@ -19476,6 +20024,7 @@
                   <a:srgbClr val="2A1A00"/>
                 </a:solidFill>
                 <a:latin typeface="Gill Sans MT" panose="020B0502020104020203" pitchFamily="34" charset="0"/>
+                <a:cs typeface="B Nazanin" panose="00000400000000000000" pitchFamily="2" charset="-78"/>
               </a:rPr>
               <a:t>–</a:t>
             </a:r>
@@ -19485,6 +20034,7 @@
                   <a:srgbClr val="585858"/>
                 </a:solidFill>
                 <a:latin typeface="Gill Sans MT" panose="020B0502020104020203" pitchFamily="34" charset="0"/>
+                <a:cs typeface="B Nazanin" panose="00000400000000000000" pitchFamily="2" charset="-78"/>
               </a:rPr>
               <a:t>cache set address = memory block address </a:t>
             </a:r>
@@ -19494,6 +20044,7 @@
                   <a:srgbClr val="585858"/>
                 </a:solidFill>
                 <a:latin typeface="Gill Sans MT" panose="020B0502020104020203" pitchFamily="34" charset="0"/>
+                <a:cs typeface="B Nazanin" panose="00000400000000000000" pitchFamily="2" charset="-78"/>
               </a:rPr>
               <a:t>mod</a:t>
             </a:r>
@@ -19503,6 +20054,7 @@
                   <a:srgbClr val="585858"/>
                 </a:solidFill>
                 <a:latin typeface="Gill Sans MT" panose="020B0502020104020203" pitchFamily="34" charset="0"/>
+                <a:cs typeface="B Nazanin" panose="00000400000000000000" pitchFamily="2" charset="-78"/>
               </a:rPr>
               <a:t>number</a:t>
             </a:r>
@@ -19512,6 +20064,7 @@
                   <a:srgbClr val="585858"/>
                 </a:solidFill>
                 <a:latin typeface="Gill Sans MT" panose="020B0502020104020203" pitchFamily="34" charset="0"/>
+                <a:cs typeface="B Nazanin" panose="00000400000000000000" pitchFamily="2" charset="-78"/>
               </a:rPr>
               <a:t> of sets in cache</a:t>
             </a:r>
@@ -19523,6 +20076,7 @@
                   <a:srgbClr val="2A1A00"/>
                 </a:solidFill>
                 <a:latin typeface="Gill Sans MT" panose="020B0502020104020203" pitchFamily="34" charset="0"/>
+                <a:cs typeface="B Nazanin" panose="00000400000000000000" pitchFamily="2" charset="-78"/>
               </a:rPr>
               <a:t>–</a:t>
             </a:r>
@@ -19532,6 +20086,7 @@
                   <a:srgbClr val="585858"/>
                 </a:solidFill>
                 <a:latin typeface="Gill Sans MT" panose="020B0502020104020203" pitchFamily="34" charset="0"/>
+                <a:cs typeface="B Nazanin" panose="00000400000000000000" pitchFamily="2" charset="-78"/>
               </a:rPr>
               <a:t>all cache entries in the corresponding set are searched (</a:t>
             </a:r>
@@ -19541,6 +20096,7 @@
                   <a:srgbClr val="585858"/>
                 </a:solidFill>
                 <a:latin typeface="Gill Sans MT" panose="020B0502020104020203" pitchFamily="34" charset="0"/>
+                <a:cs typeface="B Nazanin" panose="00000400000000000000" pitchFamily="2" charset="-78"/>
               </a:rPr>
               <a:t>in parallel</a:t>
             </a:r>
@@ -19550,6 +20106,7 @@
                   <a:srgbClr val="585858"/>
                 </a:solidFill>
                 <a:latin typeface="Gill Sans MT" panose="020B0502020104020203" pitchFamily="34" charset="0"/>
+                <a:cs typeface="B Nazanin" panose="00000400000000000000" pitchFamily="2" charset="-78"/>
               </a:rPr>
               <a:t>) to locate block</a:t>
             </a:r>
@@ -19561,6 +20118,7 @@
                   <a:srgbClr val="2A1A00"/>
                 </a:solidFill>
                 <a:latin typeface="Arial" panose="020B0604020202020204" pitchFamily="34" charset="0"/>
+                <a:cs typeface="B Nazanin" panose="00000400000000000000" pitchFamily="2" charset="-78"/>
               </a:rPr>
               <a:t>•Increasing degree of associativity</a:t>
             </a:r>
@@ -19572,6 +20130,7 @@
                   <a:srgbClr val="2A1A00"/>
                 </a:solidFill>
                 <a:latin typeface="Gill Sans MT" panose="020B0502020104020203" pitchFamily="34" charset="0"/>
+                <a:cs typeface="B Nazanin" panose="00000400000000000000" pitchFamily="2" charset="-78"/>
               </a:rPr>
               <a:t>–reduces miss rate</a:t>
             </a:r>
@@ -19583,6 +20142,7 @@
                   <a:srgbClr val="2A1A00"/>
                 </a:solidFill>
                 <a:latin typeface="Gill Sans MT" panose="020B0502020104020203" pitchFamily="34" charset="0"/>
+                <a:cs typeface="B Nazanin" panose="00000400000000000000" pitchFamily="2" charset="-78"/>
               </a:rPr>
               <a:t>–</a:t>
             </a:r>
@@ -19592,6 +20152,7 @@
                   <a:srgbClr val="585858"/>
                 </a:solidFill>
                 <a:latin typeface="Gill Sans MT" panose="020B0502020104020203" pitchFamily="34" charset="0"/>
+                <a:cs typeface="B Nazanin" panose="00000400000000000000" pitchFamily="2" charset="-78"/>
               </a:rPr>
               <a:t>increases hit </a:t>
             </a:r>
@@ -19601,6 +20162,7 @@
                   <a:srgbClr val="585858"/>
                 </a:solidFill>
                 <a:latin typeface="Gill Sans MT" panose="020B0502020104020203" pitchFamily="34" charset="0"/>
+                <a:cs typeface="B Nazanin" panose="00000400000000000000" pitchFamily="2" charset="-78"/>
               </a:rPr>
               <a:t>time</a:t>
             </a:r>
@@ -19610,6 +20172,7 @@
                   <a:srgbClr val="585858"/>
                 </a:solidFill>
                 <a:latin typeface="Gill Sans MT" panose="020B0502020104020203" pitchFamily="34" charset="0"/>
+                <a:cs typeface="B Nazanin" panose="00000400000000000000" pitchFamily="2" charset="-78"/>
               </a:rPr>
               <a:t>because</a:t>
             </a:r>
@@ -19619,6 +20182,7 @@
                   <a:srgbClr val="585858"/>
                 </a:solidFill>
                 <a:latin typeface="Gill Sans MT" panose="020B0502020104020203" pitchFamily="34" charset="0"/>
+                <a:cs typeface="B Nazanin" panose="00000400000000000000" pitchFamily="2" charset="-78"/>
               </a:rPr>
               <a:t> of the parallel search and then fetch</a:t>
             </a:r>
@@ -19690,10 +20254,13 @@
                   <a:srgbClr val="2A1A00"/>
                 </a:solidFill>
                 <a:latin typeface="Impact" panose="020B0806030902050204" pitchFamily="34" charset="0"/>
+                <a:cs typeface="B Nazanin" panose="00000400000000000000" pitchFamily="2" charset="-78"/>
               </a:rPr>
               <a:t>DECREASING MISS RATES WITH ASSOCIATIVE BLOCK PLACEMENT </a:t>
             </a:r>
-            <a:endParaRPr lang="en-US" dirty="0"/>
+            <a:endParaRPr lang="en-US" dirty="0">
+              <a:cs typeface="B Nazanin" panose="00000400000000000000" pitchFamily="2" charset="-78"/>
+            </a:endParaRPr>
           </a:p>
         </p:txBody>
       </p:sp>
@@ -19761,6 +20328,7 @@
                   <a:srgbClr val="000000"/>
                 </a:solidFill>
                 <a:latin typeface="Tahoma" panose="020B0604030504040204" pitchFamily="34" charset="0"/>
+                <a:cs typeface="B Nazanin" panose="00000400000000000000" pitchFamily="2" charset="-78"/>
               </a:rPr>
               <a:t>Location of a memory block with address 12 in a cache with 8 blocks </a:t>
             </a:r>
@@ -19772,10 +20340,13 @@
                   <a:srgbClr val="000000"/>
                 </a:solidFill>
                 <a:latin typeface="Tahoma" panose="020B0604030504040204" pitchFamily="34" charset="0"/>
+                <a:cs typeface="B Nazanin" panose="00000400000000000000" pitchFamily="2" charset="-78"/>
               </a:rPr>
               <a:t>with different degrees of associativity </a:t>
             </a:r>
-            <a:endParaRPr lang="en-US" dirty="0"/>
+            <a:endParaRPr lang="en-US" dirty="0">
+              <a:cs typeface="B Nazanin" panose="00000400000000000000" pitchFamily="2" charset="-78"/>
+            </a:endParaRPr>
           </a:p>
         </p:txBody>
       </p:sp>
@@ -19815,6 +20386,7 @@
                 </a:solidFill>
                 <a:effectLst/>
                 <a:latin typeface="Roboto" panose="02000000000000000000" pitchFamily="2" charset="0"/>
+                <a:cs typeface="B Nazanin" panose="00000400000000000000" pitchFamily="2" charset="-78"/>
               </a:rPr>
               <a:t>محل یک بلوک حافظه با آدرس 12 در یک کش با 8 بلوک با درجات مختلف انجمن</a:t>
             </a:r>
@@ -19886,10 +20458,13 @@
                   <a:srgbClr val="2A1A00"/>
                 </a:solidFill>
                 <a:latin typeface="Impact" panose="020B0806030902050204" pitchFamily="34" charset="0"/>
+                <a:cs typeface="B Nazanin" panose="00000400000000000000" pitchFamily="2" charset="-78"/>
               </a:rPr>
               <a:t>DECREASING MISS RATES WITH ASSOCIATIVE BLOCK PLACEMENT </a:t>
             </a:r>
-            <a:endParaRPr lang="en-US" dirty="0"/>
+            <a:endParaRPr lang="en-US" dirty="0">
+              <a:cs typeface="B Nazanin" panose="00000400000000000000" pitchFamily="2" charset="-78"/>
+            </a:endParaRPr>
           </a:p>
         </p:txBody>
       </p:sp>
@@ -19927,10 +20502,13 @@
                   <a:srgbClr val="000000"/>
                 </a:solidFill>
                 <a:latin typeface="Tahoma" panose="020B0604030504040204" pitchFamily="34" charset="0"/>
+                <a:cs typeface="B Nazanin" panose="00000400000000000000" pitchFamily="2" charset="-78"/>
               </a:rPr>
               <a:t>Configurations of an 8-block cache with different degrees of associativity </a:t>
             </a:r>
-            <a:endParaRPr lang="en-US" dirty="0"/>
+            <a:endParaRPr lang="en-US" dirty="0">
+              <a:cs typeface="B Nazanin" panose="00000400000000000000" pitchFamily="2" charset="-78"/>
+            </a:endParaRPr>
           </a:p>
         </p:txBody>
       </p:sp>
@@ -19970,6 +20548,7 @@
                 </a:solidFill>
                 <a:effectLst/>
                 <a:latin typeface="Roboto" panose="02000000000000000000" pitchFamily="2" charset="0"/>
+                <a:cs typeface="B Nazanin" panose="00000400000000000000" pitchFamily="2" charset="-78"/>
               </a:rPr>
               <a:t>پیکربندی یک کش 8 بلوکی با درجات مختلف ارتباط</a:t>
             </a:r>
@@ -20072,6 +20651,7 @@
                 </a:solidFill>
                 <a:effectLst/>
                 <a:latin typeface="Roboto" panose="02000000000000000000" pitchFamily="2" charset="0"/>
+                <a:cs typeface="B Nazanin" panose="00000400000000000000" pitchFamily="2" charset="-78"/>
               </a:rPr>
               <a:t>• با توجه به ترتیب زیر از دسترسی های بلوک حافظه، تعداد موارد از دست دادن حافظه نهان با بلوک های چهار1 کلمه ای را بیابید: 0، 8، 0، 6، 8،</a:t>
             </a:r>
@@ -20085,6 +20665,7 @@
                 </a:solidFill>
                 <a:effectLst/>
                 <a:latin typeface="Roboto" panose="02000000000000000000" pitchFamily="2" charset="0"/>
+                <a:cs typeface="B Nazanin" panose="00000400000000000000" pitchFamily="2" charset="-78"/>
               </a:rPr>
               <a:t>•برای هر یک از پیکربندی های کش زیر</a:t>
             </a:r>
@@ -20098,6 +20679,7 @@
                 </a:solidFill>
                 <a:effectLst/>
                 <a:latin typeface="Roboto" panose="02000000000000000000" pitchFamily="2" charset="0"/>
+                <a:cs typeface="B Nazanin" panose="00000400000000000000" pitchFamily="2" charset="-78"/>
               </a:rPr>
               <a:t>1. مستقیم نقشه برداری</a:t>
             </a:r>
@@ -20111,6 +20693,7 @@
                 </a:solidFill>
                 <a:effectLst/>
                 <a:latin typeface="Roboto" panose="02000000000000000000" pitchFamily="2" charset="0"/>
+                <a:cs typeface="B Nazanin" panose="00000400000000000000" pitchFamily="2" charset="-78"/>
               </a:rPr>
               <a:t>مجموعه 2.2 طرفه انجمنی (از خط مشی جایگزینی </a:t>
             </a:r>
@@ -20121,6 +20704,7 @@
                 </a:solidFill>
                 <a:effectLst/>
                 <a:latin typeface="Roboto" panose="02000000000000000000" pitchFamily="2" charset="0"/>
+                <a:cs typeface="B Nazanin" panose="00000400000000000000" pitchFamily="2" charset="-78"/>
               </a:rPr>
               <a:t>LRU </a:t>
             </a:r>
@@ -20131,6 +20715,7 @@
                 </a:solidFill>
                 <a:effectLst/>
                 <a:latin typeface="Roboto" panose="02000000000000000000" pitchFamily="2" charset="0"/>
+                <a:cs typeface="B Nazanin" panose="00000400000000000000" pitchFamily="2" charset="-78"/>
               </a:rPr>
               <a:t>استفاده کنید)</a:t>
             </a:r>
@@ -20144,6 +20729,7 @@
                 </a:solidFill>
                 <a:effectLst/>
                 <a:latin typeface="Roboto" panose="02000000000000000000" pitchFamily="2" charset="0"/>
+                <a:cs typeface="B Nazanin" panose="00000400000000000000" pitchFamily="2" charset="-78"/>
               </a:rPr>
               <a:t>3. کاملا انجمنی</a:t>
             </a:r>
@@ -20157,6 +20743,7 @@
                 </a:solidFill>
                 <a:effectLst/>
                 <a:latin typeface="Roboto" panose="02000000000000000000" pitchFamily="2" charset="0"/>
+                <a:cs typeface="B Nazanin" panose="00000400000000000000" pitchFamily="2" charset="-78"/>
               </a:rPr>
               <a:t>• در مورد جایگزینی </a:t>
             </a:r>
@@ -20167,6 +20754,7 @@
                 </a:solidFill>
                 <a:effectLst/>
                 <a:latin typeface="Roboto" panose="02000000000000000000" pitchFamily="2" charset="0"/>
+                <a:cs typeface="B Nazanin" panose="00000400000000000000" pitchFamily="2" charset="-78"/>
               </a:rPr>
               <a:t>LRU (</a:t>
             </a:r>
@@ -20177,6 +20765,7 @@
                 </a:solidFill>
                 <a:effectLst/>
                 <a:latin typeface="Roboto" panose="02000000000000000000" pitchFamily="2" charset="0"/>
+                <a:cs typeface="B Nazanin" panose="00000400000000000000" pitchFamily="2" charset="-78"/>
               </a:rPr>
               <a:t>کمترین استفاده اخیر) توجه داشته باشید</a:t>
             </a:r>
@@ -20190,6 +20779,7 @@
                 </a:solidFill>
                 <a:effectLst/>
                 <a:latin typeface="Roboto" panose="02000000000000000000" pitchFamily="2" charset="0"/>
+                <a:cs typeface="B Nazanin" panose="00000400000000000000" pitchFamily="2" charset="-78"/>
               </a:rPr>
               <a:t>-در یک مجموعه دو طرفه انجمنی کش جایگزین </a:t>
             </a:r>
@@ -20200,6 +20790,7 @@
                 </a:solidFill>
                 <a:effectLst/>
                 <a:latin typeface="Roboto" panose="02000000000000000000" pitchFamily="2" charset="0"/>
+                <a:cs typeface="B Nazanin" panose="00000400000000000000" pitchFamily="2" charset="-78"/>
               </a:rPr>
               <a:t>LRU </a:t>
             </a:r>
@@ -20210,6 +20801,7 @@
                 </a:solidFill>
                 <a:effectLst/>
                 <a:latin typeface="Roboto" panose="02000000000000000000" pitchFamily="2" charset="0"/>
+                <a:cs typeface="B Nazanin" panose="00000400000000000000" pitchFamily="2" charset="-78"/>
               </a:rPr>
               <a:t>را می توان با یک بیت در هر مجموعه پیاده سازی کرد که مقدار آن نشان دهنده بلوک اخیراً ارجاع شده است.</a:t>
             </a:r>
@@ -20297,10 +20889,13 @@
                   <a:srgbClr val="2A1A00"/>
                 </a:solidFill>
                 <a:latin typeface="Impact" panose="020B0806030902050204" pitchFamily="34" charset="0"/>
+                <a:cs typeface="B Nazanin" panose="00000400000000000000" pitchFamily="2" charset="-78"/>
               </a:rPr>
               <a:t>DECREASING MISS RATES WITH ASSOCIATIVE BLOCK PLACEMENT </a:t>
             </a:r>
-            <a:endParaRPr lang="en-US" dirty="0"/>
+            <a:endParaRPr lang="en-US" dirty="0">
+              <a:cs typeface="B Nazanin" panose="00000400000000000000" pitchFamily="2" charset="-78"/>
+            </a:endParaRPr>
           </a:p>
         </p:txBody>
       </p:sp>
@@ -20341,6 +20936,7 @@
                   </a:schemeClr>
                 </a:solidFill>
                 <a:latin typeface="Arial" panose="020B0604020202020204" pitchFamily="34" charset="0"/>
+                <a:cs typeface="B Nazanin" panose="00000400000000000000" pitchFamily="2" charset="-78"/>
               </a:rPr>
               <a:t>•</a:t>
             </a:r>
@@ -20353,6 +20949,7 @@
                   </a:schemeClr>
                 </a:solidFill>
                 <a:latin typeface="Times New Roman" panose="02020603050405020304" pitchFamily="18" charset="0"/>
+                <a:cs typeface="B Nazanin" panose="00000400000000000000" pitchFamily="2" charset="-78"/>
               </a:rPr>
               <a:t>Find the number of misses for a cache with four1-word </a:t>
             </a:r>
@@ -20365,6 +20962,7 @@
                   </a:schemeClr>
                 </a:solidFill>
                 <a:latin typeface="Times New Roman" panose="02020603050405020304" pitchFamily="18" charset="0"/>
+                <a:cs typeface="B Nazanin" panose="00000400000000000000" pitchFamily="2" charset="-78"/>
               </a:rPr>
               <a:t>blocksgiven</a:t>
             </a:r>
@@ -20377,6 +20975,7 @@
                   </a:schemeClr>
                 </a:solidFill>
                 <a:latin typeface="Times New Roman" panose="02020603050405020304" pitchFamily="18" charset="0"/>
+                <a:cs typeface="B Nazanin" panose="00000400000000000000" pitchFamily="2" charset="-78"/>
               </a:rPr>
               <a:t> the following sequence of memory block accesses: 0, 8, 0, 6, 8, </a:t>
             </a:r>
@@ -20388,6 +20987,7 @@
                 </a:schemeClr>
               </a:solidFill>
               <a:latin typeface="Times New Roman" panose="02020603050405020304" pitchFamily="18" charset="0"/>
+              <a:cs typeface="B Nazanin" panose="00000400000000000000" pitchFamily="2" charset="-78"/>
             </a:endParaRPr>
           </a:p>
           <a:p>
@@ -20400,6 +21000,7 @@
                   </a:schemeClr>
                 </a:solidFill>
                 <a:latin typeface="Arial" panose="020B0604020202020204" pitchFamily="34" charset="0"/>
+                <a:cs typeface="B Nazanin" panose="00000400000000000000" pitchFamily="2" charset="-78"/>
               </a:rPr>
               <a:t>•for each of the following cache configurations</a:t>
             </a:r>
@@ -20414,6 +21015,7 @@
                   </a:schemeClr>
                 </a:solidFill>
                 <a:latin typeface="Times New Roman" panose="02020603050405020304" pitchFamily="18" charset="0"/>
+                <a:cs typeface="B Nazanin" panose="00000400000000000000" pitchFamily="2" charset="-78"/>
               </a:rPr>
               <a:t>1.direct mapped</a:t>
             </a:r>
@@ -20425,6 +21027,7 @@
                 </a:schemeClr>
               </a:solidFill>
               <a:latin typeface="Times New Roman" panose="02020603050405020304" pitchFamily="18" charset="0"/>
+              <a:cs typeface="B Nazanin" panose="00000400000000000000" pitchFamily="2" charset="-78"/>
             </a:endParaRPr>
           </a:p>
           <a:p>
@@ -20437,6 +21040,7 @@
                   </a:schemeClr>
                 </a:solidFill>
                 <a:latin typeface="Times New Roman" panose="02020603050405020304" pitchFamily="18" charset="0"/>
+                <a:cs typeface="B Nazanin" panose="00000400000000000000" pitchFamily="2" charset="-78"/>
               </a:rPr>
               <a:t>2.2-way set associative (use LRU replacement policy)</a:t>
             </a:r>
@@ -20448,6 +21052,7 @@
                 </a:schemeClr>
               </a:solidFill>
               <a:latin typeface="Times New Roman" panose="02020603050405020304" pitchFamily="18" charset="0"/>
+              <a:cs typeface="B Nazanin" panose="00000400000000000000" pitchFamily="2" charset="-78"/>
             </a:endParaRPr>
           </a:p>
           <a:p>
@@ -20460,6 +21065,7 @@
                   </a:schemeClr>
                 </a:solidFill>
                 <a:latin typeface="Times New Roman" panose="02020603050405020304" pitchFamily="18" charset="0"/>
+                <a:cs typeface="B Nazanin" panose="00000400000000000000" pitchFamily="2" charset="-78"/>
               </a:rPr>
               <a:t>3.fully associative</a:t>
             </a:r>
@@ -20471,6 +21077,7 @@
                 </a:schemeClr>
               </a:solidFill>
               <a:latin typeface="Times New Roman" panose="02020603050405020304" pitchFamily="18" charset="0"/>
+              <a:cs typeface="B Nazanin" panose="00000400000000000000" pitchFamily="2" charset="-78"/>
             </a:endParaRPr>
           </a:p>
           <a:p>
@@ -20483,6 +21090,7 @@
                   </a:schemeClr>
                 </a:solidFill>
                 <a:latin typeface="Arial" panose="020B0604020202020204" pitchFamily="34" charset="0"/>
+                <a:cs typeface="B Nazanin" panose="00000400000000000000" pitchFamily="2" charset="-78"/>
               </a:rPr>
               <a:t>•Note about LRU (Least Recently Used) replacement</a:t>
             </a:r>
@@ -20497,6 +21105,7 @@
                   </a:schemeClr>
                 </a:solidFill>
                 <a:latin typeface="Gill Sans MT" panose="020B0502020104020203" pitchFamily="34" charset="0"/>
+                <a:cs typeface="B Nazanin" panose="00000400000000000000" pitchFamily="2" charset="-78"/>
               </a:rPr>
               <a:t>–in a 2-way set associative cache LRU replacement can be implemented with one bit at each set whose value indicates the mostly recently referenced block </a:t>
             </a:r>
@@ -21026,10 +21635,13 @@
                   <a:srgbClr val="2A1A00"/>
                 </a:solidFill>
                 <a:latin typeface="Impact" panose="020B0806030902050204" pitchFamily="34" charset="0"/>
+                <a:cs typeface="B Nazanin" panose="00000400000000000000" pitchFamily="2" charset="-78"/>
               </a:rPr>
               <a:t>IMPLEMENTATION OF A SET-ASSOCIATIVE CACHE </a:t>
             </a:r>
-            <a:endParaRPr lang="en-US" dirty="0"/>
+            <a:endParaRPr lang="en-US" dirty="0">
+              <a:cs typeface="B Nazanin" panose="00000400000000000000" pitchFamily="2" charset="-78"/>
+            </a:endParaRPr>
           </a:p>
         </p:txBody>
       </p:sp>
@@ -21064,6 +21676,7 @@
             <a:r>
               <a:rPr lang="en-US" sz="1800" i="0" u="none" strike="noStrike" baseline="0" dirty="0">
                 <a:latin typeface="Tahoma" panose="020B0604030504040204" pitchFamily="34" charset="0"/>
+                <a:cs typeface="B Nazanin" panose="00000400000000000000" pitchFamily="2" charset="-78"/>
               </a:rPr>
               <a:t>4-way set-associative cache with 4 comparators and one 4-to-1 multiplexor: </a:t>
             </a:r>
@@ -21072,10 +21685,13 @@
             <a:r>
               <a:rPr lang="en-US" sz="1800" i="0" u="none" strike="noStrike" baseline="0" dirty="0">
                 <a:latin typeface="Tahoma" panose="020B0604030504040204" pitchFamily="34" charset="0"/>
+                <a:cs typeface="B Nazanin" panose="00000400000000000000" pitchFamily="2" charset="-78"/>
               </a:rPr>
               <a:t>size of cache is 1K blocks = 256 sets * 4-block set size </a:t>
             </a:r>
-            <a:endParaRPr lang="en-US" dirty="0"/>
+            <a:endParaRPr lang="en-US" dirty="0">
+              <a:cs typeface="B Nazanin" panose="00000400000000000000" pitchFamily="2" charset="-78"/>
+            </a:endParaRPr>
           </a:p>
         </p:txBody>
       </p:sp>
@@ -21115,6 +21731,7 @@
                 </a:solidFill>
                 <a:effectLst/>
                 <a:latin typeface="Roboto" panose="02000000000000000000" pitchFamily="2" charset="0"/>
+                <a:cs typeface="B Nazanin" panose="00000400000000000000" pitchFamily="2" charset="-78"/>
               </a:rPr>
               <a:t>حافظه پنهان مجموعه ای 4 طرفه با 4 مقایسه کننده و یک مالتی پلکسور 4 به 1:اندازه کش 1</a:t>
             </a:r>
@@ -21125,6 +21742,7 @@
                 </a:solidFill>
                 <a:effectLst/>
                 <a:latin typeface="Roboto" panose="02000000000000000000" pitchFamily="2" charset="0"/>
+                <a:cs typeface="B Nazanin" panose="00000400000000000000" pitchFamily="2" charset="-78"/>
               </a:rPr>
               <a:t>K </a:t>
             </a:r>
@@ -21135,6 +21753,7 @@
                 </a:solidFill>
                 <a:effectLst/>
                 <a:latin typeface="Roboto" panose="02000000000000000000" pitchFamily="2" charset="0"/>
+                <a:cs typeface="B Nazanin" panose="00000400000000000000" pitchFamily="2" charset="-78"/>
               </a:rPr>
               <a:t>بلوک = 256 مجموعه * اندازه مجموعه 4 بلوکی است</a:t>
             </a:r>
@@ -21215,8 +21834,8 @@
         </p:nvSpPr>
         <p:spPr>
           <a:xfrm>
-            <a:off x="4716625" y="1149641"/>
-            <a:ext cx="4156787" cy="4801314"/>
+            <a:off x="4572001" y="1149641"/>
+            <a:ext cx="4572000" cy="4247317"/>
           </a:xfrm>
           <a:prstGeom prst="rect">
             <a:avLst/>
@@ -21231,132 +21850,176 @@
           <a:p>
             <a:pPr algn="r" rtl="1"/>
             <a:r>
-              <a:rPr lang="fa-IR" dirty="0"/>
+              <a:rPr lang="fa-IR" dirty="0">
+                <a:cs typeface="B Nazanin" panose="00000400000000000000" pitchFamily="2" charset="-78"/>
+              </a:rPr>
               <a:t>سازمان حافظه</a:t>
             </a:r>
           </a:p>
           <a:p>
             <a:pPr algn="r" rtl="1"/>
             <a:r>
-              <a:rPr lang="fa-IR" dirty="0"/>
+              <a:rPr lang="fa-IR" dirty="0">
+                <a:cs typeface="B Nazanin" panose="00000400000000000000" pitchFamily="2" charset="-78"/>
+              </a:rPr>
               <a:t>▪ رجیسترهای پردازشگر</a:t>
             </a:r>
           </a:p>
           <a:p>
             <a:pPr algn="r" rtl="1"/>
             <a:r>
-              <a:rPr lang="fa-IR" dirty="0"/>
+              <a:rPr lang="fa-IR" dirty="0">
+                <a:cs typeface="B Nazanin" panose="00000400000000000000" pitchFamily="2" charset="-78"/>
+              </a:rPr>
               <a:t>سلسله مراتبی حافظه</a:t>
             </a:r>
           </a:p>
           <a:p>
             <a:pPr algn="r" rtl="1"/>
             <a:r>
-              <a:rPr lang="fa-IR" dirty="0"/>
+              <a:rPr lang="fa-IR" dirty="0">
+                <a:cs typeface="B Nazanin" panose="00000400000000000000" pitchFamily="2" charset="-78"/>
+              </a:rPr>
               <a:t>تعداد کمتر (معمولاً 16/32/128)</a:t>
             </a:r>
           </a:p>
           <a:p>
             <a:pPr algn="r" rtl="1"/>
             <a:r>
-              <a:rPr lang="fa-IR" dirty="0"/>
+              <a:rPr lang="fa-IR" dirty="0">
+                <a:cs typeface="B Nazanin" panose="00000400000000000000" pitchFamily="2" charset="-78"/>
+              </a:rPr>
               <a:t>زمان دسترسی به چرخه فرعی (1 </a:t>
             </a:r>
             <a:r>
-              <a:rPr lang="en-US" dirty="0" err="1"/>
+              <a:rPr lang="en-US" dirty="0" err="1">
+                <a:cs typeface="B Nazanin" panose="00000400000000000000" pitchFamily="2" charset="-78"/>
+              </a:rPr>
               <a:t>nSec</a:t>
             </a:r>
             <a:r>
-              <a:rPr lang="en-US" dirty="0"/>
+              <a:rPr lang="en-US" dirty="0">
+                <a:cs typeface="B Nazanin" panose="00000400000000000000" pitchFamily="2" charset="-78"/>
+              </a:rPr>
               <a:t>)</a:t>
             </a:r>
           </a:p>
           <a:p>
             <a:pPr algn="r" rtl="1"/>
             <a:r>
-              <a:rPr lang="en-US" dirty="0"/>
+              <a:rPr lang="en-US" dirty="0">
+                <a:cs typeface="B Nazanin" panose="00000400000000000000" pitchFamily="2" charset="-78"/>
+              </a:rPr>
               <a:t>➤ </a:t>
             </a:r>
             <a:r>
-              <a:rPr lang="fa-IR" dirty="0"/>
+              <a:rPr lang="fa-IR" dirty="0">
+                <a:cs typeface="B Nazanin" panose="00000400000000000000" pitchFamily="2" charset="-78"/>
+              </a:rPr>
               <a:t>حافظه پنهان (</a:t>
             </a:r>
             <a:r>
-              <a:rPr lang="en-US" dirty="0"/>
+              <a:rPr lang="en-US" dirty="0">
+                <a:cs typeface="B Nazanin" panose="00000400000000000000" pitchFamily="2" charset="-78"/>
+              </a:rPr>
               <a:t>L1، L2، L3، ...)</a:t>
             </a:r>
           </a:p>
           <a:p>
             <a:pPr algn="r" rtl="1"/>
             <a:r>
-              <a:rPr lang="fa-IR" dirty="0"/>
+              <a:rPr lang="fa-IR" dirty="0">
+                <a:cs typeface="B Nazanin" panose="00000400000000000000" pitchFamily="2" charset="-78"/>
+              </a:rPr>
               <a:t>حافظه روی تراشه</a:t>
             </a:r>
           </a:p>
           <a:p>
             <a:pPr algn="r" rtl="1"/>
             <a:r>
-              <a:rPr lang="fa-IR" dirty="0"/>
+              <a:rPr lang="fa-IR" dirty="0">
+                <a:cs typeface="B Nazanin" panose="00000400000000000000" pitchFamily="2" charset="-78"/>
+              </a:rPr>
               <a:t>10 کیلوبایت (تا چند مگابایت) مکان.</a:t>
             </a:r>
           </a:p>
           <a:p>
             <a:pPr algn="r" rtl="1"/>
             <a:r>
-              <a:rPr lang="fa-IR" dirty="0"/>
+              <a:rPr lang="fa-IR" dirty="0">
+                <a:cs typeface="B Nazanin" panose="00000400000000000000" pitchFamily="2" charset="-78"/>
+              </a:rPr>
               <a:t>• زمان دسترسی: </a:t>
             </a:r>
             <a:r>
-              <a:rPr lang="en-US" dirty="0"/>
+              <a:rPr lang="en-US" dirty="0">
+                <a:cs typeface="B Nazanin" panose="00000400000000000000" pitchFamily="2" charset="-78"/>
+              </a:rPr>
               <a:t>L1:1-2; L2: 2-5; L3: 5-10 </a:t>
             </a:r>
             <a:r>
-              <a:rPr lang="fa-IR" dirty="0"/>
+              <a:rPr lang="fa-IR" dirty="0">
+                <a:cs typeface="B Nazanin" panose="00000400000000000000" pitchFamily="2" charset="-78"/>
+              </a:rPr>
               <a:t>چرخه.</a:t>
             </a:r>
           </a:p>
           <a:p>
             <a:pPr algn="r" rtl="1"/>
             <a:r>
-              <a:rPr lang="fa-IR" dirty="0"/>
+              <a:rPr lang="fa-IR" dirty="0">
+                <a:cs typeface="B Nazanin" panose="00000400000000000000" pitchFamily="2" charset="-78"/>
+              </a:rPr>
               <a:t>حافظه اصلی</a:t>
             </a:r>
           </a:p>
           <a:p>
             <a:pPr algn="r" rtl="1"/>
             <a:r>
-              <a:rPr lang="fa-IR" dirty="0"/>
+              <a:rPr lang="fa-IR" dirty="0">
+                <a:cs typeface="B Nazanin" panose="00000400000000000000" pitchFamily="2" charset="-78"/>
+              </a:rPr>
               <a:t>100 مگابایت فضای ذخیره سازی</a:t>
             </a:r>
           </a:p>
           <a:p>
             <a:pPr algn="r" rtl="1"/>
             <a:r>
-              <a:rPr lang="fa-IR" dirty="0"/>
+              <a:rPr lang="fa-IR" dirty="0">
+                <a:cs typeface="B Nazanin" panose="00000400000000000000" pitchFamily="2" charset="-78"/>
+              </a:rPr>
               <a:t>▪ زمان دسترسی 10 سیکل</a:t>
             </a:r>
           </a:p>
           <a:p>
             <a:pPr algn="r" rtl="1"/>
             <a:r>
-              <a:rPr lang="fa-IR" dirty="0"/>
+              <a:rPr lang="fa-IR" dirty="0">
+                <a:cs typeface="B Nazanin" panose="00000400000000000000" pitchFamily="2" charset="-78"/>
+              </a:rPr>
               <a:t>ذخیره سازی ثانویه</a:t>
             </a:r>
           </a:p>
           <a:p>
             <a:pPr algn="r" rtl="1"/>
             <a:r>
-              <a:rPr lang="fa-IR" dirty="0"/>
+              <a:rPr lang="fa-IR" dirty="0">
+                <a:cs typeface="B Nazanin" panose="00000400000000000000" pitchFamily="2" charset="-78"/>
+              </a:rPr>
               <a:t>100 گیگا بایت ذخیره سازی، زمان دسترسی ~ 10 میلی</a:t>
             </a:r>
           </a:p>
           <a:p>
             <a:pPr algn="r" rtl="1"/>
             <a:r>
-              <a:rPr lang="fa-IR" dirty="0"/>
+              <a:rPr lang="fa-IR" dirty="0">
+                <a:cs typeface="B Nazanin" panose="00000400000000000000" pitchFamily="2" charset="-78"/>
+              </a:rPr>
               <a:t>ثانیه /</a:t>
             </a:r>
-            <a:endParaRPr lang="en-US" dirty="0"/>
+            <a:endParaRPr lang="en-US" dirty="0">
+              <a:cs typeface="B Nazanin" panose="00000400000000000000" pitchFamily="2" charset="-78"/>
+            </a:endParaRPr>
           </a:p>
         </p:txBody>
       </p:sp>
@@ -21441,10 +22104,13 @@
                   <a:srgbClr val="2A1A00"/>
                 </a:solidFill>
                 <a:latin typeface="Impact" panose="020B0806030902050204" pitchFamily="34" charset="0"/>
+                <a:cs typeface="B Nazanin" panose="00000400000000000000" pitchFamily="2" charset="-78"/>
               </a:rPr>
               <a:t>MEMORIES: REVIEW</a:t>
             </a:r>
-            <a:endParaRPr lang="en-US" dirty="0"/>
+            <a:endParaRPr lang="en-US" dirty="0">
+              <a:cs typeface="B Nazanin" panose="00000400000000000000" pitchFamily="2" charset="-78"/>
+            </a:endParaRPr>
           </a:p>
         </p:txBody>
       </p:sp>
@@ -21544,6 +22210,7 @@
                 </a:solidFill>
                 <a:effectLst/>
                 <a:latin typeface="Roboto" panose="02000000000000000000" pitchFamily="2" charset="0"/>
+                <a:cs typeface="B Nazanin" panose="00000400000000000000" pitchFamily="2" charset="-78"/>
               </a:rPr>
               <a:t>نرخ از دست دادن برای هر یک از هشت اندازه حافظه پنهانبا افزایش مشارکت:داده های تولید شده از معیارهای </a:t>
             </a:r>
@@ -21554,6 +22221,7 @@
                 </a:solidFill>
                 <a:effectLst/>
                 <a:latin typeface="Roboto" panose="02000000000000000000" pitchFamily="2" charset="0"/>
+                <a:cs typeface="B Nazanin" panose="00000400000000000000" pitchFamily="2" charset="-78"/>
               </a:rPr>
               <a:t>SPEC92</a:t>
             </a:r>
@@ -21564,6 +22232,7 @@
                 </a:solidFill>
                 <a:effectLst/>
                 <a:latin typeface="Roboto" panose="02000000000000000000" pitchFamily="2" charset="0"/>
+                <a:cs typeface="B Nazanin" panose="00000400000000000000" pitchFamily="2" charset="-78"/>
               </a:rPr>
               <a:t>با اندازه بلوک 32 بایت برای همه کش ها</a:t>
             </a:r>
@@ -21651,6 +22320,7 @@
                   <a:srgbClr val="2A1A00"/>
                 </a:solidFill>
                 <a:latin typeface="Impact" panose="020B0806030902050204" pitchFamily="34" charset="0"/>
+                <a:cs typeface="B Nazanin" panose="00000400000000000000" pitchFamily="2" charset="-78"/>
               </a:rPr>
               <a:t>PERFORMANCE WITH SET-ASSOCIATIVE CACHES </a:t>
             </a:r>
@@ -21664,13 +22334,16 @@
                 </a:solidFill>
                 <a:effectLst/>
                 <a:latin typeface="Roboto" panose="02000000000000000000" pitchFamily="2" charset="0"/>
+                <a:cs typeface="B Nazanin" panose="00000400000000000000" pitchFamily="2" charset="-78"/>
               </a:rPr>
               <a:t>عملکرد با حافظه پنهان مجموعه ای</a:t>
             </a:r>
           </a:p>
           <a:p>
             <a:pPr algn="ctr"/>
-            <a:endParaRPr lang="en-US" dirty="0"/>
+            <a:endParaRPr lang="en-US" dirty="0">
+              <a:cs typeface="B Nazanin" panose="00000400000000000000" pitchFamily="2" charset="-78"/>
+            </a:endParaRPr>
           </a:p>
         </p:txBody>
       </p:sp>
@@ -21708,6 +22381,7 @@
                   <a:srgbClr val="000000"/>
                 </a:solidFill>
                 <a:latin typeface="Tahoma" panose="020B0604030504040204" pitchFamily="34" charset="0"/>
+                <a:cs typeface="B Nazanin" panose="00000400000000000000" pitchFamily="2" charset="-78"/>
               </a:rPr>
               <a:t>Miss rates for each of eight cache sizes </a:t>
             </a:r>
@@ -21719,6 +22393,7 @@
                   <a:srgbClr val="000000"/>
                 </a:solidFill>
                 <a:latin typeface="Tahoma" panose="020B0604030504040204" pitchFamily="34" charset="0"/>
+                <a:cs typeface="B Nazanin" panose="00000400000000000000" pitchFamily="2" charset="-78"/>
               </a:rPr>
               <a:t>with increasing associativity: </a:t>
             </a:r>
@@ -21730,6 +22405,7 @@
                   <a:srgbClr val="000000"/>
                 </a:solidFill>
                 <a:latin typeface="Tahoma" panose="020B0604030504040204" pitchFamily="34" charset="0"/>
+                <a:cs typeface="B Nazanin" panose="00000400000000000000" pitchFamily="2" charset="-78"/>
               </a:rPr>
               <a:t>data generated from SPEC92 benchmarks </a:t>
             </a:r>
@@ -21741,6 +22417,7 @@
                   <a:srgbClr val="000000"/>
                 </a:solidFill>
                 <a:latin typeface="Tahoma" panose="020B0604030504040204" pitchFamily="34" charset="0"/>
+                <a:cs typeface="B Nazanin" panose="00000400000000000000" pitchFamily="2" charset="-78"/>
               </a:rPr>
               <a:t>with 32 byte block size for all caches </a:t>
             </a:r>
@@ -21752,6 +22429,7 @@
                 </a:schemeClr>
               </a:solidFill>
               <a:latin typeface="Gill Sans MT" panose="020B0502020104020203" pitchFamily="34" charset="0"/>
+              <a:cs typeface="B Nazanin" panose="00000400000000000000" pitchFamily="2" charset="-78"/>
             </a:endParaRPr>
           </a:p>
         </p:txBody>
@@ -21831,7 +22509,7 @@
         <p:spPr>
           <a:xfrm>
             <a:off x="4641980" y="646331"/>
-            <a:ext cx="4362054" cy="5632311"/>
+            <a:ext cx="4362054" cy="5355312"/>
           </a:xfrm>
           <a:prstGeom prst="rect">
             <a:avLst/>
@@ -21852,6 +22530,7 @@
                 </a:solidFill>
                 <a:effectLst/>
                 <a:latin typeface="Roboto" panose="02000000000000000000" pitchFamily="2" charset="0"/>
+                <a:cs typeface="B Nazanin" panose="00000400000000000000" pitchFamily="2" charset="-78"/>
               </a:rPr>
               <a:t>• یک کش سطح دوم اضافه کنید</a:t>
             </a:r>
@@ -21865,6 +22544,7 @@
                 </a:solidFill>
                 <a:effectLst/>
                 <a:latin typeface="Roboto" panose="02000000000000000000" pitchFamily="2" charset="0"/>
+                <a:cs typeface="B Nazanin" panose="00000400000000000000" pitchFamily="2" charset="-78"/>
               </a:rPr>
               <a:t>- کش اصلی روی همان تراشه پردازنده قرار دارد</a:t>
             </a:r>
@@ -21878,6 +22558,7 @@
                 </a:solidFill>
                 <a:effectLst/>
                 <a:latin typeface="Roboto" panose="02000000000000000000" pitchFamily="2" charset="0"/>
+                <a:cs typeface="B Nazanin" panose="00000400000000000000" pitchFamily="2" charset="-78"/>
               </a:rPr>
               <a:t>استفاده از </a:t>
             </a:r>
@@ -21888,6 +22569,7 @@
                 </a:solidFill>
                 <a:effectLst/>
                 <a:latin typeface="Roboto" panose="02000000000000000000" pitchFamily="2" charset="0"/>
+                <a:cs typeface="B Nazanin" panose="00000400000000000000" pitchFamily="2" charset="-78"/>
               </a:rPr>
               <a:t>SRAM </a:t>
             </a:r>
@@ -21898,6 +22580,7 @@
                 </a:solidFill>
                 <a:effectLst/>
                 <a:latin typeface="Roboto" panose="02000000000000000000" pitchFamily="2" charset="0"/>
+                <a:cs typeface="B Nazanin" panose="00000400000000000000" pitchFamily="2" charset="-78"/>
               </a:rPr>
               <a:t>برای افزودن یک کش سطح دوم، گاهی اوقات خارج از تراشه، بین حافظه اصلی و کش سطح اول</a:t>
             </a:r>
@@ -21911,6 +22594,7 @@
                 </a:solidFill>
                 <a:effectLst/>
                 <a:latin typeface="Roboto" panose="02000000000000000000" pitchFamily="2" charset="0"/>
+                <a:cs typeface="B Nazanin" panose="00000400000000000000" pitchFamily="2" charset="-78"/>
               </a:rPr>
               <a:t>-اگر از دست دادن در حافظه پنهان اولیه رخ دهد، حافظه نهان سطح دوم قابل دسترسی است</a:t>
             </a:r>
@@ -21924,6 +22608,7 @@
                 </a:solidFill>
                 <a:effectLst/>
                 <a:latin typeface="Roboto" panose="02000000000000000000" pitchFamily="2" charset="0"/>
+                <a:cs typeface="B Nazanin" panose="00000400000000000000" pitchFamily="2" charset="-78"/>
               </a:rPr>
               <a:t>-اگر داده در حافظه نهان سطح دوم یافت شود، جریمه از دست دادن زمان دسترسی به کش سطح دوم است که بسیار کمتر از زمان دسترسی به حافظه اصلی است.</a:t>
             </a:r>
@@ -21937,6 +22622,7 @@
                 </a:solidFill>
                 <a:effectLst/>
                 <a:latin typeface="Roboto" panose="02000000000000000000" pitchFamily="2" charset="0"/>
+                <a:cs typeface="B Nazanin" panose="00000400000000000000" pitchFamily="2" charset="-78"/>
               </a:rPr>
               <a:t>-اگر از دست دادن دوباره در سطح دوم رخ دهد، دسترسی به حافظه اصلی مورد نیاز است و جریمه اشتباه بزرگی متحمل می شود</a:t>
             </a:r>
@@ -21950,6 +22636,7 @@
                 </a:solidFill>
                 <a:effectLst/>
                 <a:latin typeface="Roboto" panose="02000000000000000000" pitchFamily="2" charset="0"/>
+                <a:cs typeface="B Nazanin" panose="00000400000000000000" pitchFamily="2" charset="-78"/>
               </a:rPr>
               <a:t>ملاحظات طراحی با استفاده از دو سطح حافظه پنهان:</a:t>
             </a:r>
@@ -21963,6 +22650,7 @@
                 </a:solidFill>
                 <a:effectLst/>
                 <a:latin typeface="Roboto" panose="02000000000000000000" pitchFamily="2" charset="0"/>
+                <a:cs typeface="B Nazanin" panose="00000400000000000000" pitchFamily="2" charset="-78"/>
               </a:rPr>
               <a:t>-برای کاهش چرخه ساعت، زمان ضربه را در 1</a:t>
             </a:r>
@@ -21973,6 +22661,7 @@
                 </a:solidFill>
                 <a:effectLst/>
                 <a:latin typeface="Roboto" panose="02000000000000000000" pitchFamily="2" charset="0"/>
+                <a:cs typeface="B Nazanin" panose="00000400000000000000" pitchFamily="2" charset="-78"/>
               </a:rPr>
               <a:t>stlevelcache</a:t>
             </a:r>
@@ -21983,6 +22672,7 @@
                 </a:solidFill>
                 <a:effectLst/>
                 <a:latin typeface="Roboto" panose="02000000000000000000" pitchFamily="2" charset="0"/>
+                <a:cs typeface="B Nazanin" panose="00000400000000000000" pitchFamily="2" charset="-78"/>
               </a:rPr>
               <a:t> </a:t>
             </a:r>
@@ -21993,6 +22683,7 @@
                 </a:solidFill>
                 <a:effectLst/>
                 <a:latin typeface="Roboto" panose="02000000000000000000" pitchFamily="2" charset="0"/>
+                <a:cs typeface="B Nazanin" panose="00000400000000000000" pitchFamily="2" charset="-78"/>
               </a:rPr>
               <a:t>بهینه سازی کنید</a:t>
             </a:r>
@@ -22006,6 +22697,7 @@
                 </a:solidFill>
                 <a:effectLst/>
                 <a:latin typeface="Roboto" panose="02000000000000000000" pitchFamily="2" charset="0"/>
+                <a:cs typeface="B Nazanin" panose="00000400000000000000" pitchFamily="2" charset="-78"/>
               </a:rPr>
               <a:t>- برای کاهش جریمه‌های دسترسی به حافظه، نرخ از دست دادن را در حافظه نهان سطح 2 بهینه کنید</a:t>
             </a:r>
@@ -22019,6 +22711,7 @@
                 </a:solidFill>
                 <a:effectLst/>
                 <a:latin typeface="Roboto" panose="02000000000000000000" pitchFamily="2" charset="0"/>
+                <a:cs typeface="B Nazanin" panose="00000400000000000000" pitchFamily="2" charset="-78"/>
               </a:rPr>
               <a:t>-به عبارت دیگر، سطح دوم به سطح اول اجازه می دهد تا بدون نگرانی از شکست، سرعت را دنبال کند…</a:t>
             </a:r>
@@ -22106,10 +22799,13 @@
                   <a:srgbClr val="2A1A00"/>
                 </a:solidFill>
                 <a:latin typeface="Impact" panose="020B0806030902050204" pitchFamily="34" charset="0"/>
+                <a:cs typeface="B Nazanin" panose="00000400000000000000" pitchFamily="2" charset="-78"/>
               </a:rPr>
               <a:t>DECREASING MISS PENALTY WITH MULTILEVEL CACHES</a:t>
             </a:r>
-            <a:endParaRPr lang="en-US" dirty="0"/>
+            <a:endParaRPr lang="en-US" dirty="0">
+              <a:cs typeface="B Nazanin" panose="00000400000000000000" pitchFamily="2" charset="-78"/>
+            </a:endParaRPr>
           </a:p>
         </p:txBody>
       </p:sp>
@@ -22147,6 +22843,7 @@
                   <a:srgbClr val="2A1A00"/>
                 </a:solidFill>
                 <a:latin typeface="Arial" panose="020B0604020202020204" pitchFamily="34" charset="0"/>
+                <a:cs typeface="B Nazanin" panose="00000400000000000000" pitchFamily="2" charset="-78"/>
               </a:rPr>
               <a:t>•</a:t>
             </a:r>
@@ -22156,6 +22853,7 @@
                   <a:srgbClr val="585858"/>
                 </a:solidFill>
                 <a:latin typeface="Gill Sans MT" panose="020B0502020104020203" pitchFamily="34" charset="0"/>
+                <a:cs typeface="B Nazanin" panose="00000400000000000000" pitchFamily="2" charset="-78"/>
               </a:rPr>
               <a:t>Add a </a:t>
             </a:r>
@@ -22165,6 +22863,7 @@
                   <a:srgbClr val="585858"/>
                 </a:solidFill>
                 <a:latin typeface="Gill Sans MT" panose="020B0502020104020203" pitchFamily="34" charset="0"/>
+                <a:cs typeface="B Nazanin" panose="00000400000000000000" pitchFamily="2" charset="-78"/>
               </a:rPr>
               <a:t>second-</a:t>
             </a:r>
@@ -22174,6 +22873,7 @@
                   <a:srgbClr val="585858"/>
                 </a:solidFill>
                 <a:latin typeface="Gill Sans MT" panose="020B0502020104020203" pitchFamily="34" charset="0"/>
+                <a:cs typeface="B Nazanin" panose="00000400000000000000" pitchFamily="2" charset="-78"/>
               </a:rPr>
               <a:t>level</a:t>
             </a:r>
@@ -22183,6 +22883,7 @@
                   <a:srgbClr val="585858"/>
                 </a:solidFill>
                 <a:latin typeface="Gill Sans MT" panose="020B0502020104020203" pitchFamily="34" charset="0"/>
+                <a:cs typeface="B Nazanin" panose="00000400000000000000" pitchFamily="2" charset="-78"/>
               </a:rPr>
               <a:t>cache</a:t>
             </a:r>
@@ -22191,6 +22892,7 @@
                 <a:srgbClr val="585858"/>
               </a:solidFill>
               <a:latin typeface="Gill Sans MT" panose="020B0502020104020203" pitchFamily="34" charset="0"/>
+              <a:cs typeface="B Nazanin" panose="00000400000000000000" pitchFamily="2" charset="-78"/>
             </a:endParaRPr>
           </a:p>
           <a:p>
@@ -22200,6 +22902,7 @@
                   <a:srgbClr val="2A1A00"/>
                 </a:solidFill>
                 <a:latin typeface="Gill Sans MT" panose="020B0502020104020203" pitchFamily="34" charset="0"/>
+                <a:cs typeface="B Nazanin" panose="00000400000000000000" pitchFamily="2" charset="-78"/>
               </a:rPr>
               <a:t>–primary cache is on the same chip as the processor</a:t>
             </a:r>
@@ -22211,6 +22914,7 @@
                   <a:srgbClr val="2A1A00"/>
                 </a:solidFill>
                 <a:latin typeface="Gill Sans MT" panose="020B0502020104020203" pitchFamily="34" charset="0"/>
+                <a:cs typeface="B Nazanin" panose="00000400000000000000" pitchFamily="2" charset="-78"/>
               </a:rPr>
               <a:t>–</a:t>
             </a:r>
@@ -22220,6 +22924,7 @@
                   <a:srgbClr val="585858"/>
                 </a:solidFill>
                 <a:latin typeface="Gill Sans MT" panose="020B0502020104020203" pitchFamily="34" charset="0"/>
+                <a:cs typeface="B Nazanin" panose="00000400000000000000" pitchFamily="2" charset="-78"/>
               </a:rPr>
               <a:t>use SRAMs to add a second-level cache, sometimes off-chip, </a:t>
             </a:r>
@@ -22229,6 +22934,7 @@
                   <a:srgbClr val="585858"/>
                 </a:solidFill>
                 <a:latin typeface="Gill Sans MT" panose="020B0502020104020203" pitchFamily="34" charset="0"/>
+                <a:cs typeface="B Nazanin" panose="00000400000000000000" pitchFamily="2" charset="-78"/>
               </a:rPr>
               <a:t>between main memory and the first-level cache</a:t>
             </a:r>
@@ -22237,6 +22943,7 @@
                 <a:srgbClr val="585858"/>
               </a:solidFill>
               <a:latin typeface="Gill Sans MT" panose="020B0502020104020203" pitchFamily="34" charset="0"/>
+              <a:cs typeface="B Nazanin" panose="00000400000000000000" pitchFamily="2" charset="-78"/>
             </a:endParaRPr>
           </a:p>
           <a:p>
@@ -22246,6 +22953,7 @@
                   <a:srgbClr val="2A1A00"/>
                 </a:solidFill>
                 <a:latin typeface="Gill Sans MT" panose="020B0502020104020203" pitchFamily="34" charset="0"/>
+                <a:cs typeface="B Nazanin" panose="00000400000000000000" pitchFamily="2" charset="-78"/>
               </a:rPr>
               <a:t>–</a:t>
             </a:r>
@@ -22255,6 +22963,7 @@
                   <a:srgbClr val="585858"/>
                 </a:solidFill>
                 <a:latin typeface="Gill Sans MT" panose="020B0502020104020203" pitchFamily="34" charset="0"/>
+                <a:cs typeface="B Nazanin" panose="00000400000000000000" pitchFamily="2" charset="-78"/>
               </a:rPr>
               <a:t>if miss occurs in primary cache second-level cache is accessed</a:t>
             </a:r>
@@ -22266,6 +22975,7 @@
                   <a:srgbClr val="2A1A00"/>
                 </a:solidFill>
                 <a:latin typeface="Gill Sans MT" panose="020B0502020104020203" pitchFamily="34" charset="0"/>
+                <a:cs typeface="B Nazanin" panose="00000400000000000000" pitchFamily="2" charset="-78"/>
               </a:rPr>
               <a:t>–</a:t>
             </a:r>
@@ -22275,6 +22985,7 @@
                   <a:srgbClr val="585858"/>
                 </a:solidFill>
                 <a:latin typeface="Gill Sans MT" panose="020B0502020104020203" pitchFamily="34" charset="0"/>
+                <a:cs typeface="B Nazanin" panose="00000400000000000000" pitchFamily="2" charset="-78"/>
               </a:rPr>
               <a:t>if data is found in second-level cache miss penalty is access time of second-level cache which is much less than main memory access time</a:t>
             </a:r>
@@ -22286,6 +22997,7 @@
                   <a:srgbClr val="2A1A00"/>
                 </a:solidFill>
                 <a:latin typeface="Gill Sans MT" panose="020B0502020104020203" pitchFamily="34" charset="0"/>
+                <a:cs typeface="B Nazanin" panose="00000400000000000000" pitchFamily="2" charset="-78"/>
               </a:rPr>
               <a:t>–</a:t>
             </a:r>
@@ -22295,6 +23007,7 @@
                   <a:srgbClr val="585858"/>
                 </a:solidFill>
                 <a:latin typeface="Gill Sans MT" panose="020B0502020104020203" pitchFamily="34" charset="0"/>
+                <a:cs typeface="B Nazanin" panose="00000400000000000000" pitchFamily="2" charset="-78"/>
               </a:rPr>
               <a:t>if miss occurs again at second-level then main memory access is required and large miss penalty is incurred</a:t>
             </a:r>
@@ -22306,6 +23019,7 @@
                   <a:srgbClr val="2A1A00"/>
                 </a:solidFill>
                 <a:latin typeface="Arial" panose="020B0604020202020204" pitchFamily="34" charset="0"/>
+                <a:cs typeface="B Nazanin" panose="00000400000000000000" pitchFamily="2" charset="-78"/>
               </a:rPr>
               <a:t>•Design considerations using two levels of caches:</a:t>
             </a:r>
@@ -22317,6 +23031,7 @@
                   <a:srgbClr val="2A1A00"/>
                 </a:solidFill>
                 <a:latin typeface="Gill Sans MT" panose="020B0502020104020203" pitchFamily="34" charset="0"/>
+                <a:cs typeface="B Nazanin" panose="00000400000000000000" pitchFamily="2" charset="-78"/>
               </a:rPr>
               <a:t>–</a:t>
             </a:r>
@@ -22326,6 +23041,7 @@
                   <a:srgbClr val="585858"/>
                 </a:solidFill>
                 <a:latin typeface="Gill Sans MT" panose="020B0502020104020203" pitchFamily="34" charset="0"/>
+                <a:cs typeface="B Nazanin" panose="00000400000000000000" pitchFamily="2" charset="-78"/>
               </a:rPr>
               <a:t>try and optimize the </a:t>
             </a:r>
@@ -22335,6 +23051,7 @@
                   <a:srgbClr val="585858"/>
                 </a:solidFill>
                 <a:latin typeface="Gill Sans MT" panose="020B0502020104020203" pitchFamily="34" charset="0"/>
+                <a:cs typeface="B Nazanin" panose="00000400000000000000" pitchFamily="2" charset="-78"/>
               </a:rPr>
               <a:t>hit time on the 1stlevelcache</a:t>
             </a:r>
@@ -22344,6 +23061,7 @@
                   <a:srgbClr val="585858"/>
                 </a:solidFill>
                 <a:latin typeface="Gill Sans MT" panose="020B0502020104020203" pitchFamily="34" charset="0"/>
+                <a:cs typeface="B Nazanin" panose="00000400000000000000" pitchFamily="2" charset="-78"/>
               </a:rPr>
               <a:t>to reduce clock cycle</a:t>
             </a:r>
@@ -22355,6 +23073,7 @@
                   <a:srgbClr val="2A1A00"/>
                 </a:solidFill>
                 <a:latin typeface="Gill Sans MT" panose="020B0502020104020203" pitchFamily="34" charset="0"/>
+                <a:cs typeface="B Nazanin" panose="00000400000000000000" pitchFamily="2" charset="-78"/>
               </a:rPr>
               <a:t>–</a:t>
             </a:r>
@@ -22364,6 +23083,7 @@
                   <a:srgbClr val="585858"/>
                 </a:solidFill>
                 <a:latin typeface="Gill Sans MT" panose="020B0502020104020203" pitchFamily="34" charset="0"/>
+                <a:cs typeface="B Nazanin" panose="00000400000000000000" pitchFamily="2" charset="-78"/>
               </a:rPr>
               <a:t>try and optimize the </a:t>
             </a:r>
@@ -22373,6 +23093,7 @@
                   <a:srgbClr val="585858"/>
                 </a:solidFill>
                 <a:latin typeface="Gill Sans MT" panose="020B0502020104020203" pitchFamily="34" charset="0"/>
+                <a:cs typeface="B Nazanin" panose="00000400000000000000" pitchFamily="2" charset="-78"/>
               </a:rPr>
               <a:t>miss rate on the 2ndlevel cache </a:t>
             </a:r>
@@ -22382,6 +23103,7 @@
                   <a:srgbClr val="585858"/>
                 </a:solidFill>
                 <a:latin typeface="Gill Sans MT" panose="020B0502020104020203" pitchFamily="34" charset="0"/>
+                <a:cs typeface="B Nazanin" panose="00000400000000000000" pitchFamily="2" charset="-78"/>
               </a:rPr>
               <a:t>to reduce memory access penalties</a:t>
             </a:r>
@@ -22393,6 +23115,7 @@
                   <a:srgbClr val="2A1A00"/>
                 </a:solidFill>
                 <a:latin typeface="Gill Sans MT" panose="020B0502020104020203" pitchFamily="34" charset="0"/>
+                <a:cs typeface="B Nazanin" panose="00000400000000000000" pitchFamily="2" charset="-78"/>
               </a:rPr>
               <a:t>–</a:t>
             </a:r>
@@ -22402,6 +23125,7 @@
                   <a:srgbClr val="585858"/>
                 </a:solidFill>
                 <a:latin typeface="Gill Sans MT" panose="020B0502020104020203" pitchFamily="34" charset="0"/>
+                <a:cs typeface="B Nazanin" panose="00000400000000000000" pitchFamily="2" charset="-78"/>
               </a:rPr>
               <a:t>In other words, 2ndlevel allows 1stlevel to go for speed without “worrying” about failure… </a:t>
             </a:r>
@@ -22468,51 +23192,69 @@
           <a:p>
             <a:pPr algn="r" rtl="1"/>
             <a:r>
-              <a:rPr lang="fa-IR" dirty="0"/>
+              <a:rPr lang="fa-IR" dirty="0">
+                <a:cs typeface="B Nazanin" panose="00000400000000000000" pitchFamily="2" charset="-78"/>
+              </a:rPr>
               <a:t>• فرض کنید یک ماشین 500 مگاهرتز با</a:t>
             </a:r>
           </a:p>
           <a:p>
             <a:pPr algn="r" rtl="1"/>
             <a:r>
-              <a:rPr lang="fa-IR" dirty="0"/>
+              <a:rPr lang="fa-IR" dirty="0">
+                <a:cs typeface="B Nazanin" panose="00000400000000000000" pitchFamily="2" charset="-78"/>
+              </a:rPr>
               <a:t>– پایه </a:t>
             </a:r>
             <a:r>
-              <a:rPr lang="en-US" dirty="0"/>
+              <a:rPr lang="en-US" dirty="0">
+                <a:cs typeface="B Nazanin" panose="00000400000000000000" pitchFamily="2" charset="-78"/>
+              </a:rPr>
               <a:t>CPI 1.0</a:t>
             </a:r>
           </a:p>
           <a:p>
             <a:pPr algn="r" rtl="1"/>
             <a:r>
-              <a:rPr lang="en-US" dirty="0"/>
+              <a:rPr lang="en-US" dirty="0">
+                <a:cs typeface="B Nazanin" panose="00000400000000000000" pitchFamily="2" charset="-78"/>
+              </a:rPr>
               <a:t>– </a:t>
             </a:r>
             <a:r>
-              <a:rPr lang="fa-IR" dirty="0"/>
+              <a:rPr lang="fa-IR" dirty="0">
+                <a:cs typeface="B Nazanin" panose="00000400000000000000" pitchFamily="2" charset="-78"/>
+              </a:rPr>
               <a:t>زمان دسترسی به حافظه اصلی 200 </a:t>
             </a:r>
             <a:r>
-              <a:rPr lang="en-US" dirty="0"/>
+              <a:rPr lang="en-US" dirty="0">
+                <a:cs typeface="B Nazanin" panose="00000400000000000000" pitchFamily="2" charset="-78"/>
+              </a:rPr>
               <a:t>ns</a:t>
             </a:r>
           </a:p>
           <a:p>
             <a:pPr algn="r" rtl="1"/>
             <a:r>
-              <a:rPr lang="en-US" dirty="0"/>
+              <a:rPr lang="en-US" dirty="0">
+                <a:cs typeface="B Nazanin" panose="00000400000000000000" pitchFamily="2" charset="-78"/>
+              </a:rPr>
               <a:t>– </a:t>
             </a:r>
             <a:r>
-              <a:rPr lang="fa-IR" dirty="0"/>
+              <a:rPr lang="fa-IR" dirty="0">
+                <a:cs typeface="B Nazanin" panose="00000400000000000000" pitchFamily="2" charset="-78"/>
+              </a:rPr>
               <a:t>نرخ از دست دادن 5%</a:t>
             </a:r>
           </a:p>
           <a:p>
             <a:pPr algn="r" rtl="1"/>
             <a:r>
-              <a:rPr lang="fa-IR" dirty="0"/>
+              <a:rPr lang="fa-IR" dirty="0">
+                <a:cs typeface="B Nazanin" panose="00000400000000000000" pitchFamily="2" charset="-78"/>
+              </a:rPr>
               <a:t>•اگر یک حافظه نهان سطح دوم با زمان دسترسی 20 ثانیه اضافه کنیم که میزان خطا را به 2% کاهش می دهد، ماشین چقدر سریعتر خواهد بود؟</a:t>
             </a:r>
           </a:p>
@@ -22599,10 +23341,13 @@
                   <a:srgbClr val="2A1A00"/>
                 </a:solidFill>
                 <a:latin typeface="Impact" panose="020B0806030902050204" pitchFamily="34" charset="0"/>
+                <a:cs typeface="B Nazanin" panose="00000400000000000000" pitchFamily="2" charset="-78"/>
               </a:rPr>
               <a:t>EXAMPLE PROBLEMS</a:t>
             </a:r>
-            <a:endParaRPr lang="en-US" dirty="0"/>
+            <a:endParaRPr lang="en-US" dirty="0">
+              <a:cs typeface="B Nazanin" panose="00000400000000000000" pitchFamily="2" charset="-78"/>
+            </a:endParaRPr>
           </a:p>
         </p:txBody>
       </p:sp>
@@ -22637,12 +23382,14 @@
             <a:r>
               <a:rPr lang="en-US" sz="1800" b="0" i="0" u="none" strike="noStrike" baseline="0" dirty="0">
                 <a:latin typeface="Arial" panose="020B0604020202020204" pitchFamily="34" charset="0"/>
+                <a:cs typeface="B Nazanin" panose="00000400000000000000" pitchFamily="2" charset="-78"/>
               </a:rPr>
               <a:t>•</a:t>
             </a:r>
             <a:r>
               <a:rPr lang="en-US" sz="1800" b="0" i="0" u="none" strike="noStrike" baseline="0" dirty="0">
                 <a:latin typeface="Gill Sans MT" panose="020B0502020104020203" pitchFamily="34" charset="0"/>
+                <a:cs typeface="B Nazanin" panose="00000400000000000000" pitchFamily="2" charset="-78"/>
               </a:rPr>
               <a:t>Assume a 500 MHz machine with</a:t>
             </a:r>
@@ -22651,6 +23398,7 @@
             <a:r>
               <a:rPr lang="en-US" sz="1800" b="0" i="0" u="none" strike="noStrike" baseline="0" dirty="0">
                 <a:latin typeface="Gill Sans MT" panose="020B0502020104020203" pitchFamily="34" charset="0"/>
+                <a:cs typeface="B Nazanin" panose="00000400000000000000" pitchFamily="2" charset="-78"/>
               </a:rPr>
               <a:t>–base CPI 1.0</a:t>
             </a:r>
@@ -22659,6 +23407,7 @@
             <a:r>
               <a:rPr lang="en-US" sz="1800" b="0" i="0" u="none" strike="noStrike" baseline="0" dirty="0">
                 <a:latin typeface="Gill Sans MT" panose="020B0502020104020203" pitchFamily="34" charset="0"/>
+                <a:cs typeface="B Nazanin" panose="00000400000000000000" pitchFamily="2" charset="-78"/>
               </a:rPr>
               <a:t>–main memory access time 200 ns.</a:t>
             </a:r>
@@ -22667,6 +23416,7 @@
             <a:r>
               <a:rPr lang="en-US" sz="1800" b="0" i="0" u="none" strike="noStrike" baseline="0" dirty="0">
                 <a:latin typeface="Gill Sans MT" panose="020B0502020104020203" pitchFamily="34" charset="0"/>
+                <a:cs typeface="B Nazanin" panose="00000400000000000000" pitchFamily="2" charset="-78"/>
               </a:rPr>
               <a:t>–miss rate 5%</a:t>
             </a:r>
@@ -22675,17 +23425,20 @@
             <a:r>
               <a:rPr lang="en-US" sz="1800" b="0" i="0" u="none" strike="noStrike" baseline="0" dirty="0">
                 <a:latin typeface="Arial" panose="020B0604020202020204" pitchFamily="34" charset="0"/>
+                <a:cs typeface="B Nazanin" panose="00000400000000000000" pitchFamily="2" charset="-78"/>
               </a:rPr>
               <a:t>•</a:t>
             </a:r>
             <a:r>
               <a:rPr lang="en-US" sz="1800" b="0" i="1" u="none" strike="noStrike" baseline="0" dirty="0">
                 <a:latin typeface="Times New Roman" panose="02020603050405020304" pitchFamily="18" charset="0"/>
+                <a:cs typeface="B Nazanin" panose="00000400000000000000" pitchFamily="2" charset="-78"/>
               </a:rPr>
               <a:t>How much faster will the machine be if we add a second-level cache with 20ns access time that decreases the miss rate to 2%? </a:t>
             </a:r>
             <a:endParaRPr lang="en-US" sz="1800" b="0" i="0" u="none" strike="noStrike" baseline="0" dirty="0">
               <a:latin typeface="Times New Roman" panose="02020603050405020304" pitchFamily="18" charset="0"/>
+              <a:cs typeface="B Nazanin" panose="00000400000000000000" pitchFamily="2" charset="-78"/>
             </a:endParaRPr>
           </a:p>
         </p:txBody>
@@ -23051,6 +23804,7 @@
                 </a:solidFill>
                 <a:effectLst/>
                 <a:latin typeface="Roboto" panose="02000000000000000000" pitchFamily="2" charset="0"/>
+                <a:cs typeface="B Nazanin" panose="00000400000000000000" pitchFamily="2" charset="-78"/>
               </a:rPr>
               <a:t>• کاربران حافظه های بزرگ و سریع می خواهند…</a:t>
             </a:r>
@@ -23064,6 +23818,7 @@
                 </a:solidFill>
                 <a:effectLst/>
                 <a:latin typeface="Roboto" panose="02000000000000000000" pitchFamily="2" charset="0"/>
+                <a:cs typeface="B Nazanin" panose="00000400000000000000" pitchFamily="2" charset="-78"/>
               </a:rPr>
               <a:t>- گران است و دوست ندارند پول بدهند…</a:t>
             </a:r>
@@ -23077,6 +23832,7 @@
                 </a:solidFill>
                 <a:effectLst/>
                 <a:latin typeface="Roboto" panose="02000000000000000000" pitchFamily="2" charset="0"/>
+                <a:cs typeface="B Nazanin" panose="00000400000000000000" pitchFamily="2" charset="-78"/>
               </a:rPr>
               <a:t>• کاری کنید که به نظر برسد آنچه را که می خواهند…</a:t>
             </a:r>
@@ -23090,6 +23846,7 @@
                 </a:solidFill>
                 <a:effectLst/>
                 <a:latin typeface="Roboto" panose="02000000000000000000" pitchFamily="2" charset="0"/>
+                <a:cs typeface="B Nazanin" panose="00000400000000000000" pitchFamily="2" charset="-78"/>
               </a:rPr>
               <a:t>- سلسله مراتب حافظه</a:t>
             </a:r>
@@ -23103,6 +23860,7 @@
                 </a:solidFill>
                 <a:effectLst/>
                 <a:latin typeface="Roboto" panose="02000000000000000000" pitchFamily="2" charset="0"/>
+                <a:cs typeface="B Nazanin" panose="00000400000000000000" pitchFamily="2" charset="-78"/>
               </a:rPr>
               <a:t>- سلسله مراتب فراگیر است، هر سطح زیرمجموعه سطح پایین تر است</a:t>
             </a:r>
@@ -23116,6 +23874,7 @@
                 </a:solidFill>
                 <a:effectLst/>
                 <a:latin typeface="Roboto" panose="02000000000000000000" pitchFamily="2" charset="0"/>
+                <a:cs typeface="B Nazanin" panose="00000400000000000000" pitchFamily="2" charset="-78"/>
               </a:rPr>
               <a:t>- عملکرد به نرخ ضربه بستگی دارد</a:t>
             </a:r>
@@ -23203,6 +23962,7 @@
                   <a:srgbClr val="2A1A00"/>
                 </a:solidFill>
                 <a:latin typeface="Impact" panose="020B0806030902050204" pitchFamily="34" charset="0"/>
+                <a:cs typeface="B Nazanin" panose="00000400000000000000" pitchFamily="2" charset="-78"/>
               </a:rPr>
               <a:t>MEMORY HIERARCHY </a:t>
             </a:r>
@@ -23215,10 +23975,13 @@
                   <a:srgbClr val="2A1A00"/>
                 </a:solidFill>
                 <a:latin typeface="Impact" panose="020B0806030902050204" pitchFamily="34" charset="0"/>
+                <a:cs typeface="B Nazanin" panose="00000400000000000000" pitchFamily="2" charset="-78"/>
               </a:rPr>
               <a:t>سلسه مراتب حافظه</a:t>
             </a:r>
-            <a:endParaRPr lang="en-US" dirty="0"/>
+            <a:endParaRPr lang="en-US" dirty="0">
+              <a:cs typeface="B Nazanin" panose="00000400000000000000" pitchFamily="2" charset="-78"/>
+            </a:endParaRPr>
           </a:p>
         </p:txBody>
       </p:sp>
@@ -23256,6 +24019,7 @@
                   <a:srgbClr val="2A1A00"/>
                 </a:solidFill>
                 <a:latin typeface="Arial" panose="020B0604020202020204" pitchFamily="34" charset="0"/>
+                <a:cs typeface="B Nazanin" panose="00000400000000000000" pitchFamily="2" charset="-78"/>
               </a:rPr>
               <a:t>• Users want large and fast memories… </a:t>
             </a:r>
@@ -23267,6 +24031,7 @@
                   <a:srgbClr val="2A1A00"/>
                 </a:solidFill>
                 <a:latin typeface="Gill Sans MT" panose="020B0502020104020203" pitchFamily="34" charset="0"/>
+                <a:cs typeface="B Nazanin" panose="00000400000000000000" pitchFamily="2" charset="-78"/>
               </a:rPr>
               <a:t>– </a:t>
             </a:r>
@@ -23276,6 +24041,7 @@
                   <a:srgbClr val="585858"/>
                 </a:solidFill>
                 <a:latin typeface="Gill Sans MT" panose="020B0502020104020203" pitchFamily="34" charset="0"/>
+                <a:cs typeface="B Nazanin" panose="00000400000000000000" pitchFamily="2" charset="-78"/>
               </a:rPr>
               <a:t>expensive and they don’t like to pay… </a:t>
             </a:r>
@@ -23287,6 +24053,7 @@
                   <a:srgbClr val="2A1A00"/>
                 </a:solidFill>
                 <a:latin typeface="Arial" panose="020B0604020202020204" pitchFamily="34" charset="0"/>
+                <a:cs typeface="B Nazanin" panose="00000400000000000000" pitchFamily="2" charset="-78"/>
               </a:rPr>
               <a:t>• Make it seem like they have what they want… </a:t>
             </a:r>
@@ -23298,6 +24065,7 @@
                   <a:srgbClr val="2A1A00"/>
                 </a:solidFill>
                 <a:latin typeface="Gill Sans MT" panose="020B0502020104020203" pitchFamily="34" charset="0"/>
+                <a:cs typeface="B Nazanin" panose="00000400000000000000" pitchFamily="2" charset="-78"/>
               </a:rPr>
               <a:t>– memory hierarchy </a:t>
             </a:r>
@@ -23309,6 +24077,7 @@
                   <a:srgbClr val="2A1A00"/>
                 </a:solidFill>
                 <a:latin typeface="Gill Sans MT" panose="020B0502020104020203" pitchFamily="34" charset="0"/>
+                <a:cs typeface="B Nazanin" panose="00000400000000000000" pitchFamily="2" charset="-78"/>
               </a:rPr>
               <a:t>– </a:t>
             </a:r>
@@ -23318,6 +24087,7 @@
                   <a:srgbClr val="585858"/>
                 </a:solidFill>
                 <a:latin typeface="Gill Sans MT" panose="020B0502020104020203" pitchFamily="34" charset="0"/>
+                <a:cs typeface="B Nazanin" panose="00000400000000000000" pitchFamily="2" charset="-78"/>
               </a:rPr>
               <a:t>hierarchy is </a:t>
             </a:r>
@@ -23327,6 +24097,7 @@
                   <a:srgbClr val="585858"/>
                 </a:solidFill>
                 <a:latin typeface="Gill Sans MT" panose="020B0502020104020203" pitchFamily="34" charset="0"/>
+                <a:cs typeface="B Nazanin" panose="00000400000000000000" pitchFamily="2" charset="-78"/>
               </a:rPr>
               <a:t>inclusive</a:t>
             </a:r>
@@ -23336,6 +24107,7 @@
                   <a:srgbClr val="585858"/>
                 </a:solidFill>
                 <a:latin typeface="Gill Sans MT" panose="020B0502020104020203" pitchFamily="34" charset="0"/>
+                <a:cs typeface="B Nazanin" panose="00000400000000000000" pitchFamily="2" charset="-78"/>
               </a:rPr>
               <a:t>, every level is </a:t>
             </a:r>
@@ -23345,6 +24117,7 @@
                   <a:srgbClr val="585858"/>
                 </a:solidFill>
                 <a:latin typeface="Gill Sans MT" panose="020B0502020104020203" pitchFamily="34" charset="0"/>
+                <a:cs typeface="B Nazanin" panose="00000400000000000000" pitchFamily="2" charset="-78"/>
               </a:rPr>
               <a:t>subset </a:t>
             </a:r>
@@ -23354,6 +24127,7 @@
                   <a:srgbClr val="585858"/>
                 </a:solidFill>
                 <a:latin typeface="Gill Sans MT" panose="020B0502020104020203" pitchFamily="34" charset="0"/>
+                <a:cs typeface="B Nazanin" panose="00000400000000000000" pitchFamily="2" charset="-78"/>
               </a:rPr>
               <a:t>of lower level </a:t>
             </a:r>
@@ -23365,6 +24139,7 @@
                   <a:srgbClr val="2A1A00"/>
                 </a:solidFill>
                 <a:latin typeface="Gill Sans MT" panose="020B0502020104020203" pitchFamily="34" charset="0"/>
+                <a:cs typeface="B Nazanin" panose="00000400000000000000" pitchFamily="2" charset="-78"/>
               </a:rPr>
               <a:t>– </a:t>
             </a:r>
@@ -23374,6 +24149,7 @@
                   <a:srgbClr val="585858"/>
                 </a:solidFill>
                 <a:latin typeface="Gill Sans MT" panose="020B0502020104020203" pitchFamily="34" charset="0"/>
+                <a:cs typeface="B Nazanin" panose="00000400000000000000" pitchFamily="2" charset="-78"/>
               </a:rPr>
               <a:t>performance depends on </a:t>
             </a:r>
@@ -23383,6 +24159,7 @@
                   <a:srgbClr val="585858"/>
                 </a:solidFill>
                 <a:latin typeface="Gill Sans MT" panose="020B0502020104020203" pitchFamily="34" charset="0"/>
+                <a:cs typeface="B Nazanin" panose="00000400000000000000" pitchFamily="2" charset="-78"/>
               </a:rPr>
               <a:t>hit rates </a:t>
             </a:r>
@@ -23391,6 +24168,7 @@
                 <a:srgbClr val="585858"/>
               </a:solidFill>
               <a:latin typeface="Gill Sans MT" panose="020B0502020104020203" pitchFamily="34" charset="0"/>
+              <a:cs typeface="B Nazanin" panose="00000400000000000000" pitchFamily="2" charset="-78"/>
             </a:endParaRPr>
           </a:p>
         </p:txBody>
@@ -23491,6 +24269,7 @@
                 </a:solidFill>
                 <a:effectLst/>
                 <a:latin typeface="Roboto" panose="02000000000000000000" pitchFamily="2" charset="0"/>
+                <a:cs typeface="B Nazanin" panose="00000400000000000000" pitchFamily="2" charset="-78"/>
               </a:rPr>
               <a:t>• کجا می توان یک بلوک قرار داد</a:t>
             </a:r>
@@ -23504,6 +24283,7 @@
                 </a:solidFill>
                 <a:effectLst/>
                 <a:latin typeface="Roboto" panose="02000000000000000000" pitchFamily="2" charset="0"/>
+                <a:cs typeface="B Nazanin" panose="00000400000000000000" pitchFamily="2" charset="-78"/>
               </a:rPr>
               <a:t>• نحوه شناسایی یک بلوک در کش</a:t>
             </a:r>
@@ -23517,6 +24297,7 @@
                 </a:solidFill>
                 <a:effectLst/>
                 <a:latin typeface="Roboto" panose="02000000000000000000" pitchFamily="2" charset="0"/>
+                <a:cs typeface="B Nazanin" panose="00000400000000000000" pitchFamily="2" charset="-78"/>
               </a:rPr>
               <a:t>• سیاست تعویض</a:t>
             </a:r>
@@ -23604,6 +24385,7 @@
                   <a:srgbClr val="2A1A00"/>
                 </a:solidFill>
                 <a:latin typeface="Impact" panose="020B0806030902050204" pitchFamily="34" charset="0"/>
+                <a:cs typeface="B Nazanin" panose="00000400000000000000" pitchFamily="2" charset="-78"/>
               </a:rPr>
               <a:t>CACHE ISSUES</a:t>
             </a:r>
@@ -23612,6 +24394,7 @@
                 <a:srgbClr val="2A1A00"/>
               </a:solidFill>
               <a:latin typeface="Impact" panose="020B0806030902050204" pitchFamily="34" charset="0"/>
+              <a:cs typeface="B Nazanin" panose="00000400000000000000" pitchFamily="2" charset="-78"/>
             </a:endParaRPr>
           </a:p>
           <a:p>
@@ -23622,10 +24405,13 @@
                   <a:srgbClr val="2A1A00"/>
                 </a:solidFill>
                 <a:latin typeface="Impact" panose="020B0806030902050204" pitchFamily="34" charset="0"/>
+                <a:cs typeface="B Nazanin" panose="00000400000000000000" pitchFamily="2" charset="-78"/>
               </a:rPr>
               <a:t>اشکال حافظه موقت (کش)</a:t>
             </a:r>
-            <a:endParaRPr lang="en-US" dirty="0"/>
+            <a:endParaRPr lang="en-US" dirty="0">
+              <a:cs typeface="B Nazanin" panose="00000400000000000000" pitchFamily="2" charset="-78"/>
+            </a:endParaRPr>
           </a:p>
         </p:txBody>
       </p:sp>
@@ -23663,6 +24449,7 @@
                   <a:srgbClr val="2A1A00"/>
                 </a:solidFill>
                 <a:latin typeface="Arial" panose="020B0604020202020204" pitchFamily="34" charset="0"/>
+                <a:cs typeface="B Nazanin" panose="00000400000000000000" pitchFamily="2" charset="-78"/>
               </a:rPr>
               <a:t>•Where can a block be placed</a:t>
             </a:r>
@@ -23674,6 +24461,7 @@
                   <a:srgbClr val="2A1A00"/>
                 </a:solidFill>
                 <a:latin typeface="Arial" panose="020B0604020202020204" pitchFamily="34" charset="0"/>
+                <a:cs typeface="B Nazanin" panose="00000400000000000000" pitchFamily="2" charset="-78"/>
               </a:rPr>
               <a:t>•How to identify a block in a cache</a:t>
             </a:r>
@@ -23685,6 +24473,7 @@
                   <a:srgbClr val="2A1A00"/>
                 </a:solidFill>
                 <a:latin typeface="Arial" panose="020B0604020202020204" pitchFamily="34" charset="0"/>
+                <a:cs typeface="B Nazanin" panose="00000400000000000000" pitchFamily="2" charset="-78"/>
               </a:rPr>
               <a:t>•Replacement policy </a:t>
             </a:r>
@@ -23787,6 +24576,7 @@
                 </a:solidFill>
                 <a:effectLst/>
                 <a:latin typeface="Roboto" panose="02000000000000000000" pitchFamily="2" charset="0"/>
+                <a:cs typeface="B Nazanin" panose="00000400000000000000" pitchFamily="2" charset="-78"/>
               </a:rPr>
               <a:t>محلی بودن یک اصل است که داشتن سلسله مراتب حافظه را ایده خوبی می کند</a:t>
             </a:r>
@@ -23800,6 +24590,7 @@
                 </a:solidFill>
                 <a:effectLst/>
                 <a:latin typeface="Roboto" panose="02000000000000000000" pitchFamily="2" charset="0"/>
+                <a:cs typeface="B Nazanin" panose="00000400000000000000" pitchFamily="2" charset="-78"/>
               </a:rPr>
               <a:t>• اگر به یک آیتم ارجاع داده شده است، به دلیل</a:t>
             </a:r>
@@ -23813,6 +24604,7 @@
                 </a:solidFill>
                 <a:effectLst/>
                 <a:latin typeface="Roboto" panose="02000000000000000000" pitchFamily="2" charset="0"/>
+                <a:cs typeface="B Nazanin" panose="00000400000000000000" pitchFamily="2" charset="-78"/>
               </a:rPr>
               <a:t>-محل زمانی (مکان در زمان): همان مکان حافظه که دوباره به آن دسترسی پیدا کرد. </a:t>
             </a:r>
@@ -23823,6 +24615,7 @@
                 </a:solidFill>
                 <a:effectLst/>
                 <a:latin typeface="Roboto" panose="02000000000000000000" pitchFamily="2" charset="0"/>
+                <a:cs typeface="B Nazanin" panose="00000400000000000000" pitchFamily="2" charset="-78"/>
               </a:rPr>
               <a:t>EX: </a:t>
             </a:r>
@@ -23833,6 +24626,7 @@
                 </a:solidFill>
                 <a:effectLst/>
                 <a:latin typeface="Roboto" panose="02000000000000000000" pitchFamily="2" charset="0"/>
+                <a:cs typeface="B Nazanin" panose="00000400000000000000" pitchFamily="2" charset="-78"/>
               </a:rPr>
               <a:t>حلقه ها</a:t>
             </a:r>
@@ -23846,6 +24640,7 @@
                 </a:solidFill>
                 <a:effectLst/>
                 <a:latin typeface="Roboto" panose="02000000000000000000" pitchFamily="2" charset="0"/>
+                <a:cs typeface="B Nazanin" panose="00000400000000000000" pitchFamily="2" charset="-78"/>
               </a:rPr>
               <a:t>-موقعیت مکانی (محلی در فضا): موارد نزدیک به زودی ارجاع داده خواهند شد. دستورالعمل ها معمولاً به صورت متوالی قابل دسترسی هستند</a:t>
             </a:r>
@@ -23933,6 +24728,7 @@
                   <a:srgbClr val="2A1A00"/>
                 </a:solidFill>
                 <a:latin typeface="Impact" panose="020B0806030902050204" pitchFamily="34" charset="0"/>
+                <a:cs typeface="B Nazanin" panose="00000400000000000000" pitchFamily="2" charset="-78"/>
               </a:rPr>
               <a:t>LOCALITY</a:t>
             </a:r>
@@ -23945,10 +24741,13 @@
                   <a:srgbClr val="2A1A00"/>
                 </a:solidFill>
                 <a:latin typeface="Impact" panose="020B0806030902050204" pitchFamily="34" charset="0"/>
+                <a:cs typeface="B Nazanin" panose="00000400000000000000" pitchFamily="2" charset="-78"/>
               </a:rPr>
               <a:t>محلی</a:t>
             </a:r>
-            <a:endParaRPr lang="en-US" dirty="0"/>
+            <a:endParaRPr lang="en-US" dirty="0">
+              <a:cs typeface="B Nazanin" panose="00000400000000000000" pitchFamily="2" charset="-78"/>
+            </a:endParaRPr>
           </a:p>
         </p:txBody>
       </p:sp>
@@ -23986,6 +24785,7 @@
                   <a:srgbClr val="585858"/>
                 </a:solidFill>
                 <a:latin typeface="Gill Sans MT" panose="020B0502020104020203" pitchFamily="34" charset="0"/>
+                <a:cs typeface="B Nazanin" panose="00000400000000000000" pitchFamily="2" charset="-78"/>
               </a:rPr>
               <a:t>Locality</a:t>
             </a:r>
@@ -23995,6 +24795,7 @@
                   <a:srgbClr val="585858"/>
                 </a:solidFill>
                 <a:latin typeface="Gill Sans MT" panose="020B0502020104020203" pitchFamily="34" charset="0"/>
+                <a:cs typeface="B Nazanin" panose="00000400000000000000" pitchFamily="2" charset="-78"/>
               </a:rPr>
               <a:t>is</a:t>
             </a:r>
@@ -24004,6 +24805,7 @@
                   <a:srgbClr val="585858"/>
                 </a:solidFill>
                 <a:latin typeface="Gill Sans MT" panose="020B0502020104020203" pitchFamily="34" charset="0"/>
+                <a:cs typeface="B Nazanin" panose="00000400000000000000" pitchFamily="2" charset="-78"/>
               </a:rPr>
               <a:t> a principle that makes having a memory hierarchy a good idea</a:t>
             </a:r>
@@ -24015,6 +24817,7 @@
                   <a:srgbClr val="2A1A00"/>
                 </a:solidFill>
                 <a:latin typeface="Arial" panose="020B0604020202020204" pitchFamily="34" charset="0"/>
+                <a:cs typeface="B Nazanin" panose="00000400000000000000" pitchFamily="2" charset="-78"/>
               </a:rPr>
               <a:t>•If an item is referenced then because of</a:t>
             </a:r>
@@ -24026,6 +24829,7 @@
                   <a:srgbClr val="2A1A00"/>
                 </a:solidFill>
                 <a:latin typeface="Gill Sans MT" panose="020B0502020104020203" pitchFamily="34" charset="0"/>
+                <a:cs typeface="B Nazanin" panose="00000400000000000000" pitchFamily="2" charset="-78"/>
               </a:rPr>
               <a:t>–</a:t>
             </a:r>
@@ -24035,6 +24839,7 @@
                   <a:srgbClr val="585858"/>
                 </a:solidFill>
                 <a:latin typeface="Gill Sans MT" panose="020B0502020104020203" pitchFamily="34" charset="0"/>
+                <a:cs typeface="B Nazanin" panose="00000400000000000000" pitchFamily="2" charset="-78"/>
               </a:rPr>
               <a:t>temporal locality (locality in time)</a:t>
             </a:r>
@@ -24044,6 +24849,7 @@
                   <a:srgbClr val="585858"/>
                 </a:solidFill>
                 <a:latin typeface="Gill Sans MT" panose="020B0502020104020203" pitchFamily="34" charset="0"/>
+                <a:cs typeface="B Nazanin" panose="00000400000000000000" pitchFamily="2" charset="-78"/>
               </a:rPr>
               <a:t>: Same memory location accessed again. EX: loops </a:t>
             </a:r>
@@ -24055,6 +24861,7 @@
                   <a:srgbClr val="2A1A00"/>
                 </a:solidFill>
                 <a:latin typeface="Gill Sans MT" panose="020B0502020104020203" pitchFamily="34" charset="0"/>
+                <a:cs typeface="B Nazanin" panose="00000400000000000000" pitchFamily="2" charset="-78"/>
               </a:rPr>
               <a:t>–</a:t>
             </a:r>
@@ -24064,6 +24871,7 @@
                   <a:srgbClr val="585858"/>
                 </a:solidFill>
                 <a:latin typeface="Gill Sans MT" panose="020B0502020104020203" pitchFamily="34" charset="0"/>
+                <a:cs typeface="B Nazanin" panose="00000400000000000000" pitchFamily="2" charset="-78"/>
               </a:rPr>
               <a:t>spatial locality (locality in space)</a:t>
             </a:r>
@@ -24073,6 +24881,7 @@
                   <a:srgbClr val="585858"/>
                 </a:solidFill>
                 <a:latin typeface="Gill Sans MT" panose="020B0502020104020203" pitchFamily="34" charset="0"/>
+                <a:cs typeface="B Nazanin" panose="00000400000000000000" pitchFamily="2" charset="-78"/>
               </a:rPr>
               <a:t>: </a:t>
             </a:r>
@@ -24082,6 +24891,7 @@
                   <a:srgbClr val="585858"/>
                 </a:solidFill>
                 <a:latin typeface="Gill Sans MT" panose="020B0502020104020203" pitchFamily="34" charset="0"/>
+                <a:cs typeface="B Nazanin" panose="00000400000000000000" pitchFamily="2" charset="-78"/>
               </a:rPr>
               <a:t>nearby </a:t>
             </a:r>
@@ -24091,6 +24901,7 @@
                   <a:srgbClr val="585858"/>
                 </a:solidFill>
                 <a:latin typeface="Gill Sans MT" panose="020B0502020104020203" pitchFamily="34" charset="0"/>
+                <a:cs typeface="B Nazanin" panose="00000400000000000000" pitchFamily="2" charset="-78"/>
               </a:rPr>
               <a:t>items</a:t>
             </a:r>
@@ -24100,6 +24911,7 @@
                   <a:srgbClr val="585858"/>
                 </a:solidFill>
                 <a:latin typeface="Gill Sans MT" panose="020B0502020104020203" pitchFamily="34" charset="0"/>
+                <a:cs typeface="B Nazanin" panose="00000400000000000000" pitchFamily="2" charset="-78"/>
               </a:rPr>
               <a:t>will</a:t>
             </a:r>
@@ -24109,6 +24921,7 @@
                   <a:srgbClr val="585858"/>
                 </a:solidFill>
                 <a:latin typeface="Gill Sans MT" panose="020B0502020104020203" pitchFamily="34" charset="0"/>
+                <a:cs typeface="B Nazanin" panose="00000400000000000000" pitchFamily="2" charset="-78"/>
               </a:rPr>
               <a:t> tend to be referenced soon. Instructions are normally accessed sequentially </a:t>
             </a:r>
@@ -24181,6 +24994,7 @@
                 </a:solidFill>
                 <a:effectLst/>
                 <a:latin typeface="Roboto" panose="02000000000000000000" pitchFamily="2" charset="0"/>
+                <a:cs typeface="B Nazanin" panose="00000400000000000000" pitchFamily="2" charset="-78"/>
               </a:rPr>
               <a:t>• در سلسله مراتب حافظه روی هر دو سطح مجاور – به نام بالا (نزدیک به </a:t>
             </a:r>
@@ -24191,6 +25005,7 @@
                 </a:solidFill>
                 <a:effectLst/>
                 <a:latin typeface="Roboto" panose="02000000000000000000" pitchFamily="2" charset="0"/>
+                <a:cs typeface="B Nazanin" panose="00000400000000000000" pitchFamily="2" charset="-78"/>
               </a:rPr>
               <a:t>CPU) </a:t>
             </a:r>
@@ -24201,6 +25016,7 @@
                 </a:solidFill>
                 <a:effectLst/>
                 <a:latin typeface="Roboto" panose="02000000000000000000" pitchFamily="2" charset="0"/>
+                <a:cs typeface="B Nazanin" panose="00000400000000000000" pitchFamily="2" charset="-78"/>
               </a:rPr>
               <a:t>و پایین (دورتر از </a:t>
             </a:r>
@@ -24211,6 +25027,7 @@
                 </a:solidFill>
                 <a:effectLst/>
                 <a:latin typeface="Roboto" panose="02000000000000000000" pitchFamily="2" charset="0"/>
+                <a:cs typeface="B Nazanin" panose="00000400000000000000" pitchFamily="2" charset="-78"/>
               </a:rPr>
               <a:t>CPU) – </a:t>
             </a:r>
@@ -24221,6 +25038,7 @@
                 </a:solidFill>
                 <a:effectLst/>
                 <a:latin typeface="Roboto" panose="02000000000000000000" pitchFamily="2" charset="0"/>
+                <a:cs typeface="B Nazanin" panose="00000400000000000000" pitchFamily="2" charset="-78"/>
               </a:rPr>
               <a:t>تمرکز کنید، زیرا هر بلوک کپی همیشه بین دو سطح مجاور قرار دارد.</a:t>
             </a:r>
@@ -24233,6 +25051,7 @@
               </a:solidFill>
               <a:effectLst/>
               <a:latin typeface="Roboto" panose="02000000000000000000" pitchFamily="2" charset="0"/>
+              <a:cs typeface="B Nazanin" panose="00000400000000000000" pitchFamily="2" charset="-78"/>
             </a:endParaRPr>
           </a:p>
           <a:p>
@@ -24244,6 +25063,7 @@
                 </a:solidFill>
                 <a:effectLst/>
                 <a:latin typeface="Roboto" panose="02000000000000000000" pitchFamily="2" charset="0"/>
+                <a:cs typeface="B Nazanin" panose="00000400000000000000" pitchFamily="2" charset="-78"/>
               </a:rPr>
               <a:t>•واژه شناسی:</a:t>
             </a:r>
@@ -24257,6 +25077,7 @@
                 </a:solidFill>
                 <a:effectLst/>
                 <a:latin typeface="Roboto" panose="02000000000000000000" pitchFamily="2" charset="0"/>
+                <a:cs typeface="B Nazanin" panose="00000400000000000000" pitchFamily="2" charset="-78"/>
               </a:rPr>
               <a:t>-</a:t>
             </a:r>
@@ -24267,6 +25088,7 @@
                 </a:solidFill>
                 <a:effectLst/>
                 <a:latin typeface="Roboto" panose="02000000000000000000" pitchFamily="2" charset="0"/>
+                <a:cs typeface="B Nazanin" panose="00000400000000000000" pitchFamily="2" charset="-78"/>
               </a:rPr>
               <a:t>block: </a:t>
             </a:r>
@@ -24277,6 +25099,7 @@
                 </a:solidFill>
                 <a:effectLst/>
                 <a:latin typeface="Roboto" panose="02000000000000000000" pitchFamily="2" charset="0"/>
+                <a:cs typeface="B Nazanin" panose="00000400000000000000" pitchFamily="2" charset="-78"/>
               </a:rPr>
               <a:t>حداقل واحد داده برای جابجایی بین سطوح</a:t>
             </a:r>
@@ -24290,6 +25113,7 @@
                 </a:solidFill>
                 <a:effectLst/>
                 <a:latin typeface="Roboto" panose="02000000000000000000" pitchFamily="2" charset="0"/>
+                <a:cs typeface="B Nazanin" panose="00000400000000000000" pitchFamily="2" charset="-78"/>
               </a:rPr>
               <a:t>–</a:t>
             </a:r>
@@ -24300,6 +25124,7 @@
                 </a:solidFill>
                 <a:effectLst/>
                 <a:latin typeface="Roboto" panose="02000000000000000000" pitchFamily="2" charset="0"/>
+                <a:cs typeface="B Nazanin" panose="00000400000000000000" pitchFamily="2" charset="-78"/>
               </a:rPr>
               <a:t>hit: </a:t>
             </a:r>
@@ -24310,6 +25135,7 @@
                 </a:solidFill>
                 <a:effectLst/>
                 <a:latin typeface="Roboto" panose="02000000000000000000" pitchFamily="2" charset="0"/>
+                <a:cs typeface="B Nazanin" panose="00000400000000000000" pitchFamily="2" charset="-78"/>
               </a:rPr>
               <a:t>داده های درخواستی در حافظه پنهان هستند</a:t>
             </a:r>
@@ -24323,6 +25149,7 @@
                 </a:solidFill>
                 <a:effectLst/>
                 <a:latin typeface="Roboto" panose="02000000000000000000" pitchFamily="2" charset="0"/>
+                <a:cs typeface="B Nazanin" panose="00000400000000000000" pitchFamily="2" charset="-78"/>
               </a:rPr>
               <a:t>– </a:t>
             </a:r>
@@ -24333,6 +25160,7 @@
                 </a:solidFill>
                 <a:effectLst/>
                 <a:latin typeface="Roboto" panose="02000000000000000000" pitchFamily="2" charset="0"/>
+                <a:cs typeface="B Nazanin" panose="00000400000000000000" pitchFamily="2" charset="-78"/>
               </a:rPr>
               <a:t>miss: </a:t>
             </a:r>
@@ -24343,6 +25171,7 @@
                 </a:solidFill>
                 <a:effectLst/>
                 <a:latin typeface="Roboto" panose="02000000000000000000" pitchFamily="2" charset="0"/>
+                <a:cs typeface="B Nazanin" panose="00000400000000000000" pitchFamily="2" charset="-78"/>
               </a:rPr>
               <a:t>داده های درخواستی در حافظه پنهان نیستند</a:t>
             </a:r>
@@ -24356,6 +25185,7 @@
                 </a:solidFill>
                 <a:effectLst/>
                 <a:latin typeface="Roboto" panose="02000000000000000000" pitchFamily="2" charset="0"/>
+                <a:cs typeface="B Nazanin" panose="00000400000000000000" pitchFamily="2" charset="-78"/>
               </a:rPr>
               <a:t>– نرخ ضربه: کسری از دسترسی‌های حافظه‌ای که بازدید دارند (یعنی در حافظه پنهان یافت می‌شوند)</a:t>
             </a:r>
@@ -24369,6 +25199,7 @@
                 </a:solidFill>
                 <a:effectLst/>
                 <a:latin typeface="Roboto" panose="02000000000000000000" pitchFamily="2" charset="0"/>
+                <a:cs typeface="B Nazanin" panose="00000400000000000000" pitchFamily="2" charset="-78"/>
               </a:rPr>
               <a:t>– </a:t>
             </a:r>
@@ -24379,6 +25210,7 @@
                 </a:solidFill>
                 <a:effectLst/>
                 <a:latin typeface="Roboto" panose="02000000000000000000" pitchFamily="2" charset="0"/>
+                <a:cs typeface="B Nazanin" panose="00000400000000000000" pitchFamily="2" charset="-78"/>
               </a:rPr>
               <a:t>miss rate: </a:t>
             </a:r>
@@ -24389,6 +25221,7 @@
                 </a:solidFill>
                 <a:effectLst/>
                 <a:latin typeface="Roboto" panose="02000000000000000000" pitchFamily="2" charset="0"/>
+                <a:cs typeface="B Nazanin" panose="00000400000000000000" pitchFamily="2" charset="-78"/>
               </a:rPr>
               <a:t>کسری از دسترسی‌های حافظه‌ای که بازدید ندارند</a:t>
             </a:r>
@@ -24402,6 +25235,7 @@
                 </a:solidFill>
                 <a:effectLst/>
                 <a:latin typeface="Roboto" panose="02000000000000000000" pitchFamily="2" charset="0"/>
+                <a:cs typeface="B Nazanin" panose="00000400000000000000" pitchFamily="2" charset="-78"/>
               </a:rPr>
               <a:t>• نرخ از دست دادن = 1 - نرخ ضربه</a:t>
             </a:r>
@@ -24415,6 +25249,7 @@
                 </a:solidFill>
                 <a:effectLst/>
                 <a:latin typeface="Roboto" panose="02000000000000000000" pitchFamily="2" charset="0"/>
+                <a:cs typeface="B Nazanin" panose="00000400000000000000" pitchFamily="2" charset="-78"/>
               </a:rPr>
               <a:t>–</a:t>
             </a:r>
@@ -24425,6 +25260,7 @@
                 </a:solidFill>
                 <a:effectLst/>
                 <a:latin typeface="Roboto" panose="02000000000000000000" pitchFamily="2" charset="0"/>
+                <a:cs typeface="B Nazanin" panose="00000400000000000000" pitchFamily="2" charset="-78"/>
               </a:rPr>
               <a:t>hit time: </a:t>
             </a:r>
@@ -24435,6 +25271,7 @@
                 </a:solidFill>
                 <a:effectLst/>
                 <a:latin typeface="Roboto" panose="02000000000000000000" pitchFamily="2" charset="0"/>
+                <a:cs typeface="B Nazanin" panose="00000400000000000000" pitchFamily="2" charset="-78"/>
               </a:rPr>
               <a:t>زمان تعیین اینکه آیا دسترسی واقعاً یک ضربه است + زمان دسترسی و تحویل داده ها از حافظه پنهان به </a:t>
             </a:r>
@@ -24445,6 +25282,7 @@
                 </a:solidFill>
                 <a:effectLst/>
                 <a:latin typeface="Roboto" panose="02000000000000000000" pitchFamily="2" charset="0"/>
+                <a:cs typeface="B Nazanin" panose="00000400000000000000" pitchFamily="2" charset="-78"/>
               </a:rPr>
               <a:t>CPU</a:t>
             </a:r>
@@ -24458,6 +25296,7 @@
                 </a:solidFill>
                 <a:effectLst/>
                 <a:latin typeface="Roboto" panose="02000000000000000000" pitchFamily="2" charset="0"/>
+                <a:cs typeface="B Nazanin" panose="00000400000000000000" pitchFamily="2" charset="-78"/>
               </a:rPr>
               <a:t>– </a:t>
             </a:r>
@@ -24468,6 +25307,7 @@
                 </a:solidFill>
                 <a:effectLst/>
                 <a:latin typeface="Roboto" panose="02000000000000000000" pitchFamily="2" charset="0"/>
+                <a:cs typeface="B Nazanin" panose="00000400000000000000" pitchFamily="2" charset="-78"/>
               </a:rPr>
               <a:t>پنالتی از دست دادن: زمان تعیین اینکه آیا دسترسی یک خطا است + زمان جایگزینی بلوک در سطح بالا با بلوک مربوطه در سطح پایین تر + زمان تحویل بلوک به </a:t>
             </a:r>
@@ -24478,6 +25318,7 @@
                 </a:solidFill>
                 <a:effectLst/>
                 <a:latin typeface="Roboto" panose="02000000000000000000" pitchFamily="2" charset="0"/>
+                <a:cs typeface="B Nazanin" panose="00000400000000000000" pitchFamily="2" charset="-78"/>
               </a:rPr>
               <a:t>CPU</a:t>
             </a:r>
@@ -24487,6 +25328,7 @@
               </a:solidFill>
               <a:effectLst/>
               <a:latin typeface="Roboto" panose="02000000000000000000" pitchFamily="2" charset="0"/>
+              <a:cs typeface="B Nazanin" panose="00000400000000000000" pitchFamily="2" charset="-78"/>
             </a:endParaRPr>
           </a:p>
         </p:txBody>
@@ -24573,10 +25415,13 @@
                   <a:srgbClr val="2A1A00"/>
                 </a:solidFill>
                 <a:latin typeface="Impact" panose="020B0806030902050204" pitchFamily="34" charset="0"/>
+                <a:cs typeface="B Nazanin" panose="00000400000000000000" pitchFamily="2" charset="-78"/>
               </a:rPr>
               <a:t>HIT AND MISS</a:t>
             </a:r>
-            <a:endParaRPr lang="en-US" dirty="0"/>
+            <a:endParaRPr lang="en-US" dirty="0">
+              <a:cs typeface="B Nazanin" panose="00000400000000000000" pitchFamily="2" charset="-78"/>
+            </a:endParaRPr>
           </a:p>
         </p:txBody>
       </p:sp>
@@ -24614,6 +25459,7 @@
                   <a:srgbClr val="2A1A00"/>
                 </a:solidFill>
                 <a:latin typeface="Arial" panose="020B0604020202020204" pitchFamily="34" charset="0"/>
+                <a:cs typeface="B Nazanin" panose="00000400000000000000" pitchFamily="2" charset="-78"/>
               </a:rPr>
               <a:t>•</a:t>
             </a:r>
@@ -24623,6 +25469,7 @@
                   <a:srgbClr val="585858"/>
                 </a:solidFill>
                 <a:latin typeface="Gill Sans MT" panose="020B0502020104020203" pitchFamily="34" charset="0"/>
+                <a:cs typeface="B Nazanin" panose="00000400000000000000" pitchFamily="2" charset="-78"/>
               </a:rPr>
               <a:t>Focus on </a:t>
             </a:r>
@@ -24632,6 +25479,7 @@
                   <a:srgbClr val="585858"/>
                 </a:solidFill>
                 <a:latin typeface="Gill Sans MT" panose="020B0502020104020203" pitchFamily="34" charset="0"/>
+                <a:cs typeface="B Nazanin" panose="00000400000000000000" pitchFamily="2" charset="-78"/>
               </a:rPr>
               <a:t>anytwo</a:t>
             </a:r>
@@ -24641,6 +25489,7 @@
                   <a:srgbClr val="585858"/>
                 </a:solidFill>
                 <a:latin typeface="Gill Sans MT" panose="020B0502020104020203" pitchFamily="34" charset="0"/>
+                <a:cs typeface="B Nazanin" panose="00000400000000000000" pitchFamily="2" charset="-78"/>
               </a:rPr>
               <a:t> </a:t>
             </a:r>
@@ -24650,6 +25499,7 @@
                   <a:srgbClr val="585858"/>
                 </a:solidFill>
                 <a:latin typeface="Gill Sans MT" panose="020B0502020104020203" pitchFamily="34" charset="0"/>
+                <a:cs typeface="B Nazanin" panose="00000400000000000000" pitchFamily="2" charset="-78"/>
               </a:rPr>
               <a:t>adjacent</a:t>
             </a:r>
@@ -24659,6 +25509,7 @@
                   <a:srgbClr val="585858"/>
                 </a:solidFill>
                 <a:latin typeface="Gill Sans MT" panose="020B0502020104020203" pitchFamily="34" charset="0"/>
+                <a:cs typeface="B Nazanin" panose="00000400000000000000" pitchFamily="2" charset="-78"/>
               </a:rPr>
               <a:t>levels</a:t>
             </a:r>
@@ -24668,6 +25519,7 @@
                   <a:srgbClr val="585858"/>
                 </a:solidFill>
                 <a:latin typeface="Gill Sans MT" panose="020B0502020104020203" pitchFamily="34" charset="0"/>
+                <a:cs typeface="B Nazanin" panose="00000400000000000000" pitchFamily="2" charset="-78"/>
               </a:rPr>
               <a:t> –called, </a:t>
             </a:r>
@@ -24677,6 +25529,7 @@
                   <a:srgbClr val="585858"/>
                 </a:solidFill>
                 <a:latin typeface="Gill Sans MT" panose="020B0502020104020203" pitchFamily="34" charset="0"/>
+                <a:cs typeface="B Nazanin" panose="00000400000000000000" pitchFamily="2" charset="-78"/>
               </a:rPr>
               <a:t>upper</a:t>
             </a:r>
@@ -24686,6 +25539,7 @@
                   <a:srgbClr val="585858"/>
                 </a:solidFill>
                 <a:latin typeface="Gill Sans MT" panose="020B0502020104020203" pitchFamily="34" charset="0"/>
+                <a:cs typeface="B Nazanin" panose="00000400000000000000" pitchFamily="2" charset="-78"/>
               </a:rPr>
               <a:t>(closer to CPU) </a:t>
             </a:r>
@@ -24695,6 +25549,7 @@
                   <a:srgbClr val="585858"/>
                 </a:solidFill>
                 <a:latin typeface="Gill Sans MT" panose="020B0502020104020203" pitchFamily="34" charset="0"/>
+                <a:cs typeface="B Nazanin" panose="00000400000000000000" pitchFamily="2" charset="-78"/>
               </a:rPr>
               <a:t>and</a:t>
             </a:r>
@@ -24704,6 +25559,7 @@
                   <a:srgbClr val="585858"/>
                 </a:solidFill>
                 <a:latin typeface="Gill Sans MT" panose="020B0502020104020203" pitchFamily="34" charset="0"/>
+                <a:cs typeface="B Nazanin" panose="00000400000000000000" pitchFamily="2" charset="-78"/>
               </a:rPr>
               <a:t>lower</a:t>
             </a:r>
@@ -24713,6 +25569,7 @@
                   <a:srgbClr val="585858"/>
                 </a:solidFill>
                 <a:latin typeface="Gill Sans MT" panose="020B0502020104020203" pitchFamily="34" charset="0"/>
+                <a:cs typeface="B Nazanin" panose="00000400000000000000" pitchFamily="2" charset="-78"/>
               </a:rPr>
               <a:t> </a:t>
             </a:r>
@@ -24722,6 +25579,7 @@
                   <a:srgbClr val="585858"/>
                 </a:solidFill>
                 <a:latin typeface="Gill Sans MT" panose="020B0502020104020203" pitchFamily="34" charset="0"/>
+                <a:cs typeface="B Nazanin" panose="00000400000000000000" pitchFamily="2" charset="-78"/>
               </a:rPr>
               <a:t>(farther from CPU) –in the memory hierarchy, because each block copy is always between two adjacent levels</a:t>
             </a:r>
@@ -24733,6 +25591,7 @@
                 <a:srgbClr val="000000"/>
               </a:solidFill>
               <a:latin typeface="Arial" panose="020B0604020202020204" pitchFamily="34" charset="0"/>
+              <a:cs typeface="B Nazanin" panose="00000400000000000000" pitchFamily="2" charset="-78"/>
             </a:endParaRPr>
           </a:p>
           <a:p>
@@ -24742,6 +25601,7 @@
                   <a:srgbClr val="2A1A00"/>
                 </a:solidFill>
                 <a:latin typeface="Arial" panose="020B0604020202020204" pitchFamily="34" charset="0"/>
+                <a:cs typeface="B Nazanin" panose="00000400000000000000" pitchFamily="2" charset="-78"/>
               </a:rPr>
               <a:t>•Terminology: </a:t>
             </a:r>
@@ -24753,6 +25613,7 @@
                   <a:srgbClr val="2A1A00"/>
                 </a:solidFill>
                 <a:latin typeface="Gill Sans MT" panose="020B0502020104020203" pitchFamily="34" charset="0"/>
+                <a:cs typeface="B Nazanin" panose="00000400000000000000" pitchFamily="2" charset="-78"/>
               </a:rPr>
               <a:t>–</a:t>
             </a:r>
@@ -24762,6 +25623,7 @@
                   <a:srgbClr val="585858"/>
                 </a:solidFill>
                 <a:latin typeface="Gill Sans MT" panose="020B0502020104020203" pitchFamily="34" charset="0"/>
+                <a:cs typeface="B Nazanin" panose="00000400000000000000" pitchFamily="2" charset="-78"/>
               </a:rPr>
               <a:t>block</a:t>
             </a:r>
@@ -24771,6 +25633,7 @@
                   <a:srgbClr val="585858"/>
                 </a:solidFill>
                 <a:latin typeface="Gill Sans MT" panose="020B0502020104020203" pitchFamily="34" charset="0"/>
+                <a:cs typeface="B Nazanin" panose="00000400000000000000" pitchFamily="2" charset="-78"/>
               </a:rPr>
               <a:t>: minimum unit of data to move between levels</a:t>
             </a:r>
@@ -24782,6 +25645,7 @@
                   <a:srgbClr val="2A1A00"/>
                 </a:solidFill>
                 <a:latin typeface="Gill Sans MT" panose="020B0502020104020203" pitchFamily="34" charset="0"/>
+                <a:cs typeface="B Nazanin" panose="00000400000000000000" pitchFamily="2" charset="-78"/>
               </a:rPr>
               <a:t>–</a:t>
             </a:r>
@@ -24791,6 +25655,7 @@
                   <a:srgbClr val="585858"/>
                 </a:solidFill>
                 <a:latin typeface="Gill Sans MT" panose="020B0502020104020203" pitchFamily="34" charset="0"/>
+                <a:cs typeface="B Nazanin" panose="00000400000000000000" pitchFamily="2" charset="-78"/>
               </a:rPr>
               <a:t>hit</a:t>
             </a:r>
@@ -24800,6 +25665,7 @@
                   <a:srgbClr val="585858"/>
                 </a:solidFill>
                 <a:latin typeface="Gill Sans MT" panose="020B0502020104020203" pitchFamily="34" charset="0"/>
+                <a:cs typeface="B Nazanin" panose="00000400000000000000" pitchFamily="2" charset="-78"/>
               </a:rPr>
               <a:t>: data requested is in cache</a:t>
             </a:r>
@@ -24811,6 +25677,7 @@
                   <a:srgbClr val="2A1A00"/>
                 </a:solidFill>
                 <a:latin typeface="Gill Sans MT" panose="020B0502020104020203" pitchFamily="34" charset="0"/>
+                <a:cs typeface="B Nazanin" panose="00000400000000000000" pitchFamily="2" charset="-78"/>
               </a:rPr>
               <a:t>–miss: data requested is not in cache</a:t>
             </a:r>
@@ -24822,6 +25689,7 @@
                   <a:srgbClr val="2A1A00"/>
                 </a:solidFill>
                 <a:latin typeface="Gill Sans MT" panose="020B0502020104020203" pitchFamily="34" charset="0"/>
+                <a:cs typeface="B Nazanin" panose="00000400000000000000" pitchFamily="2" charset="-78"/>
               </a:rPr>
               <a:t>–</a:t>
             </a:r>
@@ -24831,6 +25699,7 @@
                   <a:srgbClr val="585858"/>
                 </a:solidFill>
                 <a:latin typeface="Gill Sans MT" panose="020B0502020104020203" pitchFamily="34" charset="0"/>
+                <a:cs typeface="B Nazanin" panose="00000400000000000000" pitchFamily="2" charset="-78"/>
               </a:rPr>
               <a:t>hit rate</a:t>
             </a:r>
@@ -24840,6 +25709,7 @@
                   <a:srgbClr val="585858"/>
                 </a:solidFill>
                 <a:latin typeface="Gill Sans MT" panose="020B0502020104020203" pitchFamily="34" charset="0"/>
+                <a:cs typeface="B Nazanin" panose="00000400000000000000" pitchFamily="2" charset="-78"/>
               </a:rPr>
               <a:t>: fraction of memory accesses that are hits (i.e., found at cache)</a:t>
             </a:r>
@@ -24851,6 +25721,7 @@
                   <a:srgbClr val="2A1A00"/>
                 </a:solidFill>
                 <a:latin typeface="Gill Sans MT" panose="020B0502020104020203" pitchFamily="34" charset="0"/>
+                <a:cs typeface="B Nazanin" panose="00000400000000000000" pitchFamily="2" charset="-78"/>
               </a:rPr>
               <a:t>–</a:t>
             </a:r>
@@ -24860,6 +25731,7 @@
                   <a:srgbClr val="585858"/>
                 </a:solidFill>
                 <a:latin typeface="Gill Sans MT" panose="020B0502020104020203" pitchFamily="34" charset="0"/>
+                <a:cs typeface="B Nazanin" panose="00000400000000000000" pitchFamily="2" charset="-78"/>
               </a:rPr>
               <a:t>miss rate</a:t>
             </a:r>
@@ -24869,6 +25741,7 @@
                   <a:srgbClr val="585858"/>
                 </a:solidFill>
                 <a:latin typeface="Gill Sans MT" panose="020B0502020104020203" pitchFamily="34" charset="0"/>
+                <a:cs typeface="B Nazanin" panose="00000400000000000000" pitchFamily="2" charset="-78"/>
               </a:rPr>
               <a:t>: fraction of memory accesses that are not hits</a:t>
             </a:r>
@@ -24880,6 +25753,7 @@
                   <a:srgbClr val="2A1A00"/>
                 </a:solidFill>
                 <a:latin typeface="Arial" panose="020B0604020202020204" pitchFamily="34" charset="0"/>
+                <a:cs typeface="B Nazanin" panose="00000400000000000000" pitchFamily="2" charset="-78"/>
               </a:rPr>
               <a:t>•</a:t>
             </a:r>
@@ -24889,6 +25763,7 @@
                   <a:srgbClr val="585858"/>
                 </a:solidFill>
                 <a:latin typeface="Gill Sans MT" panose="020B0502020104020203" pitchFamily="34" charset="0"/>
+                <a:cs typeface="B Nazanin" panose="00000400000000000000" pitchFamily="2" charset="-78"/>
               </a:rPr>
               <a:t>miss rate = 1 –hit rate</a:t>
             </a:r>
@@ -24900,6 +25775,7 @@
                   <a:srgbClr val="2A1A00"/>
                 </a:solidFill>
                 <a:latin typeface="Gill Sans MT" panose="020B0502020104020203" pitchFamily="34" charset="0"/>
+                <a:cs typeface="B Nazanin" panose="00000400000000000000" pitchFamily="2" charset="-78"/>
               </a:rPr>
               <a:t>–</a:t>
             </a:r>
@@ -24909,6 +25785,7 @@
                   <a:srgbClr val="585858"/>
                 </a:solidFill>
                 <a:latin typeface="Gill Sans MT" panose="020B0502020104020203" pitchFamily="34" charset="0"/>
+                <a:cs typeface="B Nazanin" panose="00000400000000000000" pitchFamily="2" charset="-78"/>
               </a:rPr>
               <a:t>hit time</a:t>
             </a:r>
@@ -24918,6 +25795,7 @@
                   <a:srgbClr val="585858"/>
                 </a:solidFill>
                 <a:latin typeface="Gill Sans MT" panose="020B0502020104020203" pitchFamily="34" charset="0"/>
+                <a:cs typeface="B Nazanin" panose="00000400000000000000" pitchFamily="2" charset="-78"/>
               </a:rPr>
               <a:t>: time to determine if the access is indeed a hit + time to access and deliver the data from the cache to the CPU</a:t>
             </a:r>
@@ -24929,6 +25807,7 @@
                   <a:srgbClr val="2A1A00"/>
                 </a:solidFill>
                 <a:latin typeface="Gill Sans MT" panose="020B0502020104020203" pitchFamily="34" charset="0"/>
+                <a:cs typeface="B Nazanin" panose="00000400000000000000" pitchFamily="2" charset="-78"/>
               </a:rPr>
               <a:t>–</a:t>
             </a:r>
@@ -24938,6 +25817,7 @@
                   <a:srgbClr val="585858"/>
                 </a:solidFill>
                 <a:latin typeface="Gill Sans MT" panose="020B0502020104020203" pitchFamily="34" charset="0"/>
+                <a:cs typeface="B Nazanin" panose="00000400000000000000" pitchFamily="2" charset="-78"/>
               </a:rPr>
               <a:t>miss penalty</a:t>
             </a:r>
@@ -24947,6 +25827,7 @@
                   <a:srgbClr val="585858"/>
                 </a:solidFill>
                 <a:latin typeface="Gill Sans MT" panose="020B0502020104020203" pitchFamily="34" charset="0"/>
+                <a:cs typeface="B Nazanin" panose="00000400000000000000" pitchFamily="2" charset="-78"/>
               </a:rPr>
               <a:t>: time to determine if the access is a miss + time to replace block at upper level with corresponding block at lower level + time to deliver the block to the CPU </a:t>
             </a:r>
@@ -24957,6 +25838,7 @@
                 <a:srgbClr val="585858"/>
               </a:solidFill>
               <a:latin typeface="Gill Sans MT" panose="020B0502020104020203" pitchFamily="34" charset="0"/>
+              <a:cs typeface="B Nazanin" panose="00000400000000000000" pitchFamily="2" charset="-78"/>
             </a:endParaRPr>
           </a:p>
         </p:txBody>
@@ -25006,7 +25888,7 @@
         <p:spPr>
           <a:xfrm>
             <a:off x="4711962" y="1013346"/>
-            <a:ext cx="4156787" cy="2308324"/>
+            <a:ext cx="4156787" cy="2031325"/>
           </a:xfrm>
           <a:prstGeom prst="rect">
             <a:avLst/>
@@ -25021,49 +25903,63 @@
           <a:p>
             <a:pPr algn="r" rtl="1"/>
             <a:r>
-              <a:rPr lang="fa-IR" dirty="0"/>
+              <a:rPr lang="fa-IR" dirty="0">
+                <a:cs typeface="B Nazanin" panose="00000400000000000000" pitchFamily="2" charset="-78"/>
+              </a:rPr>
               <a:t>• با مثال ساده</a:t>
             </a:r>
           </a:p>
           <a:p>
             <a:pPr algn="r" rtl="1"/>
             <a:r>
-              <a:rPr lang="fa-IR" dirty="0"/>
+              <a:rPr lang="fa-IR" dirty="0">
+                <a:cs typeface="B Nazanin" panose="00000400000000000000" pitchFamily="2" charset="-78"/>
+              </a:rPr>
               <a:t>- فرض کنید اندازه بلوک = یک کلمه داده</a:t>
             </a:r>
           </a:p>
           <a:p>
             <a:pPr algn="r" rtl="1"/>
             <a:r>
-              <a:rPr lang="fa-IR" dirty="0"/>
+              <a:rPr lang="fa-IR" dirty="0">
+                <a:cs typeface="B Nazanin" panose="00000400000000000000" pitchFamily="2" charset="-78"/>
+              </a:rPr>
               <a:t>• مسائل:</a:t>
             </a:r>
           </a:p>
           <a:p>
             <a:pPr algn="r" rtl="1"/>
             <a:r>
-              <a:rPr lang="fa-IR" dirty="0"/>
+              <a:rPr lang="fa-IR" dirty="0">
+                <a:cs typeface="B Nazanin" panose="00000400000000000000" pitchFamily="2" charset="-78"/>
+              </a:rPr>
               <a:t>- چگونه بفهمیم که یک آیتم داده در حافظه پنهان است؟</a:t>
             </a:r>
           </a:p>
           <a:p>
             <a:pPr algn="r" rtl="1"/>
             <a:r>
-              <a:rPr lang="fa-IR" dirty="0"/>
+              <a:rPr lang="fa-IR" dirty="0">
+                <a:cs typeface="B Nazanin" panose="00000400000000000000" pitchFamily="2" charset="-78"/>
+              </a:rPr>
               <a:t>- اگر هست، چگونه آن را پیدا کنیم؟</a:t>
             </a:r>
           </a:p>
           <a:p>
             <a:pPr algn="r" rtl="1"/>
             <a:r>
-              <a:rPr lang="fa-IR" dirty="0"/>
+              <a:rPr lang="fa-IR" dirty="0">
+                <a:cs typeface="B Nazanin" panose="00000400000000000000" pitchFamily="2" charset="-78"/>
+              </a:rPr>
               <a:t>- اگر نه، چه کار کنیم؟</a:t>
             </a:r>
           </a:p>
           <a:p>
             <a:pPr algn="r" rtl="1"/>
             <a:r>
-              <a:rPr lang="fa-IR" dirty="0"/>
+              <a:rPr lang="fa-IR" dirty="0">
+                <a:cs typeface="B Nazanin" panose="00000400000000000000" pitchFamily="2" charset="-78"/>
+              </a:rPr>
               <a:t>• راه حل به طرح آدرس دهی کش بستگی دارد…</a:t>
             </a:r>
           </a:p>
@@ -25150,6 +26046,7 @@
                   <a:srgbClr val="2A1A00"/>
                 </a:solidFill>
                 <a:latin typeface="Impact" panose="020B0806030902050204" pitchFamily="34" charset="0"/>
+                <a:cs typeface="B Nazanin" panose="00000400000000000000" pitchFamily="2" charset="-78"/>
               </a:rPr>
               <a:t>CACHE</a:t>
             </a:r>
@@ -25162,10 +26059,13 @@
                   <a:srgbClr val="2A1A00"/>
                 </a:solidFill>
                 <a:latin typeface="Impact" panose="020B0806030902050204" pitchFamily="34" charset="0"/>
+                <a:cs typeface="B Nazanin" panose="00000400000000000000" pitchFamily="2" charset="-78"/>
               </a:rPr>
               <a:t>حافظه کوتاه مدت</a:t>
             </a:r>
-            <a:endParaRPr lang="en-US" dirty="0"/>
+            <a:endParaRPr lang="en-US" dirty="0">
+              <a:cs typeface="B Nazanin" panose="00000400000000000000" pitchFamily="2" charset="-78"/>
+            </a:endParaRPr>
           </a:p>
         </p:txBody>
       </p:sp>
@@ -25203,6 +26103,7 @@
                   <a:srgbClr val="2A1A00"/>
                 </a:solidFill>
                 <a:latin typeface="Arial" panose="020B0604020202020204" pitchFamily="34" charset="0"/>
+                <a:cs typeface="B Nazanin" panose="00000400000000000000" pitchFamily="2" charset="-78"/>
               </a:rPr>
               <a:t>• By simple example </a:t>
             </a:r>
@@ -25214,6 +26115,7 @@
                   <a:srgbClr val="2A1A00"/>
                 </a:solidFill>
                 <a:latin typeface="Gill Sans MT" panose="020B0502020104020203" pitchFamily="34" charset="0"/>
+                <a:cs typeface="B Nazanin" panose="00000400000000000000" pitchFamily="2" charset="-78"/>
               </a:rPr>
               <a:t>– assume block size = one word of data </a:t>
             </a:r>
@@ -25225,6 +26127,7 @@
                   <a:srgbClr val="2A1A00"/>
                 </a:solidFill>
                 <a:latin typeface="Gill Sans MT" panose="020B0502020104020203" pitchFamily="34" charset="0"/>
+                <a:cs typeface="B Nazanin" panose="00000400000000000000" pitchFamily="2" charset="-78"/>
               </a:rPr>
               <a:t>• Issues:</a:t>
             </a:r>
@@ -25236,6 +26139,7 @@
                   <a:srgbClr val="2A1A00"/>
                 </a:solidFill>
                 <a:latin typeface="Gill Sans MT" panose="020B0502020104020203" pitchFamily="34" charset="0"/>
+                <a:cs typeface="B Nazanin" panose="00000400000000000000" pitchFamily="2" charset="-78"/>
               </a:rPr>
               <a:t>– how do we know if a data item is in the cache?</a:t>
             </a:r>
@@ -25247,6 +26151,7 @@
                   <a:srgbClr val="2A1A00"/>
                 </a:solidFill>
                 <a:latin typeface="Gill Sans MT" panose="020B0502020104020203" pitchFamily="34" charset="0"/>
+                <a:cs typeface="B Nazanin" panose="00000400000000000000" pitchFamily="2" charset="-78"/>
               </a:rPr>
               <a:t>– if it is, how do we find it?</a:t>
             </a:r>
@@ -25258,6 +26163,7 @@
                   <a:srgbClr val="2A1A00"/>
                 </a:solidFill>
                 <a:latin typeface="Gill Sans MT" panose="020B0502020104020203" pitchFamily="34" charset="0"/>
+                <a:cs typeface="B Nazanin" panose="00000400000000000000" pitchFamily="2" charset="-78"/>
               </a:rPr>
               <a:t>– if not, what do we do?</a:t>
             </a:r>
@@ -25269,6 +26175,7 @@
                   <a:srgbClr val="2A1A00"/>
                 </a:solidFill>
                 <a:latin typeface="Gill Sans MT" panose="020B0502020104020203" pitchFamily="34" charset="0"/>
+                <a:cs typeface="B Nazanin" panose="00000400000000000000" pitchFamily="2" charset="-78"/>
               </a:rPr>
               <a:t>• Solution depends on cache addressing scheme…</a:t>
             </a:r>
@@ -26204,15 +27111,6 @@
 </file>
 
 <file path=customXml/item1.xml><?xml version="1.0" encoding="utf-8"?>
-<?mso-contentType ?>
-<FormTemplates xmlns="http://schemas.microsoft.com/sharepoint/v3/contenttype/forms">
-  <Display>DocumentLibraryForm</Display>
-  <Edit>DocumentLibraryForm</Edit>
-  <New>DocumentLibraryForm</New>
-</FormTemplates>
-</file>
-
-<file path=customXml/item2.xml><?xml version="1.0" encoding="utf-8"?>
 <p:properties xmlns:p="http://schemas.microsoft.com/office/2006/metadata/properties" xmlns:xsi="http://www.w3.org/2001/XMLSchema-instance" xmlns:pc="http://schemas.microsoft.com/office/infopath/2007/PartnerControls">
   <documentManagement>
     <Status xmlns="71af3243-3dd4-4a8d-8c0d-dd76da1f02a5">Not started</Status>
@@ -26221,7 +27119,7 @@
 </p:properties>
 </file>
 
-<file path=customXml/item3.xml><?xml version="1.0" encoding="utf-8"?>
+<file path=customXml/item2.xml><?xml version="1.0" encoding="utf-8"?>
 <ct:contentTypeSchema xmlns:ct="http://schemas.microsoft.com/office/2006/metadata/contentType" xmlns:ma="http://schemas.microsoft.com/office/2006/metadata/properties/metaAttributes" ct:_="" ma:_="" ma:contentTypeName="Document" ma:contentTypeID="0x01010079F111ED35F8CC479449609E8A0923A6" ma:contentTypeVersion="12" ma:contentTypeDescription="Create a new document." ma:contentTypeScope="" ma:versionID="426e97fa315356fffbdcd9876fe988c2">
   <xsd:schema xmlns:xsd="http://www.w3.org/2001/XMLSchema" xmlns:xs="http://www.w3.org/2001/XMLSchema" xmlns:p="http://schemas.microsoft.com/office/2006/metadata/properties" xmlns:ns2="71af3243-3dd4-4a8d-8c0d-dd76da1f02a5" xmlns:ns3="16c05727-aa75-4e4a-9b5f-8a80a1165891" targetNamespace="http://schemas.microsoft.com/office/2006/metadata/properties" ma:root="true" ma:fieldsID="14b8f0def80e6d70ce3def20c90759ae" ns2:_="" ns3:_="">
     <xsd:import namespace="71af3243-3dd4-4a8d-8c0d-dd76da1f02a5"/>
@@ -26442,15 +27340,16 @@
 </ct:contentTypeSchema>
 </file>
 
-<file path=customXml/itemProps1.xml><?xml version="1.0" encoding="utf-8"?>
-<ds:datastoreItem xmlns:ds="http://schemas.openxmlformats.org/officeDocument/2006/customXml" ds:itemID="{1B7E2D32-4FDD-4266-880C-17595B801432}">
-  <ds:schemaRefs>
-    <ds:schemaRef ds:uri="http://schemas.microsoft.com/sharepoint/v3/contenttype/forms"/>
-  </ds:schemaRefs>
-</ds:datastoreItem>
+<file path=customXml/item3.xml><?xml version="1.0" encoding="utf-8"?>
+<?mso-contentType ?>
+<FormTemplates xmlns="http://schemas.microsoft.com/sharepoint/v3/contenttype/forms">
+  <Display>DocumentLibraryForm</Display>
+  <Edit>DocumentLibraryForm</Edit>
+  <New>DocumentLibraryForm</New>
+</FormTemplates>
 </file>
 
-<file path=customXml/itemProps2.xml><?xml version="1.0" encoding="utf-8"?>
+<file path=customXml/itemProps1.xml><?xml version="1.0" encoding="utf-8"?>
 <ds:datastoreItem xmlns:ds="http://schemas.openxmlformats.org/officeDocument/2006/customXml" ds:itemID="{E3D9F223-918A-45AF-9B53-56AB9E5E2182}">
   <ds:schemaRefs>
     <ds:schemaRef ds:uri="http://schemas.microsoft.com/office/2006/metadata/properties"/>
@@ -26460,7 +27359,7 @@
 </ds:datastoreItem>
 </file>
 
-<file path=customXml/itemProps3.xml><?xml version="1.0" encoding="utf-8"?>
+<file path=customXml/itemProps2.xml><?xml version="1.0" encoding="utf-8"?>
 <ds:datastoreItem xmlns:ds="http://schemas.openxmlformats.org/officeDocument/2006/customXml" ds:itemID="{55BB9993-D5F9-46FA-B2E5-80E3632E9820}">
   <ds:schemaRefs>
     <ds:schemaRef ds:uri="http://schemas.microsoft.com/office/2006/metadata/contentType"/>
@@ -26477,4 +27376,12 @@
     <ds:schemaRef ds:uri="http://schemas.microsoft.com/internal/obd"/>
   </ds:schemaRefs>
 </ds:datastoreItem>
+</file>
+
+<file path=customXml/itemProps3.xml><?xml version="1.0" encoding="utf-8"?>
+<ds:datastoreItem xmlns:ds="http://schemas.openxmlformats.org/officeDocument/2006/customXml" ds:itemID="{1B7E2D32-4FDD-4266-880C-17595B801432}">
+  <ds:schemaRefs>
+    <ds:schemaRef ds:uri="http://schemas.microsoft.com/sharepoint/v3/contenttype/forms"/>
+  </ds:schemaRefs>
+</ds:datastoreItem>
 </file>
--- a/Chapter4.Memory Hirearchy.pptx
+++ b/Chapter4.Memory Hirearchy.pptx
@@ -273,7 +273,7 @@
           <a:p>
             <a:fld id="{966D5B4E-BF3E-3B45-A4BA-D6C3B92870D7}" type="datetimeFigureOut">
               <a:rPr lang="en-US" smtClean="0"/>
-              <a:t>6/26/2023</a:t>
+              <a:t>6/27/2023</a:t>
             </a:fld>
             <a:endParaRPr lang="en-US" dirty="0"/>
           </a:p>
@@ -450,7 +450,7 @@
           <a:p>
             <a:fld id="{F5A8621B-8C8E-49BA-8772-41D0FE75A082}" type="datetimeFigureOut">
               <a:rPr lang="en-US" smtClean="0"/>
-              <a:t>6/26/2023</a:t>
+              <a:t>6/27/2023</a:t>
             </a:fld>
             <a:endParaRPr lang="en-US" dirty="0"/>
           </a:p>
@@ -13636,7 +13636,7 @@
                 <a:latin typeface="Impact" panose="020B0806030902050204" pitchFamily="34" charset="0"/>
                 <a:cs typeface="B Nazanin" panose="00000400000000000000" pitchFamily="2" charset="-78"/>
               </a:rPr>
-              <a:t>CACHE READ HIT/MISS</a:t>
+              <a:t>CACHE WRITE HIT/MISS</a:t>
             </a:r>
             <a:endParaRPr lang="en-US" dirty="0">
               <a:cs typeface="B Nazanin" panose="00000400000000000000" pitchFamily="2" charset="-78"/>
@@ -18327,8 +18327,8 @@
         </p:nvSpPr>
         <p:spPr>
           <a:xfrm>
-            <a:off x="4641984" y="1048940"/>
-            <a:ext cx="4362054" cy="3416320"/>
+            <a:off x="4502017" y="792778"/>
+            <a:ext cx="4641983" cy="3416320"/>
           </a:xfrm>
           <a:prstGeom prst="rect">
             <a:avLst/>
@@ -18696,7 +18696,7 @@
         <p:spPr>
           <a:xfrm>
             <a:off x="111965" y="792778"/>
-            <a:ext cx="4390052" cy="5632311"/>
+            <a:ext cx="4390052" cy="5909310"/>
           </a:xfrm>
           <a:prstGeom prst="rect">
             <a:avLst/>
@@ -18708,6 +18708,16 @@
             <a:spAutoFit/>
           </a:bodyPr>
           <a:lstStyle/>
+          <a:p>
+            <a:r>
+              <a:rPr lang="en-US" altLang="en-US" sz="1800" dirty="0">
+                <a:solidFill>
+                  <a:schemeClr val="folHlink"/>
+                </a:solidFill>
+              </a:rPr>
+              <a:t>1.</a:t>
+            </a:r>
+          </a:p>
           <a:p>
             <a:r>
               <a:rPr lang="en-US" sz="1800" b="0" i="0" u="none" strike="noStrike" baseline="0" dirty="0">
@@ -27111,15 +27121,6 @@
 </file>
 
 <file path=customXml/item1.xml><?xml version="1.0" encoding="utf-8"?>
-<p:properties xmlns:p="http://schemas.microsoft.com/office/2006/metadata/properties" xmlns:xsi="http://www.w3.org/2001/XMLSchema-instance" xmlns:pc="http://schemas.microsoft.com/office/infopath/2007/PartnerControls">
-  <documentManagement>
-    <Status xmlns="71af3243-3dd4-4a8d-8c0d-dd76da1f02a5">Not started</Status>
-    <MediaServiceKeyPoints xmlns="71af3243-3dd4-4a8d-8c0d-dd76da1f02a5" xsi:nil="true"/>
-  </documentManagement>
-</p:properties>
-</file>
-
-<file path=customXml/item2.xml><?xml version="1.0" encoding="utf-8"?>
 <ct:contentTypeSchema xmlns:ct="http://schemas.microsoft.com/office/2006/metadata/contentType" xmlns:ma="http://schemas.microsoft.com/office/2006/metadata/properties/metaAttributes" ct:_="" ma:_="" ma:contentTypeName="Document" ma:contentTypeID="0x01010079F111ED35F8CC479449609E8A0923A6" ma:contentTypeVersion="12" ma:contentTypeDescription="Create a new document." ma:contentTypeScope="" ma:versionID="426e97fa315356fffbdcd9876fe988c2">
   <xsd:schema xmlns:xsd="http://www.w3.org/2001/XMLSchema" xmlns:xs="http://www.w3.org/2001/XMLSchema" xmlns:p="http://schemas.microsoft.com/office/2006/metadata/properties" xmlns:ns2="71af3243-3dd4-4a8d-8c0d-dd76da1f02a5" xmlns:ns3="16c05727-aa75-4e4a-9b5f-8a80a1165891" targetNamespace="http://schemas.microsoft.com/office/2006/metadata/properties" ma:root="true" ma:fieldsID="14b8f0def80e6d70ce3def20c90759ae" ns2:_="" ns3:_="">
     <xsd:import namespace="71af3243-3dd4-4a8d-8c0d-dd76da1f02a5"/>
@@ -27340,7 +27341,7 @@
 </ct:contentTypeSchema>
 </file>
 
-<file path=customXml/item3.xml><?xml version="1.0" encoding="utf-8"?>
+<file path=customXml/item2.xml><?xml version="1.0" encoding="utf-8"?>
 <?mso-contentType ?>
 <FormTemplates xmlns="http://schemas.microsoft.com/sharepoint/v3/contenttype/forms">
   <Display>DocumentLibraryForm</Display>
@@ -27349,17 +27350,16 @@
 </FormTemplates>
 </file>
 
-<file path=customXml/itemProps1.xml><?xml version="1.0" encoding="utf-8"?>
-<ds:datastoreItem xmlns:ds="http://schemas.openxmlformats.org/officeDocument/2006/customXml" ds:itemID="{E3D9F223-918A-45AF-9B53-56AB9E5E2182}">
-  <ds:schemaRefs>
-    <ds:schemaRef ds:uri="http://schemas.microsoft.com/office/2006/metadata/properties"/>
-    <ds:schemaRef ds:uri="http://schemas.microsoft.com/office/infopath/2007/PartnerControls"/>
-    <ds:schemaRef ds:uri="71af3243-3dd4-4a8d-8c0d-dd76da1f02a5"/>
-  </ds:schemaRefs>
-</ds:datastoreItem>
+<file path=customXml/item3.xml><?xml version="1.0" encoding="utf-8"?>
+<p:properties xmlns:p="http://schemas.microsoft.com/office/2006/metadata/properties" xmlns:xsi="http://www.w3.org/2001/XMLSchema-instance" xmlns:pc="http://schemas.microsoft.com/office/infopath/2007/PartnerControls">
+  <documentManagement>
+    <Status xmlns="71af3243-3dd4-4a8d-8c0d-dd76da1f02a5">Not started</Status>
+    <MediaServiceKeyPoints xmlns="71af3243-3dd4-4a8d-8c0d-dd76da1f02a5" xsi:nil="true"/>
+  </documentManagement>
+</p:properties>
 </file>
 
-<file path=customXml/itemProps2.xml><?xml version="1.0" encoding="utf-8"?>
+<file path=customXml/itemProps1.xml><?xml version="1.0" encoding="utf-8"?>
 <ds:datastoreItem xmlns:ds="http://schemas.openxmlformats.org/officeDocument/2006/customXml" ds:itemID="{55BB9993-D5F9-46FA-B2E5-80E3632E9820}">
   <ds:schemaRefs>
     <ds:schemaRef ds:uri="http://schemas.microsoft.com/office/2006/metadata/contentType"/>
@@ -27378,10 +27378,20 @@
 </ds:datastoreItem>
 </file>
 
-<file path=customXml/itemProps3.xml><?xml version="1.0" encoding="utf-8"?>
+<file path=customXml/itemProps2.xml><?xml version="1.0" encoding="utf-8"?>
 <ds:datastoreItem xmlns:ds="http://schemas.openxmlformats.org/officeDocument/2006/customXml" ds:itemID="{1B7E2D32-4FDD-4266-880C-17595B801432}">
   <ds:schemaRefs>
     <ds:schemaRef ds:uri="http://schemas.microsoft.com/sharepoint/v3/contenttype/forms"/>
   </ds:schemaRefs>
 </ds:datastoreItem>
+</file>
+
+<file path=customXml/itemProps3.xml><?xml version="1.0" encoding="utf-8"?>
+<ds:datastoreItem xmlns:ds="http://schemas.openxmlformats.org/officeDocument/2006/customXml" ds:itemID="{E3D9F223-918A-45AF-9B53-56AB9E5E2182}">
+  <ds:schemaRefs>
+    <ds:schemaRef ds:uri="http://schemas.microsoft.com/office/2006/metadata/properties"/>
+    <ds:schemaRef ds:uri="http://schemas.microsoft.com/office/infopath/2007/PartnerControls"/>
+    <ds:schemaRef ds:uri="71af3243-3dd4-4a8d-8c0d-dd76da1f02a5"/>
+  </ds:schemaRefs>
+</ds:datastoreItem>
 </file>